--- a/presentation.pptx
+++ b/presentation.pptx
@@ -4,6 +4,9 @@
   <p:sldMasterIdLst>
     <p:sldMasterId id="2147483648" r:id="rId1"/>
   </p:sldMasterIdLst>
+  <p:notesMasterIdLst>
+    <p:notesMasterId r:id="rId24"/>
+  </p:notesMasterIdLst>
   <p:sldIdLst>
     <p:sldId id="256" r:id="rId2"/>
     <p:sldId id="257" r:id="rId3"/>
@@ -13,18 +16,20 @@
     <p:sldId id="262" r:id="rId7"/>
     <p:sldId id="263" r:id="rId8"/>
     <p:sldId id="266" r:id="rId9"/>
-    <p:sldId id="268" r:id="rId10"/>
-    <p:sldId id="269" r:id="rId11"/>
-    <p:sldId id="270" r:id="rId12"/>
-    <p:sldId id="271" r:id="rId13"/>
-    <p:sldId id="272" r:id="rId14"/>
-    <p:sldId id="273" r:id="rId15"/>
-    <p:sldId id="274" r:id="rId16"/>
-    <p:sldId id="275" r:id="rId17"/>
-    <p:sldId id="276" r:id="rId18"/>
-    <p:sldId id="277" r:id="rId19"/>
-    <p:sldId id="278" r:id="rId20"/>
-    <p:sldId id="279" r:id="rId21"/>
+    <p:sldId id="280" r:id="rId10"/>
+    <p:sldId id="281" r:id="rId11"/>
+    <p:sldId id="282" r:id="rId12"/>
+    <p:sldId id="283" r:id="rId13"/>
+    <p:sldId id="268" r:id="rId14"/>
+    <p:sldId id="269" r:id="rId15"/>
+    <p:sldId id="284" r:id="rId16"/>
+    <p:sldId id="271" r:id="rId17"/>
+    <p:sldId id="274" r:id="rId18"/>
+    <p:sldId id="285" r:id="rId19"/>
+    <p:sldId id="276" r:id="rId20"/>
+    <p:sldId id="277" r:id="rId21"/>
+    <p:sldId id="278" r:id="rId22"/>
+    <p:sldId id="279" r:id="rId23"/>
   </p:sldIdLst>
   <p:sldSz cx="12192000" cy="6858000"/>
   <p:notesSz cx="6858000" cy="9144000"/>
@@ -131,6 +136,356 @@
 </p:presentation>
 </file>
 
+<file path=ppt/notesMasters/notesMaster1.xml><?xml version="1.0" encoding="utf-8"?>
+<p:notesMaster xmlns:a="http://schemas.openxmlformats.org/drawingml/2006/main" xmlns:r="http://schemas.openxmlformats.org/officeDocument/2006/relationships" xmlns:p="http://schemas.openxmlformats.org/presentationml/2006/main">
+  <p:cSld>
+    <p:bg>
+      <p:bgRef idx="1001">
+        <a:schemeClr val="bg1"/>
+      </p:bgRef>
+    </p:bg>
+    <p:spTree>
+      <p:nvGrpSpPr>
+        <p:cNvPr id="1" name=""/>
+        <p:cNvGrpSpPr/>
+        <p:nvPr/>
+      </p:nvGrpSpPr>
+      <p:grpSpPr>
+        <a:xfrm>
+          <a:off x="0" y="0"/>
+          <a:ext cx="0" cy="0"/>
+          <a:chOff x="0" y="0"/>
+          <a:chExt cx="0" cy="0"/>
+        </a:xfrm>
+      </p:grpSpPr>
+      <p:sp>
+        <p:nvSpPr>
+          <p:cNvPr id="2" name="Header Placeholder 1"/>
+          <p:cNvSpPr>
+            <a:spLocks noGrp="1"/>
+          </p:cNvSpPr>
+          <p:nvPr>
+            <p:ph type="hdr" sz="quarter"/>
+          </p:nvPr>
+        </p:nvSpPr>
+        <p:spPr>
+          <a:xfrm>
+            <a:off x="0" y="0"/>
+            <a:ext cx="2971800" cy="458788"/>
+          </a:xfrm>
+          <a:prstGeom prst="rect">
+            <a:avLst/>
+          </a:prstGeom>
+        </p:spPr>
+        <p:txBody>
+          <a:bodyPr vert="horz" lIns="91440" tIns="45720" rIns="91440" bIns="45720" rtlCol="0"/>
+          <a:lstStyle>
+            <a:lvl1pPr algn="l">
+              <a:defRPr sz="1200"/>
+            </a:lvl1pPr>
+          </a:lstStyle>
+          <a:p>
+            <a:endParaRPr lang="en-GB"/>
+          </a:p>
+        </p:txBody>
+      </p:sp>
+      <p:sp>
+        <p:nvSpPr>
+          <p:cNvPr id="3" name="Date Placeholder 2"/>
+          <p:cNvSpPr>
+            <a:spLocks noGrp="1"/>
+          </p:cNvSpPr>
+          <p:nvPr>
+            <p:ph type="dt" idx="1"/>
+          </p:nvPr>
+        </p:nvSpPr>
+        <p:spPr>
+          <a:xfrm>
+            <a:off x="3884613" y="0"/>
+            <a:ext cx="2971800" cy="458788"/>
+          </a:xfrm>
+          <a:prstGeom prst="rect">
+            <a:avLst/>
+          </a:prstGeom>
+        </p:spPr>
+        <p:txBody>
+          <a:bodyPr vert="horz" lIns="91440" tIns="45720" rIns="91440" bIns="45720" rtlCol="0"/>
+          <a:lstStyle>
+            <a:lvl1pPr algn="r">
+              <a:defRPr sz="1200"/>
+            </a:lvl1pPr>
+          </a:lstStyle>
+          <a:p>
+            <a:fld id="{0242C2D0-5B37-4148-B679-B1E62C82A485}" type="datetimeFigureOut">
+              <a:rPr lang="en-GB" smtClean="0"/>
+              <a:t>02/04/2022</a:t>
+            </a:fld>
+            <a:endParaRPr lang="en-GB"/>
+          </a:p>
+        </p:txBody>
+      </p:sp>
+      <p:sp>
+        <p:nvSpPr>
+          <p:cNvPr id="4" name="Slide Image Placeholder 3"/>
+          <p:cNvSpPr>
+            <a:spLocks noGrp="1" noRot="1" noChangeAspect="1"/>
+          </p:cNvSpPr>
+          <p:nvPr>
+            <p:ph type="sldImg" idx="2"/>
+          </p:nvPr>
+        </p:nvSpPr>
+        <p:spPr>
+          <a:xfrm>
+            <a:off x="685800" y="1143000"/>
+            <a:ext cx="5486400" cy="3086100"/>
+          </a:xfrm>
+          <a:prstGeom prst="rect">
+            <a:avLst/>
+          </a:prstGeom>
+          <a:noFill/>
+          <a:ln w="12700">
+            <a:solidFill>
+              <a:prstClr val="black"/>
+            </a:solidFill>
+          </a:ln>
+        </p:spPr>
+        <p:txBody>
+          <a:bodyPr vert="horz" lIns="91440" tIns="45720" rIns="91440" bIns="45720" rtlCol="0" anchor="ctr"/>
+          <a:lstStyle/>
+          <a:p>
+            <a:endParaRPr lang="en-GB"/>
+          </a:p>
+        </p:txBody>
+      </p:sp>
+      <p:sp>
+        <p:nvSpPr>
+          <p:cNvPr id="5" name="Notes Placeholder 4"/>
+          <p:cNvSpPr>
+            <a:spLocks noGrp="1"/>
+          </p:cNvSpPr>
+          <p:nvPr>
+            <p:ph type="body" sz="quarter" idx="3"/>
+          </p:nvPr>
+        </p:nvSpPr>
+        <p:spPr>
+          <a:xfrm>
+            <a:off x="685800" y="4400550"/>
+            <a:ext cx="5486400" cy="3600450"/>
+          </a:xfrm>
+          <a:prstGeom prst="rect">
+            <a:avLst/>
+          </a:prstGeom>
+        </p:spPr>
+        <p:txBody>
+          <a:bodyPr vert="horz" lIns="91440" tIns="45720" rIns="91440" bIns="45720" rtlCol="0"/>
+          <a:lstStyle/>
+          <a:p>
+            <a:pPr lvl="0"/>
+            <a:r>
+              <a:rPr lang="en-US"/>
+              <a:t>Click to edit Master text styles</a:t>
+            </a:r>
+          </a:p>
+          <a:p>
+            <a:pPr lvl="1"/>
+            <a:r>
+              <a:rPr lang="en-US"/>
+              <a:t>Second level</a:t>
+            </a:r>
+          </a:p>
+          <a:p>
+            <a:pPr lvl="2"/>
+            <a:r>
+              <a:rPr lang="en-US"/>
+              <a:t>Third level</a:t>
+            </a:r>
+          </a:p>
+          <a:p>
+            <a:pPr lvl="3"/>
+            <a:r>
+              <a:rPr lang="en-US"/>
+              <a:t>Fourth level</a:t>
+            </a:r>
+          </a:p>
+          <a:p>
+            <a:pPr lvl="4"/>
+            <a:r>
+              <a:rPr lang="en-US"/>
+              <a:t>Fifth level</a:t>
+            </a:r>
+            <a:endParaRPr lang="en-GB"/>
+          </a:p>
+        </p:txBody>
+      </p:sp>
+      <p:sp>
+        <p:nvSpPr>
+          <p:cNvPr id="6" name="Footer Placeholder 5"/>
+          <p:cNvSpPr>
+            <a:spLocks noGrp="1"/>
+          </p:cNvSpPr>
+          <p:nvPr>
+            <p:ph type="ftr" sz="quarter" idx="4"/>
+          </p:nvPr>
+        </p:nvSpPr>
+        <p:spPr>
+          <a:xfrm>
+            <a:off x="0" y="8685213"/>
+            <a:ext cx="2971800" cy="458787"/>
+          </a:xfrm>
+          <a:prstGeom prst="rect">
+            <a:avLst/>
+          </a:prstGeom>
+        </p:spPr>
+        <p:txBody>
+          <a:bodyPr vert="horz" lIns="91440" tIns="45720" rIns="91440" bIns="45720" rtlCol="0" anchor="b"/>
+          <a:lstStyle>
+            <a:lvl1pPr algn="l">
+              <a:defRPr sz="1200"/>
+            </a:lvl1pPr>
+          </a:lstStyle>
+          <a:p>
+            <a:endParaRPr lang="en-GB"/>
+          </a:p>
+        </p:txBody>
+      </p:sp>
+      <p:sp>
+        <p:nvSpPr>
+          <p:cNvPr id="7" name="Slide Number Placeholder 6"/>
+          <p:cNvSpPr>
+            <a:spLocks noGrp="1"/>
+          </p:cNvSpPr>
+          <p:nvPr>
+            <p:ph type="sldNum" sz="quarter" idx="5"/>
+          </p:nvPr>
+        </p:nvSpPr>
+        <p:spPr>
+          <a:xfrm>
+            <a:off x="3884613" y="8685213"/>
+            <a:ext cx="2971800" cy="458787"/>
+          </a:xfrm>
+          <a:prstGeom prst="rect">
+            <a:avLst/>
+          </a:prstGeom>
+        </p:spPr>
+        <p:txBody>
+          <a:bodyPr vert="horz" lIns="91440" tIns="45720" rIns="91440" bIns="45720" rtlCol="0" anchor="b"/>
+          <a:lstStyle>
+            <a:lvl1pPr algn="r">
+              <a:defRPr sz="1200"/>
+            </a:lvl1pPr>
+          </a:lstStyle>
+          <a:p>
+            <a:fld id="{7F66CCC2-16F0-476E-AE11-D062D98B4CB9}" type="slidenum">
+              <a:rPr lang="en-GB" smtClean="0"/>
+              <a:t>‹#›</a:t>
+            </a:fld>
+            <a:endParaRPr lang="en-GB"/>
+          </a:p>
+        </p:txBody>
+      </p:sp>
+    </p:spTree>
+    <p:extLst>
+      <p:ext uri="{BB962C8B-B14F-4D97-AF65-F5344CB8AC3E}">
+        <p14:creationId xmlns:p14="http://schemas.microsoft.com/office/powerpoint/2010/main" val="3870227699"/>
+      </p:ext>
+    </p:extLst>
+  </p:cSld>
+  <p:clrMap bg1="lt1" tx1="dk1" bg2="lt2" tx2="dk2" accent1="accent1" accent2="accent2" accent3="accent3" accent4="accent4" accent5="accent5" accent6="accent6" hlink="hlink" folHlink="folHlink"/>
+  <p:notesStyle>
+    <a:lvl1pPr marL="0" algn="l" defTabSz="914400" rtl="0" eaLnBrk="1" latinLnBrk="0" hangingPunct="1">
+      <a:defRPr sz="1200" kern="1200">
+        <a:solidFill>
+          <a:schemeClr val="tx1"/>
+        </a:solidFill>
+        <a:latin typeface="+mn-lt"/>
+        <a:ea typeface="+mn-ea"/>
+        <a:cs typeface="+mn-cs"/>
+      </a:defRPr>
+    </a:lvl1pPr>
+    <a:lvl2pPr marL="457200" algn="l" defTabSz="914400" rtl="0" eaLnBrk="1" latinLnBrk="0" hangingPunct="1">
+      <a:defRPr sz="1200" kern="1200">
+        <a:solidFill>
+          <a:schemeClr val="tx1"/>
+        </a:solidFill>
+        <a:latin typeface="+mn-lt"/>
+        <a:ea typeface="+mn-ea"/>
+        <a:cs typeface="+mn-cs"/>
+      </a:defRPr>
+    </a:lvl2pPr>
+    <a:lvl3pPr marL="914400" algn="l" defTabSz="914400" rtl="0" eaLnBrk="1" latinLnBrk="0" hangingPunct="1">
+      <a:defRPr sz="1200" kern="1200">
+        <a:solidFill>
+          <a:schemeClr val="tx1"/>
+        </a:solidFill>
+        <a:latin typeface="+mn-lt"/>
+        <a:ea typeface="+mn-ea"/>
+        <a:cs typeface="+mn-cs"/>
+      </a:defRPr>
+    </a:lvl3pPr>
+    <a:lvl4pPr marL="1371600" algn="l" defTabSz="914400" rtl="0" eaLnBrk="1" latinLnBrk="0" hangingPunct="1">
+      <a:defRPr sz="1200" kern="1200">
+        <a:solidFill>
+          <a:schemeClr val="tx1"/>
+        </a:solidFill>
+        <a:latin typeface="+mn-lt"/>
+        <a:ea typeface="+mn-ea"/>
+        <a:cs typeface="+mn-cs"/>
+      </a:defRPr>
+    </a:lvl4pPr>
+    <a:lvl5pPr marL="1828800" algn="l" defTabSz="914400" rtl="0" eaLnBrk="1" latinLnBrk="0" hangingPunct="1">
+      <a:defRPr sz="1200" kern="1200">
+        <a:solidFill>
+          <a:schemeClr val="tx1"/>
+        </a:solidFill>
+        <a:latin typeface="+mn-lt"/>
+        <a:ea typeface="+mn-ea"/>
+        <a:cs typeface="+mn-cs"/>
+      </a:defRPr>
+    </a:lvl5pPr>
+    <a:lvl6pPr marL="2286000" algn="l" defTabSz="914400" rtl="0" eaLnBrk="1" latinLnBrk="0" hangingPunct="1">
+      <a:defRPr sz="1200" kern="1200">
+        <a:solidFill>
+          <a:schemeClr val="tx1"/>
+        </a:solidFill>
+        <a:latin typeface="+mn-lt"/>
+        <a:ea typeface="+mn-ea"/>
+        <a:cs typeface="+mn-cs"/>
+      </a:defRPr>
+    </a:lvl6pPr>
+    <a:lvl7pPr marL="2743200" algn="l" defTabSz="914400" rtl="0" eaLnBrk="1" latinLnBrk="0" hangingPunct="1">
+      <a:defRPr sz="1200" kern="1200">
+        <a:solidFill>
+          <a:schemeClr val="tx1"/>
+        </a:solidFill>
+        <a:latin typeface="+mn-lt"/>
+        <a:ea typeface="+mn-ea"/>
+        <a:cs typeface="+mn-cs"/>
+      </a:defRPr>
+    </a:lvl7pPr>
+    <a:lvl8pPr marL="3200400" algn="l" defTabSz="914400" rtl="0" eaLnBrk="1" latinLnBrk="0" hangingPunct="1">
+      <a:defRPr sz="1200" kern="1200">
+        <a:solidFill>
+          <a:schemeClr val="tx1"/>
+        </a:solidFill>
+        <a:latin typeface="+mn-lt"/>
+        <a:ea typeface="+mn-ea"/>
+        <a:cs typeface="+mn-cs"/>
+      </a:defRPr>
+    </a:lvl8pPr>
+    <a:lvl9pPr marL="3657600" algn="l" defTabSz="914400" rtl="0" eaLnBrk="1" latinLnBrk="0" hangingPunct="1">
+      <a:defRPr sz="1200" kern="1200">
+        <a:solidFill>
+          <a:schemeClr val="tx1"/>
+        </a:solidFill>
+        <a:latin typeface="+mn-lt"/>
+        <a:ea typeface="+mn-ea"/>
+        <a:cs typeface="+mn-cs"/>
+      </a:defRPr>
+    </a:lvl9pPr>
+  </p:notesStyle>
+</p:notesMaster>
+</file>
+
 <file path=ppt/slideLayouts/slideLayout1.xml><?xml version="1.0" encoding="utf-8"?>
 <p:sldLayout xmlns:a="http://schemas.openxmlformats.org/drawingml/2006/main" xmlns:r="http://schemas.openxmlformats.org/officeDocument/2006/relationships" xmlns:p="http://schemas.openxmlformats.org/presentationml/2006/main" type="title" preserve="1">
   <p:cSld name="Title Slide">
@@ -280,7 +635,7 @@
           <a:p>
             <a:fld id="{77B73E64-E8C8-441E-A2EF-26309BCA6DAE}" type="datetimeFigureOut">
               <a:rPr lang="en-GB" smtClean="0"/>
-              <a:t>01/04/2022</a:t>
+              <a:t>02/04/2022</a:t>
             </a:fld>
             <a:endParaRPr lang="en-GB"/>
           </a:p>
@@ -480,7 +835,7 @@
           <a:p>
             <a:fld id="{77B73E64-E8C8-441E-A2EF-26309BCA6DAE}" type="datetimeFigureOut">
               <a:rPr lang="en-GB" smtClean="0"/>
-              <a:t>01/04/2022</a:t>
+              <a:t>02/04/2022</a:t>
             </a:fld>
             <a:endParaRPr lang="en-GB"/>
           </a:p>
@@ -690,7 +1045,7 @@
           <a:p>
             <a:fld id="{77B73E64-E8C8-441E-A2EF-26309BCA6DAE}" type="datetimeFigureOut">
               <a:rPr lang="en-GB" smtClean="0"/>
-              <a:t>01/04/2022</a:t>
+              <a:t>02/04/2022</a:t>
             </a:fld>
             <a:endParaRPr lang="en-GB"/>
           </a:p>
@@ -890,7 +1245,7 @@
           <a:p>
             <a:fld id="{77B73E64-E8C8-441E-A2EF-26309BCA6DAE}" type="datetimeFigureOut">
               <a:rPr lang="en-GB" smtClean="0"/>
-              <a:t>01/04/2022</a:t>
+              <a:t>02/04/2022</a:t>
             </a:fld>
             <a:endParaRPr lang="en-GB"/>
           </a:p>
@@ -1166,7 +1521,7 @@
           <a:p>
             <a:fld id="{77B73E64-E8C8-441E-A2EF-26309BCA6DAE}" type="datetimeFigureOut">
               <a:rPr lang="en-GB" smtClean="0"/>
-              <a:t>01/04/2022</a:t>
+              <a:t>02/04/2022</a:t>
             </a:fld>
             <a:endParaRPr lang="en-GB"/>
           </a:p>
@@ -1434,7 +1789,7 @@
           <a:p>
             <a:fld id="{77B73E64-E8C8-441E-A2EF-26309BCA6DAE}" type="datetimeFigureOut">
               <a:rPr lang="en-GB" smtClean="0"/>
-              <a:t>01/04/2022</a:t>
+              <a:t>02/04/2022</a:t>
             </a:fld>
             <a:endParaRPr lang="en-GB"/>
           </a:p>
@@ -1849,7 +2204,7 @@
           <a:p>
             <a:fld id="{77B73E64-E8C8-441E-A2EF-26309BCA6DAE}" type="datetimeFigureOut">
               <a:rPr lang="en-GB" smtClean="0"/>
-              <a:t>01/04/2022</a:t>
+              <a:t>02/04/2022</a:t>
             </a:fld>
             <a:endParaRPr lang="en-GB"/>
           </a:p>
@@ -1991,7 +2346,7 @@
           <a:p>
             <a:fld id="{77B73E64-E8C8-441E-A2EF-26309BCA6DAE}" type="datetimeFigureOut">
               <a:rPr lang="en-GB" smtClean="0"/>
-              <a:t>01/04/2022</a:t>
+              <a:t>02/04/2022</a:t>
             </a:fld>
             <a:endParaRPr lang="en-GB"/>
           </a:p>
@@ -2104,7 +2459,7 @@
           <a:p>
             <a:fld id="{77B73E64-E8C8-441E-A2EF-26309BCA6DAE}" type="datetimeFigureOut">
               <a:rPr lang="en-GB" smtClean="0"/>
-              <a:t>01/04/2022</a:t>
+              <a:t>02/04/2022</a:t>
             </a:fld>
             <a:endParaRPr lang="en-GB"/>
           </a:p>
@@ -2417,7 +2772,7 @@
           <a:p>
             <a:fld id="{77B73E64-E8C8-441E-A2EF-26309BCA6DAE}" type="datetimeFigureOut">
               <a:rPr lang="en-GB" smtClean="0"/>
-              <a:t>01/04/2022</a:t>
+              <a:t>02/04/2022</a:t>
             </a:fld>
             <a:endParaRPr lang="en-GB"/>
           </a:p>
@@ -2706,7 +3061,7 @@
           <a:p>
             <a:fld id="{77B73E64-E8C8-441E-A2EF-26309BCA6DAE}" type="datetimeFigureOut">
               <a:rPr lang="en-GB" smtClean="0"/>
-              <a:t>01/04/2022</a:t>
+              <a:t>02/04/2022</a:t>
             </a:fld>
             <a:endParaRPr lang="en-GB"/>
           </a:p>
@@ -2949,7 +3304,7 @@
           <a:p>
             <a:fld id="{77B73E64-E8C8-441E-A2EF-26309BCA6DAE}" type="datetimeFigureOut">
               <a:rPr lang="en-GB" smtClean="0"/>
-              <a:t>01/04/2022</a:t>
+              <a:t>02/04/2022</a:t>
             </a:fld>
             <a:endParaRPr lang="en-GB"/>
           </a:p>
@@ -3415,7 +3770,10 @@
           <a:bodyPr/>
           <a:lstStyle/>
           <a:p>
-            <a:endParaRPr lang="en-GB" dirty="0"/>
+            <a:r>
+              <a:rPr lang="en-GB" dirty="0"/>
+              <a:t>Thomas McFarlane</a:t>
+            </a:r>
           </a:p>
         </p:txBody>
       </p:sp>
@@ -3451,6 +3809,2378 @@
       </p:grpSpPr>
       <p:sp>
         <p:nvSpPr>
+          <p:cNvPr id="3" name="Oval 2">
+            <a:extLst>
+              <a:ext uri="{FF2B5EF4-FFF2-40B4-BE49-F238E27FC236}">
+                <a16:creationId xmlns:a16="http://schemas.microsoft.com/office/drawing/2014/main" id="{91763058-C0EB-4261-82D8-68B0B8907A55}"/>
+              </a:ext>
+            </a:extLst>
+          </p:cNvPr>
+          <p:cNvSpPr/>
+          <p:nvPr/>
+        </p:nvSpPr>
+        <p:spPr>
+          <a:xfrm>
+            <a:off x="2731896" y="2538663"/>
+            <a:ext cx="900000" cy="900000"/>
+          </a:xfrm>
+          <a:prstGeom prst="ellipse">
+            <a:avLst/>
+          </a:prstGeom>
+          <a:noFill/>
+          <a:ln w="38100">
+            <a:solidFill>
+              <a:schemeClr val="tx1"/>
+            </a:solidFill>
+          </a:ln>
+        </p:spPr>
+        <p:style>
+          <a:lnRef idx="2">
+            <a:schemeClr val="accent1">
+              <a:shade val="50000"/>
+            </a:schemeClr>
+          </a:lnRef>
+          <a:fillRef idx="1">
+            <a:schemeClr val="accent1"/>
+          </a:fillRef>
+          <a:effectRef idx="0">
+            <a:schemeClr val="accent1"/>
+          </a:effectRef>
+          <a:fontRef idx="minor">
+            <a:schemeClr val="lt1"/>
+          </a:fontRef>
+        </p:style>
+        <p:txBody>
+          <a:bodyPr rtlCol="0" anchor="ctr"/>
+          <a:lstStyle/>
+          <a:p>
+            <a:pPr algn="ctr"/>
+            <a:r>
+              <a:rPr lang="en-GB" sz="2800" dirty="0">
+                <a:solidFill>
+                  <a:schemeClr val="tx1"/>
+                </a:solidFill>
+              </a:rPr>
+              <a:t>t</a:t>
+            </a:r>
+            <a:r>
+              <a:rPr lang="en-GB" sz="2800" baseline="-25000" dirty="0">
+                <a:solidFill>
+                  <a:schemeClr val="tx1"/>
+                </a:solidFill>
+              </a:rPr>
+              <a:t>1</a:t>
+            </a:r>
+            <a:endParaRPr lang="en-GB" sz="2800" dirty="0">
+              <a:solidFill>
+                <a:schemeClr val="tx1"/>
+              </a:solidFill>
+            </a:endParaRPr>
+          </a:p>
+        </p:txBody>
+      </p:sp>
+      <p:sp>
+        <p:nvSpPr>
+          <p:cNvPr id="6" name="Oval 5">
+            <a:extLst>
+              <a:ext uri="{FF2B5EF4-FFF2-40B4-BE49-F238E27FC236}">
+                <a16:creationId xmlns:a16="http://schemas.microsoft.com/office/drawing/2014/main" id="{394B3E5B-DCE9-459D-B686-CC7AC6EFB678}"/>
+              </a:ext>
+            </a:extLst>
+          </p:cNvPr>
+          <p:cNvSpPr/>
+          <p:nvPr/>
+        </p:nvSpPr>
+        <p:spPr>
+          <a:xfrm>
+            <a:off x="6031832" y="2538663"/>
+            <a:ext cx="900000" cy="900000"/>
+          </a:xfrm>
+          <a:prstGeom prst="ellipse">
+            <a:avLst/>
+          </a:prstGeom>
+          <a:noFill/>
+          <a:ln w="38100">
+            <a:solidFill>
+              <a:schemeClr val="tx1"/>
+            </a:solidFill>
+          </a:ln>
+        </p:spPr>
+        <p:style>
+          <a:lnRef idx="2">
+            <a:schemeClr val="accent1">
+              <a:shade val="50000"/>
+            </a:schemeClr>
+          </a:lnRef>
+          <a:fillRef idx="1">
+            <a:schemeClr val="accent1"/>
+          </a:fillRef>
+          <a:effectRef idx="0">
+            <a:schemeClr val="accent1"/>
+          </a:effectRef>
+          <a:fontRef idx="minor">
+            <a:schemeClr val="lt1"/>
+          </a:fontRef>
+        </p:style>
+        <p:txBody>
+          <a:bodyPr rtlCol="0" anchor="ctr"/>
+          <a:lstStyle/>
+          <a:p>
+            <a:pPr algn="ctr"/>
+            <a:r>
+              <a:rPr lang="en-GB" sz="2800" dirty="0">
+                <a:solidFill>
+                  <a:schemeClr val="tx1"/>
+                </a:solidFill>
+              </a:rPr>
+              <a:t>t</a:t>
+            </a:r>
+            <a:r>
+              <a:rPr lang="en-GB" sz="2800" baseline="-25000" dirty="0">
+                <a:solidFill>
+                  <a:schemeClr val="tx1"/>
+                </a:solidFill>
+              </a:rPr>
+              <a:t>2</a:t>
+            </a:r>
+            <a:endParaRPr lang="en-GB" dirty="0">
+              <a:solidFill>
+                <a:schemeClr val="tx1"/>
+              </a:solidFill>
+            </a:endParaRPr>
+          </a:p>
+        </p:txBody>
+      </p:sp>
+      <p:cxnSp>
+        <p:nvCxnSpPr>
+          <p:cNvPr id="9" name="Straight Arrow Connector 8">
+            <a:extLst>
+              <a:ext uri="{FF2B5EF4-FFF2-40B4-BE49-F238E27FC236}">
+                <a16:creationId xmlns:a16="http://schemas.microsoft.com/office/drawing/2014/main" id="{B1E04B0E-900A-4B10-BB9B-44E21F21BCEF}"/>
+              </a:ext>
+            </a:extLst>
+          </p:cNvPr>
+          <p:cNvCxnSpPr>
+            <a:cxnSpLocks/>
+            <a:endCxn id="3" idx="2"/>
+          </p:cNvCxnSpPr>
+          <p:nvPr/>
+        </p:nvCxnSpPr>
+        <p:spPr>
+          <a:xfrm>
+            <a:off x="1859653" y="2988663"/>
+            <a:ext cx="872243" cy="0"/>
+          </a:xfrm>
+          <a:prstGeom prst="straightConnector1">
+            <a:avLst/>
+          </a:prstGeom>
+          <a:ln w="28575">
+            <a:tailEnd type="triangle"/>
+          </a:ln>
+        </p:spPr>
+        <p:style>
+          <a:lnRef idx="1">
+            <a:schemeClr val="dk1"/>
+          </a:lnRef>
+          <a:fillRef idx="0">
+            <a:schemeClr val="dk1"/>
+          </a:fillRef>
+          <a:effectRef idx="0">
+            <a:schemeClr val="dk1"/>
+          </a:effectRef>
+          <a:fontRef idx="minor">
+            <a:schemeClr val="tx1"/>
+          </a:fontRef>
+        </p:style>
+      </p:cxnSp>
+      <p:cxnSp>
+        <p:nvCxnSpPr>
+          <p:cNvPr id="11" name="Straight Arrow Connector 10">
+            <a:extLst>
+              <a:ext uri="{FF2B5EF4-FFF2-40B4-BE49-F238E27FC236}">
+                <a16:creationId xmlns:a16="http://schemas.microsoft.com/office/drawing/2014/main" id="{30EA90CE-DF5D-4AA9-BAB0-39B14373A1E7}"/>
+              </a:ext>
+            </a:extLst>
+          </p:cNvPr>
+          <p:cNvCxnSpPr>
+            <a:cxnSpLocks/>
+            <a:stCxn id="3" idx="6"/>
+            <a:endCxn id="6" idx="2"/>
+          </p:cNvCxnSpPr>
+          <p:nvPr/>
+        </p:nvCxnSpPr>
+        <p:spPr>
+          <a:xfrm>
+            <a:off x="3631896" y="2988663"/>
+            <a:ext cx="2399936" cy="0"/>
+          </a:xfrm>
+          <a:prstGeom prst="straightConnector1">
+            <a:avLst/>
+          </a:prstGeom>
+          <a:ln w="28575">
+            <a:tailEnd type="triangle"/>
+          </a:ln>
+        </p:spPr>
+        <p:style>
+          <a:lnRef idx="1">
+            <a:schemeClr val="dk1"/>
+          </a:lnRef>
+          <a:fillRef idx="0">
+            <a:schemeClr val="dk1"/>
+          </a:fillRef>
+          <a:effectRef idx="0">
+            <a:schemeClr val="dk1"/>
+          </a:effectRef>
+          <a:fontRef idx="minor">
+            <a:schemeClr val="tx1"/>
+          </a:fontRef>
+        </p:style>
+      </p:cxnSp>
+      <p:cxnSp>
+        <p:nvCxnSpPr>
+          <p:cNvPr id="19" name="Straight Connector 18">
+            <a:extLst>
+              <a:ext uri="{FF2B5EF4-FFF2-40B4-BE49-F238E27FC236}">
+                <a16:creationId xmlns:a16="http://schemas.microsoft.com/office/drawing/2014/main" id="{CFCEC27D-2C2E-439D-B361-FF3DD2420595}"/>
+              </a:ext>
+            </a:extLst>
+          </p:cNvPr>
+          <p:cNvCxnSpPr/>
+          <p:nvPr/>
+        </p:nvCxnSpPr>
+        <p:spPr>
+          <a:xfrm>
+            <a:off x="1859653" y="2314894"/>
+            <a:ext cx="0" cy="1347537"/>
+          </a:xfrm>
+          <a:prstGeom prst="line">
+            <a:avLst/>
+          </a:prstGeom>
+          <a:ln w="28575"/>
+        </p:spPr>
+        <p:style>
+          <a:lnRef idx="1">
+            <a:schemeClr val="dk1"/>
+          </a:lnRef>
+          <a:fillRef idx="0">
+            <a:schemeClr val="dk1"/>
+          </a:fillRef>
+          <a:effectRef idx="0">
+            <a:schemeClr val="dk1"/>
+          </a:effectRef>
+          <a:fontRef idx="minor">
+            <a:schemeClr val="tx1"/>
+          </a:fontRef>
+        </p:style>
+      </p:cxnSp>
+      <mc:AlternateContent xmlns:mc="http://schemas.openxmlformats.org/markup-compatibility/2006" xmlns:a14="http://schemas.microsoft.com/office/drawing/2010/main">
+        <mc:Choice Requires="a14">
+          <p:sp>
+            <p:nvSpPr>
+              <p:cNvPr id="18" name="TextBox 17">
+                <a:extLst>
+                  <a:ext uri="{FF2B5EF4-FFF2-40B4-BE49-F238E27FC236}">
+                    <a16:creationId xmlns:a16="http://schemas.microsoft.com/office/drawing/2014/main" id="{6D8CEA87-F0D6-47E8-AE6B-4EC19DD53573}"/>
+                  </a:ext>
+                </a:extLst>
+              </p:cNvPr>
+              <p:cNvSpPr txBox="1"/>
+              <p:nvPr/>
+            </p:nvSpPr>
+            <p:spPr>
+              <a:xfrm>
+                <a:off x="4504138" y="2338957"/>
+                <a:ext cx="430759" cy="430887"/>
+              </a:xfrm>
+              <a:prstGeom prst="rect">
+                <a:avLst/>
+              </a:prstGeom>
+              <a:noFill/>
+            </p:spPr>
+            <p:txBody>
+              <a:bodyPr wrap="none" lIns="0" tIns="0" rIns="0" bIns="0" rtlCol="0">
+                <a:spAutoFit/>
+              </a:bodyPr>
+              <a:lstStyle/>
+              <a:p>
+                <a:pPr/>
+                <a14:m>
+                  <m:oMathPara xmlns:m="http://schemas.openxmlformats.org/officeDocument/2006/math">
+                    <m:oMathParaPr>
+                      <m:jc m:val="centerGroup"/>
+                    </m:oMathParaPr>
+                    <m:oMath xmlns:m="http://schemas.openxmlformats.org/officeDocument/2006/math">
+                      <m:sSub>
+                        <m:sSubPr>
+                          <m:ctrlPr>
+                            <a:rPr lang="en-GB" sz="2800" b="0" i="1" smtClean="0">
+                              <a:latin typeface="Cambria Math" panose="02040503050406030204" pitchFamily="18" charset="0"/>
+                            </a:rPr>
+                          </m:ctrlPr>
+                        </m:sSubPr>
+                        <m:e>
+                          <m:r>
+                            <a:rPr lang="en-GB" sz="2800" b="0" i="1" smtClean="0">
+                              <a:latin typeface="Cambria Math" panose="02040503050406030204" pitchFamily="18" charset="0"/>
+                            </a:rPr>
+                            <m:t>𝛿</m:t>
+                          </m:r>
+                        </m:e>
+                        <m:sub>
+                          <m:r>
+                            <a:rPr lang="en-GB" sz="2800" b="0" i="1" smtClean="0">
+                              <a:latin typeface="Cambria Math" panose="02040503050406030204" pitchFamily="18" charset="0"/>
+                            </a:rPr>
+                            <m:t>2</m:t>
+                          </m:r>
+                        </m:sub>
+                      </m:sSub>
+                    </m:oMath>
+                  </m:oMathPara>
+                </a14:m>
+                <a:endParaRPr lang="en-GB" sz="2800" b="0" dirty="0"/>
+              </a:p>
+            </p:txBody>
+          </p:sp>
+        </mc:Choice>
+        <mc:Fallback xmlns="">
+          <p:sp>
+            <p:nvSpPr>
+              <p:cNvPr id="18" name="TextBox 17">
+                <a:extLst>
+                  <a:ext uri="{FF2B5EF4-FFF2-40B4-BE49-F238E27FC236}">
+                    <a16:creationId xmlns:a16="http://schemas.microsoft.com/office/drawing/2014/main" id="{6D8CEA87-F0D6-47E8-AE6B-4EC19DD53573}"/>
+                  </a:ext>
+                </a:extLst>
+              </p:cNvPr>
+              <p:cNvSpPr txBox="1">
+                <a:spLocks noRot="1" noChangeAspect="1" noMove="1" noResize="1" noEditPoints="1" noAdjustHandles="1" noChangeArrowheads="1" noChangeShapeType="1" noTextEdit="1"/>
+              </p:cNvSpPr>
+              <p:nvPr/>
+            </p:nvSpPr>
+            <p:spPr>
+              <a:xfrm>
+                <a:off x="4504138" y="2338957"/>
+                <a:ext cx="430759" cy="430887"/>
+              </a:xfrm>
+              <a:prstGeom prst="rect">
+                <a:avLst/>
+              </a:prstGeom>
+              <a:blipFill>
+                <a:blip r:embed="rId2"/>
+                <a:stretch>
+                  <a:fillRect/>
+                </a:stretch>
+              </a:blipFill>
+            </p:spPr>
+            <p:txBody>
+              <a:bodyPr/>
+              <a:lstStyle/>
+              <a:p>
+                <a:r>
+                  <a:rPr lang="en-GB">
+                    <a:noFill/>
+                  </a:rPr>
+                  <a:t> </a:t>
+                </a:r>
+              </a:p>
+            </p:txBody>
+          </p:sp>
+        </mc:Fallback>
+      </mc:AlternateContent>
+      <mc:AlternateContent xmlns:mc="http://schemas.openxmlformats.org/markup-compatibility/2006" xmlns:a14="http://schemas.microsoft.com/office/drawing/2010/main">
+        <mc:Choice Requires="a14">
+          <p:sp>
+            <p:nvSpPr>
+              <p:cNvPr id="26" name="TextBox 25">
+                <a:extLst>
+                  <a:ext uri="{FF2B5EF4-FFF2-40B4-BE49-F238E27FC236}">
+                    <a16:creationId xmlns:a16="http://schemas.microsoft.com/office/drawing/2014/main" id="{230C7EA1-C500-408B-88B3-06E9E1D8CB6A}"/>
+                  </a:ext>
+                </a:extLst>
+              </p:cNvPr>
+              <p:cNvSpPr txBox="1"/>
+              <p:nvPr/>
+            </p:nvSpPr>
+            <p:spPr>
+              <a:xfrm>
+                <a:off x="1745455" y="4234613"/>
+                <a:ext cx="8701089" cy="923330"/>
+              </a:xfrm>
+              <a:prstGeom prst="rect">
+                <a:avLst/>
+              </a:prstGeom>
+              <a:noFill/>
+            </p:spPr>
+            <p:txBody>
+              <a:bodyPr wrap="square" rtlCol="0">
+                <a:spAutoFit/>
+              </a:bodyPr>
+              <a:lstStyle/>
+              <a:p>
+                <a:pPr marL="285750" indent="-285750">
+                  <a:buFont typeface="Arial" panose="020B0604020202020204" pitchFamily="34" charset="0"/>
+                  <a:buChar char="•"/>
+                </a:pPr>
+                <a:r>
+                  <a:rPr lang="en-GB" dirty="0"/>
+                  <a:t>Draw </a:t>
+                </a:r>
+                <a14:m>
+                  <m:oMath xmlns:m="http://schemas.openxmlformats.org/officeDocument/2006/math">
+                    <m:sSub>
+                      <m:sSubPr>
+                        <m:ctrlPr>
+                          <a:rPr lang="en-GB" b="0" i="1" smtClean="0">
+                            <a:latin typeface="Cambria Math" panose="02040503050406030204" pitchFamily="18" charset="0"/>
+                          </a:rPr>
+                        </m:ctrlPr>
+                      </m:sSubPr>
+                      <m:e>
+                        <m:r>
+                          <a:rPr lang="en-GB" b="0" i="1" smtClean="0">
+                            <a:latin typeface="Cambria Math" panose="02040503050406030204" pitchFamily="18" charset="0"/>
+                          </a:rPr>
+                          <m:t>𝛿</m:t>
+                        </m:r>
+                      </m:e>
+                      <m:sub>
+                        <m:r>
+                          <a:rPr lang="en-GB" b="0" i="1" smtClean="0">
+                            <a:latin typeface="Cambria Math" panose="02040503050406030204" pitchFamily="18" charset="0"/>
+                          </a:rPr>
+                          <m:t>2</m:t>
+                        </m:r>
+                      </m:sub>
+                    </m:sSub>
+                    <m:r>
+                      <a:rPr lang="en-GB" b="0" i="1" smtClean="0">
+                        <a:latin typeface="Cambria Math" panose="02040503050406030204" pitchFamily="18" charset="0"/>
+                      </a:rPr>
+                      <m:t> </m:t>
+                    </m:r>
+                    <m:r>
+                      <a:rPr lang="en-GB" b="0" i="1" smtClean="0">
+                        <a:latin typeface="Cambria Math" panose="02040503050406030204" pitchFamily="18" charset="0"/>
+                        <a:ea typeface="Cambria Math" panose="02040503050406030204" pitchFamily="18" charset="0"/>
+                      </a:rPr>
+                      <m:t>~ </m:t>
+                    </m:r>
+                    <m:r>
+                      <m:rPr>
+                        <m:sty m:val="p"/>
+                      </m:rPr>
+                      <a:rPr lang="en-GB" b="0" i="0" smtClean="0">
+                        <a:latin typeface="Cambria Math" panose="02040503050406030204" pitchFamily="18" charset="0"/>
+                        <a:ea typeface="Cambria Math" panose="02040503050406030204" pitchFamily="18" charset="0"/>
+                      </a:rPr>
+                      <m:t>Γ</m:t>
+                    </m:r>
+                    <m:r>
+                      <a:rPr lang="en-GB" b="0" i="1" smtClean="0">
+                        <a:latin typeface="Cambria Math" panose="02040503050406030204" pitchFamily="18" charset="0"/>
+                        <a:ea typeface="Cambria Math" panose="02040503050406030204" pitchFamily="18" charset="0"/>
+                      </a:rPr>
+                      <m:t>(</m:t>
+                    </m:r>
+                    <m:r>
+                      <a:rPr lang="en-GB" b="0" i="1" smtClean="0">
+                        <a:latin typeface="Cambria Math" panose="02040503050406030204" pitchFamily="18" charset="0"/>
+                        <a:ea typeface="Cambria Math" panose="02040503050406030204" pitchFamily="18" charset="0"/>
+                      </a:rPr>
+                      <m:t>𝛼</m:t>
+                    </m:r>
+                    <m:r>
+                      <a:rPr lang="en-GB" b="0" i="1" smtClean="0">
+                        <a:latin typeface="Cambria Math" panose="02040503050406030204" pitchFamily="18" charset="0"/>
+                        <a:ea typeface="Cambria Math" panose="02040503050406030204" pitchFamily="18" charset="0"/>
+                      </a:rPr>
+                      <m:t>, </m:t>
+                    </m:r>
+                    <m:r>
+                      <a:rPr lang="en-GB" b="0" i="1" smtClean="0">
+                        <a:latin typeface="Cambria Math" panose="02040503050406030204" pitchFamily="18" charset="0"/>
+                        <a:ea typeface="Cambria Math" panose="02040503050406030204" pitchFamily="18" charset="0"/>
+                      </a:rPr>
+                      <m:t>𝛽</m:t>
+                    </m:r>
+                    <m:r>
+                      <a:rPr lang="en-GB" b="0" i="1" smtClean="0">
+                        <a:latin typeface="Cambria Math" panose="02040503050406030204" pitchFamily="18" charset="0"/>
+                        <a:ea typeface="Cambria Math" panose="02040503050406030204" pitchFamily="18" charset="0"/>
+                      </a:rPr>
+                      <m:t>)</m:t>
+                    </m:r>
+                  </m:oMath>
+                </a14:m>
+                <a:endParaRPr lang="en-GB" dirty="0"/>
+              </a:p>
+              <a:p>
+                <a:pPr marL="285750" indent="-285750">
+                  <a:buFont typeface="Arial" panose="020B0604020202020204" pitchFamily="34" charset="0"/>
+                  <a:buChar char="•"/>
+                </a:pPr>
+                <a:r>
+                  <a:rPr lang="en-GB" dirty="0"/>
+                  <a:t>Time between t</a:t>
+                </a:r>
+                <a:r>
+                  <a:rPr lang="en-GB" baseline="-25000" dirty="0"/>
+                  <a:t>1</a:t>
+                </a:r>
+                <a:r>
+                  <a:rPr lang="en-GB" dirty="0"/>
+                  <a:t> and second arrival is </a:t>
+                </a:r>
+                <a14:m>
+                  <m:oMath xmlns:m="http://schemas.openxmlformats.org/officeDocument/2006/math">
+                    <m:sSub>
+                      <m:sSubPr>
+                        <m:ctrlPr>
+                          <a:rPr lang="en-GB" sz="1800" b="0" i="1" smtClean="0">
+                            <a:latin typeface="Cambria Math" panose="02040503050406030204" pitchFamily="18" charset="0"/>
+                          </a:rPr>
+                        </m:ctrlPr>
+                      </m:sSubPr>
+                      <m:e>
+                        <m:r>
+                          <a:rPr lang="en-GB" sz="1800" b="0" i="1" smtClean="0">
+                            <a:latin typeface="Cambria Math" panose="02040503050406030204" pitchFamily="18" charset="0"/>
+                          </a:rPr>
+                          <m:t>𝛿</m:t>
+                        </m:r>
+                      </m:e>
+                      <m:sub>
+                        <m:r>
+                          <a:rPr lang="en-GB" sz="1800" b="0" i="1" smtClean="0">
+                            <a:latin typeface="Cambria Math" panose="02040503050406030204" pitchFamily="18" charset="0"/>
+                          </a:rPr>
+                          <m:t>2</m:t>
+                        </m:r>
+                      </m:sub>
+                    </m:sSub>
+                  </m:oMath>
+                </a14:m>
+                <a:endParaRPr lang="en-GB" dirty="0"/>
+              </a:p>
+              <a:p>
+                <a:pPr marL="285750" indent="-285750">
+                  <a:buFont typeface="Arial" panose="020B0604020202020204" pitchFamily="34" charset="0"/>
+                  <a:buChar char="•"/>
+                </a:pPr>
+                <a:r>
+                  <a:rPr lang="en-GB" dirty="0"/>
+                  <a:t>Animal arrives at t</a:t>
+                </a:r>
+                <a:r>
+                  <a:rPr lang="en-GB" baseline="-25000" dirty="0"/>
+                  <a:t>2</a:t>
+                </a:r>
+                <a:r>
+                  <a:rPr lang="en-GB" dirty="0"/>
+                  <a:t>=</a:t>
+                </a:r>
+                <a:r>
+                  <a:rPr lang="en-GB" sz="1800" b="0" dirty="0"/>
+                  <a:t> t</a:t>
+                </a:r>
+                <a:r>
+                  <a:rPr lang="en-GB" sz="1800" b="0" baseline="-25000" dirty="0"/>
+                  <a:t>1</a:t>
+                </a:r>
+                <a:r>
+                  <a:rPr lang="en-GB" sz="1800" b="0" dirty="0"/>
+                  <a:t> + </a:t>
+                </a:r>
+                <a14:m>
+                  <m:oMath xmlns:m="http://schemas.openxmlformats.org/officeDocument/2006/math">
+                    <m:sSub>
+                      <m:sSubPr>
+                        <m:ctrlPr>
+                          <a:rPr lang="en-GB" sz="1800" b="0" i="1" smtClean="0">
+                            <a:latin typeface="Cambria Math" panose="02040503050406030204" pitchFamily="18" charset="0"/>
+                          </a:rPr>
+                        </m:ctrlPr>
+                      </m:sSubPr>
+                      <m:e>
+                        <m:r>
+                          <a:rPr lang="en-GB" sz="1800" b="0" i="1" smtClean="0">
+                            <a:latin typeface="Cambria Math" panose="02040503050406030204" pitchFamily="18" charset="0"/>
+                          </a:rPr>
+                          <m:t>𝛿</m:t>
+                        </m:r>
+                      </m:e>
+                      <m:sub>
+                        <m:r>
+                          <a:rPr lang="en-GB" sz="1800" b="0" i="1" smtClean="0">
+                            <a:latin typeface="Cambria Math" panose="02040503050406030204" pitchFamily="18" charset="0"/>
+                          </a:rPr>
+                          <m:t>2</m:t>
+                        </m:r>
+                      </m:sub>
+                    </m:sSub>
+                  </m:oMath>
+                </a14:m>
+                <a:endParaRPr lang="en-GB" dirty="0"/>
+              </a:p>
+            </p:txBody>
+          </p:sp>
+        </mc:Choice>
+        <mc:Fallback xmlns="">
+          <p:sp>
+            <p:nvSpPr>
+              <p:cNvPr id="26" name="TextBox 25">
+                <a:extLst>
+                  <a:ext uri="{FF2B5EF4-FFF2-40B4-BE49-F238E27FC236}">
+                    <a16:creationId xmlns:a16="http://schemas.microsoft.com/office/drawing/2014/main" id="{230C7EA1-C500-408B-88B3-06E9E1D8CB6A}"/>
+                  </a:ext>
+                </a:extLst>
+              </p:cNvPr>
+              <p:cNvSpPr txBox="1">
+                <a:spLocks noRot="1" noChangeAspect="1" noMove="1" noResize="1" noEditPoints="1" noAdjustHandles="1" noChangeArrowheads="1" noChangeShapeType="1" noTextEdit="1"/>
+              </p:cNvSpPr>
+              <p:nvPr/>
+            </p:nvSpPr>
+            <p:spPr>
+              <a:xfrm>
+                <a:off x="1745455" y="4234613"/>
+                <a:ext cx="8701089" cy="923330"/>
+              </a:xfrm>
+              <a:prstGeom prst="rect">
+                <a:avLst/>
+              </a:prstGeom>
+              <a:blipFill>
+                <a:blip r:embed="rId3"/>
+                <a:stretch>
+                  <a:fillRect l="-420" t="-3974" b="-9934"/>
+                </a:stretch>
+              </a:blipFill>
+            </p:spPr>
+            <p:txBody>
+              <a:bodyPr/>
+              <a:lstStyle/>
+              <a:p>
+                <a:r>
+                  <a:rPr lang="en-GB">
+                    <a:noFill/>
+                  </a:rPr>
+                  <a:t> </a:t>
+                </a:r>
+              </a:p>
+            </p:txBody>
+          </p:sp>
+        </mc:Fallback>
+      </mc:AlternateContent>
+    </p:spTree>
+    <p:extLst>
+      <p:ext uri="{BB962C8B-B14F-4D97-AF65-F5344CB8AC3E}">
+        <p14:creationId xmlns:p14="http://schemas.microsoft.com/office/powerpoint/2010/main" val="758028623"/>
+      </p:ext>
+    </p:extLst>
+  </p:cSld>
+  <p:clrMapOvr>
+    <a:masterClrMapping/>
+  </p:clrMapOvr>
+</p:sld>
+</file>
+
+<file path=ppt/slides/slide11.xml><?xml version="1.0" encoding="utf-8"?>
+<p:sld xmlns:a="http://schemas.openxmlformats.org/drawingml/2006/main" xmlns:r="http://schemas.openxmlformats.org/officeDocument/2006/relationships" xmlns:p="http://schemas.openxmlformats.org/presentationml/2006/main">
+  <p:cSld>
+    <p:spTree>
+      <p:nvGrpSpPr>
+        <p:cNvPr id="1" name=""/>
+        <p:cNvGrpSpPr/>
+        <p:nvPr/>
+      </p:nvGrpSpPr>
+      <p:grpSpPr>
+        <a:xfrm>
+          <a:off x="0" y="0"/>
+          <a:ext cx="0" cy="0"/>
+          <a:chOff x="0" y="0"/>
+          <a:chExt cx="0" cy="0"/>
+        </a:xfrm>
+      </p:grpSpPr>
+      <p:sp>
+        <p:nvSpPr>
+          <p:cNvPr id="3" name="Oval 2">
+            <a:extLst>
+              <a:ext uri="{FF2B5EF4-FFF2-40B4-BE49-F238E27FC236}">
+                <a16:creationId xmlns:a16="http://schemas.microsoft.com/office/drawing/2014/main" id="{91763058-C0EB-4261-82D8-68B0B8907A55}"/>
+              </a:ext>
+            </a:extLst>
+          </p:cNvPr>
+          <p:cNvSpPr/>
+          <p:nvPr/>
+        </p:nvSpPr>
+        <p:spPr>
+          <a:xfrm>
+            <a:off x="2731896" y="2538663"/>
+            <a:ext cx="900000" cy="900000"/>
+          </a:xfrm>
+          <a:prstGeom prst="ellipse">
+            <a:avLst/>
+          </a:prstGeom>
+          <a:noFill/>
+          <a:ln w="38100">
+            <a:solidFill>
+              <a:schemeClr val="tx1"/>
+            </a:solidFill>
+          </a:ln>
+        </p:spPr>
+        <p:style>
+          <a:lnRef idx="2">
+            <a:schemeClr val="accent1">
+              <a:shade val="50000"/>
+            </a:schemeClr>
+          </a:lnRef>
+          <a:fillRef idx="1">
+            <a:schemeClr val="accent1"/>
+          </a:fillRef>
+          <a:effectRef idx="0">
+            <a:schemeClr val="accent1"/>
+          </a:effectRef>
+          <a:fontRef idx="minor">
+            <a:schemeClr val="lt1"/>
+          </a:fontRef>
+        </p:style>
+        <p:txBody>
+          <a:bodyPr rtlCol="0" anchor="ctr"/>
+          <a:lstStyle/>
+          <a:p>
+            <a:pPr algn="ctr"/>
+            <a:r>
+              <a:rPr lang="en-GB" sz="2800" dirty="0">
+                <a:solidFill>
+                  <a:schemeClr val="tx1"/>
+                </a:solidFill>
+              </a:rPr>
+              <a:t>t</a:t>
+            </a:r>
+            <a:r>
+              <a:rPr lang="en-GB" sz="2800" baseline="-25000" dirty="0">
+                <a:solidFill>
+                  <a:schemeClr val="tx1"/>
+                </a:solidFill>
+              </a:rPr>
+              <a:t>1</a:t>
+            </a:r>
+            <a:endParaRPr lang="en-GB" sz="2800" dirty="0">
+              <a:solidFill>
+                <a:schemeClr val="tx1"/>
+              </a:solidFill>
+            </a:endParaRPr>
+          </a:p>
+        </p:txBody>
+      </p:sp>
+      <p:sp>
+        <p:nvSpPr>
+          <p:cNvPr id="5" name="Oval 4">
+            <a:extLst>
+              <a:ext uri="{FF2B5EF4-FFF2-40B4-BE49-F238E27FC236}">
+                <a16:creationId xmlns:a16="http://schemas.microsoft.com/office/drawing/2014/main" id="{0BA796EF-D158-4E0F-BA05-C9486BD108A0}"/>
+              </a:ext>
+            </a:extLst>
+          </p:cNvPr>
+          <p:cNvSpPr/>
+          <p:nvPr/>
+        </p:nvSpPr>
+        <p:spPr>
+          <a:xfrm>
+            <a:off x="7880275" y="2538663"/>
+            <a:ext cx="900000" cy="900000"/>
+          </a:xfrm>
+          <a:prstGeom prst="ellipse">
+            <a:avLst/>
+          </a:prstGeom>
+          <a:noFill/>
+          <a:ln w="38100">
+            <a:solidFill>
+              <a:schemeClr val="tx1"/>
+            </a:solidFill>
+          </a:ln>
+        </p:spPr>
+        <p:style>
+          <a:lnRef idx="2">
+            <a:schemeClr val="accent1">
+              <a:shade val="50000"/>
+            </a:schemeClr>
+          </a:lnRef>
+          <a:fillRef idx="1">
+            <a:schemeClr val="accent1"/>
+          </a:fillRef>
+          <a:effectRef idx="0">
+            <a:schemeClr val="accent1"/>
+          </a:effectRef>
+          <a:fontRef idx="minor">
+            <a:schemeClr val="lt1"/>
+          </a:fontRef>
+        </p:style>
+        <p:txBody>
+          <a:bodyPr rtlCol="0" anchor="ctr"/>
+          <a:lstStyle/>
+          <a:p>
+            <a:pPr algn="ctr"/>
+            <a:r>
+              <a:rPr lang="en-GB" sz="2800" dirty="0">
+                <a:solidFill>
+                  <a:schemeClr val="tx1"/>
+                </a:solidFill>
+              </a:rPr>
+              <a:t>t</a:t>
+            </a:r>
+            <a:r>
+              <a:rPr lang="en-GB" sz="2800" baseline="-25000" dirty="0">
+                <a:solidFill>
+                  <a:schemeClr val="tx1"/>
+                </a:solidFill>
+              </a:rPr>
+              <a:t>3</a:t>
+            </a:r>
+            <a:endParaRPr lang="en-GB" dirty="0">
+              <a:solidFill>
+                <a:schemeClr val="tx1"/>
+              </a:solidFill>
+            </a:endParaRPr>
+          </a:p>
+        </p:txBody>
+      </p:sp>
+      <p:sp>
+        <p:nvSpPr>
+          <p:cNvPr id="6" name="Oval 5">
+            <a:extLst>
+              <a:ext uri="{FF2B5EF4-FFF2-40B4-BE49-F238E27FC236}">
+                <a16:creationId xmlns:a16="http://schemas.microsoft.com/office/drawing/2014/main" id="{394B3E5B-DCE9-459D-B686-CC7AC6EFB678}"/>
+              </a:ext>
+            </a:extLst>
+          </p:cNvPr>
+          <p:cNvSpPr/>
+          <p:nvPr/>
+        </p:nvSpPr>
+        <p:spPr>
+          <a:xfrm>
+            <a:off x="6031832" y="2538663"/>
+            <a:ext cx="900000" cy="900000"/>
+          </a:xfrm>
+          <a:prstGeom prst="ellipse">
+            <a:avLst/>
+          </a:prstGeom>
+          <a:noFill/>
+          <a:ln w="38100">
+            <a:solidFill>
+              <a:schemeClr val="tx1"/>
+            </a:solidFill>
+          </a:ln>
+        </p:spPr>
+        <p:style>
+          <a:lnRef idx="2">
+            <a:schemeClr val="accent1">
+              <a:shade val="50000"/>
+            </a:schemeClr>
+          </a:lnRef>
+          <a:fillRef idx="1">
+            <a:schemeClr val="accent1"/>
+          </a:fillRef>
+          <a:effectRef idx="0">
+            <a:schemeClr val="accent1"/>
+          </a:effectRef>
+          <a:fontRef idx="minor">
+            <a:schemeClr val="lt1"/>
+          </a:fontRef>
+        </p:style>
+        <p:txBody>
+          <a:bodyPr rtlCol="0" anchor="ctr"/>
+          <a:lstStyle/>
+          <a:p>
+            <a:pPr algn="ctr"/>
+            <a:r>
+              <a:rPr lang="en-GB" sz="2800" dirty="0">
+                <a:solidFill>
+                  <a:schemeClr val="tx1"/>
+                </a:solidFill>
+              </a:rPr>
+              <a:t>t</a:t>
+            </a:r>
+            <a:r>
+              <a:rPr lang="en-GB" sz="2800" baseline="-25000" dirty="0">
+                <a:solidFill>
+                  <a:schemeClr val="tx1"/>
+                </a:solidFill>
+              </a:rPr>
+              <a:t>2</a:t>
+            </a:r>
+            <a:endParaRPr lang="en-GB" dirty="0">
+              <a:solidFill>
+                <a:schemeClr val="tx1"/>
+              </a:solidFill>
+            </a:endParaRPr>
+          </a:p>
+        </p:txBody>
+      </p:sp>
+      <p:cxnSp>
+        <p:nvCxnSpPr>
+          <p:cNvPr id="9" name="Straight Arrow Connector 8">
+            <a:extLst>
+              <a:ext uri="{FF2B5EF4-FFF2-40B4-BE49-F238E27FC236}">
+                <a16:creationId xmlns:a16="http://schemas.microsoft.com/office/drawing/2014/main" id="{B1E04B0E-900A-4B10-BB9B-44E21F21BCEF}"/>
+              </a:ext>
+            </a:extLst>
+          </p:cNvPr>
+          <p:cNvCxnSpPr>
+            <a:cxnSpLocks/>
+            <a:endCxn id="3" idx="2"/>
+          </p:cNvCxnSpPr>
+          <p:nvPr/>
+        </p:nvCxnSpPr>
+        <p:spPr>
+          <a:xfrm>
+            <a:off x="1859653" y="2988663"/>
+            <a:ext cx="872243" cy="0"/>
+          </a:xfrm>
+          <a:prstGeom prst="straightConnector1">
+            <a:avLst/>
+          </a:prstGeom>
+          <a:ln w="28575">
+            <a:tailEnd type="triangle"/>
+          </a:ln>
+        </p:spPr>
+        <p:style>
+          <a:lnRef idx="1">
+            <a:schemeClr val="dk1"/>
+          </a:lnRef>
+          <a:fillRef idx="0">
+            <a:schemeClr val="dk1"/>
+          </a:fillRef>
+          <a:effectRef idx="0">
+            <a:schemeClr val="dk1"/>
+          </a:effectRef>
+          <a:fontRef idx="minor">
+            <a:schemeClr val="tx1"/>
+          </a:fontRef>
+        </p:style>
+      </p:cxnSp>
+      <p:cxnSp>
+        <p:nvCxnSpPr>
+          <p:cNvPr id="11" name="Straight Arrow Connector 10">
+            <a:extLst>
+              <a:ext uri="{FF2B5EF4-FFF2-40B4-BE49-F238E27FC236}">
+                <a16:creationId xmlns:a16="http://schemas.microsoft.com/office/drawing/2014/main" id="{30EA90CE-DF5D-4AA9-BAB0-39B14373A1E7}"/>
+              </a:ext>
+            </a:extLst>
+          </p:cNvPr>
+          <p:cNvCxnSpPr>
+            <a:cxnSpLocks/>
+            <a:stCxn id="3" idx="6"/>
+            <a:endCxn id="6" idx="2"/>
+          </p:cNvCxnSpPr>
+          <p:nvPr/>
+        </p:nvCxnSpPr>
+        <p:spPr>
+          <a:xfrm>
+            <a:off x="3631896" y="2988663"/>
+            <a:ext cx="2399936" cy="0"/>
+          </a:xfrm>
+          <a:prstGeom prst="straightConnector1">
+            <a:avLst/>
+          </a:prstGeom>
+          <a:ln w="28575">
+            <a:tailEnd type="triangle"/>
+          </a:ln>
+        </p:spPr>
+        <p:style>
+          <a:lnRef idx="1">
+            <a:schemeClr val="dk1"/>
+          </a:lnRef>
+          <a:fillRef idx="0">
+            <a:schemeClr val="dk1"/>
+          </a:fillRef>
+          <a:effectRef idx="0">
+            <a:schemeClr val="dk1"/>
+          </a:effectRef>
+          <a:fontRef idx="minor">
+            <a:schemeClr val="tx1"/>
+          </a:fontRef>
+        </p:style>
+      </p:cxnSp>
+      <p:cxnSp>
+        <p:nvCxnSpPr>
+          <p:cNvPr id="15" name="Straight Arrow Connector 14">
+            <a:extLst>
+              <a:ext uri="{FF2B5EF4-FFF2-40B4-BE49-F238E27FC236}">
+                <a16:creationId xmlns:a16="http://schemas.microsoft.com/office/drawing/2014/main" id="{5C861FA8-D868-4670-AE90-4052F9C992A0}"/>
+              </a:ext>
+            </a:extLst>
+          </p:cNvPr>
+          <p:cNvCxnSpPr>
+            <a:stCxn id="6" idx="6"/>
+            <a:endCxn id="5" idx="2"/>
+          </p:cNvCxnSpPr>
+          <p:nvPr/>
+        </p:nvCxnSpPr>
+        <p:spPr>
+          <a:xfrm>
+            <a:off x="6931832" y="2988663"/>
+            <a:ext cx="948443" cy="0"/>
+          </a:xfrm>
+          <a:prstGeom prst="straightConnector1">
+            <a:avLst/>
+          </a:prstGeom>
+          <a:ln w="28575">
+            <a:tailEnd type="triangle"/>
+          </a:ln>
+        </p:spPr>
+        <p:style>
+          <a:lnRef idx="1">
+            <a:schemeClr val="dk1"/>
+          </a:lnRef>
+          <a:fillRef idx="0">
+            <a:schemeClr val="dk1"/>
+          </a:fillRef>
+          <a:effectRef idx="0">
+            <a:schemeClr val="dk1"/>
+          </a:effectRef>
+          <a:fontRef idx="minor">
+            <a:schemeClr val="tx1"/>
+          </a:fontRef>
+        </p:style>
+      </p:cxnSp>
+      <p:cxnSp>
+        <p:nvCxnSpPr>
+          <p:cNvPr id="19" name="Straight Connector 18">
+            <a:extLst>
+              <a:ext uri="{FF2B5EF4-FFF2-40B4-BE49-F238E27FC236}">
+                <a16:creationId xmlns:a16="http://schemas.microsoft.com/office/drawing/2014/main" id="{CFCEC27D-2C2E-439D-B361-FF3DD2420595}"/>
+              </a:ext>
+            </a:extLst>
+          </p:cNvPr>
+          <p:cNvCxnSpPr/>
+          <p:nvPr/>
+        </p:nvCxnSpPr>
+        <p:spPr>
+          <a:xfrm>
+            <a:off x="1859653" y="2314894"/>
+            <a:ext cx="0" cy="1347537"/>
+          </a:xfrm>
+          <a:prstGeom prst="line">
+            <a:avLst/>
+          </a:prstGeom>
+          <a:ln w="28575"/>
+        </p:spPr>
+        <p:style>
+          <a:lnRef idx="1">
+            <a:schemeClr val="dk1"/>
+          </a:lnRef>
+          <a:fillRef idx="0">
+            <a:schemeClr val="dk1"/>
+          </a:fillRef>
+          <a:effectRef idx="0">
+            <a:schemeClr val="dk1"/>
+          </a:effectRef>
+          <a:fontRef idx="minor">
+            <a:schemeClr val="tx1"/>
+          </a:fontRef>
+        </p:style>
+      </p:cxnSp>
+      <mc:AlternateContent xmlns:mc="http://schemas.openxmlformats.org/markup-compatibility/2006" xmlns:a14="http://schemas.microsoft.com/office/drawing/2010/main">
+        <mc:Choice Requires="a14">
+          <p:sp>
+            <p:nvSpPr>
+              <p:cNvPr id="20" name="TextBox 19">
+                <a:extLst>
+                  <a:ext uri="{FF2B5EF4-FFF2-40B4-BE49-F238E27FC236}">
+                    <a16:creationId xmlns:a16="http://schemas.microsoft.com/office/drawing/2014/main" id="{D6DEF30E-3C02-4CD3-82CF-8003B97E209E}"/>
+                  </a:ext>
+                </a:extLst>
+              </p:cNvPr>
+              <p:cNvSpPr txBox="1"/>
+              <p:nvPr/>
+            </p:nvSpPr>
+            <p:spPr>
+              <a:xfrm>
+                <a:off x="7190674" y="2314894"/>
+                <a:ext cx="430759" cy="430887"/>
+              </a:xfrm>
+              <a:prstGeom prst="rect">
+                <a:avLst/>
+              </a:prstGeom>
+              <a:noFill/>
+            </p:spPr>
+            <p:txBody>
+              <a:bodyPr wrap="none" lIns="0" tIns="0" rIns="0" bIns="0" rtlCol="0">
+                <a:spAutoFit/>
+              </a:bodyPr>
+              <a:lstStyle/>
+              <a:p>
+                <a:pPr/>
+                <a14:m>
+                  <m:oMathPara xmlns:m="http://schemas.openxmlformats.org/officeDocument/2006/math">
+                    <m:oMathParaPr>
+                      <m:jc m:val="centerGroup"/>
+                    </m:oMathParaPr>
+                    <m:oMath xmlns:m="http://schemas.openxmlformats.org/officeDocument/2006/math">
+                      <m:sSub>
+                        <m:sSubPr>
+                          <m:ctrlPr>
+                            <a:rPr lang="en-GB" sz="2800" b="0" i="1" smtClean="0">
+                              <a:latin typeface="Cambria Math" panose="02040503050406030204" pitchFamily="18" charset="0"/>
+                            </a:rPr>
+                          </m:ctrlPr>
+                        </m:sSubPr>
+                        <m:e>
+                          <m:r>
+                            <a:rPr lang="en-GB" sz="2800" b="0" i="1" smtClean="0">
+                              <a:latin typeface="Cambria Math" panose="02040503050406030204" pitchFamily="18" charset="0"/>
+                            </a:rPr>
+                            <m:t>𝛿</m:t>
+                          </m:r>
+                        </m:e>
+                        <m:sub>
+                          <m:r>
+                            <a:rPr lang="en-GB" sz="2800" b="0" i="1" smtClean="0">
+                              <a:latin typeface="Cambria Math" panose="02040503050406030204" pitchFamily="18" charset="0"/>
+                            </a:rPr>
+                            <m:t>3</m:t>
+                          </m:r>
+                        </m:sub>
+                      </m:sSub>
+                    </m:oMath>
+                  </m:oMathPara>
+                </a14:m>
+                <a:endParaRPr lang="en-GB" sz="2800" b="0" dirty="0"/>
+              </a:p>
+            </p:txBody>
+          </p:sp>
+        </mc:Choice>
+        <mc:Fallback xmlns="">
+          <p:sp>
+            <p:nvSpPr>
+              <p:cNvPr id="20" name="TextBox 19">
+                <a:extLst>
+                  <a:ext uri="{FF2B5EF4-FFF2-40B4-BE49-F238E27FC236}">
+                    <a16:creationId xmlns:a16="http://schemas.microsoft.com/office/drawing/2014/main" id="{D6DEF30E-3C02-4CD3-82CF-8003B97E209E}"/>
+                  </a:ext>
+                </a:extLst>
+              </p:cNvPr>
+              <p:cNvSpPr txBox="1">
+                <a:spLocks noRot="1" noChangeAspect="1" noMove="1" noResize="1" noEditPoints="1" noAdjustHandles="1" noChangeArrowheads="1" noChangeShapeType="1" noTextEdit="1"/>
+              </p:cNvSpPr>
+              <p:nvPr/>
+            </p:nvSpPr>
+            <p:spPr>
+              <a:xfrm>
+                <a:off x="7190674" y="2314894"/>
+                <a:ext cx="430759" cy="430887"/>
+              </a:xfrm>
+              <a:prstGeom prst="rect">
+                <a:avLst/>
+              </a:prstGeom>
+              <a:blipFill>
+                <a:blip r:embed="rId2"/>
+                <a:stretch>
+                  <a:fillRect/>
+                </a:stretch>
+              </a:blipFill>
+            </p:spPr>
+            <p:txBody>
+              <a:bodyPr/>
+              <a:lstStyle/>
+              <a:p>
+                <a:r>
+                  <a:rPr lang="en-GB">
+                    <a:noFill/>
+                  </a:rPr>
+                  <a:t> </a:t>
+                </a:r>
+              </a:p>
+            </p:txBody>
+          </p:sp>
+        </mc:Fallback>
+      </mc:AlternateContent>
+      <mc:AlternateContent xmlns:mc="http://schemas.openxmlformats.org/markup-compatibility/2006" xmlns:a14="http://schemas.microsoft.com/office/drawing/2010/main">
+        <mc:Choice Requires="a14">
+          <p:sp>
+            <p:nvSpPr>
+              <p:cNvPr id="26" name="TextBox 25">
+                <a:extLst>
+                  <a:ext uri="{FF2B5EF4-FFF2-40B4-BE49-F238E27FC236}">
+                    <a16:creationId xmlns:a16="http://schemas.microsoft.com/office/drawing/2014/main" id="{3E11C2E6-0717-4964-A40B-243F8C0006CE}"/>
+                  </a:ext>
+                </a:extLst>
+              </p:cNvPr>
+              <p:cNvSpPr txBox="1"/>
+              <p:nvPr/>
+            </p:nvSpPr>
+            <p:spPr>
+              <a:xfrm>
+                <a:off x="1745455" y="4234613"/>
+                <a:ext cx="8701089" cy="923330"/>
+              </a:xfrm>
+              <a:prstGeom prst="rect">
+                <a:avLst/>
+              </a:prstGeom>
+              <a:noFill/>
+            </p:spPr>
+            <p:txBody>
+              <a:bodyPr wrap="square" rtlCol="0">
+                <a:spAutoFit/>
+              </a:bodyPr>
+              <a:lstStyle/>
+              <a:p>
+                <a:pPr marL="285750" indent="-285750">
+                  <a:buFont typeface="Arial" panose="020B0604020202020204" pitchFamily="34" charset="0"/>
+                  <a:buChar char="•"/>
+                </a:pPr>
+                <a:r>
+                  <a:rPr lang="en-GB" dirty="0"/>
+                  <a:t>Draw </a:t>
+                </a:r>
+                <a14:m>
+                  <m:oMath xmlns:m="http://schemas.openxmlformats.org/officeDocument/2006/math">
+                    <m:sSub>
+                      <m:sSubPr>
+                        <m:ctrlPr>
+                          <a:rPr lang="en-GB" b="0" i="1" smtClean="0">
+                            <a:latin typeface="Cambria Math" panose="02040503050406030204" pitchFamily="18" charset="0"/>
+                          </a:rPr>
+                        </m:ctrlPr>
+                      </m:sSubPr>
+                      <m:e>
+                        <m:r>
+                          <a:rPr lang="en-GB" b="0" i="1" smtClean="0">
+                            <a:latin typeface="Cambria Math" panose="02040503050406030204" pitchFamily="18" charset="0"/>
+                          </a:rPr>
+                          <m:t>𝛿</m:t>
+                        </m:r>
+                      </m:e>
+                      <m:sub>
+                        <m:r>
+                          <a:rPr lang="en-GB" b="0" i="1" smtClean="0">
+                            <a:latin typeface="Cambria Math" panose="02040503050406030204" pitchFamily="18" charset="0"/>
+                          </a:rPr>
+                          <m:t>3</m:t>
+                        </m:r>
+                      </m:sub>
+                    </m:sSub>
+                    <m:r>
+                      <a:rPr lang="en-GB" b="0" i="1" smtClean="0">
+                        <a:latin typeface="Cambria Math" panose="02040503050406030204" pitchFamily="18" charset="0"/>
+                      </a:rPr>
+                      <m:t> </m:t>
+                    </m:r>
+                    <m:r>
+                      <a:rPr lang="en-GB" b="0" i="1" smtClean="0">
+                        <a:latin typeface="Cambria Math" panose="02040503050406030204" pitchFamily="18" charset="0"/>
+                        <a:ea typeface="Cambria Math" panose="02040503050406030204" pitchFamily="18" charset="0"/>
+                      </a:rPr>
+                      <m:t>~ </m:t>
+                    </m:r>
+                    <m:r>
+                      <m:rPr>
+                        <m:sty m:val="p"/>
+                      </m:rPr>
+                      <a:rPr lang="en-GB" b="0" i="0" smtClean="0">
+                        <a:latin typeface="Cambria Math" panose="02040503050406030204" pitchFamily="18" charset="0"/>
+                        <a:ea typeface="Cambria Math" panose="02040503050406030204" pitchFamily="18" charset="0"/>
+                      </a:rPr>
+                      <m:t>Γ</m:t>
+                    </m:r>
+                    <m:r>
+                      <a:rPr lang="en-GB" b="0" i="1" smtClean="0">
+                        <a:latin typeface="Cambria Math" panose="02040503050406030204" pitchFamily="18" charset="0"/>
+                        <a:ea typeface="Cambria Math" panose="02040503050406030204" pitchFamily="18" charset="0"/>
+                      </a:rPr>
+                      <m:t>(</m:t>
+                    </m:r>
+                    <m:r>
+                      <a:rPr lang="en-GB" b="0" i="1" smtClean="0">
+                        <a:latin typeface="Cambria Math" panose="02040503050406030204" pitchFamily="18" charset="0"/>
+                        <a:ea typeface="Cambria Math" panose="02040503050406030204" pitchFamily="18" charset="0"/>
+                      </a:rPr>
+                      <m:t>𝛼</m:t>
+                    </m:r>
+                    <m:r>
+                      <a:rPr lang="en-GB" b="0" i="1" smtClean="0">
+                        <a:latin typeface="Cambria Math" panose="02040503050406030204" pitchFamily="18" charset="0"/>
+                        <a:ea typeface="Cambria Math" panose="02040503050406030204" pitchFamily="18" charset="0"/>
+                      </a:rPr>
+                      <m:t>, </m:t>
+                    </m:r>
+                    <m:r>
+                      <a:rPr lang="en-GB" b="0" i="1" smtClean="0">
+                        <a:latin typeface="Cambria Math" panose="02040503050406030204" pitchFamily="18" charset="0"/>
+                        <a:ea typeface="Cambria Math" panose="02040503050406030204" pitchFamily="18" charset="0"/>
+                      </a:rPr>
+                      <m:t>𝛽</m:t>
+                    </m:r>
+                    <m:r>
+                      <a:rPr lang="en-GB" b="0" i="1" smtClean="0">
+                        <a:latin typeface="Cambria Math" panose="02040503050406030204" pitchFamily="18" charset="0"/>
+                        <a:ea typeface="Cambria Math" panose="02040503050406030204" pitchFamily="18" charset="0"/>
+                      </a:rPr>
+                      <m:t>)</m:t>
+                    </m:r>
+                  </m:oMath>
+                </a14:m>
+                <a:endParaRPr lang="en-GB" dirty="0"/>
+              </a:p>
+              <a:p>
+                <a:pPr marL="285750" indent="-285750">
+                  <a:buFont typeface="Arial" panose="020B0604020202020204" pitchFamily="34" charset="0"/>
+                  <a:buChar char="•"/>
+                </a:pPr>
+                <a:r>
+                  <a:rPr lang="en-GB" dirty="0"/>
+                  <a:t>Time between t</a:t>
+                </a:r>
+                <a:r>
+                  <a:rPr lang="en-GB" baseline="-25000" dirty="0"/>
+                  <a:t>2</a:t>
+                </a:r>
+                <a:r>
+                  <a:rPr lang="en-GB" dirty="0"/>
+                  <a:t> and third arrival is </a:t>
+                </a:r>
+                <a14:m>
+                  <m:oMath xmlns:m="http://schemas.openxmlformats.org/officeDocument/2006/math">
+                    <m:sSub>
+                      <m:sSubPr>
+                        <m:ctrlPr>
+                          <a:rPr lang="en-GB" sz="1800" b="0" i="1" smtClean="0">
+                            <a:latin typeface="Cambria Math" panose="02040503050406030204" pitchFamily="18" charset="0"/>
+                          </a:rPr>
+                        </m:ctrlPr>
+                      </m:sSubPr>
+                      <m:e>
+                        <m:r>
+                          <a:rPr lang="en-GB" sz="1800" b="0" i="1" smtClean="0">
+                            <a:latin typeface="Cambria Math" panose="02040503050406030204" pitchFamily="18" charset="0"/>
+                          </a:rPr>
+                          <m:t>𝛿</m:t>
+                        </m:r>
+                      </m:e>
+                      <m:sub>
+                        <m:r>
+                          <a:rPr lang="en-GB" sz="1800" b="0" i="1" smtClean="0">
+                            <a:latin typeface="Cambria Math" panose="02040503050406030204" pitchFamily="18" charset="0"/>
+                          </a:rPr>
+                          <m:t>3</m:t>
+                        </m:r>
+                      </m:sub>
+                    </m:sSub>
+                  </m:oMath>
+                </a14:m>
+                <a:endParaRPr lang="en-GB" dirty="0"/>
+              </a:p>
+              <a:p>
+                <a:pPr marL="285750" indent="-285750">
+                  <a:buFont typeface="Arial" panose="020B0604020202020204" pitchFamily="34" charset="0"/>
+                  <a:buChar char="•"/>
+                </a:pPr>
+                <a:r>
+                  <a:rPr lang="en-GB" dirty="0"/>
+                  <a:t>Animal arrives at t</a:t>
+                </a:r>
+                <a:r>
+                  <a:rPr lang="en-GB" baseline="-25000" dirty="0"/>
+                  <a:t>3</a:t>
+                </a:r>
+                <a:r>
+                  <a:rPr lang="en-GB" dirty="0"/>
+                  <a:t>=</a:t>
+                </a:r>
+                <a:r>
+                  <a:rPr lang="en-GB" sz="1800" b="0" dirty="0"/>
+                  <a:t> t</a:t>
+                </a:r>
+                <a:r>
+                  <a:rPr lang="en-GB" baseline="-25000" dirty="0"/>
+                  <a:t>2</a:t>
+                </a:r>
+                <a:r>
+                  <a:rPr lang="en-GB" sz="1800" b="0" dirty="0"/>
+                  <a:t> + </a:t>
+                </a:r>
+                <a14:m>
+                  <m:oMath xmlns:m="http://schemas.openxmlformats.org/officeDocument/2006/math">
+                    <m:sSub>
+                      <m:sSubPr>
+                        <m:ctrlPr>
+                          <a:rPr lang="en-GB" sz="1800" b="0" i="1" smtClean="0">
+                            <a:latin typeface="Cambria Math" panose="02040503050406030204" pitchFamily="18" charset="0"/>
+                          </a:rPr>
+                        </m:ctrlPr>
+                      </m:sSubPr>
+                      <m:e>
+                        <m:r>
+                          <a:rPr lang="en-GB" sz="1800" b="0" i="1" smtClean="0">
+                            <a:latin typeface="Cambria Math" panose="02040503050406030204" pitchFamily="18" charset="0"/>
+                          </a:rPr>
+                          <m:t>𝛿</m:t>
+                        </m:r>
+                      </m:e>
+                      <m:sub>
+                        <m:r>
+                          <a:rPr lang="en-GB" sz="1800" b="0" i="1" smtClean="0">
+                            <a:latin typeface="Cambria Math" panose="02040503050406030204" pitchFamily="18" charset="0"/>
+                          </a:rPr>
+                          <m:t>3</m:t>
+                        </m:r>
+                      </m:sub>
+                    </m:sSub>
+                  </m:oMath>
+                </a14:m>
+                <a:endParaRPr lang="en-GB" dirty="0"/>
+              </a:p>
+            </p:txBody>
+          </p:sp>
+        </mc:Choice>
+        <mc:Fallback xmlns="">
+          <p:sp>
+            <p:nvSpPr>
+              <p:cNvPr id="26" name="TextBox 25">
+                <a:extLst>
+                  <a:ext uri="{FF2B5EF4-FFF2-40B4-BE49-F238E27FC236}">
+                    <a16:creationId xmlns:a16="http://schemas.microsoft.com/office/drawing/2014/main" id="{3E11C2E6-0717-4964-A40B-243F8C0006CE}"/>
+                  </a:ext>
+                </a:extLst>
+              </p:cNvPr>
+              <p:cNvSpPr txBox="1">
+                <a:spLocks noRot="1" noChangeAspect="1" noMove="1" noResize="1" noEditPoints="1" noAdjustHandles="1" noChangeArrowheads="1" noChangeShapeType="1" noTextEdit="1"/>
+              </p:cNvSpPr>
+              <p:nvPr/>
+            </p:nvSpPr>
+            <p:spPr>
+              <a:xfrm>
+                <a:off x="1745455" y="4234613"/>
+                <a:ext cx="8701089" cy="923330"/>
+              </a:xfrm>
+              <a:prstGeom prst="rect">
+                <a:avLst/>
+              </a:prstGeom>
+              <a:blipFill>
+                <a:blip r:embed="rId3"/>
+                <a:stretch>
+                  <a:fillRect l="-420" t="-3974" b="-9934"/>
+                </a:stretch>
+              </a:blipFill>
+            </p:spPr>
+            <p:txBody>
+              <a:bodyPr/>
+              <a:lstStyle/>
+              <a:p>
+                <a:r>
+                  <a:rPr lang="en-GB">
+                    <a:noFill/>
+                  </a:rPr>
+                  <a:t> </a:t>
+                </a:r>
+              </a:p>
+            </p:txBody>
+          </p:sp>
+        </mc:Fallback>
+      </mc:AlternateContent>
+    </p:spTree>
+    <p:extLst>
+      <p:ext uri="{BB962C8B-B14F-4D97-AF65-F5344CB8AC3E}">
+        <p14:creationId xmlns:p14="http://schemas.microsoft.com/office/powerpoint/2010/main" val="2649573052"/>
+      </p:ext>
+    </p:extLst>
+  </p:cSld>
+  <p:clrMapOvr>
+    <a:masterClrMapping/>
+  </p:clrMapOvr>
+</p:sld>
+</file>
+
+<file path=ppt/slides/slide12.xml><?xml version="1.0" encoding="utf-8"?>
+<p:sld xmlns:a="http://schemas.openxmlformats.org/drawingml/2006/main" xmlns:r="http://schemas.openxmlformats.org/officeDocument/2006/relationships" xmlns:p="http://schemas.openxmlformats.org/presentationml/2006/main">
+  <p:cSld>
+    <p:spTree>
+      <p:nvGrpSpPr>
+        <p:cNvPr id="1" name=""/>
+        <p:cNvGrpSpPr/>
+        <p:nvPr/>
+      </p:nvGrpSpPr>
+      <p:grpSpPr>
+        <a:xfrm>
+          <a:off x="0" y="0"/>
+          <a:ext cx="0" cy="0"/>
+          <a:chOff x="0" y="0"/>
+          <a:chExt cx="0" cy="0"/>
+        </a:xfrm>
+      </p:grpSpPr>
+      <p:sp>
+        <p:nvSpPr>
+          <p:cNvPr id="3" name="Oval 2">
+            <a:extLst>
+              <a:ext uri="{FF2B5EF4-FFF2-40B4-BE49-F238E27FC236}">
+                <a16:creationId xmlns:a16="http://schemas.microsoft.com/office/drawing/2014/main" id="{91763058-C0EB-4261-82D8-68B0B8907A55}"/>
+              </a:ext>
+            </a:extLst>
+          </p:cNvPr>
+          <p:cNvSpPr/>
+          <p:nvPr/>
+        </p:nvSpPr>
+        <p:spPr>
+          <a:xfrm>
+            <a:off x="2731896" y="2538663"/>
+            <a:ext cx="900000" cy="900000"/>
+          </a:xfrm>
+          <a:prstGeom prst="ellipse">
+            <a:avLst/>
+          </a:prstGeom>
+          <a:noFill/>
+          <a:ln w="38100">
+            <a:solidFill>
+              <a:schemeClr val="tx1"/>
+            </a:solidFill>
+          </a:ln>
+        </p:spPr>
+        <p:style>
+          <a:lnRef idx="2">
+            <a:schemeClr val="accent1">
+              <a:shade val="50000"/>
+            </a:schemeClr>
+          </a:lnRef>
+          <a:fillRef idx="1">
+            <a:schemeClr val="accent1"/>
+          </a:fillRef>
+          <a:effectRef idx="0">
+            <a:schemeClr val="accent1"/>
+          </a:effectRef>
+          <a:fontRef idx="minor">
+            <a:schemeClr val="lt1"/>
+          </a:fontRef>
+        </p:style>
+        <p:txBody>
+          <a:bodyPr rtlCol="0" anchor="ctr"/>
+          <a:lstStyle/>
+          <a:p>
+            <a:pPr algn="ctr"/>
+            <a:r>
+              <a:rPr lang="en-GB" sz="2800" dirty="0">
+                <a:solidFill>
+                  <a:schemeClr val="tx1"/>
+                </a:solidFill>
+              </a:rPr>
+              <a:t>t</a:t>
+            </a:r>
+            <a:r>
+              <a:rPr lang="en-GB" sz="2800" baseline="-25000" dirty="0">
+                <a:solidFill>
+                  <a:schemeClr val="tx1"/>
+                </a:solidFill>
+              </a:rPr>
+              <a:t>1</a:t>
+            </a:r>
+            <a:endParaRPr lang="en-GB" sz="2800" dirty="0">
+              <a:solidFill>
+                <a:schemeClr val="tx1"/>
+              </a:solidFill>
+            </a:endParaRPr>
+          </a:p>
+        </p:txBody>
+      </p:sp>
+      <p:sp>
+        <p:nvSpPr>
+          <p:cNvPr id="5" name="Oval 4">
+            <a:extLst>
+              <a:ext uri="{FF2B5EF4-FFF2-40B4-BE49-F238E27FC236}">
+                <a16:creationId xmlns:a16="http://schemas.microsoft.com/office/drawing/2014/main" id="{0BA796EF-D158-4E0F-BA05-C9486BD108A0}"/>
+              </a:ext>
+            </a:extLst>
+          </p:cNvPr>
+          <p:cNvSpPr/>
+          <p:nvPr/>
+        </p:nvSpPr>
+        <p:spPr>
+          <a:xfrm>
+            <a:off x="7880275" y="2538663"/>
+            <a:ext cx="900000" cy="900000"/>
+          </a:xfrm>
+          <a:prstGeom prst="ellipse">
+            <a:avLst/>
+          </a:prstGeom>
+          <a:noFill/>
+          <a:ln w="38100">
+            <a:solidFill>
+              <a:schemeClr val="tx1"/>
+            </a:solidFill>
+          </a:ln>
+        </p:spPr>
+        <p:style>
+          <a:lnRef idx="2">
+            <a:schemeClr val="accent1">
+              <a:shade val="50000"/>
+            </a:schemeClr>
+          </a:lnRef>
+          <a:fillRef idx="1">
+            <a:schemeClr val="accent1"/>
+          </a:fillRef>
+          <a:effectRef idx="0">
+            <a:schemeClr val="accent1"/>
+          </a:effectRef>
+          <a:fontRef idx="minor">
+            <a:schemeClr val="lt1"/>
+          </a:fontRef>
+        </p:style>
+        <p:txBody>
+          <a:bodyPr rtlCol="0" anchor="ctr"/>
+          <a:lstStyle/>
+          <a:p>
+            <a:pPr algn="ctr"/>
+            <a:r>
+              <a:rPr lang="en-GB" sz="2800" dirty="0">
+                <a:solidFill>
+                  <a:schemeClr val="tx1"/>
+                </a:solidFill>
+              </a:rPr>
+              <a:t>t</a:t>
+            </a:r>
+            <a:r>
+              <a:rPr lang="en-GB" sz="2800" baseline="-25000" dirty="0">
+                <a:solidFill>
+                  <a:schemeClr val="tx1"/>
+                </a:solidFill>
+              </a:rPr>
+              <a:t>3</a:t>
+            </a:r>
+            <a:endParaRPr lang="en-GB" dirty="0">
+              <a:solidFill>
+                <a:schemeClr val="tx1"/>
+              </a:solidFill>
+            </a:endParaRPr>
+          </a:p>
+        </p:txBody>
+      </p:sp>
+      <p:sp>
+        <p:nvSpPr>
+          <p:cNvPr id="6" name="Oval 5">
+            <a:extLst>
+              <a:ext uri="{FF2B5EF4-FFF2-40B4-BE49-F238E27FC236}">
+                <a16:creationId xmlns:a16="http://schemas.microsoft.com/office/drawing/2014/main" id="{394B3E5B-DCE9-459D-B686-CC7AC6EFB678}"/>
+              </a:ext>
+            </a:extLst>
+          </p:cNvPr>
+          <p:cNvSpPr/>
+          <p:nvPr/>
+        </p:nvSpPr>
+        <p:spPr>
+          <a:xfrm>
+            <a:off x="6031832" y="2538663"/>
+            <a:ext cx="900000" cy="900000"/>
+          </a:xfrm>
+          <a:prstGeom prst="ellipse">
+            <a:avLst/>
+          </a:prstGeom>
+          <a:noFill/>
+          <a:ln w="38100">
+            <a:solidFill>
+              <a:schemeClr val="tx1"/>
+            </a:solidFill>
+          </a:ln>
+        </p:spPr>
+        <p:style>
+          <a:lnRef idx="2">
+            <a:schemeClr val="accent1">
+              <a:shade val="50000"/>
+            </a:schemeClr>
+          </a:lnRef>
+          <a:fillRef idx="1">
+            <a:schemeClr val="accent1"/>
+          </a:fillRef>
+          <a:effectRef idx="0">
+            <a:schemeClr val="accent1"/>
+          </a:effectRef>
+          <a:fontRef idx="minor">
+            <a:schemeClr val="lt1"/>
+          </a:fontRef>
+        </p:style>
+        <p:txBody>
+          <a:bodyPr rtlCol="0" anchor="ctr"/>
+          <a:lstStyle/>
+          <a:p>
+            <a:pPr algn="ctr"/>
+            <a:r>
+              <a:rPr lang="en-GB" sz="2800" dirty="0">
+                <a:solidFill>
+                  <a:schemeClr val="tx1"/>
+                </a:solidFill>
+              </a:rPr>
+              <a:t>t</a:t>
+            </a:r>
+            <a:r>
+              <a:rPr lang="en-GB" sz="2800" baseline="-25000" dirty="0">
+                <a:solidFill>
+                  <a:schemeClr val="tx1"/>
+                </a:solidFill>
+              </a:rPr>
+              <a:t>2</a:t>
+            </a:r>
+            <a:endParaRPr lang="en-GB" dirty="0">
+              <a:solidFill>
+                <a:schemeClr val="tx1"/>
+              </a:solidFill>
+            </a:endParaRPr>
+          </a:p>
+        </p:txBody>
+      </p:sp>
+      <p:sp>
+        <p:nvSpPr>
+          <p:cNvPr id="7" name="Oval 6">
+            <a:extLst>
+              <a:ext uri="{FF2B5EF4-FFF2-40B4-BE49-F238E27FC236}">
+                <a16:creationId xmlns:a16="http://schemas.microsoft.com/office/drawing/2014/main" id="{DFC2D1EF-BA79-468C-80E8-40798CDC6C34}"/>
+              </a:ext>
+            </a:extLst>
+          </p:cNvPr>
+          <p:cNvSpPr/>
+          <p:nvPr/>
+        </p:nvSpPr>
+        <p:spPr>
+          <a:xfrm>
+            <a:off x="10011096" y="2538663"/>
+            <a:ext cx="900000" cy="900000"/>
+          </a:xfrm>
+          <a:prstGeom prst="ellipse">
+            <a:avLst/>
+          </a:prstGeom>
+          <a:noFill/>
+          <a:ln w="38100">
+            <a:solidFill>
+              <a:schemeClr val="tx1"/>
+            </a:solidFill>
+          </a:ln>
+        </p:spPr>
+        <p:style>
+          <a:lnRef idx="2">
+            <a:schemeClr val="accent1">
+              <a:shade val="50000"/>
+            </a:schemeClr>
+          </a:lnRef>
+          <a:fillRef idx="1">
+            <a:schemeClr val="accent1"/>
+          </a:fillRef>
+          <a:effectRef idx="0">
+            <a:schemeClr val="accent1"/>
+          </a:effectRef>
+          <a:fontRef idx="minor">
+            <a:schemeClr val="lt1"/>
+          </a:fontRef>
+        </p:style>
+        <p:txBody>
+          <a:bodyPr rtlCol="0" anchor="ctr"/>
+          <a:lstStyle/>
+          <a:p>
+            <a:pPr algn="ctr"/>
+            <a:r>
+              <a:rPr lang="en-GB" sz="2800" dirty="0">
+                <a:solidFill>
+                  <a:schemeClr val="tx1"/>
+                </a:solidFill>
+              </a:rPr>
+              <a:t>t</a:t>
+            </a:r>
+            <a:r>
+              <a:rPr lang="en-GB" sz="2800" baseline="-25000" dirty="0">
+                <a:solidFill>
+                  <a:schemeClr val="tx1"/>
+                </a:solidFill>
+              </a:rPr>
+              <a:t>4</a:t>
+            </a:r>
+            <a:endParaRPr lang="en-GB" dirty="0">
+              <a:solidFill>
+                <a:schemeClr val="tx1"/>
+              </a:solidFill>
+            </a:endParaRPr>
+          </a:p>
+        </p:txBody>
+      </p:sp>
+      <p:cxnSp>
+        <p:nvCxnSpPr>
+          <p:cNvPr id="9" name="Straight Arrow Connector 8">
+            <a:extLst>
+              <a:ext uri="{FF2B5EF4-FFF2-40B4-BE49-F238E27FC236}">
+                <a16:creationId xmlns:a16="http://schemas.microsoft.com/office/drawing/2014/main" id="{B1E04B0E-900A-4B10-BB9B-44E21F21BCEF}"/>
+              </a:ext>
+            </a:extLst>
+          </p:cNvPr>
+          <p:cNvCxnSpPr>
+            <a:cxnSpLocks/>
+            <a:endCxn id="3" idx="2"/>
+          </p:cNvCxnSpPr>
+          <p:nvPr/>
+        </p:nvCxnSpPr>
+        <p:spPr>
+          <a:xfrm>
+            <a:off x="1859653" y="2988663"/>
+            <a:ext cx="872243" cy="0"/>
+          </a:xfrm>
+          <a:prstGeom prst="straightConnector1">
+            <a:avLst/>
+          </a:prstGeom>
+          <a:ln w="28575">
+            <a:tailEnd type="triangle"/>
+          </a:ln>
+        </p:spPr>
+        <p:style>
+          <a:lnRef idx="1">
+            <a:schemeClr val="dk1"/>
+          </a:lnRef>
+          <a:fillRef idx="0">
+            <a:schemeClr val="dk1"/>
+          </a:fillRef>
+          <a:effectRef idx="0">
+            <a:schemeClr val="dk1"/>
+          </a:effectRef>
+          <a:fontRef idx="minor">
+            <a:schemeClr val="tx1"/>
+          </a:fontRef>
+        </p:style>
+      </p:cxnSp>
+      <p:cxnSp>
+        <p:nvCxnSpPr>
+          <p:cNvPr id="11" name="Straight Arrow Connector 10">
+            <a:extLst>
+              <a:ext uri="{FF2B5EF4-FFF2-40B4-BE49-F238E27FC236}">
+                <a16:creationId xmlns:a16="http://schemas.microsoft.com/office/drawing/2014/main" id="{30EA90CE-DF5D-4AA9-BAB0-39B14373A1E7}"/>
+              </a:ext>
+            </a:extLst>
+          </p:cNvPr>
+          <p:cNvCxnSpPr>
+            <a:cxnSpLocks/>
+            <a:stCxn id="3" idx="6"/>
+            <a:endCxn id="6" idx="2"/>
+          </p:cNvCxnSpPr>
+          <p:nvPr/>
+        </p:nvCxnSpPr>
+        <p:spPr>
+          <a:xfrm>
+            <a:off x="3631896" y="2988663"/>
+            <a:ext cx="2399936" cy="0"/>
+          </a:xfrm>
+          <a:prstGeom prst="straightConnector1">
+            <a:avLst/>
+          </a:prstGeom>
+          <a:ln w="28575">
+            <a:tailEnd type="triangle"/>
+          </a:ln>
+        </p:spPr>
+        <p:style>
+          <a:lnRef idx="1">
+            <a:schemeClr val="dk1"/>
+          </a:lnRef>
+          <a:fillRef idx="0">
+            <a:schemeClr val="dk1"/>
+          </a:fillRef>
+          <a:effectRef idx="0">
+            <a:schemeClr val="dk1"/>
+          </a:effectRef>
+          <a:fontRef idx="minor">
+            <a:schemeClr val="tx1"/>
+          </a:fontRef>
+        </p:style>
+      </p:cxnSp>
+      <p:cxnSp>
+        <p:nvCxnSpPr>
+          <p:cNvPr id="15" name="Straight Arrow Connector 14">
+            <a:extLst>
+              <a:ext uri="{FF2B5EF4-FFF2-40B4-BE49-F238E27FC236}">
+                <a16:creationId xmlns:a16="http://schemas.microsoft.com/office/drawing/2014/main" id="{5C861FA8-D868-4670-AE90-4052F9C992A0}"/>
+              </a:ext>
+            </a:extLst>
+          </p:cNvPr>
+          <p:cNvCxnSpPr>
+            <a:stCxn id="6" idx="6"/>
+            <a:endCxn id="5" idx="2"/>
+          </p:cNvCxnSpPr>
+          <p:nvPr/>
+        </p:nvCxnSpPr>
+        <p:spPr>
+          <a:xfrm>
+            <a:off x="6931832" y="2988663"/>
+            <a:ext cx="948443" cy="0"/>
+          </a:xfrm>
+          <a:prstGeom prst="straightConnector1">
+            <a:avLst/>
+          </a:prstGeom>
+          <a:ln w="28575">
+            <a:tailEnd type="triangle"/>
+          </a:ln>
+        </p:spPr>
+        <p:style>
+          <a:lnRef idx="1">
+            <a:schemeClr val="dk1"/>
+          </a:lnRef>
+          <a:fillRef idx="0">
+            <a:schemeClr val="dk1"/>
+          </a:fillRef>
+          <a:effectRef idx="0">
+            <a:schemeClr val="dk1"/>
+          </a:effectRef>
+          <a:fontRef idx="minor">
+            <a:schemeClr val="tx1"/>
+          </a:fontRef>
+        </p:style>
+      </p:cxnSp>
+      <p:cxnSp>
+        <p:nvCxnSpPr>
+          <p:cNvPr id="17" name="Straight Arrow Connector 16">
+            <a:extLst>
+              <a:ext uri="{FF2B5EF4-FFF2-40B4-BE49-F238E27FC236}">
+                <a16:creationId xmlns:a16="http://schemas.microsoft.com/office/drawing/2014/main" id="{3ACDAE66-64CD-4A68-AC3B-70884F8224DC}"/>
+              </a:ext>
+            </a:extLst>
+          </p:cNvPr>
+          <p:cNvCxnSpPr>
+            <a:stCxn id="5" idx="6"/>
+            <a:endCxn id="7" idx="2"/>
+          </p:cNvCxnSpPr>
+          <p:nvPr/>
+        </p:nvCxnSpPr>
+        <p:spPr>
+          <a:xfrm>
+            <a:off x="8780275" y="2988663"/>
+            <a:ext cx="1230821" cy="0"/>
+          </a:xfrm>
+          <a:prstGeom prst="straightConnector1">
+            <a:avLst/>
+          </a:prstGeom>
+          <a:ln w="28575">
+            <a:tailEnd type="triangle"/>
+          </a:ln>
+        </p:spPr>
+        <p:style>
+          <a:lnRef idx="1">
+            <a:schemeClr val="dk1"/>
+          </a:lnRef>
+          <a:fillRef idx="0">
+            <a:schemeClr val="dk1"/>
+          </a:fillRef>
+          <a:effectRef idx="0">
+            <a:schemeClr val="dk1"/>
+          </a:effectRef>
+          <a:fontRef idx="minor">
+            <a:schemeClr val="tx1"/>
+          </a:fontRef>
+        </p:style>
+      </p:cxnSp>
+      <p:cxnSp>
+        <p:nvCxnSpPr>
+          <p:cNvPr id="19" name="Straight Connector 18">
+            <a:extLst>
+              <a:ext uri="{FF2B5EF4-FFF2-40B4-BE49-F238E27FC236}">
+                <a16:creationId xmlns:a16="http://schemas.microsoft.com/office/drawing/2014/main" id="{CFCEC27D-2C2E-439D-B361-FF3DD2420595}"/>
+              </a:ext>
+            </a:extLst>
+          </p:cNvPr>
+          <p:cNvCxnSpPr/>
+          <p:nvPr/>
+        </p:nvCxnSpPr>
+        <p:spPr>
+          <a:xfrm>
+            <a:off x="1859653" y="2314894"/>
+            <a:ext cx="0" cy="1347537"/>
+          </a:xfrm>
+          <a:prstGeom prst="line">
+            <a:avLst/>
+          </a:prstGeom>
+          <a:ln w="28575"/>
+        </p:spPr>
+        <p:style>
+          <a:lnRef idx="1">
+            <a:schemeClr val="dk1"/>
+          </a:lnRef>
+          <a:fillRef idx="0">
+            <a:schemeClr val="dk1"/>
+          </a:fillRef>
+          <a:effectRef idx="0">
+            <a:schemeClr val="dk1"/>
+          </a:effectRef>
+          <a:fontRef idx="minor">
+            <a:schemeClr val="tx1"/>
+          </a:fontRef>
+        </p:style>
+      </p:cxnSp>
+      <p:cxnSp>
+        <p:nvCxnSpPr>
+          <p:cNvPr id="16" name="Straight Connector 15">
+            <a:extLst>
+              <a:ext uri="{FF2B5EF4-FFF2-40B4-BE49-F238E27FC236}">
+                <a16:creationId xmlns:a16="http://schemas.microsoft.com/office/drawing/2014/main" id="{C26C9742-D54B-4D0E-AAE4-8901ECDE619E}"/>
+              </a:ext>
+            </a:extLst>
+          </p:cNvPr>
+          <p:cNvCxnSpPr/>
+          <p:nvPr/>
+        </p:nvCxnSpPr>
+        <p:spPr>
+          <a:xfrm>
+            <a:off x="9570159" y="2314894"/>
+            <a:ext cx="0" cy="1347537"/>
+          </a:xfrm>
+          <a:prstGeom prst="line">
+            <a:avLst/>
+          </a:prstGeom>
+          <a:ln w="28575"/>
+        </p:spPr>
+        <p:style>
+          <a:lnRef idx="1">
+            <a:schemeClr val="dk1"/>
+          </a:lnRef>
+          <a:fillRef idx="0">
+            <a:schemeClr val="dk1"/>
+          </a:fillRef>
+          <a:effectRef idx="0">
+            <a:schemeClr val="dk1"/>
+          </a:effectRef>
+          <a:fontRef idx="minor">
+            <a:schemeClr val="tx1"/>
+          </a:fontRef>
+        </p:style>
+      </p:cxnSp>
+      <p:sp>
+        <p:nvSpPr>
+          <p:cNvPr id="18" name="Oval 17">
+            <a:extLst>
+              <a:ext uri="{FF2B5EF4-FFF2-40B4-BE49-F238E27FC236}">
+                <a16:creationId xmlns:a16="http://schemas.microsoft.com/office/drawing/2014/main" id="{975F9876-C76E-4987-989D-5EB00FF679C2}"/>
+              </a:ext>
+            </a:extLst>
+          </p:cNvPr>
+          <p:cNvSpPr/>
+          <p:nvPr/>
+        </p:nvSpPr>
+        <p:spPr>
+          <a:xfrm>
+            <a:off x="1492012" y="3419337"/>
+            <a:ext cx="900000" cy="900000"/>
+          </a:xfrm>
+          <a:prstGeom prst="ellipse">
+            <a:avLst/>
+          </a:prstGeom>
+          <a:noFill/>
+          <a:ln w="38100">
+            <a:noFill/>
+          </a:ln>
+        </p:spPr>
+        <p:style>
+          <a:lnRef idx="2">
+            <a:schemeClr val="accent1">
+              <a:shade val="50000"/>
+            </a:schemeClr>
+          </a:lnRef>
+          <a:fillRef idx="1">
+            <a:schemeClr val="accent1"/>
+          </a:fillRef>
+          <a:effectRef idx="0">
+            <a:schemeClr val="accent1"/>
+          </a:effectRef>
+          <a:fontRef idx="minor">
+            <a:schemeClr val="lt1"/>
+          </a:fontRef>
+        </p:style>
+        <p:txBody>
+          <a:bodyPr rtlCol="0" anchor="ctr"/>
+          <a:lstStyle/>
+          <a:p>
+            <a:pPr algn="ctr"/>
+            <a:r>
+              <a:rPr lang="en-GB" sz="2400" dirty="0">
+                <a:solidFill>
+                  <a:schemeClr val="tx1"/>
+                </a:solidFill>
+              </a:rPr>
+              <a:t>t</a:t>
+            </a:r>
+            <a:r>
+              <a:rPr lang="en-GB" sz="2400" baseline="-25000" dirty="0">
+                <a:solidFill>
+                  <a:schemeClr val="tx1"/>
+                </a:solidFill>
+              </a:rPr>
+              <a:t>0</a:t>
+            </a:r>
+            <a:endParaRPr lang="en-GB" sz="2400" dirty="0">
+              <a:solidFill>
+                <a:schemeClr val="tx1"/>
+              </a:solidFill>
+            </a:endParaRPr>
+          </a:p>
+        </p:txBody>
+      </p:sp>
+      <p:sp>
+        <p:nvSpPr>
+          <p:cNvPr id="20" name="Oval 19">
+            <a:extLst>
+              <a:ext uri="{FF2B5EF4-FFF2-40B4-BE49-F238E27FC236}">
+                <a16:creationId xmlns:a16="http://schemas.microsoft.com/office/drawing/2014/main" id="{A51F35FC-B104-4A66-B978-8AE272415EFC}"/>
+              </a:ext>
+            </a:extLst>
+          </p:cNvPr>
+          <p:cNvSpPr/>
+          <p:nvPr/>
+        </p:nvSpPr>
+        <p:spPr>
+          <a:xfrm>
+            <a:off x="9189728" y="3418357"/>
+            <a:ext cx="900000" cy="900000"/>
+          </a:xfrm>
+          <a:prstGeom prst="ellipse">
+            <a:avLst/>
+          </a:prstGeom>
+          <a:noFill/>
+          <a:ln w="38100">
+            <a:noFill/>
+          </a:ln>
+        </p:spPr>
+        <p:style>
+          <a:lnRef idx="2">
+            <a:schemeClr val="accent1">
+              <a:shade val="50000"/>
+            </a:schemeClr>
+          </a:lnRef>
+          <a:fillRef idx="1">
+            <a:schemeClr val="accent1"/>
+          </a:fillRef>
+          <a:effectRef idx="0">
+            <a:schemeClr val="accent1"/>
+          </a:effectRef>
+          <a:fontRef idx="minor">
+            <a:schemeClr val="lt1"/>
+          </a:fontRef>
+        </p:style>
+        <p:txBody>
+          <a:bodyPr rtlCol="0" anchor="ctr"/>
+          <a:lstStyle/>
+          <a:p>
+            <a:pPr algn="ctr"/>
+            <a:r>
+              <a:rPr lang="en-GB" sz="2400" dirty="0" err="1">
+                <a:solidFill>
+                  <a:schemeClr val="tx1"/>
+                </a:solidFill>
+              </a:rPr>
+              <a:t>t</a:t>
+            </a:r>
+            <a:r>
+              <a:rPr lang="en-GB" sz="2400" baseline="-25000" dirty="0" err="1">
+                <a:solidFill>
+                  <a:schemeClr val="tx1"/>
+                </a:solidFill>
+              </a:rPr>
+              <a:t>max</a:t>
+            </a:r>
+            <a:endParaRPr lang="en-GB" sz="2400" dirty="0">
+              <a:solidFill>
+                <a:schemeClr val="tx1"/>
+              </a:solidFill>
+            </a:endParaRPr>
+          </a:p>
+        </p:txBody>
+      </p:sp>
+      <p:sp>
+        <p:nvSpPr>
+          <p:cNvPr id="25" name="TextBox 24">
+            <a:extLst>
+              <a:ext uri="{FF2B5EF4-FFF2-40B4-BE49-F238E27FC236}">
+                <a16:creationId xmlns:a16="http://schemas.microsoft.com/office/drawing/2014/main" id="{D3495451-8774-4ED8-BA0E-A53FDBE08334}"/>
+              </a:ext>
+            </a:extLst>
+          </p:cNvPr>
+          <p:cNvSpPr txBox="1"/>
+          <p:nvPr/>
+        </p:nvSpPr>
+        <p:spPr>
+          <a:xfrm>
+            <a:off x="1745455" y="4234613"/>
+            <a:ext cx="8701089" cy="923330"/>
+          </a:xfrm>
+          <a:prstGeom prst="rect">
+            <a:avLst/>
+          </a:prstGeom>
+          <a:noFill/>
+        </p:spPr>
+        <p:txBody>
+          <a:bodyPr wrap="square" rtlCol="0">
+            <a:spAutoFit/>
+          </a:bodyPr>
+          <a:lstStyle/>
+          <a:p>
+            <a:pPr marL="285750" indent="-285750">
+              <a:buFont typeface="Arial" panose="020B0604020202020204" pitchFamily="34" charset="0"/>
+              <a:buChar char="•"/>
+            </a:pPr>
+            <a:endParaRPr lang="en-GB" dirty="0"/>
+          </a:p>
+          <a:p>
+            <a:pPr marL="285750" indent="-285750">
+              <a:buFont typeface="Arial" panose="020B0604020202020204" pitchFamily="34" charset="0"/>
+              <a:buChar char="•"/>
+            </a:pPr>
+            <a:r>
+              <a:rPr lang="en-GB" dirty="0"/>
+              <a:t>We simulate arrivals until a pre-defined stopping rule is met</a:t>
+            </a:r>
+          </a:p>
+          <a:p>
+            <a:pPr marL="285750" indent="-285750">
+              <a:buFont typeface="Arial" panose="020B0604020202020204" pitchFamily="34" charset="0"/>
+              <a:buChar char="•"/>
+            </a:pPr>
+            <a:r>
+              <a:rPr lang="en-GB" dirty="0"/>
+              <a:t>This takes the form of </a:t>
+            </a:r>
+            <a:r>
+              <a:rPr lang="en-GB" dirty="0" err="1"/>
+              <a:t>t</a:t>
+            </a:r>
+            <a:r>
+              <a:rPr lang="en-GB" baseline="-25000" dirty="0" err="1"/>
+              <a:t>i</a:t>
+            </a:r>
+            <a:r>
+              <a:rPr lang="en-GB" dirty="0"/>
+              <a:t> ≥ </a:t>
+            </a:r>
+            <a:r>
+              <a:rPr lang="en-GB" dirty="0" err="1"/>
+              <a:t>t</a:t>
+            </a:r>
+            <a:r>
+              <a:rPr lang="en-GB" baseline="-25000" dirty="0" err="1"/>
+              <a:t>max</a:t>
+            </a:r>
+            <a:endParaRPr lang="en-GB" dirty="0"/>
+          </a:p>
+        </p:txBody>
+      </p:sp>
+    </p:spTree>
+    <p:extLst>
+      <p:ext uri="{BB962C8B-B14F-4D97-AF65-F5344CB8AC3E}">
+        <p14:creationId xmlns:p14="http://schemas.microsoft.com/office/powerpoint/2010/main" val="3027059998"/>
+      </p:ext>
+    </p:extLst>
+  </p:cSld>
+  <p:clrMapOvr>
+    <a:masterClrMapping/>
+  </p:clrMapOvr>
+</p:sld>
+</file>
+
+<file path=ppt/slides/slide13.xml><?xml version="1.0" encoding="utf-8"?>
+<p:sld xmlns:a="http://schemas.openxmlformats.org/drawingml/2006/main" xmlns:r="http://schemas.openxmlformats.org/officeDocument/2006/relationships" xmlns:p="http://schemas.openxmlformats.org/presentationml/2006/main">
+  <p:cSld>
+    <p:spTree>
+      <p:nvGrpSpPr>
+        <p:cNvPr id="1" name=""/>
+        <p:cNvGrpSpPr/>
+        <p:nvPr/>
+      </p:nvGrpSpPr>
+      <p:grpSpPr>
+        <a:xfrm>
+          <a:off x="0" y="0"/>
+          <a:ext cx="0" cy="0"/>
+          <a:chOff x="0" y="0"/>
+          <a:chExt cx="0" cy="0"/>
+        </a:xfrm>
+      </p:grpSpPr>
+      <p:sp>
+        <p:nvSpPr>
+          <p:cNvPr id="2" name="Title 1">
+            <a:extLst>
+              <a:ext uri="{FF2B5EF4-FFF2-40B4-BE49-F238E27FC236}">
+                <a16:creationId xmlns:a16="http://schemas.microsoft.com/office/drawing/2014/main" id="{CE0F9B8C-619D-498E-98E8-4A4FB099871C}"/>
+              </a:ext>
+            </a:extLst>
+          </p:cNvPr>
+          <p:cNvSpPr>
+            <a:spLocks noGrp="1"/>
+          </p:cNvSpPr>
+          <p:nvPr>
+            <p:ph type="title"/>
+          </p:nvPr>
+        </p:nvSpPr>
+        <p:spPr/>
+        <p:txBody>
+          <a:bodyPr/>
+          <a:lstStyle/>
+          <a:p>
+            <a:r>
+              <a:rPr lang="en-GB" dirty="0"/>
+              <a:t>Simulating Arrivals</a:t>
+            </a:r>
+          </a:p>
+        </p:txBody>
+      </p:sp>
+      <p:pic>
+        <p:nvPicPr>
+          <p:cNvPr id="5" name="Content Placeholder 4">
+            <a:extLst>
+              <a:ext uri="{FF2B5EF4-FFF2-40B4-BE49-F238E27FC236}">
+                <a16:creationId xmlns:a16="http://schemas.microsoft.com/office/drawing/2014/main" id="{38A45625-8913-439F-A57F-19AEBAA0D3CF}"/>
+              </a:ext>
+            </a:extLst>
+          </p:cNvPr>
+          <p:cNvPicPr>
+            <a:picLocks noGrp="1" noChangeAspect="1"/>
+          </p:cNvPicPr>
+          <p:nvPr>
+            <p:ph idx="1"/>
+          </p:nvPr>
+        </p:nvPicPr>
+        <p:blipFill>
+          <a:blip r:embed="rId2">
+            <a:extLst>
+              <a:ext uri="{28A0092B-C50C-407E-A947-70E740481C1C}">
+                <a14:useLocalDpi xmlns:a14="http://schemas.microsoft.com/office/drawing/2010/main" val="0"/>
+              </a:ext>
+            </a:extLst>
+          </a:blip>
+          <a:srcRect/>
+          <a:stretch/>
+        </p:blipFill>
+        <p:spPr>
+          <a:xfrm>
+            <a:off x="1455818" y="2148333"/>
+            <a:ext cx="9280364" cy="2561333"/>
+          </a:xfrm>
+        </p:spPr>
+      </p:pic>
+    </p:spTree>
+    <p:extLst>
+      <p:ext uri="{BB962C8B-B14F-4D97-AF65-F5344CB8AC3E}">
+        <p14:creationId xmlns:p14="http://schemas.microsoft.com/office/powerpoint/2010/main" val="583943789"/>
+      </p:ext>
+    </p:extLst>
+  </p:cSld>
+  <p:clrMapOvr>
+    <a:masterClrMapping/>
+  </p:clrMapOvr>
+</p:sld>
+</file>
+
+<file path=ppt/slides/slide14.xml><?xml version="1.0" encoding="utf-8"?>
+<p:sld xmlns:a="http://schemas.openxmlformats.org/drawingml/2006/main" xmlns:r="http://schemas.openxmlformats.org/officeDocument/2006/relationships" xmlns:p="http://schemas.openxmlformats.org/presentationml/2006/main">
+  <p:cSld>
+    <p:spTree>
+      <p:nvGrpSpPr>
+        <p:cNvPr id="1" name=""/>
+        <p:cNvGrpSpPr/>
+        <p:nvPr/>
+      </p:nvGrpSpPr>
+      <p:grpSpPr>
+        <a:xfrm>
+          <a:off x="0" y="0"/>
+          <a:ext cx="0" cy="0"/>
+          <a:chOff x="0" y="0"/>
+          <a:chExt cx="0" cy="0"/>
+        </a:xfrm>
+      </p:grpSpPr>
+      <p:sp>
+        <p:nvSpPr>
           <p:cNvPr id="2" name="Title 1">
             <a:extLst>
               <a:ext uri="{FF2B5EF4-FFF2-40B4-BE49-F238E27FC236}">
@@ -3502,12 +6232,6 @@
               <a:p>
                 <a:r>
                   <a:rPr lang="en-GB" dirty="0"/>
-                  <a:t>We now have a set of times at which snow leopards arrive</a:t>
-                </a:r>
-              </a:p>
-              <a:p>
-                <a:r>
-                  <a:rPr lang="en-GB" dirty="0"/>
                   <a:t>Let </a:t>
                 </a:r>
                 <a14:m>
@@ -3525,7 +6249,7 @@
                           <a:rPr lang="en-GB" b="0" i="1" smtClean="0">
                             <a:latin typeface="Cambria Math" panose="02040503050406030204" pitchFamily="18" charset="0"/>
                           </a:rPr>
-                          <m:t>𝑇</m:t>
+                          <m:t>𝑡</m:t>
                         </m:r>
                       </m:e>
                       <m:sub>
@@ -3551,107 +6275,6 @@
                       </a:rPr>
                       <m:t>𝑗</m:t>
                     </m:r>
-                  </m:oMath>
-                </a14:m>
-                <a:r>
-                  <a:rPr lang="en-GB" dirty="0"/>
-                  <a:t>, so </a:t>
-                </a:r>
-                <a14:m>
-                  <m:oMath xmlns:m="http://schemas.openxmlformats.org/officeDocument/2006/math">
-                    <m:sSub>
-                      <m:sSubPr>
-                        <m:ctrlPr>
-                          <a:rPr lang="en-GB" b="0" i="1" smtClean="0">
-                            <a:latin typeface="Cambria Math" panose="02040503050406030204" pitchFamily="18" charset="0"/>
-                          </a:rPr>
-                        </m:ctrlPr>
-                      </m:sSubPr>
-                      <m:e>
-                        <m:r>
-                          <a:rPr lang="en-GB" b="0" i="1" smtClean="0">
-                            <a:latin typeface="Cambria Math" panose="02040503050406030204" pitchFamily="18" charset="0"/>
-                          </a:rPr>
-                          <m:t>𝑇</m:t>
-                        </m:r>
-                      </m:e>
-                      <m:sub>
-                        <m:r>
-                          <a:rPr lang="en-GB" b="0" i="1" smtClean="0">
-                            <a:latin typeface="Cambria Math" panose="02040503050406030204" pitchFamily="18" charset="0"/>
-                          </a:rPr>
-                          <m:t>𝑗</m:t>
-                        </m:r>
-                      </m:sub>
-                    </m:sSub>
-                    <m:r>
-                      <a:rPr lang="en-GB" b="0" i="1" smtClean="0">
-                        <a:latin typeface="Cambria Math" panose="02040503050406030204" pitchFamily="18" charset="0"/>
-                      </a:rPr>
-                      <m:t>=</m:t>
-                    </m:r>
-                    <m:nary>
-                      <m:naryPr>
-                        <m:chr m:val="∑"/>
-                        <m:ctrlPr>
-                          <a:rPr lang="en-GB" b="0" i="1" smtClean="0">
-                            <a:latin typeface="Cambria Math" panose="02040503050406030204" pitchFamily="18" charset="0"/>
-                          </a:rPr>
-                        </m:ctrlPr>
-                      </m:naryPr>
-                      <m:sub>
-                        <m:r>
-                          <m:rPr>
-                            <m:brk m:alnAt="23"/>
-                          </m:rPr>
-                          <a:rPr lang="en-GB" b="0" i="1" smtClean="0">
-                            <a:latin typeface="Cambria Math" panose="02040503050406030204" pitchFamily="18" charset="0"/>
-                          </a:rPr>
-                          <m:t>𝑖</m:t>
-                        </m:r>
-                        <m:r>
-                          <a:rPr lang="en-GB" b="0" i="1" smtClean="0">
-                            <a:latin typeface="Cambria Math" panose="02040503050406030204" pitchFamily="18" charset="0"/>
-                          </a:rPr>
-                          <m:t>=1</m:t>
-                        </m:r>
-                      </m:sub>
-                      <m:sup>
-                        <m:r>
-                          <a:rPr lang="en-GB" b="0" i="1" smtClean="0">
-                            <a:latin typeface="Cambria Math" panose="02040503050406030204" pitchFamily="18" charset="0"/>
-                          </a:rPr>
-                          <m:t>𝑗</m:t>
-                        </m:r>
-                      </m:sup>
-                      <m:e>
-                        <m:sSub>
-                          <m:sSubPr>
-                            <m:ctrlPr>
-                              <a:rPr lang="en-GB" b="0" i="1" smtClean="0">
-                                <a:latin typeface="Cambria Math" panose="02040503050406030204" pitchFamily="18" charset="0"/>
-                              </a:rPr>
-                            </m:ctrlPr>
-                          </m:sSubPr>
-                          <m:e>
-                            <m:r>
-                              <a:rPr lang="en-GB" b="0" i="1" smtClean="0">
-                                <a:latin typeface="Cambria Math" panose="02040503050406030204" pitchFamily="18" charset="0"/>
-                              </a:rPr>
-                              <m:t>𝑡</m:t>
-                            </m:r>
-                          </m:e>
-                          <m:sub>
-                            <m:r>
-                              <a:rPr lang="en-GB" b="0" i="1" smtClean="0">
-                                <a:latin typeface="Cambria Math" panose="02040503050406030204" pitchFamily="18" charset="0"/>
-                              </a:rPr>
-                              <m:t>𝑖</m:t>
-                            </m:r>
-                          </m:sub>
-                        </m:sSub>
-                      </m:e>
-                    </m:nary>
                   </m:oMath>
                 </a14:m>
                 <a:endParaRPr lang="en-GB" b="0" dirty="0"/>
@@ -3759,7 +6382,7 @@
               <a:p>
                 <a:r>
                   <a:rPr lang="en-GB" dirty="0"/>
-                  <a:t>So the individual then departs the area at </a:t>
+                  <a:t>The individual then departs the area at </a:t>
                 </a:r>
                 <a14:m>
                   <m:oMath xmlns:m="http://schemas.openxmlformats.org/officeDocument/2006/math">
@@ -3776,7 +6399,7 @@
                           <a:rPr lang="en-GB" b="0" i="1" smtClean="0">
                             <a:latin typeface="Cambria Math" panose="02040503050406030204" pitchFamily="18" charset="0"/>
                           </a:rPr>
-                          <m:t>𝑇</m:t>
+                          <m:t>𝑡</m:t>
                         </m:r>
                       </m:e>
                       <m:sub>
@@ -3850,7 +6473,7 @@
               <a:blipFill>
                 <a:blip r:embed="rId2"/>
                 <a:stretch>
-                  <a:fillRect l="-1043" t="-2241"/>
+                  <a:fillRect l="-1043" t="-1961"/>
                 </a:stretch>
               </a:blipFill>
             </p:spPr>
@@ -3882,7 +6505,7 @@
 </p:sld>
 </file>
 
-<file path=ppt/slides/slide11.xml><?xml version="1.0" encoding="utf-8"?>
+<file path=ppt/slides/slide15.xml><?xml version="1.0" encoding="utf-8"?>
 <p:sld xmlns:a="http://schemas.openxmlformats.org/drawingml/2006/main" xmlns:r="http://schemas.openxmlformats.org/officeDocument/2006/relationships" xmlns:p="http://schemas.openxmlformats.org/presentationml/2006/main">
   <p:cSld>
     <p:spTree>
@@ -3899,12 +6522,1271 @@
           <a:chExt cx="0" cy="0"/>
         </a:xfrm>
       </p:grpSpPr>
-      <p:sp>
-        <p:nvSpPr>
-          <p:cNvPr id="2" name="Title 1">
-            <a:extLst>
-              <a:ext uri="{FF2B5EF4-FFF2-40B4-BE49-F238E27FC236}">
-                <a16:creationId xmlns:a16="http://schemas.microsoft.com/office/drawing/2014/main" id="{46C843D0-126D-43A2-917D-DFE4D249AAC2}"/>
+      <p:cxnSp>
+        <p:nvCxnSpPr>
+          <p:cNvPr id="15" name="Straight Arrow Connector 14">
+            <a:extLst>
+              <a:ext uri="{FF2B5EF4-FFF2-40B4-BE49-F238E27FC236}">
+                <a16:creationId xmlns:a16="http://schemas.microsoft.com/office/drawing/2014/main" id="{CD99039F-71A3-4E09-94CC-7D53E991D082}"/>
+              </a:ext>
+            </a:extLst>
+          </p:cNvPr>
+          <p:cNvCxnSpPr>
+            <a:cxnSpLocks/>
+          </p:cNvCxnSpPr>
+          <p:nvPr/>
+        </p:nvCxnSpPr>
+        <p:spPr>
+          <a:xfrm>
+            <a:off x="1610524" y="5167835"/>
+            <a:ext cx="8353377" cy="0"/>
+          </a:xfrm>
+          <a:prstGeom prst="straightConnector1">
+            <a:avLst/>
+          </a:prstGeom>
+          <a:ln w="19050">
+            <a:solidFill>
+              <a:schemeClr val="tx1"/>
+            </a:solidFill>
+            <a:tailEnd type="triangle"/>
+          </a:ln>
+        </p:spPr>
+        <p:style>
+          <a:lnRef idx="1">
+            <a:schemeClr val="accent1"/>
+          </a:lnRef>
+          <a:fillRef idx="0">
+            <a:schemeClr val="accent1"/>
+          </a:fillRef>
+          <a:effectRef idx="0">
+            <a:schemeClr val="accent1"/>
+          </a:effectRef>
+          <a:fontRef idx="minor">
+            <a:schemeClr val="tx1"/>
+          </a:fontRef>
+        </p:style>
+      </p:cxnSp>
+      <p:cxnSp>
+        <p:nvCxnSpPr>
+          <p:cNvPr id="17" name="Straight Arrow Connector 16">
+            <a:extLst>
+              <a:ext uri="{FF2B5EF4-FFF2-40B4-BE49-F238E27FC236}">
+                <a16:creationId xmlns:a16="http://schemas.microsoft.com/office/drawing/2014/main" id="{4FB85827-F3B3-46E6-A1F6-8D7C3A525C1B}"/>
+              </a:ext>
+            </a:extLst>
+          </p:cNvPr>
+          <p:cNvCxnSpPr>
+            <a:cxnSpLocks/>
+          </p:cNvCxnSpPr>
+          <p:nvPr/>
+        </p:nvCxnSpPr>
+        <p:spPr>
+          <a:xfrm>
+            <a:off x="2103279" y="2271370"/>
+            <a:ext cx="3079463" cy="0"/>
+          </a:xfrm>
+          <a:prstGeom prst="straightConnector1">
+            <a:avLst/>
+          </a:prstGeom>
+          <a:ln w="19050">
+            <a:solidFill>
+              <a:schemeClr val="tx1"/>
+            </a:solidFill>
+            <a:tailEnd type="triangle"/>
+          </a:ln>
+        </p:spPr>
+        <p:style>
+          <a:lnRef idx="1">
+            <a:schemeClr val="accent1"/>
+          </a:lnRef>
+          <a:fillRef idx="0">
+            <a:schemeClr val="accent1"/>
+          </a:fillRef>
+          <a:effectRef idx="0">
+            <a:schemeClr val="accent1"/>
+          </a:effectRef>
+          <a:fontRef idx="minor">
+            <a:schemeClr val="tx1"/>
+          </a:fontRef>
+        </p:style>
+      </p:cxnSp>
+      <p:cxnSp>
+        <p:nvCxnSpPr>
+          <p:cNvPr id="18" name="Straight Arrow Connector 17">
+            <a:extLst>
+              <a:ext uri="{FF2B5EF4-FFF2-40B4-BE49-F238E27FC236}">
+                <a16:creationId xmlns:a16="http://schemas.microsoft.com/office/drawing/2014/main" id="{CD0D4525-5795-4936-A2C5-2B22A0ABD241}"/>
+              </a:ext>
+            </a:extLst>
+          </p:cNvPr>
+          <p:cNvCxnSpPr>
+            <a:cxnSpLocks/>
+          </p:cNvCxnSpPr>
+          <p:nvPr/>
+        </p:nvCxnSpPr>
+        <p:spPr>
+          <a:xfrm>
+            <a:off x="2699111" y="2677741"/>
+            <a:ext cx="2244548" cy="0"/>
+          </a:xfrm>
+          <a:prstGeom prst="straightConnector1">
+            <a:avLst/>
+          </a:prstGeom>
+          <a:ln w="19050">
+            <a:solidFill>
+              <a:schemeClr val="tx1"/>
+            </a:solidFill>
+            <a:tailEnd type="triangle"/>
+          </a:ln>
+        </p:spPr>
+        <p:style>
+          <a:lnRef idx="1">
+            <a:schemeClr val="accent1"/>
+          </a:lnRef>
+          <a:fillRef idx="0">
+            <a:schemeClr val="accent1"/>
+          </a:fillRef>
+          <a:effectRef idx="0">
+            <a:schemeClr val="accent1"/>
+          </a:effectRef>
+          <a:fontRef idx="minor">
+            <a:schemeClr val="tx1"/>
+          </a:fontRef>
+        </p:style>
+      </p:cxnSp>
+      <p:cxnSp>
+        <p:nvCxnSpPr>
+          <p:cNvPr id="19" name="Straight Arrow Connector 18">
+            <a:extLst>
+              <a:ext uri="{FF2B5EF4-FFF2-40B4-BE49-F238E27FC236}">
+                <a16:creationId xmlns:a16="http://schemas.microsoft.com/office/drawing/2014/main" id="{F1167E1D-6BF5-4033-B816-A7064FA9B0EC}"/>
+              </a:ext>
+            </a:extLst>
+          </p:cNvPr>
+          <p:cNvCxnSpPr>
+            <a:cxnSpLocks/>
+          </p:cNvCxnSpPr>
+          <p:nvPr/>
+        </p:nvCxnSpPr>
+        <p:spPr>
+          <a:xfrm>
+            <a:off x="3112071" y="3066186"/>
+            <a:ext cx="4061544" cy="0"/>
+          </a:xfrm>
+          <a:prstGeom prst="straightConnector1">
+            <a:avLst/>
+          </a:prstGeom>
+          <a:ln w="19050">
+            <a:solidFill>
+              <a:schemeClr val="tx1"/>
+            </a:solidFill>
+            <a:tailEnd type="triangle"/>
+          </a:ln>
+        </p:spPr>
+        <p:style>
+          <a:lnRef idx="1">
+            <a:schemeClr val="accent1"/>
+          </a:lnRef>
+          <a:fillRef idx="0">
+            <a:schemeClr val="accent1"/>
+          </a:fillRef>
+          <a:effectRef idx="0">
+            <a:schemeClr val="accent1"/>
+          </a:effectRef>
+          <a:fontRef idx="minor">
+            <a:schemeClr val="tx1"/>
+          </a:fontRef>
+        </p:style>
+      </p:cxnSp>
+      <p:cxnSp>
+        <p:nvCxnSpPr>
+          <p:cNvPr id="20" name="Straight Arrow Connector 19">
+            <a:extLst>
+              <a:ext uri="{FF2B5EF4-FFF2-40B4-BE49-F238E27FC236}">
+                <a16:creationId xmlns:a16="http://schemas.microsoft.com/office/drawing/2014/main" id="{9AB4E560-4D31-42CD-BC1E-1142956FB55A}"/>
+              </a:ext>
+            </a:extLst>
+          </p:cNvPr>
+          <p:cNvCxnSpPr>
+            <a:cxnSpLocks/>
+          </p:cNvCxnSpPr>
+          <p:nvPr/>
+        </p:nvCxnSpPr>
+        <p:spPr>
+          <a:xfrm flipV="1">
+            <a:off x="4203456" y="3418912"/>
+            <a:ext cx="5265008" cy="10088"/>
+          </a:xfrm>
+          <a:prstGeom prst="straightConnector1">
+            <a:avLst/>
+          </a:prstGeom>
+          <a:ln w="19050">
+            <a:solidFill>
+              <a:schemeClr val="tx1"/>
+            </a:solidFill>
+            <a:tailEnd type="triangle"/>
+          </a:ln>
+        </p:spPr>
+        <p:style>
+          <a:lnRef idx="1">
+            <a:schemeClr val="accent1"/>
+          </a:lnRef>
+          <a:fillRef idx="0">
+            <a:schemeClr val="accent1"/>
+          </a:fillRef>
+          <a:effectRef idx="0">
+            <a:schemeClr val="accent1"/>
+          </a:effectRef>
+          <a:fontRef idx="minor">
+            <a:schemeClr val="tx1"/>
+          </a:fontRef>
+        </p:style>
+      </p:cxnSp>
+      <p:cxnSp>
+        <p:nvCxnSpPr>
+          <p:cNvPr id="21" name="Straight Arrow Connector 20">
+            <a:extLst>
+              <a:ext uri="{FF2B5EF4-FFF2-40B4-BE49-F238E27FC236}">
+                <a16:creationId xmlns:a16="http://schemas.microsoft.com/office/drawing/2014/main" id="{8833BD40-6396-4868-8B72-A4F9024E2422}"/>
+              </a:ext>
+            </a:extLst>
+          </p:cNvPr>
+          <p:cNvCxnSpPr>
+            <a:cxnSpLocks/>
+          </p:cNvCxnSpPr>
+          <p:nvPr/>
+        </p:nvCxnSpPr>
+        <p:spPr>
+          <a:xfrm>
+            <a:off x="5082456" y="3782940"/>
+            <a:ext cx="1513022" cy="0"/>
+          </a:xfrm>
+          <a:prstGeom prst="straightConnector1">
+            <a:avLst/>
+          </a:prstGeom>
+          <a:ln w="19050">
+            <a:solidFill>
+              <a:schemeClr val="tx1"/>
+            </a:solidFill>
+            <a:tailEnd type="triangle"/>
+          </a:ln>
+        </p:spPr>
+        <p:style>
+          <a:lnRef idx="1">
+            <a:schemeClr val="accent1"/>
+          </a:lnRef>
+          <a:fillRef idx="0">
+            <a:schemeClr val="accent1"/>
+          </a:fillRef>
+          <a:effectRef idx="0">
+            <a:schemeClr val="accent1"/>
+          </a:effectRef>
+          <a:fontRef idx="minor">
+            <a:schemeClr val="tx1"/>
+          </a:fontRef>
+        </p:style>
+      </p:cxnSp>
+      <p:cxnSp>
+        <p:nvCxnSpPr>
+          <p:cNvPr id="22" name="Straight Arrow Connector 21">
+            <a:extLst>
+              <a:ext uri="{FF2B5EF4-FFF2-40B4-BE49-F238E27FC236}">
+                <a16:creationId xmlns:a16="http://schemas.microsoft.com/office/drawing/2014/main" id="{48448A64-A876-4DD7-83E9-876B711D1001}"/>
+              </a:ext>
+            </a:extLst>
+          </p:cNvPr>
+          <p:cNvCxnSpPr>
+            <a:cxnSpLocks/>
+          </p:cNvCxnSpPr>
+          <p:nvPr/>
+        </p:nvCxnSpPr>
+        <p:spPr>
+          <a:xfrm>
+            <a:off x="5460027" y="4159816"/>
+            <a:ext cx="2745975" cy="0"/>
+          </a:xfrm>
+          <a:prstGeom prst="straightConnector1">
+            <a:avLst/>
+          </a:prstGeom>
+          <a:ln w="19050">
+            <a:solidFill>
+              <a:schemeClr val="tx1"/>
+            </a:solidFill>
+            <a:tailEnd type="triangle"/>
+          </a:ln>
+        </p:spPr>
+        <p:style>
+          <a:lnRef idx="1">
+            <a:schemeClr val="accent1"/>
+          </a:lnRef>
+          <a:fillRef idx="0">
+            <a:schemeClr val="accent1"/>
+          </a:fillRef>
+          <a:effectRef idx="0">
+            <a:schemeClr val="accent1"/>
+          </a:effectRef>
+          <a:fontRef idx="minor">
+            <a:schemeClr val="tx1"/>
+          </a:fontRef>
+        </p:style>
+      </p:cxnSp>
+      <p:sp>
+        <p:nvSpPr>
+          <p:cNvPr id="34" name="TextBox 33">
+            <a:extLst>
+              <a:ext uri="{FF2B5EF4-FFF2-40B4-BE49-F238E27FC236}">
+                <a16:creationId xmlns:a16="http://schemas.microsoft.com/office/drawing/2014/main" id="{9DE19E22-3972-44B6-9000-6FE697941DB8}"/>
+              </a:ext>
+            </a:extLst>
+          </p:cNvPr>
+          <p:cNvSpPr txBox="1"/>
+          <p:nvPr/>
+        </p:nvSpPr>
+        <p:spPr>
+          <a:xfrm>
+            <a:off x="10048549" y="4983169"/>
+            <a:ext cx="914400" cy="369332"/>
+          </a:xfrm>
+          <a:prstGeom prst="rect">
+            <a:avLst/>
+          </a:prstGeom>
+          <a:noFill/>
+        </p:spPr>
+        <p:txBody>
+          <a:bodyPr wrap="square" rtlCol="0">
+            <a:spAutoFit/>
+          </a:bodyPr>
+          <a:lstStyle/>
+          <a:p>
+            <a:r>
+              <a:rPr lang="en-GB" dirty="0"/>
+              <a:t>Time</a:t>
+            </a:r>
+          </a:p>
+        </p:txBody>
+      </p:sp>
+      <p:cxnSp>
+        <p:nvCxnSpPr>
+          <p:cNvPr id="36" name="Straight Connector 35">
+            <a:extLst>
+              <a:ext uri="{FF2B5EF4-FFF2-40B4-BE49-F238E27FC236}">
+                <a16:creationId xmlns:a16="http://schemas.microsoft.com/office/drawing/2014/main" id="{FF8EA08F-4ABB-45A2-9915-EE99FEACDE1F}"/>
+              </a:ext>
+            </a:extLst>
+          </p:cNvPr>
+          <p:cNvCxnSpPr/>
+          <p:nvPr/>
+        </p:nvCxnSpPr>
+        <p:spPr>
+          <a:xfrm>
+            <a:off x="2103279" y="2271370"/>
+            <a:ext cx="0" cy="2896465"/>
+          </a:xfrm>
+          <a:prstGeom prst="line">
+            <a:avLst/>
+          </a:prstGeom>
+        </p:spPr>
+        <p:style>
+          <a:lnRef idx="1">
+            <a:schemeClr val="accent1"/>
+          </a:lnRef>
+          <a:fillRef idx="0">
+            <a:schemeClr val="accent1"/>
+          </a:fillRef>
+          <a:effectRef idx="0">
+            <a:schemeClr val="accent1"/>
+          </a:effectRef>
+          <a:fontRef idx="minor">
+            <a:schemeClr val="tx1"/>
+          </a:fontRef>
+        </p:style>
+      </p:cxnSp>
+      <p:cxnSp>
+        <p:nvCxnSpPr>
+          <p:cNvPr id="37" name="Straight Connector 36">
+            <a:extLst>
+              <a:ext uri="{FF2B5EF4-FFF2-40B4-BE49-F238E27FC236}">
+                <a16:creationId xmlns:a16="http://schemas.microsoft.com/office/drawing/2014/main" id="{68CE4C14-D145-456F-BD32-2428C2385A3A}"/>
+              </a:ext>
+            </a:extLst>
+          </p:cNvPr>
+          <p:cNvCxnSpPr>
+            <a:cxnSpLocks/>
+          </p:cNvCxnSpPr>
+          <p:nvPr/>
+        </p:nvCxnSpPr>
+        <p:spPr>
+          <a:xfrm>
+            <a:off x="2698127" y="2677444"/>
+            <a:ext cx="984" cy="2490391"/>
+          </a:xfrm>
+          <a:prstGeom prst="line">
+            <a:avLst/>
+          </a:prstGeom>
+        </p:spPr>
+        <p:style>
+          <a:lnRef idx="1">
+            <a:schemeClr val="accent1"/>
+          </a:lnRef>
+          <a:fillRef idx="0">
+            <a:schemeClr val="accent1"/>
+          </a:fillRef>
+          <a:effectRef idx="0">
+            <a:schemeClr val="accent1"/>
+          </a:effectRef>
+          <a:fontRef idx="minor">
+            <a:schemeClr val="tx1"/>
+          </a:fontRef>
+        </p:style>
+      </p:cxnSp>
+      <p:cxnSp>
+        <p:nvCxnSpPr>
+          <p:cNvPr id="38" name="Straight Connector 37">
+            <a:extLst>
+              <a:ext uri="{FF2B5EF4-FFF2-40B4-BE49-F238E27FC236}">
+                <a16:creationId xmlns:a16="http://schemas.microsoft.com/office/drawing/2014/main" id="{17CEFEFD-4FF1-4360-8307-D5220614D366}"/>
+              </a:ext>
+            </a:extLst>
+          </p:cNvPr>
+          <p:cNvCxnSpPr>
+            <a:cxnSpLocks/>
+          </p:cNvCxnSpPr>
+          <p:nvPr/>
+        </p:nvCxnSpPr>
+        <p:spPr>
+          <a:xfrm flipH="1">
+            <a:off x="3112071" y="3066186"/>
+            <a:ext cx="1139" cy="2101649"/>
+          </a:xfrm>
+          <a:prstGeom prst="line">
+            <a:avLst/>
+          </a:prstGeom>
+        </p:spPr>
+        <p:style>
+          <a:lnRef idx="1">
+            <a:schemeClr val="accent1"/>
+          </a:lnRef>
+          <a:fillRef idx="0">
+            <a:schemeClr val="accent1"/>
+          </a:fillRef>
+          <a:effectRef idx="0">
+            <a:schemeClr val="accent1"/>
+          </a:effectRef>
+          <a:fontRef idx="minor">
+            <a:schemeClr val="tx1"/>
+          </a:fontRef>
+        </p:style>
+      </p:cxnSp>
+      <p:cxnSp>
+        <p:nvCxnSpPr>
+          <p:cNvPr id="39" name="Straight Connector 38">
+            <a:extLst>
+              <a:ext uri="{FF2B5EF4-FFF2-40B4-BE49-F238E27FC236}">
+                <a16:creationId xmlns:a16="http://schemas.microsoft.com/office/drawing/2014/main" id="{D2523BC8-5F10-43E1-85C9-6183C5803904}"/>
+              </a:ext>
+            </a:extLst>
+          </p:cNvPr>
+          <p:cNvCxnSpPr>
+            <a:cxnSpLocks/>
+          </p:cNvCxnSpPr>
+          <p:nvPr/>
+        </p:nvCxnSpPr>
+        <p:spPr>
+          <a:xfrm>
+            <a:off x="4203456" y="3437633"/>
+            <a:ext cx="0" cy="1730202"/>
+          </a:xfrm>
+          <a:prstGeom prst="line">
+            <a:avLst/>
+          </a:prstGeom>
+        </p:spPr>
+        <p:style>
+          <a:lnRef idx="1">
+            <a:schemeClr val="accent1"/>
+          </a:lnRef>
+          <a:fillRef idx="0">
+            <a:schemeClr val="accent1"/>
+          </a:fillRef>
+          <a:effectRef idx="0">
+            <a:schemeClr val="accent1"/>
+          </a:effectRef>
+          <a:fontRef idx="minor">
+            <a:schemeClr val="tx1"/>
+          </a:fontRef>
+        </p:style>
+      </p:cxnSp>
+      <p:cxnSp>
+        <p:nvCxnSpPr>
+          <p:cNvPr id="40" name="Straight Connector 39">
+            <a:extLst>
+              <a:ext uri="{FF2B5EF4-FFF2-40B4-BE49-F238E27FC236}">
+                <a16:creationId xmlns:a16="http://schemas.microsoft.com/office/drawing/2014/main" id="{857E991C-EC39-469A-94E3-5D07A11C42E8}"/>
+              </a:ext>
+            </a:extLst>
+          </p:cNvPr>
+          <p:cNvCxnSpPr>
+            <a:cxnSpLocks/>
+          </p:cNvCxnSpPr>
+          <p:nvPr/>
+        </p:nvCxnSpPr>
+        <p:spPr>
+          <a:xfrm>
+            <a:off x="5082456" y="3782940"/>
+            <a:ext cx="0" cy="1384895"/>
+          </a:xfrm>
+          <a:prstGeom prst="line">
+            <a:avLst/>
+          </a:prstGeom>
+        </p:spPr>
+        <p:style>
+          <a:lnRef idx="1">
+            <a:schemeClr val="accent1"/>
+          </a:lnRef>
+          <a:fillRef idx="0">
+            <a:schemeClr val="accent1"/>
+          </a:fillRef>
+          <a:effectRef idx="0">
+            <a:schemeClr val="accent1"/>
+          </a:effectRef>
+          <a:fontRef idx="minor">
+            <a:schemeClr val="tx1"/>
+          </a:fontRef>
+        </p:style>
+      </p:cxnSp>
+      <p:cxnSp>
+        <p:nvCxnSpPr>
+          <p:cNvPr id="41" name="Straight Connector 40">
+            <a:extLst>
+              <a:ext uri="{FF2B5EF4-FFF2-40B4-BE49-F238E27FC236}">
+                <a16:creationId xmlns:a16="http://schemas.microsoft.com/office/drawing/2014/main" id="{D628D01A-A2FF-4654-B3D0-23B117B464CC}"/>
+              </a:ext>
+            </a:extLst>
+          </p:cNvPr>
+          <p:cNvCxnSpPr>
+            <a:cxnSpLocks/>
+          </p:cNvCxnSpPr>
+          <p:nvPr/>
+        </p:nvCxnSpPr>
+        <p:spPr>
+          <a:xfrm>
+            <a:off x="5460027" y="4159816"/>
+            <a:ext cx="0" cy="1008019"/>
+          </a:xfrm>
+          <a:prstGeom prst="line">
+            <a:avLst/>
+          </a:prstGeom>
+        </p:spPr>
+        <p:style>
+          <a:lnRef idx="1">
+            <a:schemeClr val="accent1"/>
+          </a:lnRef>
+          <a:fillRef idx="0">
+            <a:schemeClr val="accent1"/>
+          </a:fillRef>
+          <a:effectRef idx="0">
+            <a:schemeClr val="accent1"/>
+          </a:effectRef>
+          <a:fontRef idx="minor">
+            <a:schemeClr val="tx1"/>
+          </a:fontRef>
+        </p:style>
+      </p:cxnSp>
+      <p:sp>
+        <p:nvSpPr>
+          <p:cNvPr id="51" name="TextBox 50">
+            <a:extLst>
+              <a:ext uri="{FF2B5EF4-FFF2-40B4-BE49-F238E27FC236}">
+                <a16:creationId xmlns:a16="http://schemas.microsoft.com/office/drawing/2014/main" id="{2427708D-2A5E-4B45-915A-EF6AC7970BC2}"/>
+              </a:ext>
+            </a:extLst>
+          </p:cNvPr>
+          <p:cNvSpPr txBox="1"/>
+          <p:nvPr/>
+        </p:nvSpPr>
+        <p:spPr>
+          <a:xfrm>
+            <a:off x="1932277" y="5240413"/>
+            <a:ext cx="342004" cy="369332"/>
+          </a:xfrm>
+          <a:prstGeom prst="rect">
+            <a:avLst/>
+          </a:prstGeom>
+          <a:noFill/>
+        </p:spPr>
+        <p:txBody>
+          <a:bodyPr wrap="square" rtlCol="0">
+            <a:spAutoFit/>
+          </a:bodyPr>
+          <a:lstStyle/>
+          <a:p>
+            <a:r>
+              <a:rPr lang="en-GB" dirty="0"/>
+              <a:t>t</a:t>
+            </a:r>
+            <a:r>
+              <a:rPr lang="en-GB" baseline="-25000" dirty="0"/>
+              <a:t>1</a:t>
+            </a:r>
+            <a:endParaRPr lang="en-GB" dirty="0"/>
+          </a:p>
+        </p:txBody>
+      </p:sp>
+      <p:sp>
+        <p:nvSpPr>
+          <p:cNvPr id="52" name="TextBox 51">
+            <a:extLst>
+              <a:ext uri="{FF2B5EF4-FFF2-40B4-BE49-F238E27FC236}">
+                <a16:creationId xmlns:a16="http://schemas.microsoft.com/office/drawing/2014/main" id="{2378E04F-D32C-4877-B18F-43B40B042435}"/>
+              </a:ext>
+            </a:extLst>
+          </p:cNvPr>
+          <p:cNvSpPr txBox="1"/>
+          <p:nvPr/>
+        </p:nvSpPr>
+        <p:spPr>
+          <a:xfrm>
+            <a:off x="2527125" y="5240413"/>
+            <a:ext cx="342004" cy="369332"/>
+          </a:xfrm>
+          <a:prstGeom prst="rect">
+            <a:avLst/>
+          </a:prstGeom>
+          <a:noFill/>
+        </p:spPr>
+        <p:txBody>
+          <a:bodyPr wrap="square" rtlCol="0">
+            <a:spAutoFit/>
+          </a:bodyPr>
+          <a:lstStyle/>
+          <a:p>
+            <a:r>
+              <a:rPr lang="en-GB" dirty="0"/>
+              <a:t>t</a:t>
+            </a:r>
+            <a:r>
+              <a:rPr lang="en-GB" baseline="-25000" dirty="0"/>
+              <a:t>2</a:t>
+            </a:r>
+            <a:endParaRPr lang="en-GB" dirty="0"/>
+          </a:p>
+        </p:txBody>
+      </p:sp>
+      <p:sp>
+        <p:nvSpPr>
+          <p:cNvPr id="53" name="TextBox 52">
+            <a:extLst>
+              <a:ext uri="{FF2B5EF4-FFF2-40B4-BE49-F238E27FC236}">
+                <a16:creationId xmlns:a16="http://schemas.microsoft.com/office/drawing/2014/main" id="{1152BE9A-B95D-49BD-AFF4-6DB55C73A92F}"/>
+              </a:ext>
+            </a:extLst>
+          </p:cNvPr>
+          <p:cNvSpPr txBox="1"/>
+          <p:nvPr/>
+        </p:nvSpPr>
+        <p:spPr>
+          <a:xfrm>
+            <a:off x="2941069" y="5240413"/>
+            <a:ext cx="342004" cy="369332"/>
+          </a:xfrm>
+          <a:prstGeom prst="rect">
+            <a:avLst/>
+          </a:prstGeom>
+          <a:noFill/>
+        </p:spPr>
+        <p:txBody>
+          <a:bodyPr wrap="square" rtlCol="0">
+            <a:spAutoFit/>
+          </a:bodyPr>
+          <a:lstStyle/>
+          <a:p>
+            <a:r>
+              <a:rPr lang="en-GB" dirty="0"/>
+              <a:t>t</a:t>
+            </a:r>
+            <a:r>
+              <a:rPr lang="en-GB" baseline="-25000" dirty="0"/>
+              <a:t>3</a:t>
+            </a:r>
+            <a:endParaRPr lang="en-GB" dirty="0"/>
+          </a:p>
+        </p:txBody>
+      </p:sp>
+      <p:sp>
+        <p:nvSpPr>
+          <p:cNvPr id="54" name="TextBox 53">
+            <a:extLst>
+              <a:ext uri="{FF2B5EF4-FFF2-40B4-BE49-F238E27FC236}">
+                <a16:creationId xmlns:a16="http://schemas.microsoft.com/office/drawing/2014/main" id="{D1A2DB58-C08E-4831-A50C-F3DA3ABFC4AD}"/>
+              </a:ext>
+            </a:extLst>
+          </p:cNvPr>
+          <p:cNvSpPr txBox="1"/>
+          <p:nvPr/>
+        </p:nvSpPr>
+        <p:spPr>
+          <a:xfrm>
+            <a:off x="4032454" y="5240413"/>
+            <a:ext cx="342004" cy="369332"/>
+          </a:xfrm>
+          <a:prstGeom prst="rect">
+            <a:avLst/>
+          </a:prstGeom>
+          <a:noFill/>
+        </p:spPr>
+        <p:txBody>
+          <a:bodyPr wrap="square" rtlCol="0">
+            <a:spAutoFit/>
+          </a:bodyPr>
+          <a:lstStyle/>
+          <a:p>
+            <a:r>
+              <a:rPr lang="en-GB" dirty="0"/>
+              <a:t>t</a:t>
+            </a:r>
+            <a:r>
+              <a:rPr lang="en-GB" baseline="-25000" dirty="0"/>
+              <a:t>4</a:t>
+            </a:r>
+            <a:endParaRPr lang="en-GB" dirty="0"/>
+          </a:p>
+        </p:txBody>
+      </p:sp>
+      <p:sp>
+        <p:nvSpPr>
+          <p:cNvPr id="55" name="TextBox 54">
+            <a:extLst>
+              <a:ext uri="{FF2B5EF4-FFF2-40B4-BE49-F238E27FC236}">
+                <a16:creationId xmlns:a16="http://schemas.microsoft.com/office/drawing/2014/main" id="{DFB2A88B-3DA0-468E-98C8-B69B3078311A}"/>
+              </a:ext>
+            </a:extLst>
+          </p:cNvPr>
+          <p:cNvSpPr txBox="1"/>
+          <p:nvPr/>
+        </p:nvSpPr>
+        <p:spPr>
+          <a:xfrm>
+            <a:off x="4911454" y="5240413"/>
+            <a:ext cx="342004" cy="369332"/>
+          </a:xfrm>
+          <a:prstGeom prst="rect">
+            <a:avLst/>
+          </a:prstGeom>
+          <a:noFill/>
+        </p:spPr>
+        <p:txBody>
+          <a:bodyPr wrap="square" rtlCol="0">
+            <a:spAutoFit/>
+          </a:bodyPr>
+          <a:lstStyle/>
+          <a:p>
+            <a:r>
+              <a:rPr lang="en-GB" dirty="0"/>
+              <a:t>t</a:t>
+            </a:r>
+            <a:r>
+              <a:rPr lang="en-GB" baseline="-25000" dirty="0"/>
+              <a:t>5</a:t>
+            </a:r>
+            <a:endParaRPr lang="en-GB" dirty="0"/>
+          </a:p>
+        </p:txBody>
+      </p:sp>
+      <p:sp>
+        <p:nvSpPr>
+          <p:cNvPr id="56" name="TextBox 55">
+            <a:extLst>
+              <a:ext uri="{FF2B5EF4-FFF2-40B4-BE49-F238E27FC236}">
+                <a16:creationId xmlns:a16="http://schemas.microsoft.com/office/drawing/2014/main" id="{5FE33ACE-87B7-41FA-A403-5E9DF5558BC2}"/>
+              </a:ext>
+            </a:extLst>
+          </p:cNvPr>
+          <p:cNvSpPr txBox="1"/>
+          <p:nvPr/>
+        </p:nvSpPr>
+        <p:spPr>
+          <a:xfrm>
+            <a:off x="5289025" y="5240413"/>
+            <a:ext cx="342004" cy="369332"/>
+          </a:xfrm>
+          <a:prstGeom prst="rect">
+            <a:avLst/>
+          </a:prstGeom>
+          <a:noFill/>
+        </p:spPr>
+        <p:txBody>
+          <a:bodyPr wrap="square" rtlCol="0">
+            <a:spAutoFit/>
+          </a:bodyPr>
+          <a:lstStyle/>
+          <a:p>
+            <a:r>
+              <a:rPr lang="en-GB" dirty="0"/>
+              <a:t>t</a:t>
+            </a:r>
+            <a:r>
+              <a:rPr lang="en-GB" baseline="-25000" dirty="0"/>
+              <a:t>6</a:t>
+            </a:r>
+            <a:endParaRPr lang="en-GB" dirty="0"/>
+          </a:p>
+        </p:txBody>
+      </p:sp>
+      <p:sp>
+        <p:nvSpPr>
+          <p:cNvPr id="57" name="TextBox 56">
+            <a:extLst>
+              <a:ext uri="{FF2B5EF4-FFF2-40B4-BE49-F238E27FC236}">
+                <a16:creationId xmlns:a16="http://schemas.microsoft.com/office/drawing/2014/main" id="{D57BE334-90B4-4EC4-8242-6C9A017CFED1}"/>
+              </a:ext>
+            </a:extLst>
+          </p:cNvPr>
+          <p:cNvSpPr txBox="1"/>
+          <p:nvPr/>
+        </p:nvSpPr>
+        <p:spPr>
+          <a:xfrm>
+            <a:off x="1261067" y="2086704"/>
+            <a:ext cx="492759" cy="369332"/>
+          </a:xfrm>
+          <a:prstGeom prst="rect">
+            <a:avLst/>
+          </a:prstGeom>
+          <a:noFill/>
+        </p:spPr>
+        <p:txBody>
+          <a:bodyPr wrap="square" rtlCol="0">
+            <a:spAutoFit/>
+          </a:bodyPr>
+          <a:lstStyle/>
+          <a:p>
+            <a:r>
+              <a:rPr lang="en-GB" dirty="0"/>
+              <a:t>j=1</a:t>
+            </a:r>
+          </a:p>
+        </p:txBody>
+      </p:sp>
+      <p:sp>
+        <p:nvSpPr>
+          <p:cNvPr id="60" name="TextBox 59">
+            <a:extLst>
+              <a:ext uri="{FF2B5EF4-FFF2-40B4-BE49-F238E27FC236}">
+                <a16:creationId xmlns:a16="http://schemas.microsoft.com/office/drawing/2014/main" id="{3F0B3E15-AEAD-4B06-AF8A-04B97EFAECCB}"/>
+              </a:ext>
+            </a:extLst>
+          </p:cNvPr>
+          <p:cNvSpPr txBox="1"/>
+          <p:nvPr/>
+        </p:nvSpPr>
+        <p:spPr>
+          <a:xfrm>
+            <a:off x="1261066" y="2490413"/>
+            <a:ext cx="492759" cy="369332"/>
+          </a:xfrm>
+          <a:prstGeom prst="rect">
+            <a:avLst/>
+          </a:prstGeom>
+          <a:noFill/>
+        </p:spPr>
+        <p:txBody>
+          <a:bodyPr wrap="square" rtlCol="0">
+            <a:spAutoFit/>
+          </a:bodyPr>
+          <a:lstStyle/>
+          <a:p>
+            <a:r>
+              <a:rPr lang="en-GB" dirty="0"/>
+              <a:t>j=2</a:t>
+            </a:r>
+          </a:p>
+        </p:txBody>
+      </p:sp>
+      <p:sp>
+        <p:nvSpPr>
+          <p:cNvPr id="65" name="TextBox 64">
+            <a:extLst>
+              <a:ext uri="{FF2B5EF4-FFF2-40B4-BE49-F238E27FC236}">
+                <a16:creationId xmlns:a16="http://schemas.microsoft.com/office/drawing/2014/main" id="{9A6BCE23-F459-472A-9E51-BF093C7CC9DD}"/>
+              </a:ext>
+            </a:extLst>
+          </p:cNvPr>
+          <p:cNvSpPr txBox="1"/>
+          <p:nvPr/>
+        </p:nvSpPr>
+        <p:spPr>
+          <a:xfrm>
+            <a:off x="1261066" y="2881520"/>
+            <a:ext cx="492759" cy="369332"/>
+          </a:xfrm>
+          <a:prstGeom prst="rect">
+            <a:avLst/>
+          </a:prstGeom>
+          <a:noFill/>
+        </p:spPr>
+        <p:txBody>
+          <a:bodyPr wrap="square" rtlCol="0">
+            <a:spAutoFit/>
+          </a:bodyPr>
+          <a:lstStyle/>
+          <a:p>
+            <a:r>
+              <a:rPr lang="en-GB" dirty="0"/>
+              <a:t>j=3</a:t>
+            </a:r>
+          </a:p>
+        </p:txBody>
+      </p:sp>
+      <p:sp>
+        <p:nvSpPr>
+          <p:cNvPr id="66" name="TextBox 65">
+            <a:extLst>
+              <a:ext uri="{FF2B5EF4-FFF2-40B4-BE49-F238E27FC236}">
+                <a16:creationId xmlns:a16="http://schemas.microsoft.com/office/drawing/2014/main" id="{6E1320C5-4547-4268-A769-E7A5993BF341}"/>
+              </a:ext>
+            </a:extLst>
+          </p:cNvPr>
+          <p:cNvSpPr txBox="1"/>
+          <p:nvPr/>
+        </p:nvSpPr>
+        <p:spPr>
+          <a:xfrm>
+            <a:off x="1261066" y="3232134"/>
+            <a:ext cx="492759" cy="369332"/>
+          </a:xfrm>
+          <a:prstGeom prst="rect">
+            <a:avLst/>
+          </a:prstGeom>
+          <a:noFill/>
+        </p:spPr>
+        <p:txBody>
+          <a:bodyPr wrap="square" rtlCol="0">
+            <a:spAutoFit/>
+          </a:bodyPr>
+          <a:lstStyle/>
+          <a:p>
+            <a:r>
+              <a:rPr lang="en-GB" dirty="0"/>
+              <a:t>j=4</a:t>
+            </a:r>
+          </a:p>
+        </p:txBody>
+      </p:sp>
+      <p:sp>
+        <p:nvSpPr>
+          <p:cNvPr id="67" name="TextBox 66">
+            <a:extLst>
+              <a:ext uri="{FF2B5EF4-FFF2-40B4-BE49-F238E27FC236}">
+                <a16:creationId xmlns:a16="http://schemas.microsoft.com/office/drawing/2014/main" id="{D8673404-AF50-4EF9-B447-1EBA7BC85EDE}"/>
+              </a:ext>
+            </a:extLst>
+          </p:cNvPr>
+          <p:cNvSpPr txBox="1"/>
+          <p:nvPr/>
+        </p:nvSpPr>
+        <p:spPr>
+          <a:xfrm>
+            <a:off x="1257939" y="3612833"/>
+            <a:ext cx="492759" cy="369332"/>
+          </a:xfrm>
+          <a:prstGeom prst="rect">
+            <a:avLst/>
+          </a:prstGeom>
+          <a:noFill/>
+        </p:spPr>
+        <p:txBody>
+          <a:bodyPr wrap="square" rtlCol="0">
+            <a:spAutoFit/>
+          </a:bodyPr>
+          <a:lstStyle/>
+          <a:p>
+            <a:r>
+              <a:rPr lang="en-GB" dirty="0"/>
+              <a:t>j=5</a:t>
+            </a:r>
+          </a:p>
+        </p:txBody>
+      </p:sp>
+      <p:sp>
+        <p:nvSpPr>
+          <p:cNvPr id="68" name="TextBox 67">
+            <a:extLst>
+              <a:ext uri="{FF2B5EF4-FFF2-40B4-BE49-F238E27FC236}">
+                <a16:creationId xmlns:a16="http://schemas.microsoft.com/office/drawing/2014/main" id="{15DD57C7-01C3-4171-B67E-F19ED83DFE6F}"/>
+              </a:ext>
+            </a:extLst>
+          </p:cNvPr>
+          <p:cNvSpPr txBox="1"/>
+          <p:nvPr/>
+        </p:nvSpPr>
+        <p:spPr>
+          <a:xfrm>
+            <a:off x="1257939" y="3985824"/>
+            <a:ext cx="492759" cy="369332"/>
+          </a:xfrm>
+          <a:prstGeom prst="rect">
+            <a:avLst/>
+          </a:prstGeom>
+          <a:noFill/>
+        </p:spPr>
+        <p:txBody>
+          <a:bodyPr wrap="square" rtlCol="0">
+            <a:spAutoFit/>
+          </a:bodyPr>
+          <a:lstStyle/>
+          <a:p>
+            <a:r>
+              <a:rPr lang="en-GB" dirty="0"/>
+              <a:t>j=6</a:t>
+            </a:r>
+          </a:p>
+        </p:txBody>
+      </p:sp>
+      <p:sp>
+        <p:nvSpPr>
+          <p:cNvPr id="70" name="TextBox 69">
+            <a:extLst>
+              <a:ext uri="{FF2B5EF4-FFF2-40B4-BE49-F238E27FC236}">
+                <a16:creationId xmlns:a16="http://schemas.microsoft.com/office/drawing/2014/main" id="{C2A95BD4-2D2C-4758-825C-46AE8339DA08}"/>
+              </a:ext>
+            </a:extLst>
+          </p:cNvPr>
+          <p:cNvSpPr txBox="1"/>
+          <p:nvPr/>
+        </p:nvSpPr>
+        <p:spPr>
+          <a:xfrm>
+            <a:off x="3258768" y="1882926"/>
+            <a:ext cx="492759" cy="369332"/>
+          </a:xfrm>
+          <a:prstGeom prst="rect">
+            <a:avLst/>
+          </a:prstGeom>
+          <a:noFill/>
+        </p:spPr>
+        <p:txBody>
+          <a:bodyPr wrap="square" rtlCol="0">
+            <a:spAutoFit/>
+          </a:bodyPr>
+          <a:lstStyle/>
+          <a:p>
+            <a:r>
+              <a:rPr lang="en-GB" dirty="0"/>
+              <a:t>s</a:t>
+            </a:r>
+            <a:r>
+              <a:rPr lang="en-GB" baseline="-25000" dirty="0"/>
+              <a:t>1</a:t>
+            </a:r>
+            <a:endParaRPr lang="en-GB" dirty="0"/>
+          </a:p>
+        </p:txBody>
+      </p:sp>
+      <p:sp>
+        <p:nvSpPr>
+          <p:cNvPr id="72" name="TextBox 71">
+            <a:extLst>
+              <a:ext uri="{FF2B5EF4-FFF2-40B4-BE49-F238E27FC236}">
+                <a16:creationId xmlns:a16="http://schemas.microsoft.com/office/drawing/2014/main" id="{EF880840-0AB4-4DA9-BE42-1730E03918A1}"/>
+              </a:ext>
+            </a:extLst>
+          </p:cNvPr>
+          <p:cNvSpPr txBox="1"/>
+          <p:nvPr/>
+        </p:nvSpPr>
+        <p:spPr>
+          <a:xfrm>
+            <a:off x="3510584" y="2332753"/>
+            <a:ext cx="492759" cy="369332"/>
+          </a:xfrm>
+          <a:prstGeom prst="rect">
+            <a:avLst/>
+          </a:prstGeom>
+          <a:noFill/>
+        </p:spPr>
+        <p:txBody>
+          <a:bodyPr wrap="square" rtlCol="0">
+            <a:spAutoFit/>
+          </a:bodyPr>
+          <a:lstStyle/>
+          <a:p>
+            <a:r>
+              <a:rPr lang="en-GB" dirty="0"/>
+              <a:t>s</a:t>
+            </a:r>
+            <a:r>
+              <a:rPr lang="en-GB" baseline="-25000" dirty="0"/>
+              <a:t>2</a:t>
+            </a:r>
+            <a:endParaRPr lang="en-GB" dirty="0"/>
+          </a:p>
+        </p:txBody>
+      </p:sp>
+      <p:sp>
+        <p:nvSpPr>
+          <p:cNvPr id="73" name="TextBox 72">
+            <a:extLst>
+              <a:ext uri="{FF2B5EF4-FFF2-40B4-BE49-F238E27FC236}">
+                <a16:creationId xmlns:a16="http://schemas.microsoft.com/office/drawing/2014/main" id="{1B001772-8DA9-4296-BCE4-54A177D7BCC5}"/>
+              </a:ext>
+            </a:extLst>
+          </p:cNvPr>
+          <p:cNvSpPr txBox="1"/>
+          <p:nvPr/>
+        </p:nvSpPr>
+        <p:spPr>
+          <a:xfrm>
+            <a:off x="4814816" y="2706317"/>
+            <a:ext cx="369051" cy="369332"/>
+          </a:xfrm>
+          <a:prstGeom prst="rect">
+            <a:avLst/>
+          </a:prstGeom>
+          <a:noFill/>
+        </p:spPr>
+        <p:txBody>
+          <a:bodyPr wrap="square" rtlCol="0">
+            <a:spAutoFit/>
+          </a:bodyPr>
+          <a:lstStyle/>
+          <a:p>
+            <a:r>
+              <a:rPr lang="en-GB" dirty="0"/>
+              <a:t>s</a:t>
+            </a:r>
+            <a:r>
+              <a:rPr lang="en-GB" baseline="-25000" dirty="0"/>
+              <a:t>3</a:t>
+            </a:r>
+            <a:endParaRPr lang="en-GB" dirty="0"/>
+          </a:p>
+        </p:txBody>
+      </p:sp>
+      <p:sp>
+        <p:nvSpPr>
+          <p:cNvPr id="74" name="TextBox 73">
+            <a:extLst>
+              <a:ext uri="{FF2B5EF4-FFF2-40B4-BE49-F238E27FC236}">
+                <a16:creationId xmlns:a16="http://schemas.microsoft.com/office/drawing/2014/main" id="{3C0B6E97-63D7-44CD-BED6-25D4D36359E8}"/>
+              </a:ext>
+            </a:extLst>
+          </p:cNvPr>
+          <p:cNvSpPr txBox="1"/>
+          <p:nvPr/>
+        </p:nvSpPr>
+        <p:spPr>
+          <a:xfrm>
+            <a:off x="6543726" y="3085299"/>
+            <a:ext cx="492759" cy="369332"/>
+          </a:xfrm>
+          <a:prstGeom prst="rect">
+            <a:avLst/>
+          </a:prstGeom>
+          <a:noFill/>
+        </p:spPr>
+        <p:txBody>
+          <a:bodyPr wrap="square" rtlCol="0">
+            <a:spAutoFit/>
+          </a:bodyPr>
+          <a:lstStyle/>
+          <a:p>
+            <a:r>
+              <a:rPr lang="en-GB" dirty="0"/>
+              <a:t>s</a:t>
+            </a:r>
+            <a:r>
+              <a:rPr lang="en-GB" baseline="-25000" dirty="0"/>
+              <a:t>4</a:t>
+            </a:r>
+            <a:endParaRPr lang="en-GB" dirty="0"/>
+          </a:p>
+        </p:txBody>
+      </p:sp>
+      <p:sp>
+        <p:nvSpPr>
+          <p:cNvPr id="75" name="TextBox 74">
+            <a:extLst>
+              <a:ext uri="{FF2B5EF4-FFF2-40B4-BE49-F238E27FC236}">
+                <a16:creationId xmlns:a16="http://schemas.microsoft.com/office/drawing/2014/main" id="{2752E7E9-4CCC-4763-9B53-23F45CE2FF42}"/>
+              </a:ext>
+            </a:extLst>
+          </p:cNvPr>
+          <p:cNvSpPr txBox="1"/>
+          <p:nvPr/>
+        </p:nvSpPr>
+        <p:spPr>
+          <a:xfrm>
+            <a:off x="5603241" y="3423956"/>
+            <a:ext cx="492759" cy="369332"/>
+          </a:xfrm>
+          <a:prstGeom prst="rect">
+            <a:avLst/>
+          </a:prstGeom>
+          <a:noFill/>
+        </p:spPr>
+        <p:txBody>
+          <a:bodyPr wrap="square" rtlCol="0">
+            <a:spAutoFit/>
+          </a:bodyPr>
+          <a:lstStyle/>
+          <a:p>
+            <a:r>
+              <a:rPr lang="en-GB" dirty="0"/>
+              <a:t>s</a:t>
+            </a:r>
+            <a:r>
+              <a:rPr lang="en-GB" baseline="-25000" dirty="0"/>
+              <a:t>5</a:t>
+            </a:r>
+            <a:endParaRPr lang="en-GB" dirty="0"/>
+          </a:p>
+        </p:txBody>
+      </p:sp>
+      <p:sp>
+        <p:nvSpPr>
+          <p:cNvPr id="76" name="TextBox 75">
+            <a:extLst>
+              <a:ext uri="{FF2B5EF4-FFF2-40B4-BE49-F238E27FC236}">
+                <a16:creationId xmlns:a16="http://schemas.microsoft.com/office/drawing/2014/main" id="{E82ACA3F-5DA6-4CDA-AD08-E70B7905EBA8}"/>
+              </a:ext>
+            </a:extLst>
+          </p:cNvPr>
+          <p:cNvSpPr txBox="1"/>
+          <p:nvPr/>
+        </p:nvSpPr>
+        <p:spPr>
+          <a:xfrm>
+            <a:off x="6543725" y="3807356"/>
+            <a:ext cx="492759" cy="369332"/>
+          </a:xfrm>
+          <a:prstGeom prst="rect">
+            <a:avLst/>
+          </a:prstGeom>
+          <a:noFill/>
+        </p:spPr>
+        <p:txBody>
+          <a:bodyPr wrap="square" rtlCol="0">
+            <a:spAutoFit/>
+          </a:bodyPr>
+          <a:lstStyle/>
+          <a:p>
+            <a:r>
+              <a:rPr lang="en-GB" dirty="0"/>
+              <a:t>s</a:t>
+            </a:r>
+            <a:r>
+              <a:rPr lang="en-GB" baseline="-25000" dirty="0"/>
+              <a:t>6</a:t>
+            </a:r>
+            <a:endParaRPr lang="en-GB" dirty="0"/>
+          </a:p>
+        </p:txBody>
+      </p:sp>
+      <p:sp>
+        <p:nvSpPr>
+          <p:cNvPr id="77" name="Title 76">
+            <a:extLst>
+              <a:ext uri="{FF2B5EF4-FFF2-40B4-BE49-F238E27FC236}">
+                <a16:creationId xmlns:a16="http://schemas.microsoft.com/office/drawing/2014/main" id="{24BC6240-EF9D-4B05-9471-BF3CEDA2608C}"/>
               </a:ext>
             </a:extLst>
           </p:cNvPr>
@@ -3922,49 +7804,15 @@
           <a:p>
             <a:r>
               <a:rPr lang="en-GB" dirty="0"/>
-              <a:t>Simulating Departures</a:t>
-            </a:r>
-          </a:p>
-        </p:txBody>
-      </p:sp>
-      <p:pic>
-        <p:nvPicPr>
-          <p:cNvPr id="5" name="Content Placeholder 4">
-            <a:extLst>
-              <a:ext uri="{FF2B5EF4-FFF2-40B4-BE49-F238E27FC236}">
-                <a16:creationId xmlns:a16="http://schemas.microsoft.com/office/drawing/2014/main" id="{08834D53-94C3-4EBB-99D2-34A875782A3B}"/>
-              </a:ext>
-            </a:extLst>
-          </p:cNvPr>
-          <p:cNvPicPr>
-            <a:picLocks noGrp="1" noChangeAspect="1"/>
-          </p:cNvPicPr>
-          <p:nvPr>
-            <p:ph idx="1"/>
-          </p:nvPr>
-        </p:nvPicPr>
-        <p:blipFill>
-          <a:blip r:embed="rId2">
-            <a:extLst>
-              <a:ext uri="{28A0092B-C50C-407E-A947-70E740481C1C}">
-                <a14:useLocalDpi xmlns:a14="http://schemas.microsoft.com/office/drawing/2010/main" val="0"/>
-              </a:ext>
-            </a:extLst>
-          </a:blip>
-          <a:srcRect/>
-          <a:stretch/>
-        </p:blipFill>
-        <p:spPr>
-          <a:xfrm>
-            <a:off x="1838361" y="3117134"/>
-            <a:ext cx="8515277" cy="623730"/>
-          </a:xfrm>
-        </p:spPr>
-      </p:pic>
+              <a:t>Arrivals and Departures</a:t>
+            </a:r>
+          </a:p>
+        </p:txBody>
+      </p:sp>
     </p:spTree>
     <p:extLst>
       <p:ext uri="{BB962C8B-B14F-4D97-AF65-F5344CB8AC3E}">
-        <p14:creationId xmlns:p14="http://schemas.microsoft.com/office/powerpoint/2010/main" val="494173080"/>
+        <p14:creationId xmlns:p14="http://schemas.microsoft.com/office/powerpoint/2010/main" val="914051492"/>
       </p:ext>
     </p:extLst>
   </p:cSld>
@@ -3974,7 +7822,7 @@
 </p:sld>
 </file>
 
-<file path=ppt/slides/slide12.xml><?xml version="1.0" encoding="utf-8"?>
+<file path=ppt/slides/slide16.xml><?xml version="1.0" encoding="utf-8"?>
 <p:sld xmlns:a="http://schemas.openxmlformats.org/drawingml/2006/main" xmlns:r="http://schemas.openxmlformats.org/officeDocument/2006/relationships" xmlns:p="http://schemas.openxmlformats.org/presentationml/2006/main">
   <p:cSld>
     <p:spTree>
@@ -4014,67 +7862,224 @@
           <a:p>
             <a:r>
               <a:rPr lang="en-GB" dirty="0"/>
-              <a:t>Combining</a:t>
-            </a:r>
-          </a:p>
-        </p:txBody>
-      </p:sp>
-      <p:sp>
-        <p:nvSpPr>
-          <p:cNvPr id="3" name="Content Placeholder 2">
-            <a:extLst>
-              <a:ext uri="{FF2B5EF4-FFF2-40B4-BE49-F238E27FC236}">
-                <a16:creationId xmlns:a16="http://schemas.microsoft.com/office/drawing/2014/main" id="{807E232B-CDDA-4769-8693-759CB425C1A0}"/>
-              </a:ext>
-            </a:extLst>
-          </p:cNvPr>
-          <p:cNvSpPr>
-            <a:spLocks noGrp="1"/>
-          </p:cNvSpPr>
-          <p:nvPr>
-            <p:ph idx="1"/>
-          </p:nvPr>
-        </p:nvSpPr>
-        <p:spPr/>
-        <p:txBody>
-          <a:bodyPr/>
-          <a:lstStyle/>
-          <a:p>
-            <a:r>
-              <a:rPr lang="en-GB" dirty="0"/>
-              <a:t>At the times in </a:t>
-            </a:r>
-            <a:r>
-              <a:rPr lang="en-GB" dirty="0" err="1"/>
-              <a:t>arrival_times</a:t>
-            </a:r>
-            <a:r>
-              <a:rPr lang="en-GB" dirty="0"/>
-              <a:t>, the population increases by one</a:t>
-            </a:r>
-          </a:p>
-          <a:p>
-            <a:r>
-              <a:rPr lang="en-GB" dirty="0"/>
-              <a:t>At the times in </a:t>
-            </a:r>
-            <a:r>
-              <a:rPr lang="en-GB" dirty="0" err="1"/>
-              <a:t>leave_times</a:t>
-            </a:r>
-            <a:r>
-              <a:rPr lang="en-GB" dirty="0"/>
-              <a:t>, the population decreases by one</a:t>
-            </a:r>
-          </a:p>
-          <a:p>
-            <a:r>
-              <a:rPr lang="en-GB" dirty="0"/>
-              <a:t>We can use this to calculate the size of the population at any time up to the end of the simulation:</a:t>
-            </a:r>
-          </a:p>
-        </p:txBody>
-      </p:sp>
+              <a:t>Finding Abundance</a:t>
+            </a:r>
+          </a:p>
+        </p:txBody>
+      </p:sp>
+      <mc:AlternateContent xmlns:mc="http://schemas.openxmlformats.org/markup-compatibility/2006" xmlns:a14="http://schemas.microsoft.com/office/drawing/2010/main">
+        <mc:Choice Requires="a14">
+          <p:sp>
+            <p:nvSpPr>
+              <p:cNvPr id="3" name="Content Placeholder 2">
+                <a:extLst>
+                  <a:ext uri="{FF2B5EF4-FFF2-40B4-BE49-F238E27FC236}">
+                    <a16:creationId xmlns:a16="http://schemas.microsoft.com/office/drawing/2014/main" id="{807E232B-CDDA-4769-8693-759CB425C1A0}"/>
+                  </a:ext>
+                </a:extLst>
+              </p:cNvPr>
+              <p:cNvSpPr>
+                <a:spLocks noGrp="1"/>
+              </p:cNvSpPr>
+              <p:nvPr>
+                <p:ph idx="1"/>
+              </p:nvPr>
+            </p:nvSpPr>
+            <p:spPr/>
+            <p:txBody>
+              <a:bodyPr/>
+              <a:lstStyle/>
+              <a:p>
+                <a:r>
+                  <a:rPr lang="en-GB" dirty="0"/>
+                  <a:t>By counting the number of animals with </a:t>
+                </a:r>
+                <a14:m>
+                  <m:oMath xmlns:m="http://schemas.openxmlformats.org/officeDocument/2006/math">
+                    <m:sSub>
+                      <m:sSubPr>
+                        <m:ctrlPr>
+                          <a:rPr lang="en-GB" b="0" i="1" smtClean="0">
+                            <a:latin typeface="Cambria Math" panose="02040503050406030204" pitchFamily="18" charset="0"/>
+                          </a:rPr>
+                        </m:ctrlPr>
+                      </m:sSubPr>
+                      <m:e>
+                        <m:r>
+                          <a:rPr lang="en-GB" b="0" i="1" smtClean="0">
+                            <a:latin typeface="Cambria Math" panose="02040503050406030204" pitchFamily="18" charset="0"/>
+                          </a:rPr>
+                          <m:t>𝑡</m:t>
+                        </m:r>
+                      </m:e>
+                      <m:sub>
+                        <m:r>
+                          <a:rPr lang="en-GB" b="0" i="1" smtClean="0">
+                            <a:latin typeface="Cambria Math" panose="02040503050406030204" pitchFamily="18" charset="0"/>
+                          </a:rPr>
+                          <m:t>𝑖</m:t>
+                        </m:r>
+                      </m:sub>
+                    </m:sSub>
+                    <m:r>
+                      <a:rPr lang="en-GB" b="0" i="1" smtClean="0">
+                        <a:latin typeface="Cambria Math" panose="02040503050406030204" pitchFamily="18" charset="0"/>
+                      </a:rPr>
+                      <m:t>≤</m:t>
+                    </m:r>
+                    <m:r>
+                      <a:rPr lang="en-GB" b="0" i="1" smtClean="0">
+                        <a:latin typeface="Cambria Math" panose="02040503050406030204" pitchFamily="18" charset="0"/>
+                      </a:rPr>
+                      <m:t>𝑡</m:t>
+                    </m:r>
+                    <m:r>
+                      <a:rPr lang="en-GB" b="0" i="1" smtClean="0">
+                        <a:latin typeface="Cambria Math" panose="02040503050406030204" pitchFamily="18" charset="0"/>
+                      </a:rPr>
+                      <m:t>≤</m:t>
+                    </m:r>
+                    <m:sSub>
+                      <m:sSubPr>
+                        <m:ctrlPr>
+                          <a:rPr lang="en-GB" b="0" i="1" smtClean="0">
+                            <a:latin typeface="Cambria Math" panose="02040503050406030204" pitchFamily="18" charset="0"/>
+                          </a:rPr>
+                        </m:ctrlPr>
+                      </m:sSubPr>
+                      <m:e>
+                        <m:r>
+                          <a:rPr lang="en-GB" b="0" i="1" smtClean="0">
+                            <a:latin typeface="Cambria Math" panose="02040503050406030204" pitchFamily="18" charset="0"/>
+                          </a:rPr>
+                          <m:t>𝑡</m:t>
+                        </m:r>
+                      </m:e>
+                      <m:sub>
+                        <m:r>
+                          <a:rPr lang="en-GB" b="0" i="1" smtClean="0">
+                            <a:latin typeface="Cambria Math" panose="02040503050406030204" pitchFamily="18" charset="0"/>
+                          </a:rPr>
+                          <m:t>𝑖</m:t>
+                        </m:r>
+                      </m:sub>
+                    </m:sSub>
+                    <m:r>
+                      <a:rPr lang="en-GB" b="0" i="1" smtClean="0">
+                        <a:latin typeface="Cambria Math" panose="02040503050406030204" pitchFamily="18" charset="0"/>
+                      </a:rPr>
+                      <m:t>+</m:t>
+                    </m:r>
+                    <m:sSub>
+                      <m:sSubPr>
+                        <m:ctrlPr>
+                          <a:rPr lang="en-GB" b="0" i="1" smtClean="0">
+                            <a:latin typeface="Cambria Math" panose="02040503050406030204" pitchFamily="18" charset="0"/>
+                          </a:rPr>
+                        </m:ctrlPr>
+                      </m:sSubPr>
+                      <m:e>
+                        <m:r>
+                          <a:rPr lang="en-GB" b="0" i="1" smtClean="0">
+                            <a:latin typeface="Cambria Math" panose="02040503050406030204" pitchFamily="18" charset="0"/>
+                          </a:rPr>
+                          <m:t>𝑠</m:t>
+                        </m:r>
+                      </m:e>
+                      <m:sub>
+                        <m:r>
+                          <a:rPr lang="en-GB" b="0" i="1" smtClean="0">
+                            <a:latin typeface="Cambria Math" panose="02040503050406030204" pitchFamily="18" charset="0"/>
+                          </a:rPr>
+                          <m:t>𝑖</m:t>
+                        </m:r>
+                      </m:sub>
+                    </m:sSub>
+                  </m:oMath>
+                </a14:m>
+                <a:r>
+                  <a:rPr lang="en-GB" dirty="0"/>
+                  <a:t>, we can determine the size of the population at time t</a:t>
+                </a:r>
+              </a:p>
+            </p:txBody>
+          </p:sp>
+        </mc:Choice>
+        <mc:Fallback xmlns="">
+          <p:sp>
+            <p:nvSpPr>
+              <p:cNvPr id="3" name="Content Placeholder 2">
+                <a:extLst>
+                  <a:ext uri="{FF2B5EF4-FFF2-40B4-BE49-F238E27FC236}">
+                    <a16:creationId xmlns:a16="http://schemas.microsoft.com/office/drawing/2014/main" id="{807E232B-CDDA-4769-8693-759CB425C1A0}"/>
+                  </a:ext>
+                </a:extLst>
+              </p:cNvPr>
+              <p:cNvSpPr>
+                <a:spLocks noGrp="1" noRot="1" noChangeAspect="1" noMove="1" noResize="1" noEditPoints="1" noAdjustHandles="1" noChangeArrowheads="1" noChangeShapeType="1" noTextEdit="1"/>
+              </p:cNvSpPr>
+              <p:nvPr>
+                <p:ph idx="1"/>
+              </p:nvPr>
+            </p:nvSpPr>
+            <p:spPr>
+              <a:blipFill>
+                <a:blip r:embed="rId2"/>
+                <a:stretch>
+                  <a:fillRect l="-1043" t="-2241"/>
+                </a:stretch>
+              </a:blipFill>
+            </p:spPr>
+            <p:txBody>
+              <a:bodyPr/>
+              <a:lstStyle/>
+              <a:p>
+                <a:r>
+                  <a:rPr lang="en-GB">
+                    <a:noFill/>
+                  </a:rPr>
+                  <a:t> </a:t>
+                </a:r>
+              </a:p>
+            </p:txBody>
+          </p:sp>
+        </mc:Fallback>
+      </mc:AlternateContent>
+      <p:pic>
+        <p:nvPicPr>
+          <p:cNvPr id="4" name="Content Placeholder 4" descr="Chart, line chart, scatter chart&#10;&#10;Description automatically generated">
+            <a:extLst>
+              <a:ext uri="{FF2B5EF4-FFF2-40B4-BE49-F238E27FC236}">
+                <a16:creationId xmlns:a16="http://schemas.microsoft.com/office/drawing/2014/main" id="{489E4C9C-CE0E-44A5-8424-3BC2032811ED}"/>
+              </a:ext>
+            </a:extLst>
+          </p:cNvPr>
+          <p:cNvPicPr>
+            <a:picLocks noChangeAspect="1"/>
+          </p:cNvPicPr>
+          <p:nvPr/>
+        </p:nvPicPr>
+        <p:blipFill rotWithShape="1">
+          <a:blip r:embed="rId3">
+            <a:extLst>
+              <a:ext uri="{28A0092B-C50C-407E-A947-70E740481C1C}">
+                <a14:useLocalDpi xmlns:a14="http://schemas.microsoft.com/office/drawing/2010/main" val="0"/>
+              </a:ext>
+            </a:extLst>
+          </a:blip>
+          <a:srcRect t="17377" b="1279"/>
+          <a:stretch/>
+        </p:blipFill>
+        <p:spPr>
+          <a:xfrm>
+            <a:off x="2974414" y="2747065"/>
+            <a:ext cx="6243171" cy="3564835"/>
+          </a:xfrm>
+          <a:prstGeom prst="rect">
+            <a:avLst/>
+          </a:prstGeom>
+        </p:spPr>
+      </p:pic>
     </p:spTree>
     <p:extLst>
       <p:ext uri="{BB962C8B-B14F-4D97-AF65-F5344CB8AC3E}">
@@ -4088,193 +8093,7 @@
 </p:sld>
 </file>
 
-<file path=ppt/slides/slide13.xml><?xml version="1.0" encoding="utf-8"?>
-<p:sld xmlns:a="http://schemas.openxmlformats.org/drawingml/2006/main" xmlns:r="http://schemas.openxmlformats.org/officeDocument/2006/relationships" xmlns:p="http://schemas.openxmlformats.org/presentationml/2006/main">
-  <p:cSld>
-    <p:spTree>
-      <p:nvGrpSpPr>
-        <p:cNvPr id="1" name=""/>
-        <p:cNvGrpSpPr/>
-        <p:nvPr/>
-      </p:nvGrpSpPr>
-      <p:grpSpPr>
-        <a:xfrm>
-          <a:off x="0" y="0"/>
-          <a:ext cx="0" cy="0"/>
-          <a:chOff x="0" y="0"/>
-          <a:chExt cx="0" cy="0"/>
-        </a:xfrm>
-      </p:grpSpPr>
-      <p:sp>
-        <p:nvSpPr>
-          <p:cNvPr id="2" name="Title 1">
-            <a:extLst>
-              <a:ext uri="{FF2B5EF4-FFF2-40B4-BE49-F238E27FC236}">
-                <a16:creationId xmlns:a16="http://schemas.microsoft.com/office/drawing/2014/main" id="{2C638F1C-3258-460B-8EE8-9E613BDD69CD}"/>
-              </a:ext>
-            </a:extLst>
-          </p:cNvPr>
-          <p:cNvSpPr>
-            <a:spLocks noGrp="1"/>
-          </p:cNvSpPr>
-          <p:nvPr>
-            <p:ph type="title"/>
-          </p:nvPr>
-        </p:nvSpPr>
-        <p:spPr/>
-        <p:txBody>
-          <a:bodyPr/>
-          <a:lstStyle/>
-          <a:p>
-            <a:r>
-              <a:rPr lang="en-GB" dirty="0"/>
-              <a:t>Combining</a:t>
-            </a:r>
-          </a:p>
-        </p:txBody>
-      </p:sp>
-      <p:pic>
-        <p:nvPicPr>
-          <p:cNvPr id="5" name="Content Placeholder 4" descr="Text&#10;&#10;Description automatically generated">
-            <a:extLst>
-              <a:ext uri="{FF2B5EF4-FFF2-40B4-BE49-F238E27FC236}">
-                <a16:creationId xmlns:a16="http://schemas.microsoft.com/office/drawing/2014/main" id="{7BCE9342-2DDE-40BA-8E69-5940ECD8AB3E}"/>
-              </a:ext>
-            </a:extLst>
-          </p:cNvPr>
-          <p:cNvPicPr>
-            <a:picLocks noGrp="1" noChangeAspect="1"/>
-          </p:cNvPicPr>
-          <p:nvPr>
-            <p:ph idx="1"/>
-          </p:nvPr>
-        </p:nvPicPr>
-        <p:blipFill>
-          <a:blip r:embed="rId2">
-            <a:extLst>
-              <a:ext uri="{28A0092B-C50C-407E-A947-70E740481C1C}">
-                <a14:useLocalDpi xmlns:a14="http://schemas.microsoft.com/office/drawing/2010/main" val="0"/>
-              </a:ext>
-            </a:extLst>
-          </a:blip>
-          <a:stretch>
-            <a:fillRect/>
-          </a:stretch>
-        </p:blipFill>
-        <p:spPr>
-          <a:xfrm>
-            <a:off x="1472593" y="2381770"/>
-            <a:ext cx="9246813" cy="2094459"/>
-          </a:xfrm>
-        </p:spPr>
-      </p:pic>
-    </p:spTree>
-    <p:extLst>
-      <p:ext uri="{BB962C8B-B14F-4D97-AF65-F5344CB8AC3E}">
-        <p14:creationId xmlns:p14="http://schemas.microsoft.com/office/powerpoint/2010/main" val="2007430728"/>
-      </p:ext>
-    </p:extLst>
-  </p:cSld>
-  <p:clrMapOvr>
-    <a:masterClrMapping/>
-  </p:clrMapOvr>
-</p:sld>
-</file>
-
-<file path=ppt/slides/slide14.xml><?xml version="1.0" encoding="utf-8"?>
-<p:sld xmlns:a="http://schemas.openxmlformats.org/drawingml/2006/main" xmlns:r="http://schemas.openxmlformats.org/officeDocument/2006/relationships" xmlns:p="http://schemas.openxmlformats.org/presentationml/2006/main">
-  <p:cSld>
-    <p:spTree>
-      <p:nvGrpSpPr>
-        <p:cNvPr id="1" name=""/>
-        <p:cNvGrpSpPr/>
-        <p:nvPr/>
-      </p:nvGrpSpPr>
-      <p:grpSpPr>
-        <a:xfrm>
-          <a:off x="0" y="0"/>
-          <a:ext cx="0" cy="0"/>
-          <a:chOff x="0" y="0"/>
-          <a:chExt cx="0" cy="0"/>
-        </a:xfrm>
-      </p:grpSpPr>
-      <p:sp>
-        <p:nvSpPr>
-          <p:cNvPr id="2" name="Title 1">
-            <a:extLst>
-              <a:ext uri="{FF2B5EF4-FFF2-40B4-BE49-F238E27FC236}">
-                <a16:creationId xmlns:a16="http://schemas.microsoft.com/office/drawing/2014/main" id="{A4B2BD01-B26B-420C-91AE-58C458215E43}"/>
-              </a:ext>
-            </a:extLst>
-          </p:cNvPr>
-          <p:cNvSpPr>
-            <a:spLocks noGrp="1"/>
-          </p:cNvSpPr>
-          <p:nvPr>
-            <p:ph type="title"/>
-          </p:nvPr>
-        </p:nvSpPr>
-        <p:spPr/>
-        <p:txBody>
-          <a:bodyPr/>
-          <a:lstStyle/>
-          <a:p>
-            <a:r>
-              <a:rPr lang="en-GB" dirty="0"/>
-              <a:t>Combining</a:t>
-            </a:r>
-          </a:p>
-        </p:txBody>
-      </p:sp>
-      <p:pic>
-        <p:nvPicPr>
-          <p:cNvPr id="5" name="Content Placeholder 4" descr="Chart, line chart, scatter chart&#10;&#10;Description automatically generated">
-            <a:extLst>
-              <a:ext uri="{FF2B5EF4-FFF2-40B4-BE49-F238E27FC236}">
-                <a16:creationId xmlns:a16="http://schemas.microsoft.com/office/drawing/2014/main" id="{3DE55E18-E555-407A-B528-4CA0B75C7838}"/>
-              </a:ext>
-            </a:extLst>
-          </p:cNvPr>
-          <p:cNvPicPr>
-            <a:picLocks noGrp="1" noChangeAspect="1"/>
-          </p:cNvPicPr>
-          <p:nvPr>
-            <p:ph idx="1"/>
-          </p:nvPr>
-        </p:nvPicPr>
-        <p:blipFill>
-          <a:blip r:embed="rId2">
-            <a:extLst>
-              <a:ext uri="{28A0092B-C50C-407E-A947-70E740481C1C}">
-                <a14:useLocalDpi xmlns:a14="http://schemas.microsoft.com/office/drawing/2010/main" val="0"/>
-              </a:ext>
-            </a:extLst>
-          </a:blip>
-          <a:stretch>
-            <a:fillRect/>
-          </a:stretch>
-        </p:blipFill>
-        <p:spPr>
-          <a:xfrm>
-            <a:off x="2974414" y="1312437"/>
-            <a:ext cx="6243171" cy="4382422"/>
-          </a:xfrm>
-        </p:spPr>
-      </p:pic>
-    </p:spTree>
-    <p:extLst>
-      <p:ext uri="{BB962C8B-B14F-4D97-AF65-F5344CB8AC3E}">
-        <p14:creationId xmlns:p14="http://schemas.microsoft.com/office/powerpoint/2010/main" val="3724972064"/>
-      </p:ext>
-    </p:extLst>
-  </p:cSld>
-  <p:clrMapOvr>
-    <a:masterClrMapping/>
-  </p:clrMapOvr>
-</p:sld>
-</file>
-
-<file path=ppt/slides/slide15.xml><?xml version="1.0" encoding="utf-8"?>
+<file path=ppt/slides/slide17.xml><?xml version="1.0" encoding="utf-8"?>
 <p:sld xmlns:a="http://schemas.openxmlformats.org/drawingml/2006/main" xmlns:r="http://schemas.openxmlformats.org/officeDocument/2006/relationships" xmlns:p="http://schemas.openxmlformats.org/presentationml/2006/main">
   <p:cSld>
     <p:spTree>
@@ -4344,7 +8163,7 @@
               <a:p>
                 <a:r>
                   <a:rPr lang="en-GB" dirty="0"/>
-                  <a:t>Now that we can simulate the aggregate behaviour of the population, we need to simulate individual behaviour</a:t>
+                  <a:t>We now need to simulate data for each individual</a:t>
                 </a:r>
               </a:p>
               <a:p>
@@ -4357,24 +8176,7 @@
                 <a:pPr lvl="1"/>
                 <a:r>
                   <a:rPr lang="en-GB" dirty="0"/>
-                  <a:t>Each individual produces droppings at a common, constant rate </a:t>
-                </a:r>
-                <a14:m>
-                  <m:oMath xmlns:m="http://schemas.openxmlformats.org/officeDocument/2006/math">
-                    <m:r>
-                      <m:rPr>
-                        <m:sty m:val="p"/>
-                      </m:rPr>
-                      <a:rPr lang="en-GB" b="0" i="1" smtClean="0">
-                        <a:latin typeface="Cambria Math" panose="02040503050406030204" pitchFamily="18" charset="0"/>
-                      </a:rPr>
-                      <m:t>λ</m:t>
-                    </m:r>
-                  </m:oMath>
-                </a14:m>
-                <a:r>
-                  <a:rPr lang="en-GB" dirty="0"/>
-                  <a:t>. The number of droppings produced in one day is therefore a Poisson(</a:t>
+                  <a:t>The number of droppings produced in one day is a Poisson(</a:t>
                 </a:r>
                 <a14:m>
                   <m:oMath xmlns:m="http://schemas.openxmlformats.org/officeDocument/2006/math">
@@ -4397,8 +8199,12 @@
               <a:p>
                 <a:pPr lvl="1"/>
                 <a:r>
+                  <a:rPr lang="en-GB" dirty="0"/>
+                  <a:t>T</a:t>
+                </a:r>
+                <a:r>
                   <a:rPr lang="en-GB" b="0" dirty="0"/>
-                  <a:t>It follows that the total number of droppings left during the individual’s stay is Poisson(</a:t>
+                  <a:t>he total number of droppings left during the stay is therefore Poisson(</a:t>
                 </a:r>
                 <a14:m>
                   <m:oMath xmlns:m="http://schemas.openxmlformats.org/officeDocument/2006/math">
@@ -4484,7 +8290,7 @@
               <a:blipFill>
                 <a:blip r:embed="rId2"/>
                 <a:stretch>
-                  <a:fillRect l="-1043" t="-2241" r="-1275"/>
+                  <a:fillRect l="-1043" t="-2241" r="-754"/>
                 </a:stretch>
               </a:blipFill>
             </p:spPr>
@@ -4516,203 +8322,6 @@
 </p:sld>
 </file>
 
-<file path=ppt/slides/slide16.xml><?xml version="1.0" encoding="utf-8"?>
-<p:sld xmlns:a="http://schemas.openxmlformats.org/drawingml/2006/main" xmlns:r="http://schemas.openxmlformats.org/officeDocument/2006/relationships" xmlns:p="http://schemas.openxmlformats.org/presentationml/2006/main">
-  <p:cSld>
-    <p:spTree>
-      <p:nvGrpSpPr>
-        <p:cNvPr id="1" name=""/>
-        <p:cNvGrpSpPr/>
-        <p:nvPr/>
-      </p:nvGrpSpPr>
-      <p:grpSpPr>
-        <a:xfrm>
-          <a:off x="0" y="0"/>
-          <a:ext cx="0" cy="0"/>
-          <a:chOff x="0" y="0"/>
-          <a:chExt cx="0" cy="0"/>
-        </a:xfrm>
-      </p:grpSpPr>
-      <p:sp>
-        <p:nvSpPr>
-          <p:cNvPr id="2" name="Title 1">
-            <a:extLst>
-              <a:ext uri="{FF2B5EF4-FFF2-40B4-BE49-F238E27FC236}">
-                <a16:creationId xmlns:a16="http://schemas.microsoft.com/office/drawing/2014/main" id="{212448A8-C2B6-4301-BE81-F3A3BCD4C92E}"/>
-              </a:ext>
-            </a:extLst>
-          </p:cNvPr>
-          <p:cNvSpPr>
-            <a:spLocks noGrp="1"/>
-          </p:cNvSpPr>
-          <p:nvPr>
-            <p:ph type="title"/>
-          </p:nvPr>
-        </p:nvSpPr>
-        <p:spPr/>
-        <p:txBody>
-          <a:bodyPr/>
-          <a:lstStyle/>
-          <a:p>
-            <a:r>
-              <a:rPr lang="en-GB" dirty="0"/>
-              <a:t>Spatial Information</a:t>
-            </a:r>
-          </a:p>
-        </p:txBody>
-      </p:sp>
-      <p:sp>
-        <p:nvSpPr>
-          <p:cNvPr id="3" name="Content Placeholder 2">
-            <a:extLst>
-              <a:ext uri="{FF2B5EF4-FFF2-40B4-BE49-F238E27FC236}">
-                <a16:creationId xmlns:a16="http://schemas.microsoft.com/office/drawing/2014/main" id="{CA072E1C-947D-43BC-8952-E53F6DA54D6D}"/>
-              </a:ext>
-            </a:extLst>
-          </p:cNvPr>
-          <p:cNvSpPr>
-            <a:spLocks noGrp="1"/>
-          </p:cNvSpPr>
-          <p:nvPr>
-            <p:ph idx="1"/>
-          </p:nvPr>
-        </p:nvSpPr>
-        <p:spPr/>
-        <p:txBody>
-          <a:bodyPr/>
-          <a:lstStyle/>
-          <a:p>
-            <a:r>
-              <a:rPr lang="en-GB" dirty="0"/>
-              <a:t>As we are considering a spatial capture-recapture frame-work, we need to simulate the spatial information too</a:t>
-            </a:r>
-          </a:p>
-          <a:p>
-            <a:r>
-              <a:rPr lang="en-GB" dirty="0"/>
-              <a:t>Each individual is assumed to have an “activity centre”, which is the spatial average of their movement around their habitat</a:t>
-            </a:r>
-          </a:p>
-          <a:p>
-            <a:r>
-              <a:rPr lang="en-GB" dirty="0"/>
-              <a:t>This activity centre is drawn by selecting the x and y coordinates independently from uniform distributions</a:t>
-            </a:r>
-          </a:p>
-          <a:p>
-            <a:r>
-              <a:rPr lang="en-GB" dirty="0"/>
-              <a:t>The droppings are then placed with coordinates drawn from independent normal distributions centred on the activity centre</a:t>
-            </a:r>
-          </a:p>
-        </p:txBody>
-      </p:sp>
-    </p:spTree>
-    <p:extLst>
-      <p:ext uri="{BB962C8B-B14F-4D97-AF65-F5344CB8AC3E}">
-        <p14:creationId xmlns:p14="http://schemas.microsoft.com/office/powerpoint/2010/main" val="4275858535"/>
-      </p:ext>
-    </p:extLst>
-  </p:cSld>
-  <p:clrMapOvr>
-    <a:masterClrMapping/>
-  </p:clrMapOvr>
-</p:sld>
-</file>
-
-<file path=ppt/slides/slide17.xml><?xml version="1.0" encoding="utf-8"?>
-<p:sld xmlns:a="http://schemas.openxmlformats.org/drawingml/2006/main" xmlns:r="http://schemas.openxmlformats.org/officeDocument/2006/relationships" xmlns:p="http://schemas.openxmlformats.org/presentationml/2006/main">
-  <p:cSld>
-    <p:spTree>
-      <p:nvGrpSpPr>
-        <p:cNvPr id="1" name=""/>
-        <p:cNvGrpSpPr/>
-        <p:nvPr/>
-      </p:nvGrpSpPr>
-      <p:grpSpPr>
-        <a:xfrm>
-          <a:off x="0" y="0"/>
-          <a:ext cx="0" cy="0"/>
-          <a:chOff x="0" y="0"/>
-          <a:chExt cx="0" cy="0"/>
-        </a:xfrm>
-      </p:grpSpPr>
-      <p:sp>
-        <p:nvSpPr>
-          <p:cNvPr id="2" name="Title 1">
-            <a:extLst>
-              <a:ext uri="{FF2B5EF4-FFF2-40B4-BE49-F238E27FC236}">
-                <a16:creationId xmlns:a16="http://schemas.microsoft.com/office/drawing/2014/main" id="{A5F8F917-707F-4EAF-BE42-BF71DE10DDD1}"/>
-              </a:ext>
-            </a:extLst>
-          </p:cNvPr>
-          <p:cNvSpPr>
-            <a:spLocks noGrp="1"/>
-          </p:cNvSpPr>
-          <p:nvPr>
-            <p:ph type="title"/>
-          </p:nvPr>
-        </p:nvSpPr>
-        <p:spPr/>
-        <p:txBody>
-          <a:bodyPr/>
-          <a:lstStyle/>
-          <a:p>
-            <a:r>
-              <a:rPr lang="en-GB" dirty="0"/>
-              <a:t>Spatial Information – Animals Present</a:t>
-            </a:r>
-          </a:p>
-        </p:txBody>
-      </p:sp>
-      <p:pic>
-        <p:nvPicPr>
-          <p:cNvPr id="9" name="Content Placeholder 8" descr="Chart, scatter chart&#10;&#10;Description automatically generated">
-            <a:extLst>
-              <a:ext uri="{FF2B5EF4-FFF2-40B4-BE49-F238E27FC236}">
-                <a16:creationId xmlns:a16="http://schemas.microsoft.com/office/drawing/2014/main" id="{2D7D8B60-90FE-4909-989F-C74CE6621E0F}"/>
-              </a:ext>
-            </a:extLst>
-          </p:cNvPr>
-          <p:cNvPicPr>
-            <a:picLocks noGrp="1" noChangeAspect="1"/>
-          </p:cNvPicPr>
-          <p:nvPr>
-            <p:ph idx="1"/>
-          </p:nvPr>
-        </p:nvPicPr>
-        <p:blipFill>
-          <a:blip r:embed="rId2">
-            <a:extLst>
-              <a:ext uri="{28A0092B-C50C-407E-A947-70E740481C1C}">
-                <a14:useLocalDpi xmlns:a14="http://schemas.microsoft.com/office/drawing/2010/main" val="0"/>
-              </a:ext>
-            </a:extLst>
-          </a:blip>
-          <a:stretch>
-            <a:fillRect/>
-          </a:stretch>
-        </p:blipFill>
-        <p:spPr>
-          <a:xfrm>
-            <a:off x="3304438" y="1825625"/>
-            <a:ext cx="5583123" cy="4351338"/>
-          </a:xfrm>
-        </p:spPr>
-      </p:pic>
-    </p:spTree>
-    <p:extLst>
-      <p:ext uri="{BB962C8B-B14F-4D97-AF65-F5344CB8AC3E}">
-        <p14:creationId xmlns:p14="http://schemas.microsoft.com/office/powerpoint/2010/main" val="879176509"/>
-      </p:ext>
-    </p:extLst>
-  </p:cSld>
-  <p:clrMapOvr>
-    <a:masterClrMapping/>
-  </p:clrMapOvr>
-</p:sld>
-</file>
-
 <file path=ppt/slides/slide18.xml><?xml version="1.0" encoding="utf-8"?>
 <p:sld xmlns:a="http://schemas.openxmlformats.org/drawingml/2006/main" xmlns:r="http://schemas.openxmlformats.org/officeDocument/2006/relationships" xmlns:p="http://schemas.openxmlformats.org/presentationml/2006/main">
   <p:cSld>
@@ -4735,7 +8344,7 @@
           <p:cNvPr id="2" name="Title 1">
             <a:extLst>
               <a:ext uri="{FF2B5EF4-FFF2-40B4-BE49-F238E27FC236}">
-                <a16:creationId xmlns:a16="http://schemas.microsoft.com/office/drawing/2014/main" id="{4556256B-A2A3-455F-92FC-14B3BBCB2CD5}"/>
+                <a16:creationId xmlns:a16="http://schemas.microsoft.com/office/drawing/2014/main" id="{6432F68E-5B57-438F-8E50-1703CF4393F3}"/>
               </a:ext>
             </a:extLst>
           </p:cNvPr>
@@ -4753,50 +8362,1929 @@
           <a:p>
             <a:r>
               <a:rPr lang="en-GB" dirty="0"/>
-              <a:t>Spatial Information – Animals Detectable	</a:t>
-            </a:r>
-          </a:p>
-        </p:txBody>
-      </p:sp>
-      <p:pic>
-        <p:nvPicPr>
-          <p:cNvPr id="5" name="Content Placeholder 4" descr="Scatter chart&#10;&#10;Description automatically generated">
-            <a:extLst>
-              <a:ext uri="{FF2B5EF4-FFF2-40B4-BE49-F238E27FC236}">
-                <a16:creationId xmlns:a16="http://schemas.microsoft.com/office/drawing/2014/main" id="{3541AEDF-3B96-42AF-A0DD-0193A1D28574}"/>
-              </a:ext>
-            </a:extLst>
-          </p:cNvPr>
-          <p:cNvPicPr>
-            <a:picLocks noGrp="1" noChangeAspect="1"/>
-          </p:cNvPicPr>
-          <p:nvPr>
-            <p:ph idx="1"/>
-          </p:nvPr>
-        </p:nvPicPr>
-        <p:blipFill>
-          <a:blip r:embed="rId2">
-            <a:extLst>
-              <a:ext uri="{28A0092B-C50C-407E-A947-70E740481C1C}">
-                <a14:useLocalDpi xmlns:a14="http://schemas.microsoft.com/office/drawing/2010/main" val="0"/>
-              </a:ext>
-            </a:extLst>
-          </a:blip>
-          <a:stretch>
-            <a:fillRect/>
-          </a:stretch>
-        </p:blipFill>
+              <a:t>Present vs Detectable</a:t>
+            </a:r>
+          </a:p>
+        </p:txBody>
+      </p:sp>
+      <p:cxnSp>
+        <p:nvCxnSpPr>
+          <p:cNvPr id="4" name="Straight Arrow Connector 3">
+            <a:extLst>
+              <a:ext uri="{FF2B5EF4-FFF2-40B4-BE49-F238E27FC236}">
+                <a16:creationId xmlns:a16="http://schemas.microsoft.com/office/drawing/2014/main" id="{8390F1FB-3DA1-429D-B720-F509A3C46C67}"/>
+              </a:ext>
+            </a:extLst>
+          </p:cNvPr>
+          <p:cNvCxnSpPr>
+            <a:cxnSpLocks/>
+          </p:cNvCxnSpPr>
+          <p:nvPr/>
+        </p:nvCxnSpPr>
         <p:spPr>
           <a:xfrm>
-            <a:off x="3304438" y="1825625"/>
-            <a:ext cx="5583123" cy="4351338"/>
+            <a:off x="1610524" y="4973156"/>
+            <a:ext cx="8353377" cy="0"/>
           </a:xfrm>
+          <a:prstGeom prst="straightConnector1">
+            <a:avLst/>
+          </a:prstGeom>
+          <a:ln w="19050">
+            <a:solidFill>
+              <a:schemeClr val="tx1"/>
+            </a:solidFill>
+            <a:tailEnd type="triangle"/>
+          </a:ln>
         </p:spPr>
-      </p:pic>
+        <p:style>
+          <a:lnRef idx="1">
+            <a:schemeClr val="accent1"/>
+          </a:lnRef>
+          <a:fillRef idx="0">
+            <a:schemeClr val="accent1"/>
+          </a:fillRef>
+          <a:effectRef idx="0">
+            <a:schemeClr val="accent1"/>
+          </a:effectRef>
+          <a:fontRef idx="minor">
+            <a:schemeClr val="tx1"/>
+          </a:fontRef>
+        </p:style>
+      </p:cxnSp>
+      <p:cxnSp>
+        <p:nvCxnSpPr>
+          <p:cNvPr id="5" name="Straight Arrow Connector 4">
+            <a:extLst>
+              <a:ext uri="{FF2B5EF4-FFF2-40B4-BE49-F238E27FC236}">
+                <a16:creationId xmlns:a16="http://schemas.microsoft.com/office/drawing/2014/main" id="{4F6B671F-B88B-4060-9449-3FFFEBE33415}"/>
+              </a:ext>
+            </a:extLst>
+          </p:cNvPr>
+          <p:cNvCxnSpPr>
+            <a:cxnSpLocks/>
+          </p:cNvCxnSpPr>
+          <p:nvPr/>
+        </p:nvCxnSpPr>
+        <p:spPr>
+          <a:xfrm>
+            <a:off x="2103279" y="2076691"/>
+            <a:ext cx="3079463" cy="0"/>
+          </a:xfrm>
+          <a:prstGeom prst="straightConnector1">
+            <a:avLst/>
+          </a:prstGeom>
+          <a:ln w="19050">
+            <a:solidFill>
+              <a:schemeClr val="tx1"/>
+            </a:solidFill>
+            <a:tailEnd type="triangle"/>
+          </a:ln>
+        </p:spPr>
+        <p:style>
+          <a:lnRef idx="1">
+            <a:schemeClr val="accent1"/>
+          </a:lnRef>
+          <a:fillRef idx="0">
+            <a:schemeClr val="accent1"/>
+          </a:fillRef>
+          <a:effectRef idx="0">
+            <a:schemeClr val="accent1"/>
+          </a:effectRef>
+          <a:fontRef idx="minor">
+            <a:schemeClr val="tx1"/>
+          </a:fontRef>
+        </p:style>
+      </p:cxnSp>
+      <p:sp>
+        <p:nvSpPr>
+          <p:cNvPr id="11" name="TextBox 10">
+            <a:extLst>
+              <a:ext uri="{FF2B5EF4-FFF2-40B4-BE49-F238E27FC236}">
+                <a16:creationId xmlns:a16="http://schemas.microsoft.com/office/drawing/2014/main" id="{33F95A01-2164-43D8-AC51-FEF45A7B78FF}"/>
+              </a:ext>
+            </a:extLst>
+          </p:cNvPr>
+          <p:cNvSpPr txBox="1"/>
+          <p:nvPr/>
+        </p:nvSpPr>
+        <p:spPr>
+          <a:xfrm>
+            <a:off x="10048549" y="4788490"/>
+            <a:ext cx="914400" cy="369332"/>
+          </a:xfrm>
+          <a:prstGeom prst="rect">
+            <a:avLst/>
+          </a:prstGeom>
+          <a:noFill/>
+        </p:spPr>
+        <p:txBody>
+          <a:bodyPr wrap="square" rtlCol="0">
+            <a:spAutoFit/>
+          </a:bodyPr>
+          <a:lstStyle/>
+          <a:p>
+            <a:r>
+              <a:rPr lang="en-GB" dirty="0"/>
+              <a:t>Time</a:t>
+            </a:r>
+          </a:p>
+        </p:txBody>
+      </p:sp>
+      <p:cxnSp>
+        <p:nvCxnSpPr>
+          <p:cNvPr id="12" name="Straight Connector 11">
+            <a:extLst>
+              <a:ext uri="{FF2B5EF4-FFF2-40B4-BE49-F238E27FC236}">
+                <a16:creationId xmlns:a16="http://schemas.microsoft.com/office/drawing/2014/main" id="{FEDDF4F2-E2DD-4B87-8E0F-00856BBA848E}"/>
+              </a:ext>
+            </a:extLst>
+          </p:cNvPr>
+          <p:cNvCxnSpPr/>
+          <p:nvPr/>
+        </p:nvCxnSpPr>
+        <p:spPr>
+          <a:xfrm>
+            <a:off x="2103279" y="2076691"/>
+            <a:ext cx="0" cy="2896465"/>
+          </a:xfrm>
+          <a:prstGeom prst="line">
+            <a:avLst/>
+          </a:prstGeom>
+        </p:spPr>
+        <p:style>
+          <a:lnRef idx="1">
+            <a:schemeClr val="accent1"/>
+          </a:lnRef>
+          <a:fillRef idx="0">
+            <a:schemeClr val="accent1"/>
+          </a:fillRef>
+          <a:effectRef idx="0">
+            <a:schemeClr val="accent1"/>
+          </a:effectRef>
+          <a:fontRef idx="minor">
+            <a:schemeClr val="tx1"/>
+          </a:fontRef>
+        </p:style>
+      </p:cxnSp>
+      <p:sp>
+        <p:nvSpPr>
+          <p:cNvPr id="18" name="TextBox 17">
+            <a:extLst>
+              <a:ext uri="{FF2B5EF4-FFF2-40B4-BE49-F238E27FC236}">
+                <a16:creationId xmlns:a16="http://schemas.microsoft.com/office/drawing/2014/main" id="{D81E1428-5819-4385-A456-94FB2D72B8DF}"/>
+              </a:ext>
+            </a:extLst>
+          </p:cNvPr>
+          <p:cNvSpPr txBox="1"/>
+          <p:nvPr/>
+        </p:nvSpPr>
+        <p:spPr>
+          <a:xfrm>
+            <a:off x="1932277" y="5045734"/>
+            <a:ext cx="342004" cy="369332"/>
+          </a:xfrm>
+          <a:prstGeom prst="rect">
+            <a:avLst/>
+          </a:prstGeom>
+          <a:noFill/>
+        </p:spPr>
+        <p:txBody>
+          <a:bodyPr wrap="square" rtlCol="0">
+            <a:spAutoFit/>
+          </a:bodyPr>
+          <a:lstStyle/>
+          <a:p>
+            <a:r>
+              <a:rPr lang="en-GB" dirty="0"/>
+              <a:t>t</a:t>
+            </a:r>
+            <a:r>
+              <a:rPr lang="en-GB" baseline="-25000" dirty="0"/>
+              <a:t>1</a:t>
+            </a:r>
+            <a:endParaRPr lang="en-GB" dirty="0"/>
+          </a:p>
+        </p:txBody>
+      </p:sp>
+      <p:sp>
+        <p:nvSpPr>
+          <p:cNvPr id="24" name="TextBox 23">
+            <a:extLst>
+              <a:ext uri="{FF2B5EF4-FFF2-40B4-BE49-F238E27FC236}">
+                <a16:creationId xmlns:a16="http://schemas.microsoft.com/office/drawing/2014/main" id="{D59A1127-62BF-4C4A-8214-80B440666930}"/>
+              </a:ext>
+            </a:extLst>
+          </p:cNvPr>
+          <p:cNvSpPr txBox="1"/>
+          <p:nvPr/>
+        </p:nvSpPr>
+        <p:spPr>
+          <a:xfrm>
+            <a:off x="1261067" y="1892025"/>
+            <a:ext cx="492759" cy="369332"/>
+          </a:xfrm>
+          <a:prstGeom prst="rect">
+            <a:avLst/>
+          </a:prstGeom>
+          <a:noFill/>
+        </p:spPr>
+        <p:txBody>
+          <a:bodyPr wrap="square" rtlCol="0">
+            <a:spAutoFit/>
+          </a:bodyPr>
+          <a:lstStyle/>
+          <a:p>
+            <a:r>
+              <a:rPr lang="en-GB" dirty="0"/>
+              <a:t>j=1</a:t>
+            </a:r>
+          </a:p>
+        </p:txBody>
+      </p:sp>
+      <p:cxnSp>
+        <p:nvCxnSpPr>
+          <p:cNvPr id="36" name="Straight Connector 35">
+            <a:extLst>
+              <a:ext uri="{FF2B5EF4-FFF2-40B4-BE49-F238E27FC236}">
+                <a16:creationId xmlns:a16="http://schemas.microsoft.com/office/drawing/2014/main" id="{317A87E4-300C-47CA-8FC0-4F1BB1C93012}"/>
+              </a:ext>
+            </a:extLst>
+          </p:cNvPr>
+          <p:cNvCxnSpPr/>
+          <p:nvPr/>
+        </p:nvCxnSpPr>
+        <p:spPr>
+          <a:xfrm>
+            <a:off x="5128677" y="2081613"/>
+            <a:ext cx="0" cy="2896465"/>
+          </a:xfrm>
+          <a:prstGeom prst="line">
+            <a:avLst/>
+          </a:prstGeom>
+        </p:spPr>
+        <p:style>
+          <a:lnRef idx="1">
+            <a:schemeClr val="accent1"/>
+          </a:lnRef>
+          <a:fillRef idx="0">
+            <a:schemeClr val="accent1"/>
+          </a:fillRef>
+          <a:effectRef idx="0">
+            <a:schemeClr val="accent1"/>
+          </a:effectRef>
+          <a:fontRef idx="minor">
+            <a:schemeClr val="tx1"/>
+          </a:fontRef>
+        </p:style>
+      </p:cxnSp>
+      <p:sp>
+        <p:nvSpPr>
+          <p:cNvPr id="37" name="TextBox 36">
+            <a:extLst>
+              <a:ext uri="{FF2B5EF4-FFF2-40B4-BE49-F238E27FC236}">
+                <a16:creationId xmlns:a16="http://schemas.microsoft.com/office/drawing/2014/main" id="{48325C2D-76B3-4B3D-906D-CC71F1516BE7}"/>
+              </a:ext>
+            </a:extLst>
+          </p:cNvPr>
+          <p:cNvSpPr txBox="1"/>
+          <p:nvPr/>
+        </p:nvSpPr>
+        <p:spPr>
+          <a:xfrm>
+            <a:off x="4804292" y="5044754"/>
+            <a:ext cx="1291707" cy="369332"/>
+          </a:xfrm>
+          <a:prstGeom prst="rect">
+            <a:avLst/>
+          </a:prstGeom>
+          <a:noFill/>
+        </p:spPr>
+        <p:txBody>
+          <a:bodyPr wrap="square" rtlCol="0">
+            <a:spAutoFit/>
+          </a:bodyPr>
+          <a:lstStyle/>
+          <a:p>
+            <a:r>
+              <a:rPr lang="en-GB" dirty="0"/>
+              <a:t>t</a:t>
+            </a:r>
+            <a:r>
+              <a:rPr lang="en-GB" baseline="-25000" dirty="0"/>
+              <a:t>1  </a:t>
+            </a:r>
+            <a:r>
+              <a:rPr lang="en-GB" dirty="0"/>
+              <a:t>+ s</a:t>
+            </a:r>
+            <a:r>
+              <a:rPr lang="en-GB" baseline="-25000" dirty="0"/>
+              <a:t>1</a:t>
+            </a:r>
+            <a:endParaRPr lang="en-GB" dirty="0"/>
+          </a:p>
+        </p:txBody>
+      </p:sp>
+      <p:cxnSp>
+        <p:nvCxnSpPr>
+          <p:cNvPr id="38" name="Straight Arrow Connector 37">
+            <a:extLst>
+              <a:ext uri="{FF2B5EF4-FFF2-40B4-BE49-F238E27FC236}">
+                <a16:creationId xmlns:a16="http://schemas.microsoft.com/office/drawing/2014/main" id="{658E322A-B703-4057-9FDC-922918BFE7FA}"/>
+              </a:ext>
+            </a:extLst>
+          </p:cNvPr>
+          <p:cNvCxnSpPr>
+            <a:cxnSpLocks/>
+          </p:cNvCxnSpPr>
+          <p:nvPr/>
+        </p:nvCxnSpPr>
+        <p:spPr>
+          <a:xfrm>
+            <a:off x="2144988" y="2372580"/>
+            <a:ext cx="1493519" cy="0"/>
+          </a:xfrm>
+          <a:prstGeom prst="straightConnector1">
+            <a:avLst/>
+          </a:prstGeom>
+          <a:ln w="12700">
+            <a:solidFill>
+              <a:schemeClr val="accent1"/>
+            </a:solidFill>
+            <a:tailEnd type="triangle"/>
+          </a:ln>
+        </p:spPr>
+        <p:style>
+          <a:lnRef idx="1">
+            <a:schemeClr val="accent1"/>
+          </a:lnRef>
+          <a:fillRef idx="0">
+            <a:schemeClr val="accent1"/>
+          </a:fillRef>
+          <a:effectRef idx="0">
+            <a:schemeClr val="accent1"/>
+          </a:effectRef>
+          <a:fontRef idx="minor">
+            <a:schemeClr val="tx1"/>
+          </a:fontRef>
+        </p:style>
+      </p:cxnSp>
+      <p:cxnSp>
+        <p:nvCxnSpPr>
+          <p:cNvPr id="39" name="Straight Arrow Connector 38">
+            <a:extLst>
+              <a:ext uri="{FF2B5EF4-FFF2-40B4-BE49-F238E27FC236}">
+                <a16:creationId xmlns:a16="http://schemas.microsoft.com/office/drawing/2014/main" id="{7E3B9F24-FC65-4C23-ABA6-3EBA0F0E3A0E}"/>
+              </a:ext>
+            </a:extLst>
+          </p:cNvPr>
+          <p:cNvCxnSpPr>
+            <a:cxnSpLocks/>
+          </p:cNvCxnSpPr>
+          <p:nvPr/>
+        </p:nvCxnSpPr>
+        <p:spPr>
+          <a:xfrm>
+            <a:off x="3638507" y="2853439"/>
+            <a:ext cx="2079364" cy="0"/>
+          </a:xfrm>
+          <a:prstGeom prst="straightConnector1">
+            <a:avLst/>
+          </a:prstGeom>
+          <a:ln w="12700">
+            <a:solidFill>
+              <a:schemeClr val="accent1"/>
+            </a:solidFill>
+            <a:tailEnd type="triangle"/>
+          </a:ln>
+        </p:spPr>
+        <p:style>
+          <a:lnRef idx="1">
+            <a:schemeClr val="accent1"/>
+          </a:lnRef>
+          <a:fillRef idx="0">
+            <a:schemeClr val="accent1"/>
+          </a:fillRef>
+          <a:effectRef idx="0">
+            <a:schemeClr val="accent1"/>
+          </a:effectRef>
+          <a:fontRef idx="minor">
+            <a:schemeClr val="tx1"/>
+          </a:fontRef>
+        </p:style>
+      </p:cxnSp>
+      <p:cxnSp>
+        <p:nvCxnSpPr>
+          <p:cNvPr id="40" name="Straight Arrow Connector 39">
+            <a:extLst>
+              <a:ext uri="{FF2B5EF4-FFF2-40B4-BE49-F238E27FC236}">
+                <a16:creationId xmlns:a16="http://schemas.microsoft.com/office/drawing/2014/main" id="{9AEE5596-B938-455F-BB4A-A4804DDC4890}"/>
+              </a:ext>
+            </a:extLst>
+          </p:cNvPr>
+          <p:cNvCxnSpPr>
+            <a:cxnSpLocks/>
+          </p:cNvCxnSpPr>
+          <p:nvPr/>
+        </p:nvCxnSpPr>
+        <p:spPr>
+          <a:xfrm>
+            <a:off x="2987040" y="3429000"/>
+            <a:ext cx="1685250" cy="0"/>
+          </a:xfrm>
+          <a:prstGeom prst="straightConnector1">
+            <a:avLst/>
+          </a:prstGeom>
+          <a:ln w="12700">
+            <a:solidFill>
+              <a:schemeClr val="accent1"/>
+            </a:solidFill>
+            <a:tailEnd type="triangle"/>
+          </a:ln>
+        </p:spPr>
+        <p:style>
+          <a:lnRef idx="1">
+            <a:schemeClr val="accent1"/>
+          </a:lnRef>
+          <a:fillRef idx="0">
+            <a:schemeClr val="accent1"/>
+          </a:fillRef>
+          <a:effectRef idx="0">
+            <a:schemeClr val="accent1"/>
+          </a:effectRef>
+          <a:fontRef idx="minor">
+            <a:schemeClr val="tx1"/>
+          </a:fontRef>
+        </p:style>
+      </p:cxnSp>
+      <p:cxnSp>
+        <p:nvCxnSpPr>
+          <p:cNvPr id="41" name="Straight Arrow Connector 40">
+            <a:extLst>
+              <a:ext uri="{FF2B5EF4-FFF2-40B4-BE49-F238E27FC236}">
+                <a16:creationId xmlns:a16="http://schemas.microsoft.com/office/drawing/2014/main" id="{79E94061-E320-4DD3-99FE-20614B41F051}"/>
+              </a:ext>
+            </a:extLst>
+          </p:cNvPr>
+          <p:cNvCxnSpPr>
+            <a:cxnSpLocks/>
+          </p:cNvCxnSpPr>
+          <p:nvPr/>
+        </p:nvCxnSpPr>
+        <p:spPr>
+          <a:xfrm>
+            <a:off x="4277350" y="4013647"/>
+            <a:ext cx="3079463" cy="0"/>
+          </a:xfrm>
+          <a:prstGeom prst="straightConnector1">
+            <a:avLst/>
+          </a:prstGeom>
+          <a:ln w="12700">
+            <a:solidFill>
+              <a:schemeClr val="accent1"/>
+            </a:solidFill>
+            <a:tailEnd type="triangle"/>
+          </a:ln>
+        </p:spPr>
+        <p:style>
+          <a:lnRef idx="1">
+            <a:schemeClr val="accent1"/>
+          </a:lnRef>
+          <a:fillRef idx="0">
+            <a:schemeClr val="accent1"/>
+          </a:fillRef>
+          <a:effectRef idx="0">
+            <a:schemeClr val="accent1"/>
+          </a:effectRef>
+          <a:fontRef idx="minor">
+            <a:schemeClr val="tx1"/>
+          </a:fontRef>
+        </p:style>
+      </p:cxnSp>
+      <p:cxnSp>
+        <p:nvCxnSpPr>
+          <p:cNvPr id="42" name="Straight Arrow Connector 41">
+            <a:extLst>
+              <a:ext uri="{FF2B5EF4-FFF2-40B4-BE49-F238E27FC236}">
+                <a16:creationId xmlns:a16="http://schemas.microsoft.com/office/drawing/2014/main" id="{41A65A03-9632-4A72-8239-7503FE4A10DE}"/>
+              </a:ext>
+            </a:extLst>
+          </p:cNvPr>
+          <p:cNvCxnSpPr>
+            <a:cxnSpLocks/>
+          </p:cNvCxnSpPr>
+          <p:nvPr/>
+        </p:nvCxnSpPr>
+        <p:spPr>
+          <a:xfrm>
+            <a:off x="2434627" y="4602599"/>
+            <a:ext cx="3079463" cy="0"/>
+          </a:xfrm>
+          <a:prstGeom prst="straightConnector1">
+            <a:avLst/>
+          </a:prstGeom>
+          <a:ln w="12700">
+            <a:solidFill>
+              <a:schemeClr val="accent1"/>
+            </a:solidFill>
+            <a:tailEnd type="triangle"/>
+          </a:ln>
+        </p:spPr>
+        <p:style>
+          <a:lnRef idx="1">
+            <a:schemeClr val="accent1"/>
+          </a:lnRef>
+          <a:fillRef idx="0">
+            <a:schemeClr val="accent1"/>
+          </a:fillRef>
+          <a:effectRef idx="0">
+            <a:schemeClr val="accent1"/>
+          </a:effectRef>
+          <a:fontRef idx="minor">
+            <a:schemeClr val="tx1"/>
+          </a:fontRef>
+        </p:style>
+      </p:cxnSp>
+      <p:sp>
+        <p:nvSpPr>
+          <p:cNvPr id="47" name="Double Brace 46">
+            <a:extLst>
+              <a:ext uri="{FF2B5EF4-FFF2-40B4-BE49-F238E27FC236}">
+                <a16:creationId xmlns:a16="http://schemas.microsoft.com/office/drawing/2014/main" id="{FC42CF77-6B84-4836-B21D-49FD76B0BC18}"/>
+              </a:ext>
+            </a:extLst>
+          </p:cNvPr>
+          <p:cNvSpPr/>
+          <p:nvPr/>
+        </p:nvSpPr>
+        <p:spPr>
+          <a:xfrm rot="16200000">
+            <a:off x="2098421" y="2864344"/>
+            <a:ext cx="3050248" cy="3010268"/>
+          </a:xfrm>
+          <a:custGeom>
+            <a:avLst/>
+            <a:gdLst>
+              <a:gd name="connsiteX0" fmla="*/ 112083 w 1768463"/>
+              <a:gd name="connsiteY0" fmla="*/ 672524 h 672524"/>
+              <a:gd name="connsiteX1" fmla="*/ 56042 w 1768463"/>
+              <a:gd name="connsiteY1" fmla="*/ 616483 h 672524"/>
+              <a:gd name="connsiteX2" fmla="*/ 56041 w 1768463"/>
+              <a:gd name="connsiteY2" fmla="*/ 392303 h 672524"/>
+              <a:gd name="connsiteX3" fmla="*/ 0 w 1768463"/>
+              <a:gd name="connsiteY3" fmla="*/ 336262 h 672524"/>
+              <a:gd name="connsiteX4" fmla="*/ 56041 w 1768463"/>
+              <a:gd name="connsiteY4" fmla="*/ 280221 h 672524"/>
+              <a:gd name="connsiteX5" fmla="*/ 56041 w 1768463"/>
+              <a:gd name="connsiteY5" fmla="*/ 56041 h 672524"/>
+              <a:gd name="connsiteX6" fmla="*/ 112082 w 1768463"/>
+              <a:gd name="connsiteY6" fmla="*/ 0 h 672524"/>
+              <a:gd name="connsiteX7" fmla="*/ 1656380 w 1768463"/>
+              <a:gd name="connsiteY7" fmla="*/ 0 h 672524"/>
+              <a:gd name="connsiteX8" fmla="*/ 1712421 w 1768463"/>
+              <a:gd name="connsiteY8" fmla="*/ 56041 h 672524"/>
+              <a:gd name="connsiteX9" fmla="*/ 1712422 w 1768463"/>
+              <a:gd name="connsiteY9" fmla="*/ 280221 h 672524"/>
+              <a:gd name="connsiteX10" fmla="*/ 1768463 w 1768463"/>
+              <a:gd name="connsiteY10" fmla="*/ 336262 h 672524"/>
+              <a:gd name="connsiteX11" fmla="*/ 1712422 w 1768463"/>
+              <a:gd name="connsiteY11" fmla="*/ 392303 h 672524"/>
+              <a:gd name="connsiteX12" fmla="*/ 1712422 w 1768463"/>
+              <a:gd name="connsiteY12" fmla="*/ 616483 h 672524"/>
+              <a:gd name="connsiteX13" fmla="*/ 1656381 w 1768463"/>
+              <a:gd name="connsiteY13" fmla="*/ 672524 h 672524"/>
+              <a:gd name="connsiteX14" fmla="*/ 112083 w 1768463"/>
+              <a:gd name="connsiteY14" fmla="*/ 672524 h 672524"/>
+              <a:gd name="connsiteX0" fmla="*/ 112083 w 1768463"/>
+              <a:gd name="connsiteY0" fmla="*/ 672524 h 672524"/>
+              <a:gd name="connsiteX1" fmla="*/ 56042 w 1768463"/>
+              <a:gd name="connsiteY1" fmla="*/ 616483 h 672524"/>
+              <a:gd name="connsiteX2" fmla="*/ 56041 w 1768463"/>
+              <a:gd name="connsiteY2" fmla="*/ 392303 h 672524"/>
+              <a:gd name="connsiteX3" fmla="*/ 0 w 1768463"/>
+              <a:gd name="connsiteY3" fmla="*/ 336262 h 672524"/>
+              <a:gd name="connsiteX4" fmla="*/ 56041 w 1768463"/>
+              <a:gd name="connsiteY4" fmla="*/ 280221 h 672524"/>
+              <a:gd name="connsiteX5" fmla="*/ 56041 w 1768463"/>
+              <a:gd name="connsiteY5" fmla="*/ 56041 h 672524"/>
+              <a:gd name="connsiteX6" fmla="*/ 112082 w 1768463"/>
+              <a:gd name="connsiteY6" fmla="*/ 0 h 672524"/>
+              <a:gd name="connsiteX7" fmla="*/ 1656380 w 1768463"/>
+              <a:gd name="connsiteY7" fmla="*/ 0 h 672524"/>
+              <a:gd name="connsiteX8" fmla="*/ 1712421 w 1768463"/>
+              <a:gd name="connsiteY8" fmla="*/ 56041 h 672524"/>
+              <a:gd name="connsiteX9" fmla="*/ 1712422 w 1768463"/>
+              <a:gd name="connsiteY9" fmla="*/ 280221 h 672524"/>
+              <a:gd name="connsiteX10" fmla="*/ 1768463 w 1768463"/>
+              <a:gd name="connsiteY10" fmla="*/ 336262 h 672524"/>
+              <a:gd name="connsiteX11" fmla="*/ 1712422 w 1768463"/>
+              <a:gd name="connsiteY11" fmla="*/ 392303 h 672524"/>
+              <a:gd name="connsiteX12" fmla="*/ 1712422 w 1768463"/>
+              <a:gd name="connsiteY12" fmla="*/ 616483 h 672524"/>
+              <a:gd name="connsiteX13" fmla="*/ 1656381 w 1768463"/>
+              <a:gd name="connsiteY13" fmla="*/ 672524 h 672524"/>
+              <a:gd name="connsiteX0" fmla="*/ 112083 w 1768463"/>
+              <a:gd name="connsiteY0" fmla="*/ 672524 h 672524"/>
+              <a:gd name="connsiteX1" fmla="*/ 56042 w 1768463"/>
+              <a:gd name="connsiteY1" fmla="*/ 616483 h 672524"/>
+              <a:gd name="connsiteX2" fmla="*/ 56041 w 1768463"/>
+              <a:gd name="connsiteY2" fmla="*/ 392303 h 672524"/>
+              <a:gd name="connsiteX3" fmla="*/ 0 w 1768463"/>
+              <a:gd name="connsiteY3" fmla="*/ 336262 h 672524"/>
+              <a:gd name="connsiteX4" fmla="*/ 56041 w 1768463"/>
+              <a:gd name="connsiteY4" fmla="*/ 280221 h 672524"/>
+              <a:gd name="connsiteX5" fmla="*/ 56041 w 1768463"/>
+              <a:gd name="connsiteY5" fmla="*/ 56041 h 672524"/>
+              <a:gd name="connsiteX6" fmla="*/ 112082 w 1768463"/>
+              <a:gd name="connsiteY6" fmla="*/ 0 h 672524"/>
+              <a:gd name="connsiteX7" fmla="*/ 1656380 w 1768463"/>
+              <a:gd name="connsiteY7" fmla="*/ 0 h 672524"/>
+              <a:gd name="connsiteX8" fmla="*/ 1712421 w 1768463"/>
+              <a:gd name="connsiteY8" fmla="*/ 56041 h 672524"/>
+              <a:gd name="connsiteX9" fmla="*/ 1712422 w 1768463"/>
+              <a:gd name="connsiteY9" fmla="*/ 280221 h 672524"/>
+              <a:gd name="connsiteX10" fmla="*/ 1768463 w 1768463"/>
+              <a:gd name="connsiteY10" fmla="*/ 336262 h 672524"/>
+              <a:gd name="connsiteX11" fmla="*/ 1712422 w 1768463"/>
+              <a:gd name="connsiteY11" fmla="*/ 392303 h 672524"/>
+              <a:gd name="connsiteX12" fmla="*/ 1712422 w 1768463"/>
+              <a:gd name="connsiteY12" fmla="*/ 616483 h 672524"/>
+              <a:gd name="connsiteX13" fmla="*/ 1656381 w 1768463"/>
+              <a:gd name="connsiteY13" fmla="*/ 672524 h 672524"/>
+              <a:gd name="connsiteX14" fmla="*/ 112083 w 1768463"/>
+              <a:gd name="connsiteY14" fmla="*/ 672524 h 672524"/>
+              <a:gd name="connsiteX0" fmla="*/ 112083 w 1768463"/>
+              <a:gd name="connsiteY0" fmla="*/ 672524 h 672524"/>
+              <a:gd name="connsiteX1" fmla="*/ 56042 w 1768463"/>
+              <a:gd name="connsiteY1" fmla="*/ 616483 h 672524"/>
+              <a:gd name="connsiteX2" fmla="*/ 56041 w 1768463"/>
+              <a:gd name="connsiteY2" fmla="*/ 392303 h 672524"/>
+              <a:gd name="connsiteX3" fmla="*/ 0 w 1768463"/>
+              <a:gd name="connsiteY3" fmla="*/ 336262 h 672524"/>
+              <a:gd name="connsiteX4" fmla="*/ 56041 w 1768463"/>
+              <a:gd name="connsiteY4" fmla="*/ 280221 h 672524"/>
+              <a:gd name="connsiteX5" fmla="*/ 56041 w 1768463"/>
+              <a:gd name="connsiteY5" fmla="*/ 56041 h 672524"/>
+              <a:gd name="connsiteX6" fmla="*/ 112082 w 1768463"/>
+              <a:gd name="connsiteY6" fmla="*/ 0 h 672524"/>
+              <a:gd name="connsiteX7" fmla="*/ 1656380 w 1768463"/>
+              <a:gd name="connsiteY7" fmla="*/ 0 h 672524"/>
+              <a:gd name="connsiteX8" fmla="*/ 1712421 w 1768463"/>
+              <a:gd name="connsiteY8" fmla="*/ 56041 h 672524"/>
+              <a:gd name="connsiteX9" fmla="*/ 1712422 w 1768463"/>
+              <a:gd name="connsiteY9" fmla="*/ 280221 h 672524"/>
+              <a:gd name="connsiteX10" fmla="*/ 1712422 w 1768463"/>
+              <a:gd name="connsiteY10" fmla="*/ 392303 h 672524"/>
+              <a:gd name="connsiteX11" fmla="*/ 1712422 w 1768463"/>
+              <a:gd name="connsiteY11" fmla="*/ 616483 h 672524"/>
+              <a:gd name="connsiteX12" fmla="*/ 1656381 w 1768463"/>
+              <a:gd name="connsiteY12" fmla="*/ 672524 h 672524"/>
+              <a:gd name="connsiteX0" fmla="*/ 112083 w 1768463"/>
+              <a:gd name="connsiteY0" fmla="*/ 672985 h 672985"/>
+              <a:gd name="connsiteX1" fmla="*/ 56042 w 1768463"/>
+              <a:gd name="connsiteY1" fmla="*/ 616944 h 672985"/>
+              <a:gd name="connsiteX2" fmla="*/ 56041 w 1768463"/>
+              <a:gd name="connsiteY2" fmla="*/ 392764 h 672985"/>
+              <a:gd name="connsiteX3" fmla="*/ 0 w 1768463"/>
+              <a:gd name="connsiteY3" fmla="*/ 336723 h 672985"/>
+              <a:gd name="connsiteX4" fmla="*/ 56041 w 1768463"/>
+              <a:gd name="connsiteY4" fmla="*/ 280682 h 672985"/>
+              <a:gd name="connsiteX5" fmla="*/ 56041 w 1768463"/>
+              <a:gd name="connsiteY5" fmla="*/ 56502 h 672985"/>
+              <a:gd name="connsiteX6" fmla="*/ 112082 w 1768463"/>
+              <a:gd name="connsiteY6" fmla="*/ 461 h 672985"/>
+              <a:gd name="connsiteX7" fmla="*/ 1656380 w 1768463"/>
+              <a:gd name="connsiteY7" fmla="*/ 461 h 672985"/>
+              <a:gd name="connsiteX8" fmla="*/ 1712421 w 1768463"/>
+              <a:gd name="connsiteY8" fmla="*/ 56502 h 672985"/>
+              <a:gd name="connsiteX9" fmla="*/ 1712422 w 1768463"/>
+              <a:gd name="connsiteY9" fmla="*/ 280682 h 672985"/>
+              <a:gd name="connsiteX10" fmla="*/ 1768463 w 1768463"/>
+              <a:gd name="connsiteY10" fmla="*/ 336723 h 672985"/>
+              <a:gd name="connsiteX11" fmla="*/ 1712422 w 1768463"/>
+              <a:gd name="connsiteY11" fmla="*/ 392764 h 672985"/>
+              <a:gd name="connsiteX12" fmla="*/ 1712422 w 1768463"/>
+              <a:gd name="connsiteY12" fmla="*/ 616944 h 672985"/>
+              <a:gd name="connsiteX13" fmla="*/ 1656381 w 1768463"/>
+              <a:gd name="connsiteY13" fmla="*/ 672985 h 672985"/>
+              <a:gd name="connsiteX14" fmla="*/ 112083 w 1768463"/>
+              <a:gd name="connsiteY14" fmla="*/ 672985 h 672985"/>
+              <a:gd name="connsiteX0" fmla="*/ 112083 w 1768463"/>
+              <a:gd name="connsiteY0" fmla="*/ 672985 h 672985"/>
+              <a:gd name="connsiteX1" fmla="*/ 56042 w 1768463"/>
+              <a:gd name="connsiteY1" fmla="*/ 616944 h 672985"/>
+              <a:gd name="connsiteX2" fmla="*/ 56041 w 1768463"/>
+              <a:gd name="connsiteY2" fmla="*/ 392764 h 672985"/>
+              <a:gd name="connsiteX3" fmla="*/ 0 w 1768463"/>
+              <a:gd name="connsiteY3" fmla="*/ 336723 h 672985"/>
+              <a:gd name="connsiteX4" fmla="*/ 56041 w 1768463"/>
+              <a:gd name="connsiteY4" fmla="*/ 280682 h 672985"/>
+              <a:gd name="connsiteX5" fmla="*/ 56041 w 1768463"/>
+              <a:gd name="connsiteY5" fmla="*/ 56502 h 672985"/>
+              <a:gd name="connsiteX6" fmla="*/ 112082 w 1768463"/>
+              <a:gd name="connsiteY6" fmla="*/ 461 h 672985"/>
+              <a:gd name="connsiteX7" fmla="*/ 1656380 w 1768463"/>
+              <a:gd name="connsiteY7" fmla="*/ 461 h 672985"/>
+              <a:gd name="connsiteX8" fmla="*/ 1712421 w 1768463"/>
+              <a:gd name="connsiteY8" fmla="*/ 56502 h 672985"/>
+              <a:gd name="connsiteX9" fmla="*/ 1712422 w 1768463"/>
+              <a:gd name="connsiteY9" fmla="*/ 392764 h 672985"/>
+              <a:gd name="connsiteX10" fmla="*/ 1712422 w 1768463"/>
+              <a:gd name="connsiteY10" fmla="*/ 616944 h 672985"/>
+              <a:gd name="connsiteX11" fmla="*/ 1656381 w 1768463"/>
+              <a:gd name="connsiteY11" fmla="*/ 672985 h 672985"/>
+              <a:gd name="connsiteX0" fmla="*/ 112083 w 1768463"/>
+              <a:gd name="connsiteY0" fmla="*/ 683115 h 683115"/>
+              <a:gd name="connsiteX1" fmla="*/ 56042 w 1768463"/>
+              <a:gd name="connsiteY1" fmla="*/ 627074 h 683115"/>
+              <a:gd name="connsiteX2" fmla="*/ 56041 w 1768463"/>
+              <a:gd name="connsiteY2" fmla="*/ 402894 h 683115"/>
+              <a:gd name="connsiteX3" fmla="*/ 0 w 1768463"/>
+              <a:gd name="connsiteY3" fmla="*/ 346853 h 683115"/>
+              <a:gd name="connsiteX4" fmla="*/ 56041 w 1768463"/>
+              <a:gd name="connsiteY4" fmla="*/ 290812 h 683115"/>
+              <a:gd name="connsiteX5" fmla="*/ 56041 w 1768463"/>
+              <a:gd name="connsiteY5" fmla="*/ 66632 h 683115"/>
+              <a:gd name="connsiteX6" fmla="*/ 112082 w 1768463"/>
+              <a:gd name="connsiteY6" fmla="*/ 10591 h 683115"/>
+              <a:gd name="connsiteX7" fmla="*/ 1656380 w 1768463"/>
+              <a:gd name="connsiteY7" fmla="*/ 10591 h 683115"/>
+              <a:gd name="connsiteX8" fmla="*/ 1712421 w 1768463"/>
+              <a:gd name="connsiteY8" fmla="*/ 66632 h 683115"/>
+              <a:gd name="connsiteX9" fmla="*/ 1712422 w 1768463"/>
+              <a:gd name="connsiteY9" fmla="*/ 290812 h 683115"/>
+              <a:gd name="connsiteX10" fmla="*/ 1768463 w 1768463"/>
+              <a:gd name="connsiteY10" fmla="*/ 346853 h 683115"/>
+              <a:gd name="connsiteX11" fmla="*/ 1712422 w 1768463"/>
+              <a:gd name="connsiteY11" fmla="*/ 402894 h 683115"/>
+              <a:gd name="connsiteX12" fmla="*/ 1712422 w 1768463"/>
+              <a:gd name="connsiteY12" fmla="*/ 627074 h 683115"/>
+              <a:gd name="connsiteX13" fmla="*/ 1656381 w 1768463"/>
+              <a:gd name="connsiteY13" fmla="*/ 683115 h 683115"/>
+              <a:gd name="connsiteX14" fmla="*/ 112083 w 1768463"/>
+              <a:gd name="connsiteY14" fmla="*/ 683115 h 683115"/>
+              <a:gd name="connsiteX0" fmla="*/ 112083 w 1768463"/>
+              <a:gd name="connsiteY0" fmla="*/ 683115 h 683115"/>
+              <a:gd name="connsiteX1" fmla="*/ 56042 w 1768463"/>
+              <a:gd name="connsiteY1" fmla="*/ 627074 h 683115"/>
+              <a:gd name="connsiteX2" fmla="*/ 56041 w 1768463"/>
+              <a:gd name="connsiteY2" fmla="*/ 402894 h 683115"/>
+              <a:gd name="connsiteX3" fmla="*/ 0 w 1768463"/>
+              <a:gd name="connsiteY3" fmla="*/ 346853 h 683115"/>
+              <a:gd name="connsiteX4" fmla="*/ 56041 w 1768463"/>
+              <a:gd name="connsiteY4" fmla="*/ 290812 h 683115"/>
+              <a:gd name="connsiteX5" fmla="*/ 56041 w 1768463"/>
+              <a:gd name="connsiteY5" fmla="*/ 66632 h 683115"/>
+              <a:gd name="connsiteX6" fmla="*/ 112082 w 1768463"/>
+              <a:gd name="connsiteY6" fmla="*/ 10591 h 683115"/>
+              <a:gd name="connsiteX7" fmla="*/ 1656380 w 1768463"/>
+              <a:gd name="connsiteY7" fmla="*/ 10591 h 683115"/>
+              <a:gd name="connsiteX8" fmla="*/ 1712421 w 1768463"/>
+              <a:gd name="connsiteY8" fmla="*/ 66632 h 683115"/>
+              <a:gd name="connsiteX9" fmla="*/ 1712422 w 1768463"/>
+              <a:gd name="connsiteY9" fmla="*/ 627074 h 683115"/>
+              <a:gd name="connsiteX10" fmla="*/ 1656381 w 1768463"/>
+              <a:gd name="connsiteY10" fmla="*/ 683115 h 683115"/>
+              <a:gd name="connsiteX0" fmla="*/ 112083 w 1768463"/>
+              <a:gd name="connsiteY0" fmla="*/ 683115 h 683115"/>
+              <a:gd name="connsiteX1" fmla="*/ 56042 w 1768463"/>
+              <a:gd name="connsiteY1" fmla="*/ 627074 h 683115"/>
+              <a:gd name="connsiteX2" fmla="*/ 56041 w 1768463"/>
+              <a:gd name="connsiteY2" fmla="*/ 402894 h 683115"/>
+              <a:gd name="connsiteX3" fmla="*/ 0 w 1768463"/>
+              <a:gd name="connsiteY3" fmla="*/ 346853 h 683115"/>
+              <a:gd name="connsiteX4" fmla="*/ 56041 w 1768463"/>
+              <a:gd name="connsiteY4" fmla="*/ 290812 h 683115"/>
+              <a:gd name="connsiteX5" fmla="*/ 56041 w 1768463"/>
+              <a:gd name="connsiteY5" fmla="*/ 66632 h 683115"/>
+              <a:gd name="connsiteX6" fmla="*/ 112082 w 1768463"/>
+              <a:gd name="connsiteY6" fmla="*/ 10591 h 683115"/>
+              <a:gd name="connsiteX7" fmla="*/ 1656380 w 1768463"/>
+              <a:gd name="connsiteY7" fmla="*/ 10591 h 683115"/>
+              <a:gd name="connsiteX8" fmla="*/ 1712421 w 1768463"/>
+              <a:gd name="connsiteY8" fmla="*/ 66632 h 683115"/>
+              <a:gd name="connsiteX9" fmla="*/ 1712422 w 1768463"/>
+              <a:gd name="connsiteY9" fmla="*/ 290812 h 683115"/>
+              <a:gd name="connsiteX10" fmla="*/ 1768463 w 1768463"/>
+              <a:gd name="connsiteY10" fmla="*/ 346853 h 683115"/>
+              <a:gd name="connsiteX11" fmla="*/ 1712422 w 1768463"/>
+              <a:gd name="connsiteY11" fmla="*/ 402894 h 683115"/>
+              <a:gd name="connsiteX12" fmla="*/ 1712422 w 1768463"/>
+              <a:gd name="connsiteY12" fmla="*/ 627074 h 683115"/>
+              <a:gd name="connsiteX13" fmla="*/ 1656381 w 1768463"/>
+              <a:gd name="connsiteY13" fmla="*/ 683115 h 683115"/>
+              <a:gd name="connsiteX14" fmla="*/ 112083 w 1768463"/>
+              <a:gd name="connsiteY14" fmla="*/ 683115 h 683115"/>
+              <a:gd name="connsiteX0" fmla="*/ 112083 w 1768463"/>
+              <a:gd name="connsiteY0" fmla="*/ 683115 h 683115"/>
+              <a:gd name="connsiteX1" fmla="*/ 56042 w 1768463"/>
+              <a:gd name="connsiteY1" fmla="*/ 627074 h 683115"/>
+              <a:gd name="connsiteX2" fmla="*/ 56041 w 1768463"/>
+              <a:gd name="connsiteY2" fmla="*/ 402894 h 683115"/>
+              <a:gd name="connsiteX3" fmla="*/ 0 w 1768463"/>
+              <a:gd name="connsiteY3" fmla="*/ 346853 h 683115"/>
+              <a:gd name="connsiteX4" fmla="*/ 56041 w 1768463"/>
+              <a:gd name="connsiteY4" fmla="*/ 290812 h 683115"/>
+              <a:gd name="connsiteX5" fmla="*/ 56041 w 1768463"/>
+              <a:gd name="connsiteY5" fmla="*/ 66632 h 683115"/>
+              <a:gd name="connsiteX6" fmla="*/ 112082 w 1768463"/>
+              <a:gd name="connsiteY6" fmla="*/ 10591 h 683115"/>
+              <a:gd name="connsiteX7" fmla="*/ 1656380 w 1768463"/>
+              <a:gd name="connsiteY7" fmla="*/ 10591 h 683115"/>
+              <a:gd name="connsiteX8" fmla="*/ 1712421 w 1768463"/>
+              <a:gd name="connsiteY8" fmla="*/ 66632 h 683115"/>
+              <a:gd name="connsiteX9" fmla="*/ 1712422 w 1768463"/>
+              <a:gd name="connsiteY9" fmla="*/ 627074 h 683115"/>
+              <a:gd name="connsiteX10" fmla="*/ 1656381 w 1768463"/>
+              <a:gd name="connsiteY10" fmla="*/ 683115 h 683115"/>
+              <a:gd name="connsiteX11" fmla="*/ 112083 w 1768463"/>
+              <a:gd name="connsiteY11" fmla="*/ 683115 h 683115"/>
+              <a:gd name="connsiteX0" fmla="*/ 112083 w 1768463"/>
+              <a:gd name="connsiteY0" fmla="*/ 672524 h 672524"/>
+              <a:gd name="connsiteX1" fmla="*/ 56042 w 1768463"/>
+              <a:gd name="connsiteY1" fmla="*/ 616483 h 672524"/>
+              <a:gd name="connsiteX2" fmla="*/ 56041 w 1768463"/>
+              <a:gd name="connsiteY2" fmla="*/ 392303 h 672524"/>
+              <a:gd name="connsiteX3" fmla="*/ 0 w 1768463"/>
+              <a:gd name="connsiteY3" fmla="*/ 336262 h 672524"/>
+              <a:gd name="connsiteX4" fmla="*/ 56041 w 1768463"/>
+              <a:gd name="connsiteY4" fmla="*/ 280221 h 672524"/>
+              <a:gd name="connsiteX5" fmla="*/ 56041 w 1768463"/>
+              <a:gd name="connsiteY5" fmla="*/ 56041 h 672524"/>
+              <a:gd name="connsiteX6" fmla="*/ 112082 w 1768463"/>
+              <a:gd name="connsiteY6" fmla="*/ 0 h 672524"/>
+              <a:gd name="connsiteX7" fmla="*/ 1656380 w 1768463"/>
+              <a:gd name="connsiteY7" fmla="*/ 0 h 672524"/>
+              <a:gd name="connsiteX8" fmla="*/ 1712421 w 1768463"/>
+              <a:gd name="connsiteY8" fmla="*/ 56041 h 672524"/>
+              <a:gd name="connsiteX9" fmla="*/ 1712422 w 1768463"/>
+              <a:gd name="connsiteY9" fmla="*/ 280221 h 672524"/>
+              <a:gd name="connsiteX10" fmla="*/ 1768463 w 1768463"/>
+              <a:gd name="connsiteY10" fmla="*/ 336262 h 672524"/>
+              <a:gd name="connsiteX11" fmla="*/ 1712422 w 1768463"/>
+              <a:gd name="connsiteY11" fmla="*/ 392303 h 672524"/>
+              <a:gd name="connsiteX12" fmla="*/ 1712422 w 1768463"/>
+              <a:gd name="connsiteY12" fmla="*/ 616483 h 672524"/>
+              <a:gd name="connsiteX13" fmla="*/ 1656381 w 1768463"/>
+              <a:gd name="connsiteY13" fmla="*/ 672524 h 672524"/>
+              <a:gd name="connsiteX14" fmla="*/ 112083 w 1768463"/>
+              <a:gd name="connsiteY14" fmla="*/ 672524 h 672524"/>
+              <a:gd name="connsiteX0" fmla="*/ 112083 w 1768463"/>
+              <a:gd name="connsiteY0" fmla="*/ 672524 h 672524"/>
+              <a:gd name="connsiteX1" fmla="*/ 56042 w 1768463"/>
+              <a:gd name="connsiteY1" fmla="*/ 616483 h 672524"/>
+              <a:gd name="connsiteX2" fmla="*/ 56041 w 1768463"/>
+              <a:gd name="connsiteY2" fmla="*/ 392303 h 672524"/>
+              <a:gd name="connsiteX3" fmla="*/ 0 w 1768463"/>
+              <a:gd name="connsiteY3" fmla="*/ 336262 h 672524"/>
+              <a:gd name="connsiteX4" fmla="*/ 56041 w 1768463"/>
+              <a:gd name="connsiteY4" fmla="*/ 280221 h 672524"/>
+              <a:gd name="connsiteX5" fmla="*/ 56041 w 1768463"/>
+              <a:gd name="connsiteY5" fmla="*/ 56041 h 672524"/>
+              <a:gd name="connsiteX6" fmla="*/ 112082 w 1768463"/>
+              <a:gd name="connsiteY6" fmla="*/ 0 h 672524"/>
+              <a:gd name="connsiteX7" fmla="*/ 112083 w 1768463"/>
+              <a:gd name="connsiteY7" fmla="*/ 672524 h 672524"/>
+              <a:gd name="connsiteX8" fmla="*/ 1712421 w 1768463"/>
+              <a:gd name="connsiteY8" fmla="*/ 56041 h 672524"/>
+              <a:gd name="connsiteX9" fmla="*/ 1712422 w 1768463"/>
+              <a:gd name="connsiteY9" fmla="*/ 616483 h 672524"/>
+              <a:gd name="connsiteX10" fmla="*/ 1656381 w 1768463"/>
+              <a:gd name="connsiteY10" fmla="*/ 672524 h 672524"/>
+              <a:gd name="connsiteX11" fmla="*/ 112083 w 1768463"/>
+              <a:gd name="connsiteY11" fmla="*/ 672524 h 672524"/>
+              <a:gd name="connsiteX0" fmla="*/ 112083 w 1768463"/>
+              <a:gd name="connsiteY0" fmla="*/ 672524 h 672524"/>
+              <a:gd name="connsiteX1" fmla="*/ 56042 w 1768463"/>
+              <a:gd name="connsiteY1" fmla="*/ 616483 h 672524"/>
+              <a:gd name="connsiteX2" fmla="*/ 56041 w 1768463"/>
+              <a:gd name="connsiteY2" fmla="*/ 392303 h 672524"/>
+              <a:gd name="connsiteX3" fmla="*/ 0 w 1768463"/>
+              <a:gd name="connsiteY3" fmla="*/ 336262 h 672524"/>
+              <a:gd name="connsiteX4" fmla="*/ 56041 w 1768463"/>
+              <a:gd name="connsiteY4" fmla="*/ 280221 h 672524"/>
+              <a:gd name="connsiteX5" fmla="*/ 56041 w 1768463"/>
+              <a:gd name="connsiteY5" fmla="*/ 56041 h 672524"/>
+              <a:gd name="connsiteX6" fmla="*/ 112082 w 1768463"/>
+              <a:gd name="connsiteY6" fmla="*/ 0 h 672524"/>
+              <a:gd name="connsiteX7" fmla="*/ 1656380 w 1768463"/>
+              <a:gd name="connsiteY7" fmla="*/ 0 h 672524"/>
+              <a:gd name="connsiteX8" fmla="*/ 1712421 w 1768463"/>
+              <a:gd name="connsiteY8" fmla="*/ 56041 h 672524"/>
+              <a:gd name="connsiteX9" fmla="*/ 1712422 w 1768463"/>
+              <a:gd name="connsiteY9" fmla="*/ 280221 h 672524"/>
+              <a:gd name="connsiteX10" fmla="*/ 1768463 w 1768463"/>
+              <a:gd name="connsiteY10" fmla="*/ 336262 h 672524"/>
+              <a:gd name="connsiteX11" fmla="*/ 1712422 w 1768463"/>
+              <a:gd name="connsiteY11" fmla="*/ 392303 h 672524"/>
+              <a:gd name="connsiteX12" fmla="*/ 1712422 w 1768463"/>
+              <a:gd name="connsiteY12" fmla="*/ 616483 h 672524"/>
+              <a:gd name="connsiteX13" fmla="*/ 1656381 w 1768463"/>
+              <a:gd name="connsiteY13" fmla="*/ 672524 h 672524"/>
+              <a:gd name="connsiteX14" fmla="*/ 112083 w 1768463"/>
+              <a:gd name="connsiteY14" fmla="*/ 672524 h 672524"/>
+              <a:gd name="connsiteX0" fmla="*/ 112083 w 1768463"/>
+              <a:gd name="connsiteY0" fmla="*/ 672524 h 672524"/>
+              <a:gd name="connsiteX1" fmla="*/ 56042 w 1768463"/>
+              <a:gd name="connsiteY1" fmla="*/ 616483 h 672524"/>
+              <a:gd name="connsiteX2" fmla="*/ 56041 w 1768463"/>
+              <a:gd name="connsiteY2" fmla="*/ 392303 h 672524"/>
+              <a:gd name="connsiteX3" fmla="*/ 0 w 1768463"/>
+              <a:gd name="connsiteY3" fmla="*/ 336262 h 672524"/>
+              <a:gd name="connsiteX4" fmla="*/ 56041 w 1768463"/>
+              <a:gd name="connsiteY4" fmla="*/ 280221 h 672524"/>
+              <a:gd name="connsiteX5" fmla="*/ 56041 w 1768463"/>
+              <a:gd name="connsiteY5" fmla="*/ 56041 h 672524"/>
+              <a:gd name="connsiteX6" fmla="*/ 112082 w 1768463"/>
+              <a:gd name="connsiteY6" fmla="*/ 0 h 672524"/>
+              <a:gd name="connsiteX7" fmla="*/ 112083 w 1768463"/>
+              <a:gd name="connsiteY7" fmla="*/ 672524 h 672524"/>
+              <a:gd name="connsiteX8" fmla="*/ 1712422 w 1768463"/>
+              <a:gd name="connsiteY8" fmla="*/ 616483 h 672524"/>
+              <a:gd name="connsiteX9" fmla="*/ 1656381 w 1768463"/>
+              <a:gd name="connsiteY9" fmla="*/ 672524 h 672524"/>
+              <a:gd name="connsiteX10" fmla="*/ 112083 w 1768463"/>
+              <a:gd name="connsiteY10" fmla="*/ 672524 h 672524"/>
+              <a:gd name="connsiteX0" fmla="*/ 112083 w 1768463"/>
+              <a:gd name="connsiteY0" fmla="*/ 672524 h 672524"/>
+              <a:gd name="connsiteX1" fmla="*/ 56042 w 1768463"/>
+              <a:gd name="connsiteY1" fmla="*/ 616483 h 672524"/>
+              <a:gd name="connsiteX2" fmla="*/ 56041 w 1768463"/>
+              <a:gd name="connsiteY2" fmla="*/ 392303 h 672524"/>
+              <a:gd name="connsiteX3" fmla="*/ 0 w 1768463"/>
+              <a:gd name="connsiteY3" fmla="*/ 336262 h 672524"/>
+              <a:gd name="connsiteX4" fmla="*/ 56041 w 1768463"/>
+              <a:gd name="connsiteY4" fmla="*/ 280221 h 672524"/>
+              <a:gd name="connsiteX5" fmla="*/ 56041 w 1768463"/>
+              <a:gd name="connsiteY5" fmla="*/ 56041 h 672524"/>
+              <a:gd name="connsiteX6" fmla="*/ 112082 w 1768463"/>
+              <a:gd name="connsiteY6" fmla="*/ 0 h 672524"/>
+              <a:gd name="connsiteX7" fmla="*/ 1656380 w 1768463"/>
+              <a:gd name="connsiteY7" fmla="*/ 0 h 672524"/>
+              <a:gd name="connsiteX8" fmla="*/ 1712421 w 1768463"/>
+              <a:gd name="connsiteY8" fmla="*/ 56041 h 672524"/>
+              <a:gd name="connsiteX9" fmla="*/ 1712422 w 1768463"/>
+              <a:gd name="connsiteY9" fmla="*/ 280221 h 672524"/>
+              <a:gd name="connsiteX10" fmla="*/ 1768463 w 1768463"/>
+              <a:gd name="connsiteY10" fmla="*/ 336262 h 672524"/>
+              <a:gd name="connsiteX11" fmla="*/ 1712422 w 1768463"/>
+              <a:gd name="connsiteY11" fmla="*/ 392303 h 672524"/>
+              <a:gd name="connsiteX12" fmla="*/ 1712422 w 1768463"/>
+              <a:gd name="connsiteY12" fmla="*/ 616483 h 672524"/>
+              <a:gd name="connsiteX13" fmla="*/ 1656381 w 1768463"/>
+              <a:gd name="connsiteY13" fmla="*/ 672524 h 672524"/>
+              <a:gd name="connsiteX14" fmla="*/ 112083 w 1768463"/>
+              <a:gd name="connsiteY14" fmla="*/ 672524 h 672524"/>
+              <a:gd name="connsiteX0" fmla="*/ 112083 w 1768463"/>
+              <a:gd name="connsiteY0" fmla="*/ 672524 h 672524"/>
+              <a:gd name="connsiteX1" fmla="*/ 56042 w 1768463"/>
+              <a:gd name="connsiteY1" fmla="*/ 616483 h 672524"/>
+              <a:gd name="connsiteX2" fmla="*/ 56041 w 1768463"/>
+              <a:gd name="connsiteY2" fmla="*/ 392303 h 672524"/>
+              <a:gd name="connsiteX3" fmla="*/ 0 w 1768463"/>
+              <a:gd name="connsiteY3" fmla="*/ 336262 h 672524"/>
+              <a:gd name="connsiteX4" fmla="*/ 56041 w 1768463"/>
+              <a:gd name="connsiteY4" fmla="*/ 280221 h 672524"/>
+              <a:gd name="connsiteX5" fmla="*/ 56041 w 1768463"/>
+              <a:gd name="connsiteY5" fmla="*/ 56041 h 672524"/>
+              <a:gd name="connsiteX6" fmla="*/ 112082 w 1768463"/>
+              <a:gd name="connsiteY6" fmla="*/ 0 h 672524"/>
+              <a:gd name="connsiteX7" fmla="*/ 112083 w 1768463"/>
+              <a:gd name="connsiteY7" fmla="*/ 672524 h 672524"/>
+              <a:gd name="connsiteX8" fmla="*/ 1656381 w 1768463"/>
+              <a:gd name="connsiteY8" fmla="*/ 672524 h 672524"/>
+              <a:gd name="connsiteX9" fmla="*/ 112083 w 1768463"/>
+              <a:gd name="connsiteY9" fmla="*/ 672524 h 672524"/>
+              <a:gd name="connsiteX0" fmla="*/ 112083 w 1768463"/>
+              <a:gd name="connsiteY0" fmla="*/ 672524 h 672524"/>
+              <a:gd name="connsiteX1" fmla="*/ 56042 w 1768463"/>
+              <a:gd name="connsiteY1" fmla="*/ 616483 h 672524"/>
+              <a:gd name="connsiteX2" fmla="*/ 56041 w 1768463"/>
+              <a:gd name="connsiteY2" fmla="*/ 392303 h 672524"/>
+              <a:gd name="connsiteX3" fmla="*/ 0 w 1768463"/>
+              <a:gd name="connsiteY3" fmla="*/ 336262 h 672524"/>
+              <a:gd name="connsiteX4" fmla="*/ 56041 w 1768463"/>
+              <a:gd name="connsiteY4" fmla="*/ 280221 h 672524"/>
+              <a:gd name="connsiteX5" fmla="*/ 56041 w 1768463"/>
+              <a:gd name="connsiteY5" fmla="*/ 56041 h 672524"/>
+              <a:gd name="connsiteX6" fmla="*/ 112082 w 1768463"/>
+              <a:gd name="connsiteY6" fmla="*/ 0 h 672524"/>
+              <a:gd name="connsiteX7" fmla="*/ 1656380 w 1768463"/>
+              <a:gd name="connsiteY7" fmla="*/ 0 h 672524"/>
+              <a:gd name="connsiteX8" fmla="*/ 1712421 w 1768463"/>
+              <a:gd name="connsiteY8" fmla="*/ 56041 h 672524"/>
+              <a:gd name="connsiteX9" fmla="*/ 1712422 w 1768463"/>
+              <a:gd name="connsiteY9" fmla="*/ 280221 h 672524"/>
+              <a:gd name="connsiteX10" fmla="*/ 1768463 w 1768463"/>
+              <a:gd name="connsiteY10" fmla="*/ 336262 h 672524"/>
+              <a:gd name="connsiteX11" fmla="*/ 1712422 w 1768463"/>
+              <a:gd name="connsiteY11" fmla="*/ 392303 h 672524"/>
+              <a:gd name="connsiteX12" fmla="*/ 1712422 w 1768463"/>
+              <a:gd name="connsiteY12" fmla="*/ 616483 h 672524"/>
+              <a:gd name="connsiteX13" fmla="*/ 1656381 w 1768463"/>
+              <a:gd name="connsiteY13" fmla="*/ 672524 h 672524"/>
+              <a:gd name="connsiteX14" fmla="*/ 112083 w 1768463"/>
+              <a:gd name="connsiteY14" fmla="*/ 672524 h 672524"/>
+              <a:gd name="connsiteX0" fmla="*/ 112083 w 1768463"/>
+              <a:gd name="connsiteY0" fmla="*/ 672524 h 672524"/>
+              <a:gd name="connsiteX1" fmla="*/ 56042 w 1768463"/>
+              <a:gd name="connsiteY1" fmla="*/ 616483 h 672524"/>
+              <a:gd name="connsiteX2" fmla="*/ 56041 w 1768463"/>
+              <a:gd name="connsiteY2" fmla="*/ 392303 h 672524"/>
+              <a:gd name="connsiteX3" fmla="*/ 0 w 1768463"/>
+              <a:gd name="connsiteY3" fmla="*/ 336262 h 672524"/>
+              <a:gd name="connsiteX4" fmla="*/ 56041 w 1768463"/>
+              <a:gd name="connsiteY4" fmla="*/ 280221 h 672524"/>
+              <a:gd name="connsiteX5" fmla="*/ 56041 w 1768463"/>
+              <a:gd name="connsiteY5" fmla="*/ 56041 h 672524"/>
+              <a:gd name="connsiteX6" fmla="*/ 112082 w 1768463"/>
+              <a:gd name="connsiteY6" fmla="*/ 0 h 672524"/>
+            </a:gdLst>
+            <a:ahLst/>
+            <a:cxnLst>
+              <a:cxn ang="0">
+                <a:pos x="connsiteX0" y="connsiteY0"/>
+              </a:cxn>
+              <a:cxn ang="0">
+                <a:pos x="connsiteX1" y="connsiteY1"/>
+              </a:cxn>
+              <a:cxn ang="0">
+                <a:pos x="connsiteX2" y="connsiteY2"/>
+              </a:cxn>
+              <a:cxn ang="0">
+                <a:pos x="connsiteX3" y="connsiteY3"/>
+              </a:cxn>
+              <a:cxn ang="0">
+                <a:pos x="connsiteX4" y="connsiteY4"/>
+              </a:cxn>
+              <a:cxn ang="0">
+                <a:pos x="connsiteX5" y="connsiteY5"/>
+              </a:cxn>
+              <a:cxn ang="0">
+                <a:pos x="connsiteX6" y="connsiteY6"/>
+              </a:cxn>
+            </a:cxnLst>
+            <a:rect l="l" t="t" r="r" b="b"/>
+            <a:pathLst>
+              <a:path w="1768463" h="672524" stroke="0" extrusionOk="0">
+                <a:moveTo>
+                  <a:pt x="112083" y="672524"/>
+                </a:moveTo>
+                <a:cubicBezTo>
+                  <a:pt x="81132" y="672524"/>
+                  <a:pt x="56042" y="647434"/>
+                  <a:pt x="56042" y="616483"/>
+                </a:cubicBezTo>
+                <a:cubicBezTo>
+                  <a:pt x="56042" y="541756"/>
+                  <a:pt x="56041" y="467030"/>
+                  <a:pt x="56041" y="392303"/>
+                </a:cubicBezTo>
+                <a:cubicBezTo>
+                  <a:pt x="56041" y="361352"/>
+                  <a:pt x="30951" y="336262"/>
+                  <a:pt x="0" y="336262"/>
+                </a:cubicBezTo>
+                <a:cubicBezTo>
+                  <a:pt x="30951" y="336262"/>
+                  <a:pt x="56041" y="311172"/>
+                  <a:pt x="56041" y="280221"/>
+                </a:cubicBezTo>
+                <a:lnTo>
+                  <a:pt x="56041" y="56041"/>
+                </a:lnTo>
+                <a:cubicBezTo>
+                  <a:pt x="56041" y="25090"/>
+                  <a:pt x="81131" y="0"/>
+                  <a:pt x="112082" y="0"/>
+                </a:cubicBezTo>
+                <a:lnTo>
+                  <a:pt x="1656380" y="0"/>
+                </a:lnTo>
+                <a:cubicBezTo>
+                  <a:pt x="1687331" y="0"/>
+                  <a:pt x="1712421" y="25090"/>
+                  <a:pt x="1712421" y="56041"/>
+                </a:cubicBezTo>
+                <a:cubicBezTo>
+                  <a:pt x="1712421" y="130768"/>
+                  <a:pt x="1712422" y="205494"/>
+                  <a:pt x="1712422" y="280221"/>
+                </a:cubicBezTo>
+                <a:cubicBezTo>
+                  <a:pt x="1712422" y="311172"/>
+                  <a:pt x="1737512" y="336262"/>
+                  <a:pt x="1768463" y="336262"/>
+                </a:cubicBezTo>
+                <a:cubicBezTo>
+                  <a:pt x="1737512" y="336262"/>
+                  <a:pt x="1712422" y="361352"/>
+                  <a:pt x="1712422" y="392303"/>
+                </a:cubicBezTo>
+                <a:lnTo>
+                  <a:pt x="1712422" y="616483"/>
+                </a:lnTo>
+                <a:cubicBezTo>
+                  <a:pt x="1712422" y="647434"/>
+                  <a:pt x="1687332" y="672524"/>
+                  <a:pt x="1656381" y="672524"/>
+                </a:cubicBezTo>
+                <a:lnTo>
+                  <a:pt x="112083" y="672524"/>
+                </a:lnTo>
+                <a:close/>
+              </a:path>
+              <a:path w="1768463" h="672524" fill="none">
+                <a:moveTo>
+                  <a:pt x="112083" y="672524"/>
+                </a:moveTo>
+                <a:cubicBezTo>
+                  <a:pt x="81132" y="672524"/>
+                  <a:pt x="56042" y="647434"/>
+                  <a:pt x="56042" y="616483"/>
+                </a:cubicBezTo>
+                <a:cubicBezTo>
+                  <a:pt x="56042" y="541756"/>
+                  <a:pt x="56041" y="467030"/>
+                  <a:pt x="56041" y="392303"/>
+                </a:cubicBezTo>
+                <a:cubicBezTo>
+                  <a:pt x="56041" y="361352"/>
+                  <a:pt x="30951" y="336262"/>
+                  <a:pt x="0" y="336262"/>
+                </a:cubicBezTo>
+                <a:cubicBezTo>
+                  <a:pt x="30951" y="336262"/>
+                  <a:pt x="56041" y="311172"/>
+                  <a:pt x="56041" y="280221"/>
+                </a:cubicBezTo>
+                <a:lnTo>
+                  <a:pt x="56041" y="56041"/>
+                </a:lnTo>
+                <a:cubicBezTo>
+                  <a:pt x="56041" y="25090"/>
+                  <a:pt x="81131" y="0"/>
+                  <a:pt x="112082" y="0"/>
+                </a:cubicBezTo>
+              </a:path>
+            </a:pathLst>
+          </a:custGeom>
+          <a:ln w="9525">
+            <a:solidFill>
+              <a:schemeClr val="tx1"/>
+            </a:solidFill>
+          </a:ln>
+        </p:spPr>
+        <p:style>
+          <a:lnRef idx="1">
+            <a:schemeClr val="accent1"/>
+          </a:lnRef>
+          <a:fillRef idx="0">
+            <a:schemeClr val="accent1"/>
+          </a:fillRef>
+          <a:effectRef idx="0">
+            <a:schemeClr val="accent1"/>
+          </a:effectRef>
+          <a:fontRef idx="minor">
+            <a:schemeClr val="tx1"/>
+          </a:fontRef>
+        </p:style>
+        <p:txBody>
+          <a:bodyPr rtlCol="0" anchor="ctr"/>
+          <a:lstStyle/>
+          <a:p>
+            <a:pPr algn="ctr"/>
+            <a:endParaRPr lang="en-GB" dirty="0"/>
+          </a:p>
+        </p:txBody>
+      </p:sp>
+      <p:sp>
+        <p:nvSpPr>
+          <p:cNvPr id="48" name="Double Brace 46">
+            <a:extLst>
+              <a:ext uri="{FF2B5EF4-FFF2-40B4-BE49-F238E27FC236}">
+                <a16:creationId xmlns:a16="http://schemas.microsoft.com/office/drawing/2014/main" id="{40CB816F-FDAB-4FCC-AD22-4600C3C369E5}"/>
+              </a:ext>
+            </a:extLst>
+          </p:cNvPr>
+          <p:cNvSpPr/>
+          <p:nvPr/>
+        </p:nvSpPr>
+        <p:spPr>
+          <a:xfrm rot="16200000">
+            <a:off x="4725186" y="3262975"/>
+            <a:ext cx="3050248" cy="2213006"/>
+          </a:xfrm>
+          <a:custGeom>
+            <a:avLst/>
+            <a:gdLst>
+              <a:gd name="connsiteX0" fmla="*/ 112083 w 1768463"/>
+              <a:gd name="connsiteY0" fmla="*/ 672524 h 672524"/>
+              <a:gd name="connsiteX1" fmla="*/ 56042 w 1768463"/>
+              <a:gd name="connsiteY1" fmla="*/ 616483 h 672524"/>
+              <a:gd name="connsiteX2" fmla="*/ 56041 w 1768463"/>
+              <a:gd name="connsiteY2" fmla="*/ 392303 h 672524"/>
+              <a:gd name="connsiteX3" fmla="*/ 0 w 1768463"/>
+              <a:gd name="connsiteY3" fmla="*/ 336262 h 672524"/>
+              <a:gd name="connsiteX4" fmla="*/ 56041 w 1768463"/>
+              <a:gd name="connsiteY4" fmla="*/ 280221 h 672524"/>
+              <a:gd name="connsiteX5" fmla="*/ 56041 w 1768463"/>
+              <a:gd name="connsiteY5" fmla="*/ 56041 h 672524"/>
+              <a:gd name="connsiteX6" fmla="*/ 112082 w 1768463"/>
+              <a:gd name="connsiteY6" fmla="*/ 0 h 672524"/>
+              <a:gd name="connsiteX7" fmla="*/ 1656380 w 1768463"/>
+              <a:gd name="connsiteY7" fmla="*/ 0 h 672524"/>
+              <a:gd name="connsiteX8" fmla="*/ 1712421 w 1768463"/>
+              <a:gd name="connsiteY8" fmla="*/ 56041 h 672524"/>
+              <a:gd name="connsiteX9" fmla="*/ 1712422 w 1768463"/>
+              <a:gd name="connsiteY9" fmla="*/ 280221 h 672524"/>
+              <a:gd name="connsiteX10" fmla="*/ 1768463 w 1768463"/>
+              <a:gd name="connsiteY10" fmla="*/ 336262 h 672524"/>
+              <a:gd name="connsiteX11" fmla="*/ 1712422 w 1768463"/>
+              <a:gd name="connsiteY11" fmla="*/ 392303 h 672524"/>
+              <a:gd name="connsiteX12" fmla="*/ 1712422 w 1768463"/>
+              <a:gd name="connsiteY12" fmla="*/ 616483 h 672524"/>
+              <a:gd name="connsiteX13" fmla="*/ 1656381 w 1768463"/>
+              <a:gd name="connsiteY13" fmla="*/ 672524 h 672524"/>
+              <a:gd name="connsiteX14" fmla="*/ 112083 w 1768463"/>
+              <a:gd name="connsiteY14" fmla="*/ 672524 h 672524"/>
+              <a:gd name="connsiteX0" fmla="*/ 112083 w 1768463"/>
+              <a:gd name="connsiteY0" fmla="*/ 672524 h 672524"/>
+              <a:gd name="connsiteX1" fmla="*/ 56042 w 1768463"/>
+              <a:gd name="connsiteY1" fmla="*/ 616483 h 672524"/>
+              <a:gd name="connsiteX2" fmla="*/ 56041 w 1768463"/>
+              <a:gd name="connsiteY2" fmla="*/ 392303 h 672524"/>
+              <a:gd name="connsiteX3" fmla="*/ 0 w 1768463"/>
+              <a:gd name="connsiteY3" fmla="*/ 336262 h 672524"/>
+              <a:gd name="connsiteX4" fmla="*/ 56041 w 1768463"/>
+              <a:gd name="connsiteY4" fmla="*/ 280221 h 672524"/>
+              <a:gd name="connsiteX5" fmla="*/ 56041 w 1768463"/>
+              <a:gd name="connsiteY5" fmla="*/ 56041 h 672524"/>
+              <a:gd name="connsiteX6" fmla="*/ 112082 w 1768463"/>
+              <a:gd name="connsiteY6" fmla="*/ 0 h 672524"/>
+              <a:gd name="connsiteX7" fmla="*/ 1656380 w 1768463"/>
+              <a:gd name="connsiteY7" fmla="*/ 0 h 672524"/>
+              <a:gd name="connsiteX8" fmla="*/ 1712421 w 1768463"/>
+              <a:gd name="connsiteY8" fmla="*/ 56041 h 672524"/>
+              <a:gd name="connsiteX9" fmla="*/ 1712422 w 1768463"/>
+              <a:gd name="connsiteY9" fmla="*/ 280221 h 672524"/>
+              <a:gd name="connsiteX10" fmla="*/ 1768463 w 1768463"/>
+              <a:gd name="connsiteY10" fmla="*/ 336262 h 672524"/>
+              <a:gd name="connsiteX11" fmla="*/ 1712422 w 1768463"/>
+              <a:gd name="connsiteY11" fmla="*/ 392303 h 672524"/>
+              <a:gd name="connsiteX12" fmla="*/ 1712422 w 1768463"/>
+              <a:gd name="connsiteY12" fmla="*/ 616483 h 672524"/>
+              <a:gd name="connsiteX13" fmla="*/ 1656381 w 1768463"/>
+              <a:gd name="connsiteY13" fmla="*/ 672524 h 672524"/>
+              <a:gd name="connsiteX0" fmla="*/ 112083 w 1768463"/>
+              <a:gd name="connsiteY0" fmla="*/ 672524 h 672524"/>
+              <a:gd name="connsiteX1" fmla="*/ 56042 w 1768463"/>
+              <a:gd name="connsiteY1" fmla="*/ 616483 h 672524"/>
+              <a:gd name="connsiteX2" fmla="*/ 56041 w 1768463"/>
+              <a:gd name="connsiteY2" fmla="*/ 392303 h 672524"/>
+              <a:gd name="connsiteX3" fmla="*/ 0 w 1768463"/>
+              <a:gd name="connsiteY3" fmla="*/ 336262 h 672524"/>
+              <a:gd name="connsiteX4" fmla="*/ 56041 w 1768463"/>
+              <a:gd name="connsiteY4" fmla="*/ 280221 h 672524"/>
+              <a:gd name="connsiteX5" fmla="*/ 56041 w 1768463"/>
+              <a:gd name="connsiteY5" fmla="*/ 56041 h 672524"/>
+              <a:gd name="connsiteX6" fmla="*/ 112082 w 1768463"/>
+              <a:gd name="connsiteY6" fmla="*/ 0 h 672524"/>
+              <a:gd name="connsiteX7" fmla="*/ 1656380 w 1768463"/>
+              <a:gd name="connsiteY7" fmla="*/ 0 h 672524"/>
+              <a:gd name="connsiteX8" fmla="*/ 1712421 w 1768463"/>
+              <a:gd name="connsiteY8" fmla="*/ 56041 h 672524"/>
+              <a:gd name="connsiteX9" fmla="*/ 1712422 w 1768463"/>
+              <a:gd name="connsiteY9" fmla="*/ 280221 h 672524"/>
+              <a:gd name="connsiteX10" fmla="*/ 1768463 w 1768463"/>
+              <a:gd name="connsiteY10" fmla="*/ 336262 h 672524"/>
+              <a:gd name="connsiteX11" fmla="*/ 1712422 w 1768463"/>
+              <a:gd name="connsiteY11" fmla="*/ 392303 h 672524"/>
+              <a:gd name="connsiteX12" fmla="*/ 1712422 w 1768463"/>
+              <a:gd name="connsiteY12" fmla="*/ 616483 h 672524"/>
+              <a:gd name="connsiteX13" fmla="*/ 1656381 w 1768463"/>
+              <a:gd name="connsiteY13" fmla="*/ 672524 h 672524"/>
+              <a:gd name="connsiteX14" fmla="*/ 112083 w 1768463"/>
+              <a:gd name="connsiteY14" fmla="*/ 672524 h 672524"/>
+              <a:gd name="connsiteX0" fmla="*/ 112083 w 1768463"/>
+              <a:gd name="connsiteY0" fmla="*/ 672524 h 672524"/>
+              <a:gd name="connsiteX1" fmla="*/ 56042 w 1768463"/>
+              <a:gd name="connsiteY1" fmla="*/ 616483 h 672524"/>
+              <a:gd name="connsiteX2" fmla="*/ 56041 w 1768463"/>
+              <a:gd name="connsiteY2" fmla="*/ 392303 h 672524"/>
+              <a:gd name="connsiteX3" fmla="*/ 0 w 1768463"/>
+              <a:gd name="connsiteY3" fmla="*/ 336262 h 672524"/>
+              <a:gd name="connsiteX4" fmla="*/ 56041 w 1768463"/>
+              <a:gd name="connsiteY4" fmla="*/ 280221 h 672524"/>
+              <a:gd name="connsiteX5" fmla="*/ 56041 w 1768463"/>
+              <a:gd name="connsiteY5" fmla="*/ 56041 h 672524"/>
+              <a:gd name="connsiteX6" fmla="*/ 112082 w 1768463"/>
+              <a:gd name="connsiteY6" fmla="*/ 0 h 672524"/>
+              <a:gd name="connsiteX7" fmla="*/ 1656380 w 1768463"/>
+              <a:gd name="connsiteY7" fmla="*/ 0 h 672524"/>
+              <a:gd name="connsiteX8" fmla="*/ 1712421 w 1768463"/>
+              <a:gd name="connsiteY8" fmla="*/ 56041 h 672524"/>
+              <a:gd name="connsiteX9" fmla="*/ 1712422 w 1768463"/>
+              <a:gd name="connsiteY9" fmla="*/ 280221 h 672524"/>
+              <a:gd name="connsiteX10" fmla="*/ 1712422 w 1768463"/>
+              <a:gd name="connsiteY10" fmla="*/ 392303 h 672524"/>
+              <a:gd name="connsiteX11" fmla="*/ 1712422 w 1768463"/>
+              <a:gd name="connsiteY11" fmla="*/ 616483 h 672524"/>
+              <a:gd name="connsiteX12" fmla="*/ 1656381 w 1768463"/>
+              <a:gd name="connsiteY12" fmla="*/ 672524 h 672524"/>
+              <a:gd name="connsiteX0" fmla="*/ 112083 w 1768463"/>
+              <a:gd name="connsiteY0" fmla="*/ 672985 h 672985"/>
+              <a:gd name="connsiteX1" fmla="*/ 56042 w 1768463"/>
+              <a:gd name="connsiteY1" fmla="*/ 616944 h 672985"/>
+              <a:gd name="connsiteX2" fmla="*/ 56041 w 1768463"/>
+              <a:gd name="connsiteY2" fmla="*/ 392764 h 672985"/>
+              <a:gd name="connsiteX3" fmla="*/ 0 w 1768463"/>
+              <a:gd name="connsiteY3" fmla="*/ 336723 h 672985"/>
+              <a:gd name="connsiteX4" fmla="*/ 56041 w 1768463"/>
+              <a:gd name="connsiteY4" fmla="*/ 280682 h 672985"/>
+              <a:gd name="connsiteX5" fmla="*/ 56041 w 1768463"/>
+              <a:gd name="connsiteY5" fmla="*/ 56502 h 672985"/>
+              <a:gd name="connsiteX6" fmla="*/ 112082 w 1768463"/>
+              <a:gd name="connsiteY6" fmla="*/ 461 h 672985"/>
+              <a:gd name="connsiteX7" fmla="*/ 1656380 w 1768463"/>
+              <a:gd name="connsiteY7" fmla="*/ 461 h 672985"/>
+              <a:gd name="connsiteX8" fmla="*/ 1712421 w 1768463"/>
+              <a:gd name="connsiteY8" fmla="*/ 56502 h 672985"/>
+              <a:gd name="connsiteX9" fmla="*/ 1712422 w 1768463"/>
+              <a:gd name="connsiteY9" fmla="*/ 280682 h 672985"/>
+              <a:gd name="connsiteX10" fmla="*/ 1768463 w 1768463"/>
+              <a:gd name="connsiteY10" fmla="*/ 336723 h 672985"/>
+              <a:gd name="connsiteX11" fmla="*/ 1712422 w 1768463"/>
+              <a:gd name="connsiteY11" fmla="*/ 392764 h 672985"/>
+              <a:gd name="connsiteX12" fmla="*/ 1712422 w 1768463"/>
+              <a:gd name="connsiteY12" fmla="*/ 616944 h 672985"/>
+              <a:gd name="connsiteX13" fmla="*/ 1656381 w 1768463"/>
+              <a:gd name="connsiteY13" fmla="*/ 672985 h 672985"/>
+              <a:gd name="connsiteX14" fmla="*/ 112083 w 1768463"/>
+              <a:gd name="connsiteY14" fmla="*/ 672985 h 672985"/>
+              <a:gd name="connsiteX0" fmla="*/ 112083 w 1768463"/>
+              <a:gd name="connsiteY0" fmla="*/ 672985 h 672985"/>
+              <a:gd name="connsiteX1" fmla="*/ 56042 w 1768463"/>
+              <a:gd name="connsiteY1" fmla="*/ 616944 h 672985"/>
+              <a:gd name="connsiteX2" fmla="*/ 56041 w 1768463"/>
+              <a:gd name="connsiteY2" fmla="*/ 392764 h 672985"/>
+              <a:gd name="connsiteX3" fmla="*/ 0 w 1768463"/>
+              <a:gd name="connsiteY3" fmla="*/ 336723 h 672985"/>
+              <a:gd name="connsiteX4" fmla="*/ 56041 w 1768463"/>
+              <a:gd name="connsiteY4" fmla="*/ 280682 h 672985"/>
+              <a:gd name="connsiteX5" fmla="*/ 56041 w 1768463"/>
+              <a:gd name="connsiteY5" fmla="*/ 56502 h 672985"/>
+              <a:gd name="connsiteX6" fmla="*/ 112082 w 1768463"/>
+              <a:gd name="connsiteY6" fmla="*/ 461 h 672985"/>
+              <a:gd name="connsiteX7" fmla="*/ 1656380 w 1768463"/>
+              <a:gd name="connsiteY7" fmla="*/ 461 h 672985"/>
+              <a:gd name="connsiteX8" fmla="*/ 1712421 w 1768463"/>
+              <a:gd name="connsiteY8" fmla="*/ 56502 h 672985"/>
+              <a:gd name="connsiteX9" fmla="*/ 1712422 w 1768463"/>
+              <a:gd name="connsiteY9" fmla="*/ 392764 h 672985"/>
+              <a:gd name="connsiteX10" fmla="*/ 1712422 w 1768463"/>
+              <a:gd name="connsiteY10" fmla="*/ 616944 h 672985"/>
+              <a:gd name="connsiteX11" fmla="*/ 1656381 w 1768463"/>
+              <a:gd name="connsiteY11" fmla="*/ 672985 h 672985"/>
+              <a:gd name="connsiteX0" fmla="*/ 112083 w 1768463"/>
+              <a:gd name="connsiteY0" fmla="*/ 683115 h 683115"/>
+              <a:gd name="connsiteX1" fmla="*/ 56042 w 1768463"/>
+              <a:gd name="connsiteY1" fmla="*/ 627074 h 683115"/>
+              <a:gd name="connsiteX2" fmla="*/ 56041 w 1768463"/>
+              <a:gd name="connsiteY2" fmla="*/ 402894 h 683115"/>
+              <a:gd name="connsiteX3" fmla="*/ 0 w 1768463"/>
+              <a:gd name="connsiteY3" fmla="*/ 346853 h 683115"/>
+              <a:gd name="connsiteX4" fmla="*/ 56041 w 1768463"/>
+              <a:gd name="connsiteY4" fmla="*/ 290812 h 683115"/>
+              <a:gd name="connsiteX5" fmla="*/ 56041 w 1768463"/>
+              <a:gd name="connsiteY5" fmla="*/ 66632 h 683115"/>
+              <a:gd name="connsiteX6" fmla="*/ 112082 w 1768463"/>
+              <a:gd name="connsiteY6" fmla="*/ 10591 h 683115"/>
+              <a:gd name="connsiteX7" fmla="*/ 1656380 w 1768463"/>
+              <a:gd name="connsiteY7" fmla="*/ 10591 h 683115"/>
+              <a:gd name="connsiteX8" fmla="*/ 1712421 w 1768463"/>
+              <a:gd name="connsiteY8" fmla="*/ 66632 h 683115"/>
+              <a:gd name="connsiteX9" fmla="*/ 1712422 w 1768463"/>
+              <a:gd name="connsiteY9" fmla="*/ 290812 h 683115"/>
+              <a:gd name="connsiteX10" fmla="*/ 1768463 w 1768463"/>
+              <a:gd name="connsiteY10" fmla="*/ 346853 h 683115"/>
+              <a:gd name="connsiteX11" fmla="*/ 1712422 w 1768463"/>
+              <a:gd name="connsiteY11" fmla="*/ 402894 h 683115"/>
+              <a:gd name="connsiteX12" fmla="*/ 1712422 w 1768463"/>
+              <a:gd name="connsiteY12" fmla="*/ 627074 h 683115"/>
+              <a:gd name="connsiteX13" fmla="*/ 1656381 w 1768463"/>
+              <a:gd name="connsiteY13" fmla="*/ 683115 h 683115"/>
+              <a:gd name="connsiteX14" fmla="*/ 112083 w 1768463"/>
+              <a:gd name="connsiteY14" fmla="*/ 683115 h 683115"/>
+              <a:gd name="connsiteX0" fmla="*/ 112083 w 1768463"/>
+              <a:gd name="connsiteY0" fmla="*/ 683115 h 683115"/>
+              <a:gd name="connsiteX1" fmla="*/ 56042 w 1768463"/>
+              <a:gd name="connsiteY1" fmla="*/ 627074 h 683115"/>
+              <a:gd name="connsiteX2" fmla="*/ 56041 w 1768463"/>
+              <a:gd name="connsiteY2" fmla="*/ 402894 h 683115"/>
+              <a:gd name="connsiteX3" fmla="*/ 0 w 1768463"/>
+              <a:gd name="connsiteY3" fmla="*/ 346853 h 683115"/>
+              <a:gd name="connsiteX4" fmla="*/ 56041 w 1768463"/>
+              <a:gd name="connsiteY4" fmla="*/ 290812 h 683115"/>
+              <a:gd name="connsiteX5" fmla="*/ 56041 w 1768463"/>
+              <a:gd name="connsiteY5" fmla="*/ 66632 h 683115"/>
+              <a:gd name="connsiteX6" fmla="*/ 112082 w 1768463"/>
+              <a:gd name="connsiteY6" fmla="*/ 10591 h 683115"/>
+              <a:gd name="connsiteX7" fmla="*/ 1656380 w 1768463"/>
+              <a:gd name="connsiteY7" fmla="*/ 10591 h 683115"/>
+              <a:gd name="connsiteX8" fmla="*/ 1712421 w 1768463"/>
+              <a:gd name="connsiteY8" fmla="*/ 66632 h 683115"/>
+              <a:gd name="connsiteX9" fmla="*/ 1712422 w 1768463"/>
+              <a:gd name="connsiteY9" fmla="*/ 627074 h 683115"/>
+              <a:gd name="connsiteX10" fmla="*/ 1656381 w 1768463"/>
+              <a:gd name="connsiteY10" fmla="*/ 683115 h 683115"/>
+              <a:gd name="connsiteX0" fmla="*/ 112083 w 1768463"/>
+              <a:gd name="connsiteY0" fmla="*/ 683115 h 683115"/>
+              <a:gd name="connsiteX1" fmla="*/ 56042 w 1768463"/>
+              <a:gd name="connsiteY1" fmla="*/ 627074 h 683115"/>
+              <a:gd name="connsiteX2" fmla="*/ 56041 w 1768463"/>
+              <a:gd name="connsiteY2" fmla="*/ 402894 h 683115"/>
+              <a:gd name="connsiteX3" fmla="*/ 0 w 1768463"/>
+              <a:gd name="connsiteY3" fmla="*/ 346853 h 683115"/>
+              <a:gd name="connsiteX4" fmla="*/ 56041 w 1768463"/>
+              <a:gd name="connsiteY4" fmla="*/ 290812 h 683115"/>
+              <a:gd name="connsiteX5" fmla="*/ 56041 w 1768463"/>
+              <a:gd name="connsiteY5" fmla="*/ 66632 h 683115"/>
+              <a:gd name="connsiteX6" fmla="*/ 112082 w 1768463"/>
+              <a:gd name="connsiteY6" fmla="*/ 10591 h 683115"/>
+              <a:gd name="connsiteX7" fmla="*/ 1656380 w 1768463"/>
+              <a:gd name="connsiteY7" fmla="*/ 10591 h 683115"/>
+              <a:gd name="connsiteX8" fmla="*/ 1712421 w 1768463"/>
+              <a:gd name="connsiteY8" fmla="*/ 66632 h 683115"/>
+              <a:gd name="connsiteX9" fmla="*/ 1712422 w 1768463"/>
+              <a:gd name="connsiteY9" fmla="*/ 290812 h 683115"/>
+              <a:gd name="connsiteX10" fmla="*/ 1768463 w 1768463"/>
+              <a:gd name="connsiteY10" fmla="*/ 346853 h 683115"/>
+              <a:gd name="connsiteX11" fmla="*/ 1712422 w 1768463"/>
+              <a:gd name="connsiteY11" fmla="*/ 402894 h 683115"/>
+              <a:gd name="connsiteX12" fmla="*/ 1712422 w 1768463"/>
+              <a:gd name="connsiteY12" fmla="*/ 627074 h 683115"/>
+              <a:gd name="connsiteX13" fmla="*/ 1656381 w 1768463"/>
+              <a:gd name="connsiteY13" fmla="*/ 683115 h 683115"/>
+              <a:gd name="connsiteX14" fmla="*/ 112083 w 1768463"/>
+              <a:gd name="connsiteY14" fmla="*/ 683115 h 683115"/>
+              <a:gd name="connsiteX0" fmla="*/ 112083 w 1768463"/>
+              <a:gd name="connsiteY0" fmla="*/ 683115 h 683115"/>
+              <a:gd name="connsiteX1" fmla="*/ 56042 w 1768463"/>
+              <a:gd name="connsiteY1" fmla="*/ 627074 h 683115"/>
+              <a:gd name="connsiteX2" fmla="*/ 56041 w 1768463"/>
+              <a:gd name="connsiteY2" fmla="*/ 402894 h 683115"/>
+              <a:gd name="connsiteX3" fmla="*/ 0 w 1768463"/>
+              <a:gd name="connsiteY3" fmla="*/ 346853 h 683115"/>
+              <a:gd name="connsiteX4" fmla="*/ 56041 w 1768463"/>
+              <a:gd name="connsiteY4" fmla="*/ 290812 h 683115"/>
+              <a:gd name="connsiteX5" fmla="*/ 56041 w 1768463"/>
+              <a:gd name="connsiteY5" fmla="*/ 66632 h 683115"/>
+              <a:gd name="connsiteX6" fmla="*/ 112082 w 1768463"/>
+              <a:gd name="connsiteY6" fmla="*/ 10591 h 683115"/>
+              <a:gd name="connsiteX7" fmla="*/ 1656380 w 1768463"/>
+              <a:gd name="connsiteY7" fmla="*/ 10591 h 683115"/>
+              <a:gd name="connsiteX8" fmla="*/ 1712421 w 1768463"/>
+              <a:gd name="connsiteY8" fmla="*/ 66632 h 683115"/>
+              <a:gd name="connsiteX9" fmla="*/ 1712422 w 1768463"/>
+              <a:gd name="connsiteY9" fmla="*/ 627074 h 683115"/>
+              <a:gd name="connsiteX10" fmla="*/ 1656381 w 1768463"/>
+              <a:gd name="connsiteY10" fmla="*/ 683115 h 683115"/>
+              <a:gd name="connsiteX11" fmla="*/ 112083 w 1768463"/>
+              <a:gd name="connsiteY11" fmla="*/ 683115 h 683115"/>
+              <a:gd name="connsiteX0" fmla="*/ 112083 w 1768463"/>
+              <a:gd name="connsiteY0" fmla="*/ 672524 h 672524"/>
+              <a:gd name="connsiteX1" fmla="*/ 56042 w 1768463"/>
+              <a:gd name="connsiteY1" fmla="*/ 616483 h 672524"/>
+              <a:gd name="connsiteX2" fmla="*/ 56041 w 1768463"/>
+              <a:gd name="connsiteY2" fmla="*/ 392303 h 672524"/>
+              <a:gd name="connsiteX3" fmla="*/ 0 w 1768463"/>
+              <a:gd name="connsiteY3" fmla="*/ 336262 h 672524"/>
+              <a:gd name="connsiteX4" fmla="*/ 56041 w 1768463"/>
+              <a:gd name="connsiteY4" fmla="*/ 280221 h 672524"/>
+              <a:gd name="connsiteX5" fmla="*/ 56041 w 1768463"/>
+              <a:gd name="connsiteY5" fmla="*/ 56041 h 672524"/>
+              <a:gd name="connsiteX6" fmla="*/ 112082 w 1768463"/>
+              <a:gd name="connsiteY6" fmla="*/ 0 h 672524"/>
+              <a:gd name="connsiteX7" fmla="*/ 1656380 w 1768463"/>
+              <a:gd name="connsiteY7" fmla="*/ 0 h 672524"/>
+              <a:gd name="connsiteX8" fmla="*/ 1712421 w 1768463"/>
+              <a:gd name="connsiteY8" fmla="*/ 56041 h 672524"/>
+              <a:gd name="connsiteX9" fmla="*/ 1712422 w 1768463"/>
+              <a:gd name="connsiteY9" fmla="*/ 280221 h 672524"/>
+              <a:gd name="connsiteX10" fmla="*/ 1768463 w 1768463"/>
+              <a:gd name="connsiteY10" fmla="*/ 336262 h 672524"/>
+              <a:gd name="connsiteX11" fmla="*/ 1712422 w 1768463"/>
+              <a:gd name="connsiteY11" fmla="*/ 392303 h 672524"/>
+              <a:gd name="connsiteX12" fmla="*/ 1712422 w 1768463"/>
+              <a:gd name="connsiteY12" fmla="*/ 616483 h 672524"/>
+              <a:gd name="connsiteX13" fmla="*/ 1656381 w 1768463"/>
+              <a:gd name="connsiteY13" fmla="*/ 672524 h 672524"/>
+              <a:gd name="connsiteX14" fmla="*/ 112083 w 1768463"/>
+              <a:gd name="connsiteY14" fmla="*/ 672524 h 672524"/>
+              <a:gd name="connsiteX0" fmla="*/ 112083 w 1768463"/>
+              <a:gd name="connsiteY0" fmla="*/ 672524 h 672524"/>
+              <a:gd name="connsiteX1" fmla="*/ 56042 w 1768463"/>
+              <a:gd name="connsiteY1" fmla="*/ 616483 h 672524"/>
+              <a:gd name="connsiteX2" fmla="*/ 56041 w 1768463"/>
+              <a:gd name="connsiteY2" fmla="*/ 392303 h 672524"/>
+              <a:gd name="connsiteX3" fmla="*/ 0 w 1768463"/>
+              <a:gd name="connsiteY3" fmla="*/ 336262 h 672524"/>
+              <a:gd name="connsiteX4" fmla="*/ 56041 w 1768463"/>
+              <a:gd name="connsiteY4" fmla="*/ 280221 h 672524"/>
+              <a:gd name="connsiteX5" fmla="*/ 56041 w 1768463"/>
+              <a:gd name="connsiteY5" fmla="*/ 56041 h 672524"/>
+              <a:gd name="connsiteX6" fmla="*/ 112082 w 1768463"/>
+              <a:gd name="connsiteY6" fmla="*/ 0 h 672524"/>
+              <a:gd name="connsiteX7" fmla="*/ 112083 w 1768463"/>
+              <a:gd name="connsiteY7" fmla="*/ 672524 h 672524"/>
+              <a:gd name="connsiteX8" fmla="*/ 1712421 w 1768463"/>
+              <a:gd name="connsiteY8" fmla="*/ 56041 h 672524"/>
+              <a:gd name="connsiteX9" fmla="*/ 1712422 w 1768463"/>
+              <a:gd name="connsiteY9" fmla="*/ 616483 h 672524"/>
+              <a:gd name="connsiteX10" fmla="*/ 1656381 w 1768463"/>
+              <a:gd name="connsiteY10" fmla="*/ 672524 h 672524"/>
+              <a:gd name="connsiteX11" fmla="*/ 112083 w 1768463"/>
+              <a:gd name="connsiteY11" fmla="*/ 672524 h 672524"/>
+              <a:gd name="connsiteX0" fmla="*/ 112083 w 1768463"/>
+              <a:gd name="connsiteY0" fmla="*/ 672524 h 672524"/>
+              <a:gd name="connsiteX1" fmla="*/ 56042 w 1768463"/>
+              <a:gd name="connsiteY1" fmla="*/ 616483 h 672524"/>
+              <a:gd name="connsiteX2" fmla="*/ 56041 w 1768463"/>
+              <a:gd name="connsiteY2" fmla="*/ 392303 h 672524"/>
+              <a:gd name="connsiteX3" fmla="*/ 0 w 1768463"/>
+              <a:gd name="connsiteY3" fmla="*/ 336262 h 672524"/>
+              <a:gd name="connsiteX4" fmla="*/ 56041 w 1768463"/>
+              <a:gd name="connsiteY4" fmla="*/ 280221 h 672524"/>
+              <a:gd name="connsiteX5" fmla="*/ 56041 w 1768463"/>
+              <a:gd name="connsiteY5" fmla="*/ 56041 h 672524"/>
+              <a:gd name="connsiteX6" fmla="*/ 112082 w 1768463"/>
+              <a:gd name="connsiteY6" fmla="*/ 0 h 672524"/>
+              <a:gd name="connsiteX7" fmla="*/ 1656380 w 1768463"/>
+              <a:gd name="connsiteY7" fmla="*/ 0 h 672524"/>
+              <a:gd name="connsiteX8" fmla="*/ 1712421 w 1768463"/>
+              <a:gd name="connsiteY8" fmla="*/ 56041 h 672524"/>
+              <a:gd name="connsiteX9" fmla="*/ 1712422 w 1768463"/>
+              <a:gd name="connsiteY9" fmla="*/ 280221 h 672524"/>
+              <a:gd name="connsiteX10" fmla="*/ 1768463 w 1768463"/>
+              <a:gd name="connsiteY10" fmla="*/ 336262 h 672524"/>
+              <a:gd name="connsiteX11" fmla="*/ 1712422 w 1768463"/>
+              <a:gd name="connsiteY11" fmla="*/ 392303 h 672524"/>
+              <a:gd name="connsiteX12" fmla="*/ 1712422 w 1768463"/>
+              <a:gd name="connsiteY12" fmla="*/ 616483 h 672524"/>
+              <a:gd name="connsiteX13" fmla="*/ 1656381 w 1768463"/>
+              <a:gd name="connsiteY13" fmla="*/ 672524 h 672524"/>
+              <a:gd name="connsiteX14" fmla="*/ 112083 w 1768463"/>
+              <a:gd name="connsiteY14" fmla="*/ 672524 h 672524"/>
+              <a:gd name="connsiteX0" fmla="*/ 112083 w 1768463"/>
+              <a:gd name="connsiteY0" fmla="*/ 672524 h 672524"/>
+              <a:gd name="connsiteX1" fmla="*/ 56042 w 1768463"/>
+              <a:gd name="connsiteY1" fmla="*/ 616483 h 672524"/>
+              <a:gd name="connsiteX2" fmla="*/ 56041 w 1768463"/>
+              <a:gd name="connsiteY2" fmla="*/ 392303 h 672524"/>
+              <a:gd name="connsiteX3" fmla="*/ 0 w 1768463"/>
+              <a:gd name="connsiteY3" fmla="*/ 336262 h 672524"/>
+              <a:gd name="connsiteX4" fmla="*/ 56041 w 1768463"/>
+              <a:gd name="connsiteY4" fmla="*/ 280221 h 672524"/>
+              <a:gd name="connsiteX5" fmla="*/ 56041 w 1768463"/>
+              <a:gd name="connsiteY5" fmla="*/ 56041 h 672524"/>
+              <a:gd name="connsiteX6" fmla="*/ 112082 w 1768463"/>
+              <a:gd name="connsiteY6" fmla="*/ 0 h 672524"/>
+              <a:gd name="connsiteX7" fmla="*/ 112083 w 1768463"/>
+              <a:gd name="connsiteY7" fmla="*/ 672524 h 672524"/>
+              <a:gd name="connsiteX8" fmla="*/ 1712422 w 1768463"/>
+              <a:gd name="connsiteY8" fmla="*/ 616483 h 672524"/>
+              <a:gd name="connsiteX9" fmla="*/ 1656381 w 1768463"/>
+              <a:gd name="connsiteY9" fmla="*/ 672524 h 672524"/>
+              <a:gd name="connsiteX10" fmla="*/ 112083 w 1768463"/>
+              <a:gd name="connsiteY10" fmla="*/ 672524 h 672524"/>
+              <a:gd name="connsiteX0" fmla="*/ 112083 w 1768463"/>
+              <a:gd name="connsiteY0" fmla="*/ 672524 h 672524"/>
+              <a:gd name="connsiteX1" fmla="*/ 56042 w 1768463"/>
+              <a:gd name="connsiteY1" fmla="*/ 616483 h 672524"/>
+              <a:gd name="connsiteX2" fmla="*/ 56041 w 1768463"/>
+              <a:gd name="connsiteY2" fmla="*/ 392303 h 672524"/>
+              <a:gd name="connsiteX3" fmla="*/ 0 w 1768463"/>
+              <a:gd name="connsiteY3" fmla="*/ 336262 h 672524"/>
+              <a:gd name="connsiteX4" fmla="*/ 56041 w 1768463"/>
+              <a:gd name="connsiteY4" fmla="*/ 280221 h 672524"/>
+              <a:gd name="connsiteX5" fmla="*/ 56041 w 1768463"/>
+              <a:gd name="connsiteY5" fmla="*/ 56041 h 672524"/>
+              <a:gd name="connsiteX6" fmla="*/ 112082 w 1768463"/>
+              <a:gd name="connsiteY6" fmla="*/ 0 h 672524"/>
+              <a:gd name="connsiteX7" fmla="*/ 1656380 w 1768463"/>
+              <a:gd name="connsiteY7" fmla="*/ 0 h 672524"/>
+              <a:gd name="connsiteX8" fmla="*/ 1712421 w 1768463"/>
+              <a:gd name="connsiteY8" fmla="*/ 56041 h 672524"/>
+              <a:gd name="connsiteX9" fmla="*/ 1712422 w 1768463"/>
+              <a:gd name="connsiteY9" fmla="*/ 280221 h 672524"/>
+              <a:gd name="connsiteX10" fmla="*/ 1768463 w 1768463"/>
+              <a:gd name="connsiteY10" fmla="*/ 336262 h 672524"/>
+              <a:gd name="connsiteX11" fmla="*/ 1712422 w 1768463"/>
+              <a:gd name="connsiteY11" fmla="*/ 392303 h 672524"/>
+              <a:gd name="connsiteX12" fmla="*/ 1712422 w 1768463"/>
+              <a:gd name="connsiteY12" fmla="*/ 616483 h 672524"/>
+              <a:gd name="connsiteX13" fmla="*/ 1656381 w 1768463"/>
+              <a:gd name="connsiteY13" fmla="*/ 672524 h 672524"/>
+              <a:gd name="connsiteX14" fmla="*/ 112083 w 1768463"/>
+              <a:gd name="connsiteY14" fmla="*/ 672524 h 672524"/>
+              <a:gd name="connsiteX0" fmla="*/ 112083 w 1768463"/>
+              <a:gd name="connsiteY0" fmla="*/ 672524 h 672524"/>
+              <a:gd name="connsiteX1" fmla="*/ 56042 w 1768463"/>
+              <a:gd name="connsiteY1" fmla="*/ 616483 h 672524"/>
+              <a:gd name="connsiteX2" fmla="*/ 56041 w 1768463"/>
+              <a:gd name="connsiteY2" fmla="*/ 392303 h 672524"/>
+              <a:gd name="connsiteX3" fmla="*/ 0 w 1768463"/>
+              <a:gd name="connsiteY3" fmla="*/ 336262 h 672524"/>
+              <a:gd name="connsiteX4" fmla="*/ 56041 w 1768463"/>
+              <a:gd name="connsiteY4" fmla="*/ 280221 h 672524"/>
+              <a:gd name="connsiteX5" fmla="*/ 56041 w 1768463"/>
+              <a:gd name="connsiteY5" fmla="*/ 56041 h 672524"/>
+              <a:gd name="connsiteX6" fmla="*/ 112082 w 1768463"/>
+              <a:gd name="connsiteY6" fmla="*/ 0 h 672524"/>
+              <a:gd name="connsiteX7" fmla="*/ 112083 w 1768463"/>
+              <a:gd name="connsiteY7" fmla="*/ 672524 h 672524"/>
+              <a:gd name="connsiteX8" fmla="*/ 1656381 w 1768463"/>
+              <a:gd name="connsiteY8" fmla="*/ 672524 h 672524"/>
+              <a:gd name="connsiteX9" fmla="*/ 112083 w 1768463"/>
+              <a:gd name="connsiteY9" fmla="*/ 672524 h 672524"/>
+              <a:gd name="connsiteX0" fmla="*/ 112083 w 1768463"/>
+              <a:gd name="connsiteY0" fmla="*/ 672524 h 672524"/>
+              <a:gd name="connsiteX1" fmla="*/ 56042 w 1768463"/>
+              <a:gd name="connsiteY1" fmla="*/ 616483 h 672524"/>
+              <a:gd name="connsiteX2" fmla="*/ 56041 w 1768463"/>
+              <a:gd name="connsiteY2" fmla="*/ 392303 h 672524"/>
+              <a:gd name="connsiteX3" fmla="*/ 0 w 1768463"/>
+              <a:gd name="connsiteY3" fmla="*/ 336262 h 672524"/>
+              <a:gd name="connsiteX4" fmla="*/ 56041 w 1768463"/>
+              <a:gd name="connsiteY4" fmla="*/ 280221 h 672524"/>
+              <a:gd name="connsiteX5" fmla="*/ 56041 w 1768463"/>
+              <a:gd name="connsiteY5" fmla="*/ 56041 h 672524"/>
+              <a:gd name="connsiteX6" fmla="*/ 112082 w 1768463"/>
+              <a:gd name="connsiteY6" fmla="*/ 0 h 672524"/>
+              <a:gd name="connsiteX7" fmla="*/ 1656380 w 1768463"/>
+              <a:gd name="connsiteY7" fmla="*/ 0 h 672524"/>
+              <a:gd name="connsiteX8" fmla="*/ 1712421 w 1768463"/>
+              <a:gd name="connsiteY8" fmla="*/ 56041 h 672524"/>
+              <a:gd name="connsiteX9" fmla="*/ 1712422 w 1768463"/>
+              <a:gd name="connsiteY9" fmla="*/ 280221 h 672524"/>
+              <a:gd name="connsiteX10" fmla="*/ 1768463 w 1768463"/>
+              <a:gd name="connsiteY10" fmla="*/ 336262 h 672524"/>
+              <a:gd name="connsiteX11" fmla="*/ 1712422 w 1768463"/>
+              <a:gd name="connsiteY11" fmla="*/ 392303 h 672524"/>
+              <a:gd name="connsiteX12" fmla="*/ 1712422 w 1768463"/>
+              <a:gd name="connsiteY12" fmla="*/ 616483 h 672524"/>
+              <a:gd name="connsiteX13" fmla="*/ 1656381 w 1768463"/>
+              <a:gd name="connsiteY13" fmla="*/ 672524 h 672524"/>
+              <a:gd name="connsiteX14" fmla="*/ 112083 w 1768463"/>
+              <a:gd name="connsiteY14" fmla="*/ 672524 h 672524"/>
+              <a:gd name="connsiteX0" fmla="*/ 112083 w 1768463"/>
+              <a:gd name="connsiteY0" fmla="*/ 672524 h 672524"/>
+              <a:gd name="connsiteX1" fmla="*/ 56042 w 1768463"/>
+              <a:gd name="connsiteY1" fmla="*/ 616483 h 672524"/>
+              <a:gd name="connsiteX2" fmla="*/ 56041 w 1768463"/>
+              <a:gd name="connsiteY2" fmla="*/ 392303 h 672524"/>
+              <a:gd name="connsiteX3" fmla="*/ 0 w 1768463"/>
+              <a:gd name="connsiteY3" fmla="*/ 336262 h 672524"/>
+              <a:gd name="connsiteX4" fmla="*/ 56041 w 1768463"/>
+              <a:gd name="connsiteY4" fmla="*/ 280221 h 672524"/>
+              <a:gd name="connsiteX5" fmla="*/ 56041 w 1768463"/>
+              <a:gd name="connsiteY5" fmla="*/ 56041 h 672524"/>
+              <a:gd name="connsiteX6" fmla="*/ 112082 w 1768463"/>
+              <a:gd name="connsiteY6" fmla="*/ 0 h 672524"/>
+            </a:gdLst>
+            <a:ahLst/>
+            <a:cxnLst>
+              <a:cxn ang="0">
+                <a:pos x="connsiteX0" y="connsiteY0"/>
+              </a:cxn>
+              <a:cxn ang="0">
+                <a:pos x="connsiteX1" y="connsiteY1"/>
+              </a:cxn>
+              <a:cxn ang="0">
+                <a:pos x="connsiteX2" y="connsiteY2"/>
+              </a:cxn>
+              <a:cxn ang="0">
+                <a:pos x="connsiteX3" y="connsiteY3"/>
+              </a:cxn>
+              <a:cxn ang="0">
+                <a:pos x="connsiteX4" y="connsiteY4"/>
+              </a:cxn>
+              <a:cxn ang="0">
+                <a:pos x="connsiteX5" y="connsiteY5"/>
+              </a:cxn>
+              <a:cxn ang="0">
+                <a:pos x="connsiteX6" y="connsiteY6"/>
+              </a:cxn>
+            </a:cxnLst>
+            <a:rect l="l" t="t" r="r" b="b"/>
+            <a:pathLst>
+              <a:path w="1768463" h="672524" stroke="0" extrusionOk="0">
+                <a:moveTo>
+                  <a:pt x="112083" y="672524"/>
+                </a:moveTo>
+                <a:cubicBezTo>
+                  <a:pt x="81132" y="672524"/>
+                  <a:pt x="56042" y="647434"/>
+                  <a:pt x="56042" y="616483"/>
+                </a:cubicBezTo>
+                <a:cubicBezTo>
+                  <a:pt x="56042" y="541756"/>
+                  <a:pt x="56041" y="467030"/>
+                  <a:pt x="56041" y="392303"/>
+                </a:cubicBezTo>
+                <a:cubicBezTo>
+                  <a:pt x="56041" y="361352"/>
+                  <a:pt x="30951" y="336262"/>
+                  <a:pt x="0" y="336262"/>
+                </a:cubicBezTo>
+                <a:cubicBezTo>
+                  <a:pt x="30951" y="336262"/>
+                  <a:pt x="56041" y="311172"/>
+                  <a:pt x="56041" y="280221"/>
+                </a:cubicBezTo>
+                <a:lnTo>
+                  <a:pt x="56041" y="56041"/>
+                </a:lnTo>
+                <a:cubicBezTo>
+                  <a:pt x="56041" y="25090"/>
+                  <a:pt x="81131" y="0"/>
+                  <a:pt x="112082" y="0"/>
+                </a:cubicBezTo>
+                <a:lnTo>
+                  <a:pt x="1656380" y="0"/>
+                </a:lnTo>
+                <a:cubicBezTo>
+                  <a:pt x="1687331" y="0"/>
+                  <a:pt x="1712421" y="25090"/>
+                  <a:pt x="1712421" y="56041"/>
+                </a:cubicBezTo>
+                <a:cubicBezTo>
+                  <a:pt x="1712421" y="130768"/>
+                  <a:pt x="1712422" y="205494"/>
+                  <a:pt x="1712422" y="280221"/>
+                </a:cubicBezTo>
+                <a:cubicBezTo>
+                  <a:pt x="1712422" y="311172"/>
+                  <a:pt x="1737512" y="336262"/>
+                  <a:pt x="1768463" y="336262"/>
+                </a:cubicBezTo>
+                <a:cubicBezTo>
+                  <a:pt x="1737512" y="336262"/>
+                  <a:pt x="1712422" y="361352"/>
+                  <a:pt x="1712422" y="392303"/>
+                </a:cubicBezTo>
+                <a:lnTo>
+                  <a:pt x="1712422" y="616483"/>
+                </a:lnTo>
+                <a:cubicBezTo>
+                  <a:pt x="1712422" y="647434"/>
+                  <a:pt x="1687332" y="672524"/>
+                  <a:pt x="1656381" y="672524"/>
+                </a:cubicBezTo>
+                <a:lnTo>
+                  <a:pt x="112083" y="672524"/>
+                </a:lnTo>
+                <a:close/>
+              </a:path>
+              <a:path w="1768463" h="672524" fill="none">
+                <a:moveTo>
+                  <a:pt x="112083" y="672524"/>
+                </a:moveTo>
+                <a:cubicBezTo>
+                  <a:pt x="81132" y="672524"/>
+                  <a:pt x="56042" y="647434"/>
+                  <a:pt x="56042" y="616483"/>
+                </a:cubicBezTo>
+                <a:cubicBezTo>
+                  <a:pt x="56042" y="541756"/>
+                  <a:pt x="56041" y="467030"/>
+                  <a:pt x="56041" y="392303"/>
+                </a:cubicBezTo>
+                <a:cubicBezTo>
+                  <a:pt x="56041" y="361352"/>
+                  <a:pt x="30951" y="336262"/>
+                  <a:pt x="0" y="336262"/>
+                </a:cubicBezTo>
+                <a:cubicBezTo>
+                  <a:pt x="30951" y="336262"/>
+                  <a:pt x="56041" y="311172"/>
+                  <a:pt x="56041" y="280221"/>
+                </a:cubicBezTo>
+                <a:lnTo>
+                  <a:pt x="56041" y="56041"/>
+                </a:lnTo>
+                <a:cubicBezTo>
+                  <a:pt x="56041" y="25090"/>
+                  <a:pt x="81131" y="0"/>
+                  <a:pt x="112082" y="0"/>
+                </a:cubicBezTo>
+              </a:path>
+            </a:pathLst>
+          </a:custGeom>
+          <a:ln w="9525">
+            <a:solidFill>
+              <a:schemeClr val="tx1"/>
+            </a:solidFill>
+          </a:ln>
+        </p:spPr>
+        <p:style>
+          <a:lnRef idx="1">
+            <a:schemeClr val="accent1"/>
+          </a:lnRef>
+          <a:fillRef idx="0">
+            <a:schemeClr val="accent1"/>
+          </a:fillRef>
+          <a:effectRef idx="0">
+            <a:schemeClr val="accent1"/>
+          </a:effectRef>
+          <a:fontRef idx="minor">
+            <a:schemeClr val="tx1"/>
+          </a:fontRef>
+        </p:style>
+        <p:txBody>
+          <a:bodyPr rtlCol="0" anchor="ctr"/>
+          <a:lstStyle/>
+          <a:p>
+            <a:pPr algn="ctr"/>
+            <a:endParaRPr lang="en-GB" dirty="0"/>
+          </a:p>
+        </p:txBody>
+      </p:sp>
+      <p:sp>
+        <p:nvSpPr>
+          <p:cNvPr id="49" name="TextBox 48">
+            <a:extLst>
+              <a:ext uri="{FF2B5EF4-FFF2-40B4-BE49-F238E27FC236}">
+                <a16:creationId xmlns:a16="http://schemas.microsoft.com/office/drawing/2014/main" id="{256B6139-D31D-439D-B888-83393E4F2949}"/>
+              </a:ext>
+            </a:extLst>
+          </p:cNvPr>
+          <p:cNvSpPr txBox="1"/>
+          <p:nvPr/>
+        </p:nvSpPr>
+        <p:spPr>
+          <a:xfrm>
+            <a:off x="3169294" y="5903687"/>
+            <a:ext cx="908501" cy="369332"/>
+          </a:xfrm>
+          <a:prstGeom prst="rect">
+            <a:avLst/>
+          </a:prstGeom>
+          <a:noFill/>
+        </p:spPr>
+        <p:txBody>
+          <a:bodyPr wrap="square" rtlCol="0">
+            <a:spAutoFit/>
+          </a:bodyPr>
+          <a:lstStyle/>
+          <a:p>
+            <a:r>
+              <a:rPr lang="en-GB" dirty="0"/>
+              <a:t>Present</a:t>
+            </a:r>
+          </a:p>
+        </p:txBody>
+      </p:sp>
+      <p:sp>
+        <p:nvSpPr>
+          <p:cNvPr id="50" name="TextBox 49">
+            <a:extLst>
+              <a:ext uri="{FF2B5EF4-FFF2-40B4-BE49-F238E27FC236}">
+                <a16:creationId xmlns:a16="http://schemas.microsoft.com/office/drawing/2014/main" id="{22293247-9064-4D35-961A-66DD702901D6}"/>
+              </a:ext>
+            </a:extLst>
+          </p:cNvPr>
+          <p:cNvSpPr txBox="1"/>
+          <p:nvPr/>
+        </p:nvSpPr>
+        <p:spPr>
+          <a:xfrm>
+            <a:off x="5450145" y="5894602"/>
+            <a:ext cx="1619430" cy="369332"/>
+          </a:xfrm>
+          <a:prstGeom prst="rect">
+            <a:avLst/>
+          </a:prstGeom>
+          <a:noFill/>
+        </p:spPr>
+        <p:txBody>
+          <a:bodyPr wrap="square" rtlCol="0">
+            <a:spAutoFit/>
+          </a:bodyPr>
+          <a:lstStyle/>
+          <a:p>
+            <a:r>
+              <a:rPr lang="en-GB" dirty="0"/>
+              <a:t>Still detectable</a:t>
+            </a:r>
+          </a:p>
+        </p:txBody>
+      </p:sp>
     </p:spTree>
     <p:extLst>
       <p:ext uri="{BB962C8B-B14F-4D97-AF65-F5344CB8AC3E}">
-        <p14:creationId xmlns:p14="http://schemas.microsoft.com/office/powerpoint/2010/main" val="3704034092"/>
+        <p14:creationId xmlns:p14="http://schemas.microsoft.com/office/powerpoint/2010/main" val="3465068584"/>
       </p:ext>
     </p:extLst>
   </p:cSld>
@@ -4828,6 +10316,305 @@
           <p:cNvPr id="2" name="Title 1">
             <a:extLst>
               <a:ext uri="{FF2B5EF4-FFF2-40B4-BE49-F238E27FC236}">
+                <a16:creationId xmlns:a16="http://schemas.microsoft.com/office/drawing/2014/main" id="{A5F8F917-707F-4EAF-BE42-BF71DE10DDD1}"/>
+              </a:ext>
+            </a:extLst>
+          </p:cNvPr>
+          <p:cNvSpPr>
+            <a:spLocks noGrp="1"/>
+          </p:cNvSpPr>
+          <p:nvPr>
+            <p:ph type="title"/>
+          </p:nvPr>
+        </p:nvSpPr>
+        <p:spPr/>
+        <p:txBody>
+          <a:bodyPr/>
+          <a:lstStyle/>
+          <a:p>
+            <a:r>
+              <a:rPr lang="en-GB" dirty="0"/>
+              <a:t>Spatial Information – Animals Present</a:t>
+            </a:r>
+          </a:p>
+        </p:txBody>
+      </p:sp>
+      <p:pic>
+        <p:nvPicPr>
+          <p:cNvPr id="9" name="Content Placeholder 8" descr="Chart, scatter chart&#10;&#10;Description automatically generated">
+            <a:extLst>
+              <a:ext uri="{FF2B5EF4-FFF2-40B4-BE49-F238E27FC236}">
+                <a16:creationId xmlns:a16="http://schemas.microsoft.com/office/drawing/2014/main" id="{2D7D8B60-90FE-4909-989F-C74CE6621E0F}"/>
+              </a:ext>
+            </a:extLst>
+          </p:cNvPr>
+          <p:cNvPicPr>
+            <a:picLocks noGrp="1" noChangeAspect="1"/>
+          </p:cNvPicPr>
+          <p:nvPr>
+            <p:ph idx="1"/>
+          </p:nvPr>
+        </p:nvPicPr>
+        <p:blipFill>
+          <a:blip r:embed="rId2">
+            <a:extLst>
+              <a:ext uri="{28A0092B-C50C-407E-A947-70E740481C1C}">
+                <a14:useLocalDpi xmlns:a14="http://schemas.microsoft.com/office/drawing/2010/main" val="0"/>
+              </a:ext>
+            </a:extLst>
+          </a:blip>
+          <a:stretch>
+            <a:fillRect/>
+          </a:stretch>
+        </p:blipFill>
+        <p:spPr>
+          <a:xfrm>
+            <a:off x="3304438" y="1825625"/>
+            <a:ext cx="5583123" cy="4351338"/>
+          </a:xfrm>
+        </p:spPr>
+      </p:pic>
+    </p:spTree>
+    <p:extLst>
+      <p:ext uri="{BB962C8B-B14F-4D97-AF65-F5344CB8AC3E}">
+        <p14:creationId xmlns:p14="http://schemas.microsoft.com/office/powerpoint/2010/main" val="879176509"/>
+      </p:ext>
+    </p:extLst>
+  </p:cSld>
+  <p:clrMapOvr>
+    <a:masterClrMapping/>
+  </p:clrMapOvr>
+</p:sld>
+</file>
+
+<file path=ppt/slides/slide2.xml><?xml version="1.0" encoding="utf-8"?>
+<p:sld xmlns:a="http://schemas.openxmlformats.org/drawingml/2006/main" xmlns:r="http://schemas.openxmlformats.org/officeDocument/2006/relationships" xmlns:p="http://schemas.openxmlformats.org/presentationml/2006/main">
+  <p:cSld>
+    <p:spTree>
+      <p:nvGrpSpPr>
+        <p:cNvPr id="1" name=""/>
+        <p:cNvGrpSpPr/>
+        <p:nvPr/>
+      </p:nvGrpSpPr>
+      <p:grpSpPr>
+        <a:xfrm>
+          <a:off x="0" y="0"/>
+          <a:ext cx="0" cy="0"/>
+          <a:chOff x="0" y="0"/>
+          <a:chExt cx="0" cy="0"/>
+        </a:xfrm>
+      </p:grpSpPr>
+      <p:sp>
+        <p:nvSpPr>
+          <p:cNvPr id="2" name="Title 1">
+            <a:extLst>
+              <a:ext uri="{FF2B5EF4-FFF2-40B4-BE49-F238E27FC236}">
+                <a16:creationId xmlns:a16="http://schemas.microsoft.com/office/drawing/2014/main" id="{F37C549C-2E70-426B-80B4-318D7C6C914F}"/>
+              </a:ext>
+            </a:extLst>
+          </p:cNvPr>
+          <p:cNvSpPr>
+            <a:spLocks noGrp="1"/>
+          </p:cNvSpPr>
+          <p:nvPr>
+            <p:ph type="title"/>
+          </p:nvPr>
+        </p:nvSpPr>
+        <p:spPr/>
+        <p:txBody>
+          <a:bodyPr/>
+          <a:lstStyle/>
+          <a:p>
+            <a:r>
+              <a:rPr lang="en-GB" dirty="0"/>
+              <a:t>Animal Abundance</a:t>
+            </a:r>
+          </a:p>
+        </p:txBody>
+      </p:sp>
+      <p:sp>
+        <p:nvSpPr>
+          <p:cNvPr id="3" name="Content Placeholder 2">
+            <a:extLst>
+              <a:ext uri="{FF2B5EF4-FFF2-40B4-BE49-F238E27FC236}">
+                <a16:creationId xmlns:a16="http://schemas.microsoft.com/office/drawing/2014/main" id="{E7145945-5787-4227-A0E6-64C3A69D8552}"/>
+              </a:ext>
+            </a:extLst>
+          </p:cNvPr>
+          <p:cNvSpPr>
+            <a:spLocks noGrp="1"/>
+          </p:cNvSpPr>
+          <p:nvPr>
+            <p:ph idx="1"/>
+          </p:nvPr>
+        </p:nvSpPr>
+        <p:spPr/>
+        <p:txBody>
+          <a:bodyPr/>
+          <a:lstStyle/>
+          <a:p>
+            <a:r>
+              <a:rPr lang="en-GB" dirty="0"/>
+              <a:t>Abundance is the number of individuals from a given species inhabiting a certain area</a:t>
+            </a:r>
+          </a:p>
+          <a:p>
+            <a:r>
+              <a:rPr lang="en-GB" dirty="0"/>
+              <a:t>Monitoring abundance is important for several reasons:</a:t>
+            </a:r>
+          </a:p>
+          <a:p>
+            <a:pPr lvl="1"/>
+            <a:r>
+              <a:rPr lang="en-GB" dirty="0"/>
+              <a:t>Exploring factors that affect abundance</a:t>
+            </a:r>
+          </a:p>
+          <a:p>
+            <a:pPr lvl="1"/>
+            <a:r>
+              <a:rPr lang="en-GB" dirty="0"/>
+              <a:t>Estimating biodiversity</a:t>
+            </a:r>
+          </a:p>
+          <a:p>
+            <a:pPr lvl="1"/>
+            <a:r>
+              <a:rPr lang="en-GB" dirty="0"/>
+              <a:t>Monitoring endangered species </a:t>
+            </a:r>
+          </a:p>
+        </p:txBody>
+      </p:sp>
+    </p:spTree>
+    <p:extLst>
+      <p:ext uri="{BB962C8B-B14F-4D97-AF65-F5344CB8AC3E}">
+        <p14:creationId xmlns:p14="http://schemas.microsoft.com/office/powerpoint/2010/main" val="3226782664"/>
+      </p:ext>
+    </p:extLst>
+  </p:cSld>
+  <p:clrMapOvr>
+    <a:masterClrMapping/>
+  </p:clrMapOvr>
+</p:sld>
+</file>
+
+<file path=ppt/slides/slide20.xml><?xml version="1.0" encoding="utf-8"?>
+<p:sld xmlns:a="http://schemas.openxmlformats.org/drawingml/2006/main" xmlns:r="http://schemas.openxmlformats.org/officeDocument/2006/relationships" xmlns:p="http://schemas.openxmlformats.org/presentationml/2006/main">
+  <p:cSld>
+    <p:spTree>
+      <p:nvGrpSpPr>
+        <p:cNvPr id="1" name=""/>
+        <p:cNvGrpSpPr/>
+        <p:nvPr/>
+      </p:nvGrpSpPr>
+      <p:grpSpPr>
+        <a:xfrm>
+          <a:off x="0" y="0"/>
+          <a:ext cx="0" cy="0"/>
+          <a:chOff x="0" y="0"/>
+          <a:chExt cx="0" cy="0"/>
+        </a:xfrm>
+      </p:grpSpPr>
+      <p:sp>
+        <p:nvSpPr>
+          <p:cNvPr id="2" name="Title 1">
+            <a:extLst>
+              <a:ext uri="{FF2B5EF4-FFF2-40B4-BE49-F238E27FC236}">
+                <a16:creationId xmlns:a16="http://schemas.microsoft.com/office/drawing/2014/main" id="{4556256B-A2A3-455F-92FC-14B3BBCB2CD5}"/>
+              </a:ext>
+            </a:extLst>
+          </p:cNvPr>
+          <p:cNvSpPr>
+            <a:spLocks noGrp="1"/>
+          </p:cNvSpPr>
+          <p:nvPr>
+            <p:ph type="title"/>
+          </p:nvPr>
+        </p:nvSpPr>
+        <p:spPr/>
+        <p:txBody>
+          <a:bodyPr/>
+          <a:lstStyle/>
+          <a:p>
+            <a:r>
+              <a:rPr lang="en-GB" dirty="0"/>
+              <a:t>Spatial Information – Animals Detectable	</a:t>
+            </a:r>
+          </a:p>
+        </p:txBody>
+      </p:sp>
+      <p:pic>
+        <p:nvPicPr>
+          <p:cNvPr id="5" name="Content Placeholder 4" descr="Scatter chart&#10;&#10;Description automatically generated">
+            <a:extLst>
+              <a:ext uri="{FF2B5EF4-FFF2-40B4-BE49-F238E27FC236}">
+                <a16:creationId xmlns:a16="http://schemas.microsoft.com/office/drawing/2014/main" id="{3541AEDF-3B96-42AF-A0DD-0193A1D28574}"/>
+              </a:ext>
+            </a:extLst>
+          </p:cNvPr>
+          <p:cNvPicPr>
+            <a:picLocks noGrp="1" noChangeAspect="1"/>
+          </p:cNvPicPr>
+          <p:nvPr>
+            <p:ph idx="1"/>
+          </p:nvPr>
+        </p:nvPicPr>
+        <p:blipFill>
+          <a:blip r:embed="rId2">
+            <a:extLst>
+              <a:ext uri="{28A0092B-C50C-407E-A947-70E740481C1C}">
+                <a14:useLocalDpi xmlns:a14="http://schemas.microsoft.com/office/drawing/2010/main" val="0"/>
+              </a:ext>
+            </a:extLst>
+          </a:blip>
+          <a:stretch>
+            <a:fillRect/>
+          </a:stretch>
+        </p:blipFill>
+        <p:spPr>
+          <a:xfrm>
+            <a:off x="3304438" y="1825625"/>
+            <a:ext cx="5583123" cy="4351338"/>
+          </a:xfrm>
+        </p:spPr>
+      </p:pic>
+    </p:spTree>
+    <p:extLst>
+      <p:ext uri="{BB962C8B-B14F-4D97-AF65-F5344CB8AC3E}">
+        <p14:creationId xmlns:p14="http://schemas.microsoft.com/office/powerpoint/2010/main" val="3704034092"/>
+      </p:ext>
+    </p:extLst>
+  </p:cSld>
+  <p:clrMapOvr>
+    <a:masterClrMapping/>
+  </p:clrMapOvr>
+</p:sld>
+</file>
+
+<file path=ppt/slides/slide21.xml><?xml version="1.0" encoding="utf-8"?>
+<p:sld xmlns:a="http://schemas.openxmlformats.org/drawingml/2006/main" xmlns:r="http://schemas.openxmlformats.org/officeDocument/2006/relationships" xmlns:p="http://schemas.openxmlformats.org/presentationml/2006/main">
+  <p:cSld>
+    <p:spTree>
+      <p:nvGrpSpPr>
+        <p:cNvPr id="1" name=""/>
+        <p:cNvGrpSpPr/>
+        <p:nvPr/>
+      </p:nvGrpSpPr>
+      <p:grpSpPr>
+        <a:xfrm>
+          <a:off x="0" y="0"/>
+          <a:ext cx="0" cy="0"/>
+          <a:chOff x="0" y="0"/>
+          <a:chExt cx="0" cy="0"/>
+        </a:xfrm>
+      </p:grpSpPr>
+      <p:sp>
+        <p:nvSpPr>
+          <p:cNvPr id="2" name="Title 1">
+            <a:extLst>
+              <a:ext uri="{FF2B5EF4-FFF2-40B4-BE49-F238E27FC236}">
                 <a16:creationId xmlns:a16="http://schemas.microsoft.com/office/drawing/2014/main" id="{3BA63AC9-9C18-4719-A1EF-865C1E2178EA}"/>
               </a:ext>
             </a:extLst>
@@ -4876,13 +10663,7 @@
               <a:p>
                 <a:r>
                   <a:rPr lang="en-GB" dirty="0"/>
-                  <a:t>We can simulate a population many times over, say 200</a:t>
-                </a:r>
-              </a:p>
-              <a:p>
-                <a:r>
-                  <a:rPr lang="en-GB" dirty="0"/>
-                  <a:t>At </a:t>
+                  <a:t>After simulating a population, we can count the number of animals present at </a:t>
                 </a:r>
                 <a14:m>
                   <m:oMath xmlns:m="http://schemas.openxmlformats.org/officeDocument/2006/math">
@@ -4913,15 +10694,12 @@
                     </m:sSub>
                   </m:oMath>
                 </a14:m>
-                <a:r>
-                  <a:rPr lang="en-GB" b="0" dirty="0"/>
-                  <a:t>, we can tally up the number of animals present</a:t>
-                </a:r>
+                <a:endParaRPr lang="en-GB" b="0" dirty="0"/>
               </a:p>
               <a:p>
                 <a:r>
                   <a:rPr lang="en-GB" dirty="0"/>
-                  <a:t>We can then count how many have at least one dropping present at</a:t>
+                  <a:t>Then count how many have at least one dropping present at</a:t>
                 </a:r>
                 <a:r>
                   <a:rPr lang="en-GB" b="0" dirty="0"/>
@@ -4956,10 +10734,15 @@
                     </m:sSub>
                   </m:oMath>
                 </a14:m>
+                <a:endParaRPr lang="en-GB" dirty="0"/>
+              </a:p>
+              <a:p>
                 <a:r>
                   <a:rPr lang="en-GB" dirty="0"/>
-                  <a:t>, which is the number that could potentially be detected, regardless of whether or not they’re still present </a:t>
+                  <a:t>Repeat this many times over</a:t>
                 </a:r>
+              </a:p>
+              <a:p>
                 <a:endParaRPr lang="en-GB" b="0" dirty="0"/>
               </a:p>
             </p:txBody>
@@ -5018,120 +10801,7 @@
 </p:sld>
 </file>
 
-<file path=ppt/slides/slide2.xml><?xml version="1.0" encoding="utf-8"?>
-<p:sld xmlns:a="http://schemas.openxmlformats.org/drawingml/2006/main" xmlns:r="http://schemas.openxmlformats.org/officeDocument/2006/relationships" xmlns:p="http://schemas.openxmlformats.org/presentationml/2006/main">
-  <p:cSld>
-    <p:spTree>
-      <p:nvGrpSpPr>
-        <p:cNvPr id="1" name=""/>
-        <p:cNvGrpSpPr/>
-        <p:nvPr/>
-      </p:nvGrpSpPr>
-      <p:grpSpPr>
-        <a:xfrm>
-          <a:off x="0" y="0"/>
-          <a:ext cx="0" cy="0"/>
-          <a:chOff x="0" y="0"/>
-          <a:chExt cx="0" cy="0"/>
-        </a:xfrm>
-      </p:grpSpPr>
-      <p:sp>
-        <p:nvSpPr>
-          <p:cNvPr id="2" name="Title 1">
-            <a:extLst>
-              <a:ext uri="{FF2B5EF4-FFF2-40B4-BE49-F238E27FC236}">
-                <a16:creationId xmlns:a16="http://schemas.microsoft.com/office/drawing/2014/main" id="{F37C549C-2E70-426B-80B4-318D7C6C914F}"/>
-              </a:ext>
-            </a:extLst>
-          </p:cNvPr>
-          <p:cNvSpPr>
-            <a:spLocks noGrp="1"/>
-          </p:cNvSpPr>
-          <p:nvPr>
-            <p:ph type="title"/>
-          </p:nvPr>
-        </p:nvSpPr>
-        <p:spPr/>
-        <p:txBody>
-          <a:bodyPr/>
-          <a:lstStyle/>
-          <a:p>
-            <a:r>
-              <a:rPr lang="en-GB" dirty="0"/>
-              <a:t>Animal Abundance</a:t>
-            </a:r>
-          </a:p>
-        </p:txBody>
-      </p:sp>
-      <p:sp>
-        <p:nvSpPr>
-          <p:cNvPr id="3" name="Content Placeholder 2">
-            <a:extLst>
-              <a:ext uri="{FF2B5EF4-FFF2-40B4-BE49-F238E27FC236}">
-                <a16:creationId xmlns:a16="http://schemas.microsoft.com/office/drawing/2014/main" id="{E7145945-5787-4227-A0E6-64C3A69D8552}"/>
-              </a:ext>
-            </a:extLst>
-          </p:cNvPr>
-          <p:cNvSpPr>
-            <a:spLocks noGrp="1"/>
-          </p:cNvSpPr>
-          <p:nvPr>
-            <p:ph idx="1"/>
-          </p:nvPr>
-        </p:nvSpPr>
-        <p:spPr/>
-        <p:txBody>
-          <a:bodyPr/>
-          <a:lstStyle/>
-          <a:p>
-            <a:r>
-              <a:rPr lang="en-GB" dirty="0"/>
-              <a:t>Abundance is the number of individuals from a given species inhabiting a certain area</a:t>
-            </a:r>
-          </a:p>
-          <a:p>
-            <a:r>
-              <a:rPr lang="en-GB" dirty="0"/>
-              <a:t>Monitoring abundance is important for several reasons:</a:t>
-            </a:r>
-          </a:p>
-          <a:p>
-            <a:pPr lvl="1"/>
-            <a:r>
-              <a:rPr lang="en-GB" dirty="0"/>
-              <a:t>Exploring factors that affect abundance</a:t>
-            </a:r>
-          </a:p>
-          <a:p>
-            <a:pPr lvl="1"/>
-            <a:r>
-              <a:rPr lang="en-GB" dirty="0"/>
-              <a:t>Estimating biodiversity</a:t>
-            </a:r>
-          </a:p>
-          <a:p>
-            <a:pPr lvl="1"/>
-            <a:r>
-              <a:rPr lang="en-GB" dirty="0"/>
-              <a:t>Monitoring endangered species </a:t>
-            </a:r>
-          </a:p>
-        </p:txBody>
-      </p:sp>
-    </p:spTree>
-    <p:extLst>
-      <p:ext uri="{BB962C8B-B14F-4D97-AF65-F5344CB8AC3E}">
-        <p14:creationId xmlns:p14="http://schemas.microsoft.com/office/powerpoint/2010/main" val="3226782664"/>
-      </p:ext>
-    </p:extLst>
-  </p:cSld>
-  <p:clrMapOvr>
-    <a:masterClrMapping/>
-  </p:clrMapOvr>
-</p:sld>
-</file>
-
-<file path=ppt/slides/slide20.xml><?xml version="1.0" encoding="utf-8"?>
+<file path=ppt/slides/slide22.xml><?xml version="1.0" encoding="utf-8"?>
 <p:sld xmlns:a="http://schemas.openxmlformats.org/drawingml/2006/main" xmlns:r="http://schemas.openxmlformats.org/officeDocument/2006/relationships" xmlns:p="http://schemas.openxmlformats.org/presentationml/2006/main">
   <p:cSld>
     <p:spTree>
@@ -5507,7 +11177,7 @@
             <a:pPr lvl="1"/>
             <a:r>
               <a:rPr lang="en-GB" dirty="0"/>
-              <a:t>MT5751</a:t>
+              <a:t>MT5751 – Estimating Animal Abundance and Biodiversity</a:t>
             </a:r>
           </a:p>
           <a:p>
@@ -5735,25 +11405,25 @@
           <a:p>
             <a:r>
               <a:rPr lang="en-GB" dirty="0"/>
-              <a:t>The areas inhabited by snow leopards have low average temperatures, often below freezing</a:t>
+              <a:t>Snow leopards inhabit areas with low average temperatures, often below freezing</a:t>
             </a:r>
           </a:p>
           <a:p>
             <a:r>
               <a:rPr lang="en-GB" dirty="0"/>
-              <a:t>It has been suggested that this could preserve droppings, allowing them to remain detectable long after the snow leopard that left it has left the area</a:t>
+              <a:t>This could preserve droppings, allowing them to remain detectable long after the snow leopard that left it has left the area</a:t>
             </a:r>
           </a:p>
           <a:p>
             <a:r>
               <a:rPr lang="en-GB" dirty="0"/>
-              <a:t>An estimate based on dropping information may therefore be significantly biased</a:t>
+              <a:t>An estimate based on droppings may therefore be significantly biased</a:t>
             </a:r>
           </a:p>
           <a:p>
             <a:r>
               <a:rPr lang="en-GB" dirty="0"/>
-              <a:t>My work has focussed on exploring this problem through simulation studies</a:t>
+              <a:t>My work has focused on exploring this problem through simulation studies</a:t>
             </a:r>
           </a:p>
         </p:txBody>
@@ -5811,381 +11481,53 @@
           <a:p>
             <a:r>
               <a:rPr lang="en-GB" dirty="0"/>
-              <a:t>Simulating Arrivals</a:t>
-            </a:r>
-          </a:p>
-        </p:txBody>
-      </p:sp>
-      <mc:AlternateContent xmlns:mc="http://schemas.openxmlformats.org/markup-compatibility/2006" xmlns:a14="http://schemas.microsoft.com/office/drawing/2010/main">
-        <mc:Choice Requires="a14">
-          <p:sp>
-            <p:nvSpPr>
-              <p:cNvPr id="3" name="Content Placeholder 2">
-                <a:extLst>
-                  <a:ext uri="{FF2B5EF4-FFF2-40B4-BE49-F238E27FC236}">
-                    <a16:creationId xmlns:a16="http://schemas.microsoft.com/office/drawing/2014/main" id="{DD652D26-D5FB-4E26-B1C4-99A65AF39024}"/>
-                  </a:ext>
-                </a:extLst>
-              </p:cNvPr>
-              <p:cNvSpPr>
-                <a:spLocks noGrp="1"/>
-              </p:cNvSpPr>
-              <p:nvPr>
-                <p:ph idx="1"/>
-              </p:nvPr>
-            </p:nvSpPr>
-            <p:spPr/>
-            <p:txBody>
-              <a:bodyPr/>
-              <a:lstStyle/>
-              <a:p>
-                <a:r>
-                  <a:rPr lang="en-GB" b="0" dirty="0"/>
-                  <a:t>Let </a:t>
-                </a:r>
-                <a14:m>
-                  <m:oMath xmlns:m="http://schemas.openxmlformats.org/officeDocument/2006/math">
-                    <m:r>
-                      <a:rPr lang="en-GB" b="0" i="1" smtClean="0">
-                        <a:latin typeface="Cambria Math" panose="02040503050406030204" pitchFamily="18" charset="0"/>
-                      </a:rPr>
-                      <m:t>𝑁</m:t>
-                    </m:r>
-                    <m:r>
-                      <a:rPr lang="en-GB" b="0" i="1" smtClean="0">
-                        <a:latin typeface="Cambria Math" panose="02040503050406030204" pitchFamily="18" charset="0"/>
-                      </a:rPr>
-                      <m:t>(</m:t>
-                    </m:r>
-                    <m:r>
-                      <a:rPr lang="en-GB" b="0" i="1" smtClean="0">
-                        <a:latin typeface="Cambria Math" panose="02040503050406030204" pitchFamily="18" charset="0"/>
-                      </a:rPr>
-                      <m:t>𝑡</m:t>
-                    </m:r>
-                    <m:r>
-                      <a:rPr lang="en-GB" b="0" i="1" smtClean="0">
-                        <a:latin typeface="Cambria Math" panose="02040503050406030204" pitchFamily="18" charset="0"/>
-                      </a:rPr>
-                      <m:t>)</m:t>
-                    </m:r>
-                  </m:oMath>
-                </a14:m>
-                <a:r>
-                  <a:rPr lang="en-GB" b="0" dirty="0"/>
-                  <a:t> be the number of snow leopards in the population at time </a:t>
-                </a:r>
-                <a14:m>
-                  <m:oMath xmlns:m="http://schemas.openxmlformats.org/officeDocument/2006/math">
-                    <m:r>
-                      <a:rPr lang="en-GB" b="0" i="1" smtClean="0">
-                        <a:latin typeface="Cambria Math" panose="02040503050406030204" pitchFamily="18" charset="0"/>
-                      </a:rPr>
-                      <m:t>𝑡</m:t>
-                    </m:r>
-                  </m:oMath>
-                </a14:m>
-                <a:endParaRPr lang="en-GB" b="0" dirty="0"/>
-              </a:p>
-              <a:p>
-                <a:r>
-                  <a:rPr lang="en-GB" b="0" dirty="0"/>
-                  <a:t>We start with </a:t>
-                </a:r>
-                <a14:m>
-                  <m:oMath xmlns:m="http://schemas.openxmlformats.org/officeDocument/2006/math">
-                    <m:r>
-                      <a:rPr lang="en-GB" b="0" i="1" smtClean="0">
-                        <a:latin typeface="Cambria Math" panose="02040503050406030204" pitchFamily="18" charset="0"/>
-                      </a:rPr>
-                      <m:t>𝑁</m:t>
-                    </m:r>
-                    <m:d>
-                      <m:dPr>
-                        <m:ctrlPr>
-                          <a:rPr lang="en-GB" b="0" i="1" smtClean="0">
-                            <a:latin typeface="Cambria Math" panose="02040503050406030204" pitchFamily="18" charset="0"/>
-                          </a:rPr>
-                        </m:ctrlPr>
-                      </m:dPr>
-                      <m:e>
-                        <m:r>
-                          <a:rPr lang="en-GB" b="0" i="1" smtClean="0">
-                            <a:latin typeface="Cambria Math" panose="02040503050406030204" pitchFamily="18" charset="0"/>
-                          </a:rPr>
-                          <m:t>0</m:t>
-                        </m:r>
-                      </m:e>
-                    </m:d>
-                    <m:r>
-                      <a:rPr lang="en-GB" b="0" i="1" smtClean="0">
-                        <a:latin typeface="Cambria Math" panose="02040503050406030204" pitchFamily="18" charset="0"/>
-                      </a:rPr>
-                      <m:t>=0</m:t>
-                    </m:r>
-                  </m:oMath>
-                </a14:m>
-                <a:endParaRPr lang="en-GB" b="0" dirty="0"/>
-              </a:p>
-              <a:p>
-                <a:r>
-                  <a:rPr lang="en-GB" b="0" dirty="0"/>
-                  <a:t>The first inter-arrival time, </a:t>
-                </a:r>
-                <a14:m>
-                  <m:oMath xmlns:m="http://schemas.openxmlformats.org/officeDocument/2006/math">
-                    <m:sSub>
-                      <m:sSubPr>
-                        <m:ctrlPr>
-                          <a:rPr lang="en-GB" b="0" i="1" smtClean="0">
-                            <a:latin typeface="Cambria Math" panose="02040503050406030204" pitchFamily="18" charset="0"/>
-                          </a:rPr>
-                        </m:ctrlPr>
-                      </m:sSubPr>
-                      <m:e>
-                        <m:r>
-                          <a:rPr lang="en-GB" b="0" i="1" smtClean="0">
-                            <a:latin typeface="Cambria Math" panose="02040503050406030204" pitchFamily="18" charset="0"/>
-                          </a:rPr>
-                          <m:t>𝑡</m:t>
-                        </m:r>
-                      </m:e>
-                      <m:sub>
-                        <m:r>
-                          <a:rPr lang="en-GB" b="0" i="1" smtClean="0">
-                            <a:latin typeface="Cambria Math" panose="02040503050406030204" pitchFamily="18" charset="0"/>
-                          </a:rPr>
-                          <m:t>1</m:t>
-                        </m:r>
-                      </m:sub>
-                    </m:sSub>
-                  </m:oMath>
-                </a14:m>
-                <a:r>
-                  <a:rPr lang="en-GB" b="0" dirty="0"/>
-                  <a:t>, was drawn from </a:t>
-                </a:r>
-                <a14:m>
-                  <m:oMath xmlns:m="http://schemas.openxmlformats.org/officeDocument/2006/math">
-                    <m:r>
-                      <m:rPr>
-                        <m:sty m:val="p"/>
-                      </m:rPr>
-                      <a:rPr lang="en-GB" b="0" i="0" smtClean="0">
-                        <a:latin typeface="Cambria Math" panose="02040503050406030204" pitchFamily="18" charset="0"/>
-                      </a:rPr>
-                      <m:t>Γ</m:t>
-                    </m:r>
-                    <m:d>
-                      <m:dPr>
-                        <m:ctrlPr>
-                          <a:rPr lang="en-GB" b="0" i="1" smtClean="0">
-                            <a:latin typeface="Cambria Math" panose="02040503050406030204" pitchFamily="18" charset="0"/>
-                          </a:rPr>
-                        </m:ctrlPr>
-                      </m:dPr>
-                      <m:e>
-                        <m:r>
-                          <a:rPr lang="en-GB" b="0" i="1" smtClean="0">
-                            <a:latin typeface="Cambria Math" panose="02040503050406030204" pitchFamily="18" charset="0"/>
-                          </a:rPr>
-                          <m:t>𝛼</m:t>
-                        </m:r>
-                        <m:r>
-                          <a:rPr lang="en-GB" b="0" i="1" smtClean="0">
-                            <a:latin typeface="Cambria Math" panose="02040503050406030204" pitchFamily="18" charset="0"/>
-                          </a:rPr>
-                          <m:t>, </m:t>
-                        </m:r>
-                        <m:r>
-                          <a:rPr lang="en-GB" b="0" i="1" smtClean="0">
-                            <a:latin typeface="Cambria Math" panose="02040503050406030204" pitchFamily="18" charset="0"/>
-                          </a:rPr>
-                          <m:t>𝛽</m:t>
-                        </m:r>
-                      </m:e>
-                    </m:d>
-                  </m:oMath>
-                </a14:m>
-                <a:endParaRPr lang="en-GB" b="0" dirty="0"/>
-              </a:p>
-              <a:p>
-                <a:r>
-                  <a:rPr lang="en-GB" dirty="0"/>
-                  <a:t>Subsequent inter-arrival times were drawn</a:t>
-                </a:r>
-                <a:r>
-                  <a:rPr lang="en-GB" b="0" dirty="0"/>
-                  <a:t>, i.e. </a:t>
-                </a:r>
-                <a14:m>
-                  <m:oMath xmlns:m="http://schemas.openxmlformats.org/officeDocument/2006/math">
-                    <m:sSub>
-                      <m:sSubPr>
-                        <m:ctrlPr>
-                          <a:rPr lang="en-GB" b="0" i="1" smtClean="0">
-                            <a:latin typeface="Cambria Math" panose="02040503050406030204" pitchFamily="18" charset="0"/>
-                          </a:rPr>
-                        </m:ctrlPr>
-                      </m:sSubPr>
-                      <m:e>
-                        <m:r>
-                          <m:rPr>
-                            <m:sty m:val="p"/>
-                          </m:rPr>
-                          <a:rPr lang="en-GB" b="0" i="0" smtClean="0">
-                            <a:latin typeface="Cambria Math" panose="02040503050406030204" pitchFamily="18" charset="0"/>
-                          </a:rPr>
-                          <m:t>t</m:t>
-                        </m:r>
-                      </m:e>
-                      <m:sub>
-                        <m:r>
-                          <a:rPr lang="en-GB" b="0" i="0" smtClean="0">
-                            <a:latin typeface="Cambria Math" panose="02040503050406030204" pitchFamily="18" charset="0"/>
-                          </a:rPr>
-                          <m:t>2</m:t>
-                        </m:r>
-                      </m:sub>
-                    </m:sSub>
-                    <m:r>
-                      <a:rPr lang="en-GB" b="0" i="0" smtClean="0">
-                        <a:latin typeface="Cambria Math" panose="02040503050406030204" pitchFamily="18" charset="0"/>
-                      </a:rPr>
-                      <m:t>,</m:t>
-                    </m:r>
-                    <m:sSub>
-                      <m:sSubPr>
-                        <m:ctrlPr>
-                          <a:rPr lang="en-GB" b="0" i="1" smtClean="0">
-                            <a:latin typeface="Cambria Math" panose="02040503050406030204" pitchFamily="18" charset="0"/>
-                          </a:rPr>
-                        </m:ctrlPr>
-                      </m:sSubPr>
-                      <m:e>
-                        <m:r>
-                          <m:rPr>
-                            <m:sty m:val="p"/>
-                          </m:rPr>
-                          <a:rPr lang="en-GB" b="0" i="0" smtClean="0">
-                            <a:latin typeface="Cambria Math" panose="02040503050406030204" pitchFamily="18" charset="0"/>
-                          </a:rPr>
-                          <m:t>t</m:t>
-                        </m:r>
-                      </m:e>
-                      <m:sub>
-                        <m:r>
-                          <a:rPr lang="en-GB" b="0" i="0" smtClean="0">
-                            <a:latin typeface="Cambria Math" panose="02040503050406030204" pitchFamily="18" charset="0"/>
-                          </a:rPr>
-                          <m:t>3</m:t>
-                        </m:r>
-                      </m:sub>
-                    </m:sSub>
-                    <m:r>
-                      <a:rPr lang="en-GB" b="0" i="0" smtClean="0">
-                        <a:latin typeface="Cambria Math" panose="02040503050406030204" pitchFamily="18" charset="0"/>
-                      </a:rPr>
-                      <m:t>,…~ </m:t>
-                    </m:r>
-                    <m:r>
-                      <m:rPr>
-                        <m:sty m:val="p"/>
-                      </m:rPr>
-                      <a:rPr lang="en-GB" b="0" i="0" smtClean="0">
-                        <a:latin typeface="Cambria Math" panose="02040503050406030204" pitchFamily="18" charset="0"/>
-                      </a:rPr>
-                      <m:t>Γ</m:t>
-                    </m:r>
-                    <m:d>
-                      <m:dPr>
-                        <m:ctrlPr>
-                          <a:rPr lang="en-GB" b="0" i="1" smtClean="0">
-                            <a:latin typeface="Cambria Math" panose="02040503050406030204" pitchFamily="18" charset="0"/>
-                          </a:rPr>
-                        </m:ctrlPr>
-                      </m:dPr>
-                      <m:e>
-                        <m:r>
-                          <a:rPr lang="en-GB" b="0" i="1" smtClean="0">
-                            <a:latin typeface="Cambria Math" panose="02040503050406030204" pitchFamily="18" charset="0"/>
-                          </a:rPr>
-                          <m:t>𝛼</m:t>
-                        </m:r>
-                        <m:r>
-                          <a:rPr lang="en-GB" b="0" i="1" smtClean="0">
-                            <a:latin typeface="Cambria Math" panose="02040503050406030204" pitchFamily="18" charset="0"/>
-                          </a:rPr>
-                          <m:t>, </m:t>
-                        </m:r>
-                        <m:r>
-                          <a:rPr lang="en-GB" b="0" i="1" smtClean="0">
-                            <a:latin typeface="Cambria Math" panose="02040503050406030204" pitchFamily="18" charset="0"/>
-                          </a:rPr>
-                          <m:t>𝛽</m:t>
-                        </m:r>
-                      </m:e>
-                    </m:d>
-                  </m:oMath>
-                </a14:m>
-                <a:endParaRPr lang="en-GB" b="0" dirty="0"/>
-              </a:p>
-              <a:p>
-                <a:r>
-                  <a:rPr lang="en-GB" b="0" dirty="0"/>
-                  <a:t>Draws continue until some specified cut-off time is reached</a:t>
-                </a:r>
-              </a:p>
-              <a:p>
-                <a:r>
-                  <a:rPr lang="en-GB" dirty="0"/>
-                  <a:t>The cumulative sum of the inter-arrival times then gives the times at which leopards arrived</a:t>
-                </a:r>
-                <a:endParaRPr lang="en-GB" b="0" dirty="0"/>
-              </a:p>
-            </p:txBody>
-          </p:sp>
-        </mc:Choice>
-        <mc:Fallback xmlns="">
-          <p:sp>
-            <p:nvSpPr>
-              <p:cNvPr id="3" name="Content Placeholder 2">
-                <a:extLst>
-                  <a:ext uri="{FF2B5EF4-FFF2-40B4-BE49-F238E27FC236}">
-                    <a16:creationId xmlns:a16="http://schemas.microsoft.com/office/drawing/2014/main" id="{DD652D26-D5FB-4E26-B1C4-99A65AF39024}"/>
-                  </a:ext>
-                </a:extLst>
-              </p:cNvPr>
-              <p:cNvSpPr>
-                <a:spLocks noGrp="1" noRot="1" noChangeAspect="1" noMove="1" noResize="1" noEditPoints="1" noAdjustHandles="1" noChangeArrowheads="1" noChangeShapeType="1" noTextEdit="1"/>
-              </p:cNvSpPr>
-              <p:nvPr>
-                <p:ph idx="1"/>
-              </p:nvPr>
-            </p:nvSpPr>
-            <p:spPr>
-              <a:blipFill>
-                <a:blip r:embed="rId2"/>
-                <a:stretch>
-                  <a:fillRect l="-1043" t="-2241"/>
-                </a:stretch>
-              </a:blipFill>
-            </p:spPr>
-            <p:txBody>
-              <a:bodyPr/>
-              <a:lstStyle/>
-              <a:p>
-                <a:r>
-                  <a:rPr lang="en-GB">
-                    <a:noFill/>
-                  </a:rPr>
-                  <a:t> </a:t>
-                </a:r>
-              </a:p>
-            </p:txBody>
-          </p:sp>
-        </mc:Fallback>
-      </mc:AlternateContent>
+              <a:t>Population Simulation</a:t>
+            </a:r>
+          </a:p>
+        </p:txBody>
+      </p:sp>
+      <p:sp>
+        <p:nvSpPr>
+          <p:cNvPr id="3" name="Content Placeholder 2">
+            <a:extLst>
+              <a:ext uri="{FF2B5EF4-FFF2-40B4-BE49-F238E27FC236}">
+                <a16:creationId xmlns:a16="http://schemas.microsoft.com/office/drawing/2014/main" id="{DD652D26-D5FB-4E26-B1C4-99A65AF39024}"/>
+              </a:ext>
+            </a:extLst>
+          </p:cNvPr>
+          <p:cNvSpPr>
+            <a:spLocks noGrp="1"/>
+          </p:cNvSpPr>
+          <p:nvPr>
+            <p:ph idx="1"/>
+          </p:nvPr>
+        </p:nvSpPr>
+        <p:spPr/>
+        <p:txBody>
+          <a:bodyPr>
+            <a:normAutofit/>
+          </a:bodyPr>
+          <a:lstStyle/>
+          <a:p>
+            <a:r>
+              <a:rPr lang="en-GB" dirty="0"/>
+              <a:t>The population model is based on queuing theory</a:t>
+            </a:r>
+          </a:p>
+          <a:p>
+            <a:r>
+              <a:rPr lang="en-GB" dirty="0"/>
+              <a:t>We start with a population of zero, then simulate animals arriving and leaving randomly</a:t>
+            </a:r>
+          </a:p>
+          <a:p>
+            <a:r>
+              <a:rPr lang="en-GB" dirty="0"/>
+              <a:t>We start by drawing interarrival times from some distribution</a:t>
+            </a:r>
+          </a:p>
+        </p:txBody>
+      </p:sp>
     </p:spTree>
     <p:extLst>
       <p:ext uri="{BB962C8B-B14F-4D97-AF65-F5344CB8AC3E}">
@@ -6218,70 +11560,541 @@
       </p:grpSpPr>
       <p:sp>
         <p:nvSpPr>
-          <p:cNvPr id="2" name="Title 1">
-            <a:extLst>
-              <a:ext uri="{FF2B5EF4-FFF2-40B4-BE49-F238E27FC236}">
-                <a16:creationId xmlns:a16="http://schemas.microsoft.com/office/drawing/2014/main" id="{CE0F9B8C-619D-498E-98E8-4A4FB099871C}"/>
-              </a:ext>
-            </a:extLst>
-          </p:cNvPr>
-          <p:cNvSpPr>
-            <a:spLocks noGrp="1"/>
-          </p:cNvSpPr>
-          <p:nvPr>
-            <p:ph type="title"/>
-          </p:nvPr>
-        </p:nvSpPr>
-        <p:spPr/>
-        <p:txBody>
-          <a:bodyPr/>
-          <a:lstStyle/>
-          <a:p>
-            <a:r>
-              <a:rPr lang="en-GB" dirty="0"/>
-              <a:t>Simulating Arrivals</a:t>
-            </a:r>
-          </a:p>
-        </p:txBody>
-      </p:sp>
-      <p:pic>
-        <p:nvPicPr>
-          <p:cNvPr id="5" name="Content Placeholder 4">
-            <a:extLst>
-              <a:ext uri="{FF2B5EF4-FFF2-40B4-BE49-F238E27FC236}">
-                <a16:creationId xmlns:a16="http://schemas.microsoft.com/office/drawing/2014/main" id="{38A45625-8913-439F-A57F-19AEBAA0D3CF}"/>
-              </a:ext>
-            </a:extLst>
-          </p:cNvPr>
-          <p:cNvPicPr>
-            <a:picLocks noGrp="1" noChangeAspect="1"/>
-          </p:cNvPicPr>
-          <p:nvPr>
-            <p:ph idx="1"/>
-          </p:nvPr>
-        </p:nvPicPr>
-        <p:blipFill>
-          <a:blip r:embed="rId2">
-            <a:extLst>
-              <a:ext uri="{28A0092B-C50C-407E-A947-70E740481C1C}">
-                <a14:useLocalDpi xmlns:a14="http://schemas.microsoft.com/office/drawing/2010/main" val="0"/>
-              </a:ext>
-            </a:extLst>
-          </a:blip>
-          <a:srcRect/>
-          <a:stretch/>
-        </p:blipFill>
+          <p:cNvPr id="3" name="Oval 2">
+            <a:extLst>
+              <a:ext uri="{FF2B5EF4-FFF2-40B4-BE49-F238E27FC236}">
+                <a16:creationId xmlns:a16="http://schemas.microsoft.com/office/drawing/2014/main" id="{91763058-C0EB-4261-82D8-68B0B8907A55}"/>
+              </a:ext>
+            </a:extLst>
+          </p:cNvPr>
+          <p:cNvSpPr/>
+          <p:nvPr/>
+        </p:nvSpPr>
         <p:spPr>
           <a:xfrm>
-            <a:off x="1455818" y="2148333"/>
-            <a:ext cx="9280364" cy="2561333"/>
+            <a:off x="2731896" y="2538663"/>
+            <a:ext cx="900000" cy="900000"/>
           </a:xfrm>
+          <a:prstGeom prst="ellipse">
+            <a:avLst/>
+          </a:prstGeom>
+          <a:noFill/>
+          <a:ln w="38100">
+            <a:solidFill>
+              <a:schemeClr val="tx1"/>
+            </a:solidFill>
+          </a:ln>
         </p:spPr>
-      </p:pic>
+        <p:style>
+          <a:lnRef idx="2">
+            <a:schemeClr val="accent1">
+              <a:shade val="50000"/>
+            </a:schemeClr>
+          </a:lnRef>
+          <a:fillRef idx="1">
+            <a:schemeClr val="accent1"/>
+          </a:fillRef>
+          <a:effectRef idx="0">
+            <a:schemeClr val="accent1"/>
+          </a:effectRef>
+          <a:fontRef idx="minor">
+            <a:schemeClr val="lt1"/>
+          </a:fontRef>
+        </p:style>
+        <p:txBody>
+          <a:bodyPr rtlCol="0" anchor="ctr"/>
+          <a:lstStyle/>
+          <a:p>
+            <a:pPr algn="ctr"/>
+            <a:r>
+              <a:rPr lang="en-GB" sz="2800" dirty="0">
+                <a:solidFill>
+                  <a:schemeClr val="tx1"/>
+                </a:solidFill>
+              </a:rPr>
+              <a:t>t</a:t>
+            </a:r>
+            <a:r>
+              <a:rPr lang="en-GB" sz="2800" baseline="-25000" dirty="0">
+                <a:solidFill>
+                  <a:schemeClr val="tx1"/>
+                </a:solidFill>
+              </a:rPr>
+              <a:t>1</a:t>
+            </a:r>
+            <a:endParaRPr lang="en-GB" sz="2800" dirty="0">
+              <a:solidFill>
+                <a:schemeClr val="tx1"/>
+              </a:solidFill>
+            </a:endParaRPr>
+          </a:p>
+        </p:txBody>
+      </p:sp>
+      <p:cxnSp>
+        <p:nvCxnSpPr>
+          <p:cNvPr id="9" name="Straight Arrow Connector 8">
+            <a:extLst>
+              <a:ext uri="{FF2B5EF4-FFF2-40B4-BE49-F238E27FC236}">
+                <a16:creationId xmlns:a16="http://schemas.microsoft.com/office/drawing/2014/main" id="{B1E04B0E-900A-4B10-BB9B-44E21F21BCEF}"/>
+              </a:ext>
+            </a:extLst>
+          </p:cNvPr>
+          <p:cNvCxnSpPr>
+            <a:cxnSpLocks/>
+            <a:endCxn id="3" idx="2"/>
+          </p:cNvCxnSpPr>
+          <p:nvPr/>
+        </p:nvCxnSpPr>
+        <p:spPr>
+          <a:xfrm>
+            <a:off x="1859653" y="2988663"/>
+            <a:ext cx="872243" cy="0"/>
+          </a:xfrm>
+          <a:prstGeom prst="straightConnector1">
+            <a:avLst/>
+          </a:prstGeom>
+          <a:ln w="28575">
+            <a:tailEnd type="triangle"/>
+          </a:ln>
+        </p:spPr>
+        <p:style>
+          <a:lnRef idx="1">
+            <a:schemeClr val="dk1"/>
+          </a:lnRef>
+          <a:fillRef idx="0">
+            <a:schemeClr val="dk1"/>
+          </a:fillRef>
+          <a:effectRef idx="0">
+            <a:schemeClr val="dk1"/>
+          </a:effectRef>
+          <a:fontRef idx="minor">
+            <a:schemeClr val="tx1"/>
+          </a:fontRef>
+        </p:style>
+      </p:cxnSp>
+      <p:cxnSp>
+        <p:nvCxnSpPr>
+          <p:cNvPr id="19" name="Straight Connector 18">
+            <a:extLst>
+              <a:ext uri="{FF2B5EF4-FFF2-40B4-BE49-F238E27FC236}">
+                <a16:creationId xmlns:a16="http://schemas.microsoft.com/office/drawing/2014/main" id="{CFCEC27D-2C2E-439D-B361-FF3DD2420595}"/>
+              </a:ext>
+            </a:extLst>
+          </p:cNvPr>
+          <p:cNvCxnSpPr/>
+          <p:nvPr/>
+        </p:nvCxnSpPr>
+        <p:spPr>
+          <a:xfrm>
+            <a:off x="1859653" y="2314894"/>
+            <a:ext cx="0" cy="1347537"/>
+          </a:xfrm>
+          <a:prstGeom prst="line">
+            <a:avLst/>
+          </a:prstGeom>
+          <a:ln w="28575"/>
+        </p:spPr>
+        <p:style>
+          <a:lnRef idx="1">
+            <a:schemeClr val="dk1"/>
+          </a:lnRef>
+          <a:fillRef idx="0">
+            <a:schemeClr val="dk1"/>
+          </a:fillRef>
+          <a:effectRef idx="0">
+            <a:schemeClr val="dk1"/>
+          </a:effectRef>
+          <a:fontRef idx="minor">
+            <a:schemeClr val="tx1"/>
+          </a:fontRef>
+        </p:style>
+      </p:cxnSp>
+      <mc:AlternateContent xmlns:mc="http://schemas.openxmlformats.org/markup-compatibility/2006" xmlns:a14="http://schemas.microsoft.com/office/drawing/2010/main">
+        <mc:Choice Requires="a14">
+          <p:sp>
+            <p:nvSpPr>
+              <p:cNvPr id="32" name="TextBox 31">
+                <a:extLst>
+                  <a:ext uri="{FF2B5EF4-FFF2-40B4-BE49-F238E27FC236}">
+                    <a16:creationId xmlns:a16="http://schemas.microsoft.com/office/drawing/2014/main" id="{F4D60DAA-2DB7-428B-9291-F9FCBD87C2DA}"/>
+                  </a:ext>
+                </a:extLst>
+              </p:cNvPr>
+              <p:cNvSpPr txBox="1"/>
+              <p:nvPr/>
+            </p:nvSpPr>
+            <p:spPr>
+              <a:xfrm>
+                <a:off x="2084531" y="2421935"/>
+                <a:ext cx="422488" cy="430887"/>
+              </a:xfrm>
+              <a:prstGeom prst="rect">
+                <a:avLst/>
+              </a:prstGeom>
+              <a:noFill/>
+            </p:spPr>
+            <p:txBody>
+              <a:bodyPr wrap="none" lIns="0" tIns="0" rIns="0" bIns="0" rtlCol="0">
+                <a:spAutoFit/>
+              </a:bodyPr>
+              <a:lstStyle/>
+              <a:p>
+                <a:pPr/>
+                <a14:m>
+                  <m:oMathPara xmlns:m="http://schemas.openxmlformats.org/officeDocument/2006/math">
+                    <m:oMathParaPr>
+                      <m:jc m:val="centerGroup"/>
+                    </m:oMathParaPr>
+                    <m:oMath xmlns:m="http://schemas.openxmlformats.org/officeDocument/2006/math">
+                      <m:sSub>
+                        <m:sSubPr>
+                          <m:ctrlPr>
+                            <a:rPr lang="en-GB" sz="2800" b="0" i="1" smtClean="0">
+                              <a:latin typeface="Cambria Math" panose="02040503050406030204" pitchFamily="18" charset="0"/>
+                            </a:rPr>
+                          </m:ctrlPr>
+                        </m:sSubPr>
+                        <m:e>
+                          <m:r>
+                            <a:rPr lang="en-GB" sz="2800" b="0" i="1" smtClean="0">
+                              <a:latin typeface="Cambria Math" panose="02040503050406030204" pitchFamily="18" charset="0"/>
+                            </a:rPr>
+                            <m:t>𝛿</m:t>
+                          </m:r>
+                        </m:e>
+                        <m:sub>
+                          <m:r>
+                            <a:rPr lang="en-GB" sz="2800" b="0" i="1" smtClean="0">
+                              <a:latin typeface="Cambria Math" panose="02040503050406030204" pitchFamily="18" charset="0"/>
+                            </a:rPr>
+                            <m:t>1</m:t>
+                          </m:r>
+                        </m:sub>
+                      </m:sSub>
+                    </m:oMath>
+                  </m:oMathPara>
+                </a14:m>
+                <a:endParaRPr lang="en-GB" sz="2800" b="0" dirty="0"/>
+              </a:p>
+            </p:txBody>
+          </p:sp>
+        </mc:Choice>
+        <mc:Fallback xmlns="">
+          <p:sp>
+            <p:nvSpPr>
+              <p:cNvPr id="32" name="TextBox 31">
+                <a:extLst>
+                  <a:ext uri="{FF2B5EF4-FFF2-40B4-BE49-F238E27FC236}">
+                    <a16:creationId xmlns:a16="http://schemas.microsoft.com/office/drawing/2014/main" id="{F4D60DAA-2DB7-428B-9291-F9FCBD87C2DA}"/>
+                  </a:ext>
+                </a:extLst>
+              </p:cNvPr>
+              <p:cNvSpPr txBox="1">
+                <a:spLocks noRot="1" noChangeAspect="1" noMove="1" noResize="1" noEditPoints="1" noAdjustHandles="1" noChangeArrowheads="1" noChangeShapeType="1" noTextEdit="1"/>
+              </p:cNvSpPr>
+              <p:nvPr/>
+            </p:nvSpPr>
+            <p:spPr>
+              <a:xfrm>
+                <a:off x="2084531" y="2421935"/>
+                <a:ext cx="422488" cy="430887"/>
+              </a:xfrm>
+              <a:prstGeom prst="rect">
+                <a:avLst/>
+              </a:prstGeom>
+              <a:blipFill>
+                <a:blip r:embed="rId2"/>
+                <a:stretch>
+                  <a:fillRect/>
+                </a:stretch>
+              </a:blipFill>
+            </p:spPr>
+            <p:txBody>
+              <a:bodyPr/>
+              <a:lstStyle/>
+              <a:p>
+                <a:r>
+                  <a:rPr lang="en-GB">
+                    <a:noFill/>
+                  </a:rPr>
+                  <a:t> </a:t>
+                </a:r>
+              </a:p>
+            </p:txBody>
+          </p:sp>
+        </mc:Fallback>
+      </mc:AlternateContent>
+      <mc:AlternateContent xmlns:mc="http://schemas.openxmlformats.org/markup-compatibility/2006" xmlns:a14="http://schemas.microsoft.com/office/drawing/2010/main">
+        <mc:Choice Requires="a14">
+          <p:sp>
+            <p:nvSpPr>
+              <p:cNvPr id="33" name="TextBox 32">
+                <a:extLst>
+                  <a:ext uri="{FF2B5EF4-FFF2-40B4-BE49-F238E27FC236}">
+                    <a16:creationId xmlns:a16="http://schemas.microsoft.com/office/drawing/2014/main" id="{92800D4B-4DC3-476C-BD28-4385A8CC9C4C}"/>
+                  </a:ext>
+                </a:extLst>
+              </p:cNvPr>
+              <p:cNvSpPr txBox="1"/>
+              <p:nvPr/>
+            </p:nvSpPr>
+            <p:spPr>
+              <a:xfrm>
+                <a:off x="1745455" y="4234613"/>
+                <a:ext cx="8701089" cy="923330"/>
+              </a:xfrm>
+              <a:prstGeom prst="rect">
+                <a:avLst/>
+              </a:prstGeom>
+              <a:noFill/>
+            </p:spPr>
+            <p:txBody>
+              <a:bodyPr wrap="square" rtlCol="0">
+                <a:spAutoFit/>
+              </a:bodyPr>
+              <a:lstStyle/>
+              <a:p>
+                <a:pPr marL="285750" indent="-285750">
+                  <a:buFont typeface="Arial" panose="020B0604020202020204" pitchFamily="34" charset="0"/>
+                  <a:buChar char="•"/>
+                </a:pPr>
+                <a:r>
+                  <a:rPr lang="en-GB" dirty="0"/>
+                  <a:t>Draw </a:t>
+                </a:r>
+                <a14:m>
+                  <m:oMath xmlns:m="http://schemas.openxmlformats.org/officeDocument/2006/math">
+                    <m:sSub>
+                      <m:sSubPr>
+                        <m:ctrlPr>
+                          <a:rPr lang="en-GB" b="0" i="1" smtClean="0">
+                            <a:latin typeface="Cambria Math" panose="02040503050406030204" pitchFamily="18" charset="0"/>
+                          </a:rPr>
+                        </m:ctrlPr>
+                      </m:sSubPr>
+                      <m:e>
+                        <m:r>
+                          <a:rPr lang="en-GB" b="0" i="1" smtClean="0">
+                            <a:latin typeface="Cambria Math" panose="02040503050406030204" pitchFamily="18" charset="0"/>
+                          </a:rPr>
+                          <m:t>𝛿</m:t>
+                        </m:r>
+                      </m:e>
+                      <m:sub>
+                        <m:r>
+                          <a:rPr lang="en-GB" b="0" i="1" smtClean="0">
+                            <a:latin typeface="Cambria Math" panose="02040503050406030204" pitchFamily="18" charset="0"/>
+                          </a:rPr>
+                          <m:t>1</m:t>
+                        </m:r>
+                      </m:sub>
+                    </m:sSub>
+                    <m:r>
+                      <a:rPr lang="en-GB" b="0" i="1" smtClean="0">
+                        <a:latin typeface="Cambria Math" panose="02040503050406030204" pitchFamily="18" charset="0"/>
+                      </a:rPr>
+                      <m:t> </m:t>
+                    </m:r>
+                    <m:r>
+                      <a:rPr lang="en-GB" b="0" i="1" smtClean="0">
+                        <a:latin typeface="Cambria Math" panose="02040503050406030204" pitchFamily="18" charset="0"/>
+                        <a:ea typeface="Cambria Math" panose="02040503050406030204" pitchFamily="18" charset="0"/>
+                      </a:rPr>
+                      <m:t>~ </m:t>
+                    </m:r>
+                    <m:r>
+                      <m:rPr>
+                        <m:sty m:val="p"/>
+                      </m:rPr>
+                      <a:rPr lang="en-GB" b="0" i="0" smtClean="0">
+                        <a:latin typeface="Cambria Math" panose="02040503050406030204" pitchFamily="18" charset="0"/>
+                        <a:ea typeface="Cambria Math" panose="02040503050406030204" pitchFamily="18" charset="0"/>
+                      </a:rPr>
+                      <m:t>Γ</m:t>
+                    </m:r>
+                    <m:r>
+                      <a:rPr lang="en-GB" b="0" i="1" smtClean="0">
+                        <a:latin typeface="Cambria Math" panose="02040503050406030204" pitchFamily="18" charset="0"/>
+                        <a:ea typeface="Cambria Math" panose="02040503050406030204" pitchFamily="18" charset="0"/>
+                      </a:rPr>
+                      <m:t>(</m:t>
+                    </m:r>
+                    <m:r>
+                      <a:rPr lang="en-GB" b="0" i="1" smtClean="0">
+                        <a:latin typeface="Cambria Math" panose="02040503050406030204" pitchFamily="18" charset="0"/>
+                        <a:ea typeface="Cambria Math" panose="02040503050406030204" pitchFamily="18" charset="0"/>
+                      </a:rPr>
+                      <m:t>𝛼</m:t>
+                    </m:r>
+                    <m:r>
+                      <a:rPr lang="en-GB" b="0" i="1" smtClean="0">
+                        <a:latin typeface="Cambria Math" panose="02040503050406030204" pitchFamily="18" charset="0"/>
+                        <a:ea typeface="Cambria Math" panose="02040503050406030204" pitchFamily="18" charset="0"/>
+                      </a:rPr>
+                      <m:t>, </m:t>
+                    </m:r>
+                    <m:r>
+                      <a:rPr lang="en-GB" b="0" i="1" smtClean="0">
+                        <a:latin typeface="Cambria Math" panose="02040503050406030204" pitchFamily="18" charset="0"/>
+                        <a:ea typeface="Cambria Math" panose="02040503050406030204" pitchFamily="18" charset="0"/>
+                      </a:rPr>
+                      <m:t>𝛽</m:t>
+                    </m:r>
+                    <m:r>
+                      <a:rPr lang="en-GB" b="0" i="1" smtClean="0">
+                        <a:latin typeface="Cambria Math" panose="02040503050406030204" pitchFamily="18" charset="0"/>
+                        <a:ea typeface="Cambria Math" panose="02040503050406030204" pitchFamily="18" charset="0"/>
+                      </a:rPr>
+                      <m:t>)</m:t>
+                    </m:r>
+                  </m:oMath>
+                </a14:m>
+                <a:endParaRPr lang="en-GB" dirty="0"/>
+              </a:p>
+              <a:p>
+                <a:pPr marL="285750" indent="-285750">
+                  <a:buFont typeface="Arial" panose="020B0604020202020204" pitchFamily="34" charset="0"/>
+                  <a:buChar char="•"/>
+                </a:pPr>
+                <a:r>
+                  <a:rPr lang="en-GB" dirty="0"/>
+                  <a:t>Time between t=0 and first arrival is </a:t>
+                </a:r>
+                <a14:m>
+                  <m:oMath xmlns:m="http://schemas.openxmlformats.org/officeDocument/2006/math">
+                    <m:sSub>
+                      <m:sSubPr>
+                        <m:ctrlPr>
+                          <a:rPr lang="en-GB" sz="1800" b="0" i="1" smtClean="0">
+                            <a:latin typeface="Cambria Math" panose="02040503050406030204" pitchFamily="18" charset="0"/>
+                          </a:rPr>
+                        </m:ctrlPr>
+                      </m:sSubPr>
+                      <m:e>
+                        <m:r>
+                          <a:rPr lang="en-GB" sz="1800" b="0" i="1" smtClean="0">
+                            <a:latin typeface="Cambria Math" panose="02040503050406030204" pitchFamily="18" charset="0"/>
+                          </a:rPr>
+                          <m:t>𝛿</m:t>
+                        </m:r>
+                      </m:e>
+                      <m:sub>
+                        <m:r>
+                          <a:rPr lang="en-GB" sz="1800" b="0" i="1" smtClean="0">
+                            <a:latin typeface="Cambria Math" panose="02040503050406030204" pitchFamily="18" charset="0"/>
+                          </a:rPr>
+                          <m:t>1</m:t>
+                        </m:r>
+                      </m:sub>
+                    </m:sSub>
+                  </m:oMath>
+                </a14:m>
+                <a:endParaRPr lang="en-GB" dirty="0"/>
+              </a:p>
+              <a:p>
+                <a:pPr marL="285750" indent="-285750">
+                  <a:buFont typeface="Arial" panose="020B0604020202020204" pitchFamily="34" charset="0"/>
+                  <a:buChar char="•"/>
+                </a:pPr>
+                <a:r>
+                  <a:rPr lang="en-GB" dirty="0"/>
+                  <a:t>Animal arrives at t</a:t>
+                </a:r>
+                <a:r>
+                  <a:rPr lang="en-GB" baseline="-25000" dirty="0"/>
+                  <a:t>1</a:t>
+                </a:r>
+                <a:r>
+                  <a:rPr lang="en-GB" dirty="0"/>
+                  <a:t>=</a:t>
+                </a:r>
+                <a:r>
+                  <a:rPr lang="en-GB" sz="1800" b="0" dirty="0"/>
+                  <a:t> </a:t>
+                </a:r>
+                <a14:m>
+                  <m:oMath xmlns:m="http://schemas.openxmlformats.org/officeDocument/2006/math">
+                    <m:sSub>
+                      <m:sSubPr>
+                        <m:ctrlPr>
+                          <a:rPr lang="en-GB" sz="1800" b="0" i="1" smtClean="0">
+                            <a:latin typeface="Cambria Math" panose="02040503050406030204" pitchFamily="18" charset="0"/>
+                          </a:rPr>
+                        </m:ctrlPr>
+                      </m:sSubPr>
+                      <m:e>
+                        <m:r>
+                          <a:rPr lang="en-GB" sz="1800" b="0" i="1" smtClean="0">
+                            <a:latin typeface="Cambria Math" panose="02040503050406030204" pitchFamily="18" charset="0"/>
+                          </a:rPr>
+                          <m:t>𝛿</m:t>
+                        </m:r>
+                      </m:e>
+                      <m:sub>
+                        <m:r>
+                          <a:rPr lang="en-GB" sz="1800" b="0" i="1" smtClean="0">
+                            <a:latin typeface="Cambria Math" panose="02040503050406030204" pitchFamily="18" charset="0"/>
+                          </a:rPr>
+                          <m:t>1</m:t>
+                        </m:r>
+                      </m:sub>
+                    </m:sSub>
+                  </m:oMath>
+                </a14:m>
+                <a:endParaRPr lang="en-GB" dirty="0"/>
+              </a:p>
+            </p:txBody>
+          </p:sp>
+        </mc:Choice>
+        <mc:Fallback xmlns="">
+          <p:sp>
+            <p:nvSpPr>
+              <p:cNvPr id="33" name="TextBox 32">
+                <a:extLst>
+                  <a:ext uri="{FF2B5EF4-FFF2-40B4-BE49-F238E27FC236}">
+                    <a16:creationId xmlns:a16="http://schemas.microsoft.com/office/drawing/2014/main" id="{92800D4B-4DC3-476C-BD28-4385A8CC9C4C}"/>
+                  </a:ext>
+                </a:extLst>
+              </p:cNvPr>
+              <p:cNvSpPr txBox="1">
+                <a:spLocks noRot="1" noChangeAspect="1" noMove="1" noResize="1" noEditPoints="1" noAdjustHandles="1" noChangeArrowheads="1" noChangeShapeType="1" noTextEdit="1"/>
+              </p:cNvSpPr>
+              <p:nvPr/>
+            </p:nvSpPr>
+            <p:spPr>
+              <a:xfrm>
+                <a:off x="1745455" y="4234613"/>
+                <a:ext cx="8701089" cy="923330"/>
+              </a:xfrm>
+              <a:prstGeom prst="rect">
+                <a:avLst/>
+              </a:prstGeom>
+              <a:blipFill>
+                <a:blip r:embed="rId3"/>
+                <a:stretch>
+                  <a:fillRect l="-420" t="-3974" b="-9934"/>
+                </a:stretch>
+              </a:blipFill>
+            </p:spPr>
+            <p:txBody>
+              <a:bodyPr/>
+              <a:lstStyle/>
+              <a:p>
+                <a:r>
+                  <a:rPr lang="en-GB">
+                    <a:noFill/>
+                  </a:rPr>
+                  <a:t> </a:t>
+                </a:r>
+              </a:p>
+            </p:txBody>
+          </p:sp>
+        </mc:Fallback>
+      </mc:AlternateContent>
     </p:spTree>
     <p:extLst>
       <p:ext uri="{BB962C8B-B14F-4D97-AF65-F5344CB8AC3E}">
-        <p14:creationId xmlns:p14="http://schemas.microsoft.com/office/powerpoint/2010/main" val="583943789"/>
+        <p14:creationId xmlns:p14="http://schemas.microsoft.com/office/powerpoint/2010/main" val="652541662"/>
       </p:ext>
     </p:extLst>
   </p:cSld>
@@ -6584,4 +12397,299 @@
     </a:ext>
   </a:extLst>
 </a:theme>
+</file>
+
+<file path=ppt/theme/theme2.xml><?xml version="1.0" encoding="utf-8"?>
+<a:theme xmlns:a="http://schemas.openxmlformats.org/drawingml/2006/main" name="Office Theme">
+  <a:themeElements>
+    <a:clrScheme name="Office">
+      <a:dk1>
+        <a:sysClr val="windowText" lastClr="000000"/>
+      </a:dk1>
+      <a:lt1>
+        <a:sysClr val="window" lastClr="FFFFFF"/>
+      </a:lt1>
+      <a:dk2>
+        <a:srgbClr val="44546A"/>
+      </a:dk2>
+      <a:lt2>
+        <a:srgbClr val="E7E6E6"/>
+      </a:lt2>
+      <a:accent1>
+        <a:srgbClr val="4472C4"/>
+      </a:accent1>
+      <a:accent2>
+        <a:srgbClr val="ED7D31"/>
+      </a:accent2>
+      <a:accent3>
+        <a:srgbClr val="A5A5A5"/>
+      </a:accent3>
+      <a:accent4>
+        <a:srgbClr val="FFC000"/>
+      </a:accent4>
+      <a:accent5>
+        <a:srgbClr val="5B9BD5"/>
+      </a:accent5>
+      <a:accent6>
+        <a:srgbClr val="70AD47"/>
+      </a:accent6>
+      <a:hlink>
+        <a:srgbClr val="0563C1"/>
+      </a:hlink>
+      <a:folHlink>
+        <a:srgbClr val="954F72"/>
+      </a:folHlink>
+    </a:clrScheme>
+    <a:fontScheme name="Office">
+      <a:majorFont>
+        <a:latin typeface="Calibri Light" panose="020F0302020204030204"/>
+        <a:ea typeface=""/>
+        <a:cs typeface=""/>
+        <a:font script="Jpan" typeface="游ゴシック Light"/>
+        <a:font script="Hang" typeface="맑은 고딕"/>
+        <a:font script="Hans" typeface="等线 Light"/>
+        <a:font script="Hant" typeface="新細明體"/>
+        <a:font script="Arab" typeface="Times New Roman"/>
+        <a:font script="Hebr" typeface="Times New Roman"/>
+        <a:font script="Thai" typeface="Angsana New"/>
+        <a:font script="Ethi" typeface="Nyala"/>
+        <a:font script="Beng" typeface="Vrinda"/>
+        <a:font script="Gujr" typeface="Shruti"/>
+        <a:font script="Khmr" typeface="MoolBoran"/>
+        <a:font script="Knda" typeface="Tunga"/>
+        <a:font script="Guru" typeface="Raavi"/>
+        <a:font script="Cans" typeface="Euphemia"/>
+        <a:font script="Cher" typeface="Plantagenet Cherokee"/>
+        <a:font script="Yiii" typeface="Microsoft Yi Baiti"/>
+        <a:font script="Tibt" typeface="Microsoft Himalaya"/>
+        <a:font script="Thaa" typeface="MV Boli"/>
+        <a:font script="Deva" typeface="Mangal"/>
+        <a:font script="Telu" typeface="Gautami"/>
+        <a:font script="Taml" typeface="Latha"/>
+        <a:font script="Syrc" typeface="Estrangelo Edessa"/>
+        <a:font script="Orya" typeface="Kalinga"/>
+        <a:font script="Mlym" typeface="Kartika"/>
+        <a:font script="Laoo" typeface="DokChampa"/>
+        <a:font script="Sinh" typeface="Iskoola Pota"/>
+        <a:font script="Mong" typeface="Mongolian Baiti"/>
+        <a:font script="Viet" typeface="Times New Roman"/>
+        <a:font script="Uigh" typeface="Microsoft Uighur"/>
+        <a:font script="Geor" typeface="Sylfaen"/>
+        <a:font script="Armn" typeface="Arial"/>
+        <a:font script="Bugi" typeface="Leelawadee UI"/>
+        <a:font script="Bopo" typeface="Microsoft JhengHei"/>
+        <a:font script="Java" typeface="Javanese Text"/>
+        <a:font script="Lisu" typeface="Segoe UI"/>
+        <a:font script="Mymr" typeface="Myanmar Text"/>
+        <a:font script="Nkoo" typeface="Ebrima"/>
+        <a:font script="Olck" typeface="Nirmala UI"/>
+        <a:font script="Osma" typeface="Ebrima"/>
+        <a:font script="Phag" typeface="Phagspa"/>
+        <a:font script="Syrn" typeface="Estrangelo Edessa"/>
+        <a:font script="Syrj" typeface="Estrangelo Edessa"/>
+        <a:font script="Syre" typeface="Estrangelo Edessa"/>
+        <a:font script="Sora" typeface="Nirmala UI"/>
+        <a:font script="Tale" typeface="Microsoft Tai Le"/>
+        <a:font script="Talu" typeface="Microsoft New Tai Lue"/>
+        <a:font script="Tfng" typeface="Ebrima"/>
+      </a:majorFont>
+      <a:minorFont>
+        <a:latin typeface="Calibri" panose="020F0502020204030204"/>
+        <a:ea typeface=""/>
+        <a:cs typeface=""/>
+        <a:font script="Jpan" typeface="游ゴシック"/>
+        <a:font script="Hang" typeface="맑은 고딕"/>
+        <a:font script="Hans" typeface="等线"/>
+        <a:font script="Hant" typeface="新細明體"/>
+        <a:font script="Arab" typeface="Arial"/>
+        <a:font script="Hebr" typeface="Arial"/>
+        <a:font script="Thai" typeface="Cordia New"/>
+        <a:font script="Ethi" typeface="Nyala"/>
+        <a:font script="Beng" typeface="Vrinda"/>
+        <a:font script="Gujr" typeface="Shruti"/>
+        <a:font script="Khmr" typeface="DaunPenh"/>
+        <a:font script="Knda" typeface="Tunga"/>
+        <a:font script="Guru" typeface="Raavi"/>
+        <a:font script="Cans" typeface="Euphemia"/>
+        <a:font script="Cher" typeface="Plantagenet Cherokee"/>
+        <a:font script="Yiii" typeface="Microsoft Yi Baiti"/>
+        <a:font script="Tibt" typeface="Microsoft Himalaya"/>
+        <a:font script="Thaa" typeface="MV Boli"/>
+        <a:font script="Deva" typeface="Mangal"/>
+        <a:font script="Telu" typeface="Gautami"/>
+        <a:font script="Taml" typeface="Latha"/>
+        <a:font script="Syrc" typeface="Estrangelo Edessa"/>
+        <a:font script="Orya" typeface="Kalinga"/>
+        <a:font script="Mlym" typeface="Kartika"/>
+        <a:font script="Laoo" typeface="DokChampa"/>
+        <a:font script="Sinh" typeface="Iskoola Pota"/>
+        <a:font script="Mong" typeface="Mongolian Baiti"/>
+        <a:font script="Viet" typeface="Arial"/>
+        <a:font script="Uigh" typeface="Microsoft Uighur"/>
+        <a:font script="Geor" typeface="Sylfaen"/>
+        <a:font script="Armn" typeface="Arial"/>
+        <a:font script="Bugi" typeface="Leelawadee UI"/>
+        <a:font script="Bopo" typeface="Microsoft JhengHei"/>
+        <a:font script="Java" typeface="Javanese Text"/>
+        <a:font script="Lisu" typeface="Segoe UI"/>
+        <a:font script="Mymr" typeface="Myanmar Text"/>
+        <a:font script="Nkoo" typeface="Ebrima"/>
+        <a:font script="Olck" typeface="Nirmala UI"/>
+        <a:font script="Osma" typeface="Ebrima"/>
+        <a:font script="Phag" typeface="Phagspa"/>
+        <a:font script="Syrn" typeface="Estrangelo Edessa"/>
+        <a:font script="Syrj" typeface="Estrangelo Edessa"/>
+        <a:font script="Syre" typeface="Estrangelo Edessa"/>
+        <a:font script="Sora" typeface="Nirmala UI"/>
+        <a:font script="Tale" typeface="Microsoft Tai Le"/>
+        <a:font script="Talu" typeface="Microsoft New Tai Lue"/>
+        <a:font script="Tfng" typeface="Ebrima"/>
+      </a:minorFont>
+    </a:fontScheme>
+    <a:fmtScheme name="Office">
+      <a:fillStyleLst>
+        <a:solidFill>
+          <a:schemeClr val="phClr"/>
+        </a:solidFill>
+        <a:gradFill rotWithShape="1">
+          <a:gsLst>
+            <a:gs pos="0">
+              <a:schemeClr val="phClr">
+                <a:lumMod val="110000"/>
+                <a:satMod val="105000"/>
+                <a:tint val="67000"/>
+              </a:schemeClr>
+            </a:gs>
+            <a:gs pos="50000">
+              <a:schemeClr val="phClr">
+                <a:lumMod val="105000"/>
+                <a:satMod val="103000"/>
+                <a:tint val="73000"/>
+              </a:schemeClr>
+            </a:gs>
+            <a:gs pos="100000">
+              <a:schemeClr val="phClr">
+                <a:lumMod val="105000"/>
+                <a:satMod val="109000"/>
+                <a:tint val="81000"/>
+              </a:schemeClr>
+            </a:gs>
+          </a:gsLst>
+          <a:lin ang="5400000" scaled="0"/>
+        </a:gradFill>
+        <a:gradFill rotWithShape="1">
+          <a:gsLst>
+            <a:gs pos="0">
+              <a:schemeClr val="phClr">
+                <a:satMod val="103000"/>
+                <a:lumMod val="102000"/>
+                <a:tint val="94000"/>
+              </a:schemeClr>
+            </a:gs>
+            <a:gs pos="50000">
+              <a:schemeClr val="phClr">
+                <a:satMod val="110000"/>
+                <a:lumMod val="100000"/>
+                <a:shade val="100000"/>
+              </a:schemeClr>
+            </a:gs>
+            <a:gs pos="100000">
+              <a:schemeClr val="phClr">
+                <a:lumMod val="99000"/>
+                <a:satMod val="120000"/>
+                <a:shade val="78000"/>
+              </a:schemeClr>
+            </a:gs>
+          </a:gsLst>
+          <a:lin ang="5400000" scaled="0"/>
+        </a:gradFill>
+      </a:fillStyleLst>
+      <a:lnStyleLst>
+        <a:ln w="6350" cap="flat" cmpd="sng" algn="ctr">
+          <a:solidFill>
+            <a:schemeClr val="phClr"/>
+          </a:solidFill>
+          <a:prstDash val="solid"/>
+          <a:miter lim="800000"/>
+        </a:ln>
+        <a:ln w="12700" cap="flat" cmpd="sng" algn="ctr">
+          <a:solidFill>
+            <a:schemeClr val="phClr"/>
+          </a:solidFill>
+          <a:prstDash val="solid"/>
+          <a:miter lim="800000"/>
+        </a:ln>
+        <a:ln w="19050" cap="flat" cmpd="sng" algn="ctr">
+          <a:solidFill>
+            <a:schemeClr val="phClr"/>
+          </a:solidFill>
+          <a:prstDash val="solid"/>
+          <a:miter lim="800000"/>
+        </a:ln>
+      </a:lnStyleLst>
+      <a:effectStyleLst>
+        <a:effectStyle>
+          <a:effectLst/>
+        </a:effectStyle>
+        <a:effectStyle>
+          <a:effectLst/>
+        </a:effectStyle>
+        <a:effectStyle>
+          <a:effectLst>
+            <a:outerShdw blurRad="57150" dist="19050" dir="5400000" algn="ctr" rotWithShape="0">
+              <a:srgbClr val="000000">
+                <a:alpha val="63000"/>
+              </a:srgbClr>
+            </a:outerShdw>
+          </a:effectLst>
+        </a:effectStyle>
+      </a:effectStyleLst>
+      <a:bgFillStyleLst>
+        <a:solidFill>
+          <a:schemeClr val="phClr"/>
+        </a:solidFill>
+        <a:solidFill>
+          <a:schemeClr val="phClr">
+            <a:tint val="95000"/>
+            <a:satMod val="170000"/>
+          </a:schemeClr>
+        </a:solidFill>
+        <a:gradFill rotWithShape="1">
+          <a:gsLst>
+            <a:gs pos="0">
+              <a:schemeClr val="phClr">
+                <a:tint val="93000"/>
+                <a:satMod val="150000"/>
+                <a:shade val="98000"/>
+                <a:lumMod val="102000"/>
+              </a:schemeClr>
+            </a:gs>
+            <a:gs pos="50000">
+              <a:schemeClr val="phClr">
+                <a:tint val="98000"/>
+                <a:satMod val="130000"/>
+                <a:shade val="90000"/>
+                <a:lumMod val="103000"/>
+              </a:schemeClr>
+            </a:gs>
+            <a:gs pos="100000">
+              <a:schemeClr val="phClr">
+                <a:shade val="63000"/>
+                <a:satMod val="120000"/>
+              </a:schemeClr>
+            </a:gs>
+          </a:gsLst>
+          <a:lin ang="5400000" scaled="0"/>
+        </a:gradFill>
+      </a:bgFillStyleLst>
+    </a:fmtScheme>
+  </a:themeElements>
+  <a:objectDefaults/>
+  <a:extraClrSchemeLst/>
+  <a:extLst>
+    <a:ext uri="{05A4C25C-085E-4340-85A3-A5531E510DB2}">
+      <thm15:themeFamily xmlns:thm15="http://schemas.microsoft.com/office/thememl/2012/main" name="Office Theme" id="{62F939B6-93AF-4DB8-9C6B-D6C7DFDC589F}" vid="{4A3C46E8-61CC-4603-A589-7422A47A8E4A}"/>
+    </a:ext>
+  </a:extLst>
+</a:theme>
 </file>
--- a/presentation.pptx
+++ b/presentation.pptx
@@ -5,7 +5,7 @@
     <p:sldMasterId id="2147483648" r:id="rId1"/>
   </p:sldMasterIdLst>
   <p:notesMasterIdLst>
-    <p:notesMasterId r:id="rId24"/>
+    <p:notesMasterId r:id="rId26"/>
   </p:notesMasterIdLst>
   <p:sldIdLst>
     <p:sldId id="256" r:id="rId2"/>
@@ -20,16 +20,18 @@
     <p:sldId id="281" r:id="rId11"/>
     <p:sldId id="282" r:id="rId12"/>
     <p:sldId id="283" r:id="rId13"/>
-    <p:sldId id="268" r:id="rId14"/>
-    <p:sldId id="269" r:id="rId15"/>
-    <p:sldId id="284" r:id="rId16"/>
-    <p:sldId id="271" r:id="rId17"/>
+    <p:sldId id="269" r:id="rId14"/>
+    <p:sldId id="284" r:id="rId15"/>
+    <p:sldId id="271" r:id="rId16"/>
+    <p:sldId id="287" r:id="rId17"/>
     <p:sldId id="274" r:id="rId18"/>
     <p:sldId id="285" r:id="rId19"/>
     <p:sldId id="276" r:id="rId20"/>
     <p:sldId id="277" r:id="rId21"/>
     <p:sldId id="278" r:id="rId22"/>
     <p:sldId id="279" r:id="rId23"/>
+    <p:sldId id="286" r:id="rId24"/>
+    <p:sldId id="288" r:id="rId25"/>
   </p:sldIdLst>
   <p:sldSz cx="12192000" cy="6858000"/>
   <p:notesSz cx="6858000" cy="9144000"/>
@@ -218,7 +220,7 @@
           <a:p>
             <a:fld id="{0242C2D0-5B37-4148-B679-B1E62C82A485}" type="datetimeFigureOut">
               <a:rPr lang="en-GB" smtClean="0"/>
-              <a:t>02/04/2022</a:t>
+              <a:t>04/04/2022</a:t>
             </a:fld>
             <a:endParaRPr lang="en-GB"/>
           </a:p>
@@ -635,7 +637,7 @@
           <a:p>
             <a:fld id="{77B73E64-E8C8-441E-A2EF-26309BCA6DAE}" type="datetimeFigureOut">
               <a:rPr lang="en-GB" smtClean="0"/>
-              <a:t>02/04/2022</a:t>
+              <a:t>04/04/2022</a:t>
             </a:fld>
             <a:endParaRPr lang="en-GB"/>
           </a:p>
@@ -835,7 +837,7 @@
           <a:p>
             <a:fld id="{77B73E64-E8C8-441E-A2EF-26309BCA6DAE}" type="datetimeFigureOut">
               <a:rPr lang="en-GB" smtClean="0"/>
-              <a:t>02/04/2022</a:t>
+              <a:t>04/04/2022</a:t>
             </a:fld>
             <a:endParaRPr lang="en-GB"/>
           </a:p>
@@ -1045,7 +1047,7 @@
           <a:p>
             <a:fld id="{77B73E64-E8C8-441E-A2EF-26309BCA6DAE}" type="datetimeFigureOut">
               <a:rPr lang="en-GB" smtClean="0"/>
-              <a:t>02/04/2022</a:t>
+              <a:t>04/04/2022</a:t>
             </a:fld>
             <a:endParaRPr lang="en-GB"/>
           </a:p>
@@ -1245,7 +1247,7 @@
           <a:p>
             <a:fld id="{77B73E64-E8C8-441E-A2EF-26309BCA6DAE}" type="datetimeFigureOut">
               <a:rPr lang="en-GB" smtClean="0"/>
-              <a:t>02/04/2022</a:t>
+              <a:t>04/04/2022</a:t>
             </a:fld>
             <a:endParaRPr lang="en-GB"/>
           </a:p>
@@ -1521,7 +1523,7 @@
           <a:p>
             <a:fld id="{77B73E64-E8C8-441E-A2EF-26309BCA6DAE}" type="datetimeFigureOut">
               <a:rPr lang="en-GB" smtClean="0"/>
-              <a:t>02/04/2022</a:t>
+              <a:t>04/04/2022</a:t>
             </a:fld>
             <a:endParaRPr lang="en-GB"/>
           </a:p>
@@ -1789,7 +1791,7 @@
           <a:p>
             <a:fld id="{77B73E64-E8C8-441E-A2EF-26309BCA6DAE}" type="datetimeFigureOut">
               <a:rPr lang="en-GB" smtClean="0"/>
-              <a:t>02/04/2022</a:t>
+              <a:t>04/04/2022</a:t>
             </a:fld>
             <a:endParaRPr lang="en-GB"/>
           </a:p>
@@ -2204,7 +2206,7 @@
           <a:p>
             <a:fld id="{77B73E64-E8C8-441E-A2EF-26309BCA6DAE}" type="datetimeFigureOut">
               <a:rPr lang="en-GB" smtClean="0"/>
-              <a:t>02/04/2022</a:t>
+              <a:t>04/04/2022</a:t>
             </a:fld>
             <a:endParaRPr lang="en-GB"/>
           </a:p>
@@ -2346,7 +2348,7 @@
           <a:p>
             <a:fld id="{77B73E64-E8C8-441E-A2EF-26309BCA6DAE}" type="datetimeFigureOut">
               <a:rPr lang="en-GB" smtClean="0"/>
-              <a:t>02/04/2022</a:t>
+              <a:t>04/04/2022</a:t>
             </a:fld>
             <a:endParaRPr lang="en-GB"/>
           </a:p>
@@ -2459,7 +2461,7 @@
           <a:p>
             <a:fld id="{77B73E64-E8C8-441E-A2EF-26309BCA6DAE}" type="datetimeFigureOut">
               <a:rPr lang="en-GB" smtClean="0"/>
-              <a:t>02/04/2022</a:t>
+              <a:t>04/04/2022</a:t>
             </a:fld>
             <a:endParaRPr lang="en-GB"/>
           </a:p>
@@ -2772,7 +2774,7 @@
           <a:p>
             <a:fld id="{77B73E64-E8C8-441E-A2EF-26309BCA6DAE}" type="datetimeFigureOut">
               <a:rPr lang="en-GB" smtClean="0"/>
-              <a:t>02/04/2022</a:t>
+              <a:t>04/04/2022</a:t>
             </a:fld>
             <a:endParaRPr lang="en-GB"/>
           </a:p>
@@ -3061,7 +3063,7 @@
           <a:p>
             <a:fld id="{77B73E64-E8C8-441E-A2EF-26309BCA6DAE}" type="datetimeFigureOut">
               <a:rPr lang="en-GB" smtClean="0"/>
-              <a:t>02/04/2022</a:t>
+              <a:t>04/04/2022</a:t>
             </a:fld>
             <a:endParaRPr lang="en-GB"/>
           </a:p>
@@ -3304,7 +3306,7 @@
           <a:p>
             <a:fld id="{77B73E64-E8C8-441E-A2EF-26309BCA6DAE}" type="datetimeFigureOut">
               <a:rPr lang="en-GB" smtClean="0"/>
-              <a:t>02/04/2022</a:t>
+              <a:t>04/04/2022</a:t>
             </a:fld>
             <a:endParaRPr lang="en-GB"/>
           </a:p>
@@ -4471,6 +4473,34 @@
           </p:sp>
         </mc:Fallback>
       </mc:AlternateContent>
+      <p:sp>
+        <p:nvSpPr>
+          <p:cNvPr id="2" name="Title 1">
+            <a:extLst>
+              <a:ext uri="{FF2B5EF4-FFF2-40B4-BE49-F238E27FC236}">
+                <a16:creationId xmlns:a16="http://schemas.microsoft.com/office/drawing/2014/main" id="{00F1523E-5E78-4CEC-8B44-69A7078DF7DB}"/>
+              </a:ext>
+            </a:extLst>
+          </p:cNvPr>
+          <p:cNvSpPr>
+            <a:spLocks noGrp="1"/>
+          </p:cNvSpPr>
+          <p:nvPr>
+            <p:ph type="title"/>
+          </p:nvPr>
+        </p:nvSpPr>
+        <p:spPr/>
+        <p:txBody>
+          <a:bodyPr/>
+          <a:lstStyle/>
+          <a:p>
+            <a:r>
+              <a:rPr lang="en-GB" dirty="0"/>
+              <a:t>Simulating Arrivals</a:t>
+            </a:r>
+          </a:p>
+        </p:txBody>
+      </p:sp>
     </p:spTree>
     <p:extLst>
       <p:ext uri="{BB962C8B-B14F-4D97-AF65-F5344CB8AC3E}">
@@ -5279,6 +5309,34 @@
           </p:sp>
         </mc:Fallback>
       </mc:AlternateContent>
+      <p:sp>
+        <p:nvSpPr>
+          <p:cNvPr id="2" name="Title 1">
+            <a:extLst>
+              <a:ext uri="{FF2B5EF4-FFF2-40B4-BE49-F238E27FC236}">
+                <a16:creationId xmlns:a16="http://schemas.microsoft.com/office/drawing/2014/main" id="{B4E300C7-571E-4B18-A1A0-A0282E23ACF2}"/>
+              </a:ext>
+            </a:extLst>
+          </p:cNvPr>
+          <p:cNvSpPr>
+            <a:spLocks noGrp="1"/>
+          </p:cNvSpPr>
+          <p:nvPr>
+            <p:ph type="title"/>
+          </p:nvPr>
+        </p:nvSpPr>
+        <p:spPr/>
+        <p:txBody>
+          <a:bodyPr/>
+          <a:lstStyle/>
+          <a:p>
+            <a:r>
+              <a:rPr lang="en-GB" dirty="0"/>
+              <a:t>Simulating Arrivals</a:t>
+            </a:r>
+          </a:p>
+        </p:txBody>
+      </p:sp>
     </p:spTree>
     <p:extLst>
       <p:ext uri="{BB962C8B-B14F-4D97-AF65-F5344CB8AC3E}">
@@ -6057,6 +6115,34 @@
           </a:p>
         </p:txBody>
       </p:sp>
+      <p:sp>
+        <p:nvSpPr>
+          <p:cNvPr id="2" name="Title 1">
+            <a:extLst>
+              <a:ext uri="{FF2B5EF4-FFF2-40B4-BE49-F238E27FC236}">
+                <a16:creationId xmlns:a16="http://schemas.microsoft.com/office/drawing/2014/main" id="{DB11733E-0CCB-46C3-BA3C-A5C70E48F881}"/>
+              </a:ext>
+            </a:extLst>
+          </p:cNvPr>
+          <p:cNvSpPr>
+            <a:spLocks noGrp="1"/>
+          </p:cNvSpPr>
+          <p:nvPr>
+            <p:ph type="title"/>
+          </p:nvPr>
+        </p:nvSpPr>
+        <p:spPr/>
+        <p:txBody>
+          <a:bodyPr/>
+          <a:lstStyle/>
+          <a:p>
+            <a:r>
+              <a:rPr lang="en-GB" dirty="0"/>
+              <a:t>Simulating Arrivals</a:t>
+            </a:r>
+          </a:p>
+        </p:txBody>
+      </p:sp>
     </p:spTree>
     <p:extLst>
       <p:ext uri="{BB962C8B-B14F-4D97-AF65-F5344CB8AC3E}">
@@ -6092,7 +6178,7 @@
           <p:cNvPr id="2" name="Title 1">
             <a:extLst>
               <a:ext uri="{FF2B5EF4-FFF2-40B4-BE49-F238E27FC236}">
-                <a16:creationId xmlns:a16="http://schemas.microsoft.com/office/drawing/2014/main" id="{CE0F9B8C-619D-498E-98E8-4A4FB099871C}"/>
+                <a16:creationId xmlns:a16="http://schemas.microsoft.com/office/drawing/2014/main" id="{9C6F7F59-67C5-43FB-8EE2-70F04CCC6AF4}"/>
               </a:ext>
             </a:extLst>
           </p:cNvPr>
@@ -6110,105 +6196,13 @@
           <a:p>
             <a:r>
               <a:rPr lang="en-GB" dirty="0"/>
-              <a:t>Simulating Arrivals</a:t>
-            </a:r>
-          </a:p>
-        </p:txBody>
-      </p:sp>
-      <p:pic>
-        <p:nvPicPr>
-          <p:cNvPr id="5" name="Content Placeholder 4">
-            <a:extLst>
-              <a:ext uri="{FF2B5EF4-FFF2-40B4-BE49-F238E27FC236}">
-                <a16:creationId xmlns:a16="http://schemas.microsoft.com/office/drawing/2014/main" id="{38A45625-8913-439F-A57F-19AEBAA0D3CF}"/>
-              </a:ext>
-            </a:extLst>
-          </p:cNvPr>
-          <p:cNvPicPr>
-            <a:picLocks noGrp="1" noChangeAspect="1"/>
-          </p:cNvPicPr>
-          <p:nvPr>
-            <p:ph idx="1"/>
-          </p:nvPr>
-        </p:nvPicPr>
-        <p:blipFill>
-          <a:blip r:embed="rId2">
-            <a:extLst>
-              <a:ext uri="{28A0092B-C50C-407E-A947-70E740481C1C}">
-                <a14:useLocalDpi xmlns:a14="http://schemas.microsoft.com/office/drawing/2010/main" val="0"/>
-              </a:ext>
-            </a:extLst>
-          </a:blip>
-          <a:srcRect/>
-          <a:stretch/>
-        </p:blipFill>
-        <p:spPr>
-          <a:xfrm>
-            <a:off x="1455818" y="2148333"/>
-            <a:ext cx="9280364" cy="2561333"/>
-          </a:xfrm>
-        </p:spPr>
-      </p:pic>
-    </p:spTree>
-    <p:extLst>
-      <p:ext uri="{BB962C8B-B14F-4D97-AF65-F5344CB8AC3E}">
-        <p14:creationId xmlns:p14="http://schemas.microsoft.com/office/powerpoint/2010/main" val="583943789"/>
-      </p:ext>
-    </p:extLst>
-  </p:cSld>
-  <p:clrMapOvr>
-    <a:masterClrMapping/>
-  </p:clrMapOvr>
-</p:sld>
-</file>
-
-<file path=ppt/slides/slide14.xml><?xml version="1.0" encoding="utf-8"?>
-<p:sld xmlns:a="http://schemas.openxmlformats.org/drawingml/2006/main" xmlns:r="http://schemas.openxmlformats.org/officeDocument/2006/relationships" xmlns:p="http://schemas.openxmlformats.org/presentationml/2006/main">
-  <p:cSld>
-    <p:spTree>
-      <p:nvGrpSpPr>
-        <p:cNvPr id="1" name=""/>
-        <p:cNvGrpSpPr/>
-        <p:nvPr/>
-      </p:nvGrpSpPr>
-      <p:grpSpPr>
-        <a:xfrm>
-          <a:off x="0" y="0"/>
-          <a:ext cx="0" cy="0"/>
-          <a:chOff x="0" y="0"/>
-          <a:chExt cx="0" cy="0"/>
-        </a:xfrm>
-      </p:grpSpPr>
-      <p:sp>
-        <p:nvSpPr>
-          <p:cNvPr id="2" name="Title 1">
-            <a:extLst>
-              <a:ext uri="{FF2B5EF4-FFF2-40B4-BE49-F238E27FC236}">
-                <a16:creationId xmlns:a16="http://schemas.microsoft.com/office/drawing/2014/main" id="{9C6F7F59-67C5-43FB-8EE2-70F04CCC6AF4}"/>
-              </a:ext>
-            </a:extLst>
-          </p:cNvPr>
-          <p:cNvSpPr>
-            <a:spLocks noGrp="1"/>
-          </p:cNvSpPr>
-          <p:nvPr>
-            <p:ph type="title"/>
-          </p:nvPr>
-        </p:nvSpPr>
-        <p:spPr/>
-        <p:txBody>
-          <a:bodyPr/>
-          <a:lstStyle/>
-          <a:p>
-            <a:r>
-              <a:rPr lang="en-GB" dirty="0"/>
               <a:t>Simulating Departures</a:t>
             </a:r>
           </a:p>
         </p:txBody>
       </p:sp>
-      <mc:AlternateContent xmlns:mc="http://schemas.openxmlformats.org/markup-compatibility/2006" xmlns:a14="http://schemas.microsoft.com/office/drawing/2010/main">
-        <mc:Choice Requires="a14">
+      <mc:AlternateContent xmlns:mc="http://schemas.openxmlformats.org/markup-compatibility/2006">
+        <mc:Choice xmlns:a14="http://schemas.microsoft.com/office/drawing/2010/main" Requires="a14">
           <p:sp>
             <p:nvSpPr>
               <p:cNvPr id="3" name="Content Placeholder 2">
@@ -6368,10 +6362,13 @@
                           <m:t>, </m:t>
                         </m:r>
                         <m:r>
-                          <a:rPr lang="en-GB" b="0" i="1" smtClean="0">
+                          <m:rPr>
+                            <m:sty m:val="p"/>
+                          </m:rPr>
+                          <a:rPr lang="en-GB" i="1">
                             <a:latin typeface="Cambria Math" panose="02040503050406030204" pitchFamily="18" charset="0"/>
                           </a:rPr>
-                          <m:t>𝛿</m:t>
+                          <m:t>ε</m:t>
                         </m:r>
                       </m:e>
                     </m:d>
@@ -6452,7 +6449,7 @@
             </p:txBody>
           </p:sp>
         </mc:Choice>
-        <mc:Fallback xmlns="">
+        <mc:Fallback>
           <p:sp>
             <p:nvSpPr>
               <p:cNvPr id="3" name="Content Placeholder 2">
@@ -6505,7 +6502,7 @@
 </p:sld>
 </file>
 
-<file path=ppt/slides/slide15.xml><?xml version="1.0" encoding="utf-8"?>
+<file path=ppt/slides/slide14.xml><?xml version="1.0" encoding="utf-8"?>
 <p:sld xmlns:a="http://schemas.openxmlformats.org/drawingml/2006/main" xmlns:r="http://schemas.openxmlformats.org/officeDocument/2006/relationships" xmlns:p="http://schemas.openxmlformats.org/presentationml/2006/main">
   <p:cSld>
     <p:spTree>
@@ -7822,7 +7819,7 @@
 </p:sld>
 </file>
 
-<file path=ppt/slides/slide16.xml><?xml version="1.0" encoding="utf-8"?>
+<file path=ppt/slides/slide15.xml><?xml version="1.0" encoding="utf-8"?>
 <p:sld xmlns:a="http://schemas.openxmlformats.org/drawingml/2006/main" xmlns:r="http://schemas.openxmlformats.org/officeDocument/2006/relationships" xmlns:p="http://schemas.openxmlformats.org/presentationml/2006/main">
   <p:cSld>
     <p:spTree>
@@ -8084,6 +8081,373 @@
     <p:extLst>
       <p:ext uri="{BB962C8B-B14F-4D97-AF65-F5344CB8AC3E}">
         <p14:creationId xmlns:p14="http://schemas.microsoft.com/office/powerpoint/2010/main" val="4105298732"/>
+      </p:ext>
+    </p:extLst>
+  </p:cSld>
+  <p:clrMapOvr>
+    <a:masterClrMapping/>
+  </p:clrMapOvr>
+</p:sld>
+</file>
+
+<file path=ppt/slides/slide16.xml><?xml version="1.0" encoding="utf-8"?>
+<p:sld xmlns:a="http://schemas.openxmlformats.org/drawingml/2006/main" xmlns:r="http://schemas.openxmlformats.org/officeDocument/2006/relationships" xmlns:p="http://schemas.openxmlformats.org/presentationml/2006/main">
+  <p:cSld>
+    <p:spTree>
+      <p:nvGrpSpPr>
+        <p:cNvPr id="1" name=""/>
+        <p:cNvGrpSpPr/>
+        <p:nvPr/>
+      </p:nvGrpSpPr>
+      <p:grpSpPr>
+        <a:xfrm>
+          <a:off x="0" y="0"/>
+          <a:ext cx="0" cy="0"/>
+          <a:chOff x="0" y="0"/>
+          <a:chExt cx="0" cy="0"/>
+        </a:xfrm>
+      </p:grpSpPr>
+      <p:sp>
+        <p:nvSpPr>
+          <p:cNvPr id="2" name="Title 1">
+            <a:extLst>
+              <a:ext uri="{FF2B5EF4-FFF2-40B4-BE49-F238E27FC236}">
+                <a16:creationId xmlns:a16="http://schemas.microsoft.com/office/drawing/2014/main" id="{E38B35B1-1A88-4E5B-BE30-311AFC80A5F8}"/>
+              </a:ext>
+            </a:extLst>
+          </p:cNvPr>
+          <p:cNvSpPr>
+            <a:spLocks noGrp="1"/>
+          </p:cNvSpPr>
+          <p:nvPr>
+            <p:ph type="title"/>
+          </p:nvPr>
+        </p:nvSpPr>
+        <p:spPr/>
+        <p:txBody>
+          <a:bodyPr/>
+          <a:lstStyle/>
+          <a:p>
+            <a:r>
+              <a:rPr lang="en-GB" dirty="0"/>
+              <a:t>Expected Abundance</a:t>
+            </a:r>
+          </a:p>
+        </p:txBody>
+      </p:sp>
+      <mc:AlternateContent xmlns:mc="http://schemas.openxmlformats.org/markup-compatibility/2006">
+        <mc:Choice xmlns:a14="http://schemas.microsoft.com/office/drawing/2010/main" Requires="a14">
+          <p:sp>
+            <p:nvSpPr>
+              <p:cNvPr id="3" name="Content Placeholder 2">
+                <a:extLst>
+                  <a:ext uri="{FF2B5EF4-FFF2-40B4-BE49-F238E27FC236}">
+                    <a16:creationId xmlns:a16="http://schemas.microsoft.com/office/drawing/2014/main" id="{8CB5C6CC-0EF0-4A1E-A631-7AF40A094415}"/>
+                  </a:ext>
+                </a:extLst>
+              </p:cNvPr>
+              <p:cNvSpPr>
+                <a:spLocks noGrp="1"/>
+              </p:cNvSpPr>
+              <p:nvPr>
+                <p:ph idx="1"/>
+              </p:nvPr>
+            </p:nvSpPr>
+            <p:spPr/>
+            <p:txBody>
+              <a:bodyPr/>
+              <a:lstStyle/>
+              <a:p>
+                <a:r>
+                  <a:rPr lang="en-GB" dirty="0"/>
+                  <a:t>We can choose the long-term average using Little’s law:</a:t>
+                </a:r>
+              </a:p>
+              <a:p>
+                <a:pPr marL="0" indent="0">
+                  <a:buNone/>
+                </a:pPr>
+                <a:endParaRPr lang="en-GB" dirty="0"/>
+              </a:p>
+              <a:p>
+                <a:pPr marL="1828800" lvl="4" indent="0">
+                  <a:buNone/>
+                </a:pPr>
+                <a14:m>
+                  <m:oMathPara xmlns:m="http://schemas.openxmlformats.org/officeDocument/2006/math">
+                    <m:oMathParaPr>
+                      <m:jc m:val="center"/>
+                    </m:oMathParaPr>
+                    <m:oMath xmlns:m="http://schemas.openxmlformats.org/officeDocument/2006/math">
+                      <m:acc>
+                        <m:accPr>
+                          <m:chr m:val="̅"/>
+                          <m:ctrlPr>
+                            <a:rPr lang="en-GB" sz="2800" i="1"/>
+                          </m:ctrlPr>
+                        </m:accPr>
+                        <m:e>
+                          <m:r>
+                            <a:rPr lang="en-GB" sz="2800" i="1"/>
+                            <m:t>𝑁</m:t>
+                          </m:r>
+                        </m:e>
+                      </m:acc>
+                      <m:r>
+                        <a:rPr lang="en-GB" sz="2800" i="1"/>
+                        <m:t>=</m:t>
+                      </m:r>
+                      <m:r>
+                        <m:rPr>
+                          <m:sty m:val="p"/>
+                        </m:rPr>
+                        <a:rPr lang="en-GB" sz="2800"/>
+                        <m:t>λ</m:t>
+                      </m:r>
+                      <m:r>
+                        <a:rPr lang="en-GB" sz="2800" i="1" smtClean="0"/>
+                        <m:t>𝑇</m:t>
+                      </m:r>
+                    </m:oMath>
+                  </m:oMathPara>
+                </a14:m>
+                <a:endParaRPr lang="en-GB" dirty="0"/>
+              </a:p>
+              <a:p>
+                <a:pPr marL="1828800" lvl="4" indent="0">
+                  <a:buNone/>
+                </a:pPr>
+                <a:endParaRPr lang="en-GB" dirty="0"/>
+              </a:p>
+              <a:p>
+                <a14:m>
+                  <m:oMath xmlns:m="http://schemas.openxmlformats.org/officeDocument/2006/math">
+                    <m:r>
+                      <a:rPr lang="en-GB" b="0" i="1" smtClean="0">
+                        <a:latin typeface="Cambria Math" panose="02040503050406030204" pitchFamily="18" charset="0"/>
+                      </a:rPr>
+                      <m:t>𝜆</m:t>
+                    </m:r>
+                    <m:r>
+                      <a:rPr lang="en-GB" b="0" i="1" smtClean="0">
+                        <a:latin typeface="Cambria Math" panose="02040503050406030204" pitchFamily="18" charset="0"/>
+                      </a:rPr>
+                      <m:t>=</m:t>
+                    </m:r>
+                    <m:r>
+                      <m:rPr>
+                        <m:nor/>
+                      </m:rPr>
+                      <a:rPr lang="en-GB" b="0" i="0" smtClean="0">
+                        <a:latin typeface="Cambria Math" panose="02040503050406030204" pitchFamily="18" charset="0"/>
+                      </a:rPr>
+                      <m:t>Arrival</m:t>
+                    </m:r>
+                    <m:r>
+                      <m:rPr>
+                        <m:nor/>
+                      </m:rPr>
+                      <a:rPr lang="en-GB" b="0" i="0" smtClean="0">
+                        <a:latin typeface="Cambria Math" panose="02040503050406030204" pitchFamily="18" charset="0"/>
+                      </a:rPr>
+                      <m:t> </m:t>
+                    </m:r>
+                    <m:r>
+                      <m:rPr>
+                        <m:nor/>
+                      </m:rPr>
+                      <a:rPr lang="en-GB" b="0" i="0" smtClean="0">
+                        <a:latin typeface="Cambria Math" panose="02040503050406030204" pitchFamily="18" charset="0"/>
+                      </a:rPr>
+                      <m:t>rate</m:t>
+                    </m:r>
+                  </m:oMath>
+                </a14:m>
+                <a:endParaRPr lang="en-GB" dirty="0"/>
+              </a:p>
+              <a:p>
+                <a14:m>
+                  <m:oMath xmlns:m="http://schemas.openxmlformats.org/officeDocument/2006/math">
+                    <m:r>
+                      <a:rPr lang="en-GB" b="0" i="1" smtClean="0">
+                        <a:latin typeface="Cambria Math" panose="02040503050406030204" pitchFamily="18" charset="0"/>
+                      </a:rPr>
+                      <m:t>𝑇</m:t>
+                    </m:r>
+                    <m:r>
+                      <a:rPr lang="en-GB" b="0" i="1" smtClean="0">
+                        <a:latin typeface="Cambria Math" panose="02040503050406030204" pitchFamily="18" charset="0"/>
+                      </a:rPr>
+                      <m:t>=</m:t>
+                    </m:r>
+                    <m:r>
+                      <m:rPr>
+                        <m:nor/>
+                      </m:rPr>
+                      <a:rPr lang="en-GB" b="0" i="0" smtClean="0">
+                        <a:latin typeface="Cambria Math" panose="02040503050406030204" pitchFamily="18" charset="0"/>
+                      </a:rPr>
+                      <m:t>Mean</m:t>
+                    </m:r>
+                    <m:r>
+                      <m:rPr>
+                        <m:nor/>
+                      </m:rPr>
+                      <a:rPr lang="en-GB" b="0" i="0" smtClean="0">
+                        <a:latin typeface="Cambria Math" panose="02040503050406030204" pitchFamily="18" charset="0"/>
+                      </a:rPr>
+                      <m:t> </m:t>
+                    </m:r>
+                    <m:r>
+                      <m:rPr>
+                        <m:nor/>
+                      </m:rPr>
+                      <a:rPr lang="en-GB" b="0" i="0" smtClean="0">
+                        <a:latin typeface="Cambria Math" panose="02040503050406030204" pitchFamily="18" charset="0"/>
+                      </a:rPr>
+                      <m:t>time</m:t>
+                    </m:r>
+                    <m:r>
+                      <m:rPr>
+                        <m:nor/>
+                      </m:rPr>
+                      <a:rPr lang="en-GB" b="0" i="0" smtClean="0">
+                        <a:latin typeface="Cambria Math" panose="02040503050406030204" pitchFamily="18" charset="0"/>
+                      </a:rPr>
+                      <m:t> </m:t>
+                    </m:r>
+                    <m:r>
+                      <m:rPr>
+                        <m:nor/>
+                      </m:rPr>
+                      <a:rPr lang="en-GB" b="0" i="0" smtClean="0">
+                        <a:latin typeface="Cambria Math" panose="02040503050406030204" pitchFamily="18" charset="0"/>
+                      </a:rPr>
+                      <m:t>in</m:t>
+                    </m:r>
+                    <m:r>
+                      <m:rPr>
+                        <m:nor/>
+                      </m:rPr>
+                      <a:rPr lang="en-GB" b="0" i="0" smtClean="0">
+                        <a:latin typeface="Cambria Math" panose="02040503050406030204" pitchFamily="18" charset="0"/>
+                      </a:rPr>
+                      <m:t> </m:t>
+                    </m:r>
+                    <m:r>
+                      <m:rPr>
+                        <m:nor/>
+                      </m:rPr>
+                      <a:rPr lang="en-GB" b="0" i="0" smtClean="0">
+                        <a:latin typeface="Cambria Math" panose="02040503050406030204" pitchFamily="18" charset="0"/>
+                      </a:rPr>
+                      <m:t>population</m:t>
+                    </m:r>
+                  </m:oMath>
+                </a14:m>
+                <a:endParaRPr lang="en-GB" dirty="0"/>
+              </a:p>
+              <a:p>
+                <a:r>
+                  <a:rPr lang="en-GB" dirty="0"/>
+                  <a:t>Set</a:t>
+                </a:r>
+                <a14:m>
+                  <m:oMath xmlns:m="http://schemas.openxmlformats.org/officeDocument/2006/math">
+                    <m:r>
+                      <a:rPr lang="en-GB" b="0" i="0" smtClean="0">
+                        <a:latin typeface="Cambria Math" panose="02040503050406030204" pitchFamily="18" charset="0"/>
+                      </a:rPr>
+                      <m:t> </m:t>
+                    </m:r>
+                    <m:r>
+                      <m:rPr>
+                        <m:sty m:val="p"/>
+                      </m:rPr>
+                      <a:rPr lang="en-GB"/>
+                      <m:t>λ</m:t>
+                    </m:r>
+                    <m:r>
+                      <a:rPr lang="en-GB" i="1"/>
+                      <m:t>=</m:t>
+                    </m:r>
+                    <m:f>
+                      <m:fPr>
+                        <m:type m:val="lin"/>
+                        <m:ctrlPr>
+                          <a:rPr lang="en-GB" i="1"/>
+                        </m:ctrlPr>
+                      </m:fPr>
+                      <m:num>
+                        <m:r>
+                          <a:rPr lang="en-GB" i="1"/>
+                          <m:t>𝑁</m:t>
+                        </m:r>
+                      </m:num>
+                      <m:den>
+                        <m:r>
+                          <a:rPr lang="en-GB" i="1"/>
+                          <m:t>𝑇</m:t>
+                        </m:r>
+                      </m:den>
+                    </m:f>
+                  </m:oMath>
+                </a14:m>
+                <a:r>
+                  <a:rPr lang="en-GB" dirty="0"/>
+                  <a:t> to average N animals</a:t>
+                </a:r>
+              </a:p>
+              <a:p>
+                <a:endParaRPr lang="en-GB" dirty="0"/>
+              </a:p>
+            </p:txBody>
+          </p:sp>
+        </mc:Choice>
+        <mc:Fallback>
+          <p:sp>
+            <p:nvSpPr>
+              <p:cNvPr id="3" name="Content Placeholder 2">
+                <a:extLst>
+                  <a:ext uri="{FF2B5EF4-FFF2-40B4-BE49-F238E27FC236}">
+                    <a16:creationId xmlns:a16="http://schemas.microsoft.com/office/drawing/2014/main" id="{8CB5C6CC-0EF0-4A1E-A631-7AF40A094415}"/>
+                  </a:ext>
+                </a:extLst>
+              </p:cNvPr>
+              <p:cNvSpPr>
+                <a:spLocks noGrp="1" noRot="1" noChangeAspect="1" noMove="1" noResize="1" noEditPoints="1" noAdjustHandles="1" noChangeArrowheads="1" noChangeShapeType="1" noTextEdit="1"/>
+              </p:cNvSpPr>
+              <p:nvPr>
+                <p:ph idx="1"/>
+              </p:nvPr>
+            </p:nvSpPr>
+            <p:spPr>
+              <a:blipFill>
+                <a:blip r:embed="rId2"/>
+                <a:stretch>
+                  <a:fillRect l="-1043" t="-2241"/>
+                </a:stretch>
+              </a:blipFill>
+            </p:spPr>
+            <p:txBody>
+              <a:bodyPr/>
+              <a:lstStyle/>
+              <a:p>
+                <a:r>
+                  <a:rPr lang="en-GB">
+                    <a:noFill/>
+                  </a:rPr>
+                  <a:t> </a:t>
+                </a:r>
+              </a:p>
+            </p:txBody>
+          </p:sp>
+        </mc:Fallback>
+      </mc:AlternateContent>
+    </p:spTree>
+    <p:extLst>
+      <p:ext uri="{BB962C8B-B14F-4D97-AF65-F5344CB8AC3E}">
+        <p14:creationId xmlns:p14="http://schemas.microsoft.com/office/powerpoint/2010/main" val="1404823437"/>
       </p:ext>
     </p:extLst>
   </p:cSld>
@@ -10638,8 +11002,8 @@
           </a:p>
         </p:txBody>
       </p:sp>
-      <mc:AlternateContent xmlns:mc="http://schemas.openxmlformats.org/markup-compatibility/2006" xmlns:a14="http://schemas.microsoft.com/office/drawing/2010/main">
-        <mc:Choice Requires="a14">
+      <mc:AlternateContent xmlns:mc="http://schemas.openxmlformats.org/markup-compatibility/2006">
+        <mc:Choice xmlns:a14="http://schemas.microsoft.com/office/drawing/2010/main" Requires="a14">
           <p:sp>
             <p:nvSpPr>
               <p:cNvPr id="3" name="Content Placeholder 2">
@@ -10739,8 +11103,31 @@
               <a:p>
                 <a:r>
                   <a:rPr lang="en-GB" dirty="0"/>
-                  <a:t>Repeat this many times over</a:t>
+                  <a:t>Repeat this many times over for different </a:t>
                 </a:r>
+                <a14:m>
+                  <m:oMath xmlns:m="http://schemas.openxmlformats.org/officeDocument/2006/math">
+                    <m:acc>
+                      <m:accPr>
+                        <m:chr m:val="̅"/>
+                        <m:ctrlPr>
+                          <a:rPr lang="en-GB" sz="2800" i="1" smtClean="0">
+                            <a:latin typeface="Cambria Math" panose="02040503050406030204" pitchFamily="18" charset="0"/>
+                          </a:rPr>
+                        </m:ctrlPr>
+                      </m:accPr>
+                      <m:e>
+                        <m:r>
+                          <a:rPr lang="en-GB" sz="2800" i="1">
+                            <a:latin typeface="Cambria Math" panose="02040503050406030204" pitchFamily="18" charset="0"/>
+                          </a:rPr>
+                          <m:t>𝑁</m:t>
+                        </m:r>
+                      </m:e>
+                    </m:acc>
+                  </m:oMath>
+                </a14:m>
+                <a:endParaRPr lang="en-GB" dirty="0"/>
               </a:p>
               <a:p>
                 <a:endParaRPr lang="en-GB" b="0" dirty="0"/>
@@ -10748,7 +11135,7 @@
             </p:txBody>
           </p:sp>
         </mc:Choice>
-        <mc:Fallback xmlns="">
+        <mc:Fallback>
           <p:sp>
             <p:nvSpPr>
               <p:cNvPr id="3" name="Content Placeholder 2">
@@ -10848,43 +11235,472 @@
       </p:sp>
       <p:pic>
         <p:nvPicPr>
-          <p:cNvPr id="7" name="Content Placeholder 6" descr="Chart, scatter chart&#10;&#10;Description automatically generated">
-            <a:extLst>
-              <a:ext uri="{FF2B5EF4-FFF2-40B4-BE49-F238E27FC236}">
-                <a16:creationId xmlns:a16="http://schemas.microsoft.com/office/drawing/2014/main" id="{312F9D5A-390B-467B-B66A-9EC133276A18}"/>
+          <p:cNvPr id="4" name="Picture 3">
+            <a:extLst>
+              <a:ext uri="{FF2B5EF4-FFF2-40B4-BE49-F238E27FC236}">
+                <a16:creationId xmlns:a16="http://schemas.microsoft.com/office/drawing/2014/main" id="{7B265E17-4890-4FC9-85A2-4F0CAF556CDF}"/>
               </a:ext>
             </a:extLst>
           </p:cNvPr>
           <p:cNvPicPr>
-            <a:picLocks noGrp="1" noChangeAspect="1"/>
+            <a:picLocks noChangeAspect="1"/>
           </p:cNvPicPr>
-          <p:nvPr>
-            <p:ph idx="1"/>
-          </p:nvPr>
+          <p:nvPr/>
         </p:nvPicPr>
         <p:blipFill>
-          <a:blip r:embed="rId2">
-            <a:extLst>
-              <a:ext uri="{28A0092B-C50C-407E-A947-70E740481C1C}">
-                <a14:useLocalDpi xmlns:a14="http://schemas.microsoft.com/office/drawing/2010/main" val="0"/>
-              </a:ext>
-            </a:extLst>
-          </a:blip>
+          <a:blip r:embed="rId2"/>
           <a:stretch>
             <a:fillRect/>
           </a:stretch>
         </p:blipFill>
         <p:spPr>
           <a:xfrm>
-            <a:off x="2677092" y="1825625"/>
-            <a:ext cx="6837816" cy="4351338"/>
+            <a:off x="1359419" y="1277600"/>
+            <a:ext cx="9473162" cy="4302799"/>
           </a:xfrm>
+          <a:prstGeom prst="rect">
+            <a:avLst/>
+          </a:prstGeom>
         </p:spPr>
       </p:pic>
     </p:spTree>
     <p:extLst>
       <p:ext uri="{BB962C8B-B14F-4D97-AF65-F5344CB8AC3E}">
         <p14:creationId xmlns:p14="http://schemas.microsoft.com/office/powerpoint/2010/main" val="2067984726"/>
+      </p:ext>
+    </p:extLst>
+  </p:cSld>
+  <p:clrMapOvr>
+    <a:masterClrMapping/>
+  </p:clrMapOvr>
+</p:sld>
+</file>
+
+<file path=ppt/slides/slide23.xml><?xml version="1.0" encoding="utf-8"?>
+<p:sld xmlns:a="http://schemas.openxmlformats.org/drawingml/2006/main" xmlns:r="http://schemas.openxmlformats.org/officeDocument/2006/relationships" xmlns:p="http://schemas.openxmlformats.org/presentationml/2006/main">
+  <p:cSld>
+    <p:spTree>
+      <p:nvGrpSpPr>
+        <p:cNvPr id="1" name=""/>
+        <p:cNvGrpSpPr/>
+        <p:nvPr/>
+      </p:nvGrpSpPr>
+      <p:grpSpPr>
+        <a:xfrm>
+          <a:off x="0" y="0"/>
+          <a:ext cx="0" cy="0"/>
+          <a:chOff x="0" y="0"/>
+          <a:chExt cx="0" cy="0"/>
+        </a:xfrm>
+      </p:grpSpPr>
+      <p:sp>
+        <p:nvSpPr>
+          <p:cNvPr id="2" name="Title 1">
+            <a:extLst>
+              <a:ext uri="{FF2B5EF4-FFF2-40B4-BE49-F238E27FC236}">
+                <a16:creationId xmlns:a16="http://schemas.microsoft.com/office/drawing/2014/main" id="{8338E3BD-3F6F-458C-86F5-5FE0B544EEE4}"/>
+              </a:ext>
+            </a:extLst>
+          </p:cNvPr>
+          <p:cNvSpPr>
+            <a:spLocks noGrp="1"/>
+          </p:cNvSpPr>
+          <p:nvPr>
+            <p:ph type="title"/>
+          </p:nvPr>
+        </p:nvSpPr>
+        <p:spPr/>
+        <p:txBody>
+          <a:bodyPr/>
+          <a:lstStyle/>
+          <a:p>
+            <a:r>
+              <a:rPr lang="en-GB" dirty="0"/>
+              <a:t>Detectable vs Present</a:t>
+            </a:r>
+          </a:p>
+        </p:txBody>
+      </p:sp>
+      <mc:AlternateContent xmlns:mc="http://schemas.openxmlformats.org/markup-compatibility/2006">
+        <mc:Choice xmlns:a14="http://schemas.microsoft.com/office/drawing/2010/main" Requires="a14">
+          <p:sp>
+            <p:nvSpPr>
+              <p:cNvPr id="3" name="Content Placeholder 2">
+                <a:extLst>
+                  <a:ext uri="{FF2B5EF4-FFF2-40B4-BE49-F238E27FC236}">
+                    <a16:creationId xmlns:a16="http://schemas.microsoft.com/office/drawing/2014/main" id="{99864571-99F6-4AD7-B6BF-D9054DF30E18}"/>
+                  </a:ext>
+                </a:extLst>
+              </p:cNvPr>
+              <p:cNvSpPr>
+                <a:spLocks noGrp="1"/>
+              </p:cNvSpPr>
+              <p:nvPr>
+                <p:ph idx="1"/>
+              </p:nvPr>
+            </p:nvSpPr>
+            <p:spPr/>
+            <p:txBody>
+              <a:bodyPr/>
+              <a:lstStyle/>
+              <a:p>
+                <a:r>
+                  <a:rPr lang="en-GB" dirty="0"/>
+                  <a:t>Using Little’s law again, the expected slope of the line is</a:t>
+                </a:r>
+              </a:p>
+              <a:p>
+                <a:endParaRPr lang="en-GB" dirty="0"/>
+              </a:p>
+              <a:p>
+                <a:pPr/>
+                <a14:m>
+                  <m:oMath xmlns:m="http://schemas.openxmlformats.org/officeDocument/2006/math">
+                    <m:f>
+                      <m:fPr>
+                        <m:ctrlPr>
+                          <a:rPr lang="en-GB" i="1" smtClean="0">
+                            <a:latin typeface="Cambria Math" panose="02040503050406030204" pitchFamily="18" charset="0"/>
+                          </a:rPr>
+                        </m:ctrlPr>
+                      </m:fPr>
+                      <m:num>
+                        <m:r>
+                          <m:rPr>
+                            <m:nor/>
+                          </m:rPr>
+                          <a:rPr lang="en-GB" b="0" i="0" smtClean="0">
+                            <a:latin typeface="Cambria Math" panose="02040503050406030204" pitchFamily="18" charset="0"/>
+                          </a:rPr>
+                          <m:t>Me</m:t>
+                        </m:r>
+                        <m:r>
+                          <m:rPr>
+                            <m:nor/>
+                          </m:rPr>
+                          <a:rPr lang="en-GB" b="0" i="0" smtClean="0">
+                            <a:latin typeface="Cambria Math" panose="02040503050406030204" pitchFamily="18" charset="0"/>
+                          </a:rPr>
+                          <m:t>an</m:t>
+                        </m:r>
+                        <m:r>
+                          <m:rPr>
+                            <m:nor/>
+                          </m:rPr>
+                          <a:rPr lang="en-GB" b="0" i="0" smtClean="0">
+                            <a:latin typeface="Cambria Math" panose="02040503050406030204" pitchFamily="18" charset="0"/>
+                          </a:rPr>
+                          <m:t> </m:t>
+                        </m:r>
+                        <m:r>
+                          <m:rPr>
+                            <m:nor/>
+                          </m:rPr>
+                          <a:rPr lang="en-GB" b="0" i="0" smtClean="0">
+                            <a:latin typeface="Cambria Math" panose="02040503050406030204" pitchFamily="18" charset="0"/>
+                          </a:rPr>
+                          <m:t>time</m:t>
+                        </m:r>
+                        <m:r>
+                          <m:rPr>
+                            <m:nor/>
+                          </m:rPr>
+                          <a:rPr lang="en-GB" b="0" i="0" smtClean="0">
+                            <a:latin typeface="Cambria Math" panose="02040503050406030204" pitchFamily="18" charset="0"/>
+                          </a:rPr>
+                          <m:t> </m:t>
+                        </m:r>
+                        <m:r>
+                          <m:rPr>
+                            <m:nor/>
+                          </m:rPr>
+                          <a:rPr lang="en-GB" b="0" i="0" smtClean="0">
+                            <a:latin typeface="Cambria Math" panose="02040503050406030204" pitchFamily="18" charset="0"/>
+                          </a:rPr>
+                          <m:t>spent</m:t>
+                        </m:r>
+                        <m:r>
+                          <m:rPr>
+                            <m:nor/>
+                          </m:rPr>
+                          <a:rPr lang="en-GB" b="0" i="0" smtClean="0">
+                            <a:latin typeface="Cambria Math" panose="02040503050406030204" pitchFamily="18" charset="0"/>
+                          </a:rPr>
+                          <m:t> </m:t>
+                        </m:r>
+                        <m:r>
+                          <m:rPr>
+                            <m:nor/>
+                          </m:rPr>
+                          <a:rPr lang="en-GB" b="0" i="0" smtClean="0">
+                            <a:latin typeface="Cambria Math" panose="02040503050406030204" pitchFamily="18" charset="0"/>
+                          </a:rPr>
+                          <m:t>detectable</m:t>
+                        </m:r>
+                      </m:num>
+                      <m:den>
+                        <m:r>
+                          <m:rPr>
+                            <m:nor/>
+                          </m:rPr>
+                          <a:rPr lang="en-GB" b="0" i="0" smtClean="0">
+                            <a:latin typeface="Cambria Math" panose="02040503050406030204" pitchFamily="18" charset="0"/>
+                          </a:rPr>
+                          <m:t>Mean</m:t>
+                        </m:r>
+                        <m:r>
+                          <m:rPr>
+                            <m:nor/>
+                          </m:rPr>
+                          <a:rPr lang="en-GB" b="0" i="0" smtClean="0">
+                            <a:latin typeface="Cambria Math" panose="02040503050406030204" pitchFamily="18" charset="0"/>
+                          </a:rPr>
+                          <m:t> </m:t>
+                        </m:r>
+                        <m:r>
+                          <m:rPr>
+                            <m:nor/>
+                          </m:rPr>
+                          <a:rPr lang="en-GB" b="0" i="0" smtClean="0">
+                            <a:latin typeface="Cambria Math" panose="02040503050406030204" pitchFamily="18" charset="0"/>
+                          </a:rPr>
+                          <m:t>interarrival</m:t>
+                        </m:r>
+                        <m:r>
+                          <m:rPr>
+                            <m:nor/>
+                          </m:rPr>
+                          <a:rPr lang="en-GB" b="0" i="0" smtClean="0">
+                            <a:latin typeface="Cambria Math" panose="02040503050406030204" pitchFamily="18" charset="0"/>
+                          </a:rPr>
+                          <m:t> </m:t>
+                        </m:r>
+                        <m:r>
+                          <m:rPr>
+                            <m:nor/>
+                          </m:rPr>
+                          <a:rPr lang="en-GB" b="0" i="0" smtClean="0">
+                            <a:latin typeface="Cambria Math" panose="02040503050406030204" pitchFamily="18" charset="0"/>
+                          </a:rPr>
+                          <m:t>time</m:t>
+                        </m:r>
+                        <m:r>
+                          <m:rPr>
+                            <m:nor/>
+                          </m:rPr>
+                          <a:rPr lang="en-GB" b="0" i="0" smtClean="0">
+                            <a:latin typeface="Cambria Math" panose="02040503050406030204" pitchFamily="18" charset="0"/>
+                          </a:rPr>
+                          <m:t> + </m:t>
+                        </m:r>
+                        <m:r>
+                          <m:rPr>
+                            <m:nor/>
+                          </m:rPr>
+                          <a:rPr lang="en-GB" b="0" i="0" smtClean="0">
+                            <a:latin typeface="Cambria Math" panose="02040503050406030204" pitchFamily="18" charset="0"/>
+                          </a:rPr>
+                          <m:t>Mean</m:t>
+                        </m:r>
+                        <m:r>
+                          <m:rPr>
+                            <m:nor/>
+                          </m:rPr>
+                          <a:rPr lang="en-GB" b="0" i="0" smtClean="0">
+                            <a:latin typeface="Cambria Math" panose="02040503050406030204" pitchFamily="18" charset="0"/>
+                          </a:rPr>
+                          <m:t> </m:t>
+                        </m:r>
+                        <m:r>
+                          <m:rPr>
+                            <m:nor/>
+                          </m:rPr>
+                          <a:rPr lang="en-GB" b="0" i="0" smtClean="0">
+                            <a:latin typeface="Cambria Math" panose="02040503050406030204" pitchFamily="18" charset="0"/>
+                          </a:rPr>
+                          <m:t>interdropping</m:t>
+                        </m:r>
+                        <m:r>
+                          <m:rPr>
+                            <m:nor/>
+                          </m:rPr>
+                          <a:rPr lang="en-GB" b="0" i="0" smtClean="0">
+                            <a:latin typeface="Cambria Math" panose="02040503050406030204" pitchFamily="18" charset="0"/>
+                          </a:rPr>
+                          <m:t> </m:t>
+                        </m:r>
+                        <m:r>
+                          <m:rPr>
+                            <m:nor/>
+                          </m:rPr>
+                          <a:rPr lang="en-GB" b="0" i="0" smtClean="0">
+                            <a:latin typeface="Cambria Math" panose="02040503050406030204" pitchFamily="18" charset="0"/>
+                          </a:rPr>
+                          <m:t>time</m:t>
+                        </m:r>
+                      </m:den>
+                    </m:f>
+                  </m:oMath>
+                </a14:m>
+                <a:endParaRPr lang="en-GB" dirty="0"/>
+              </a:p>
+              <a:p>
+                <a:pPr/>
+                <a14:m>
+                  <m:oMath xmlns:m="http://schemas.openxmlformats.org/officeDocument/2006/math">
+                    <m:r>
+                      <a:rPr lang="en-GB" i="1" smtClean="0">
+                        <a:latin typeface="Cambria Math" panose="02040503050406030204" pitchFamily="18" charset="0"/>
+                        <a:ea typeface="Cambria Math" panose="02040503050406030204" pitchFamily="18" charset="0"/>
+                      </a:rPr>
+                      <m:t>≈</m:t>
+                    </m:r>
+                    <m:r>
+                      <a:rPr lang="en-GB" b="0" i="1" smtClean="0">
+                        <a:latin typeface="Cambria Math" panose="02040503050406030204" pitchFamily="18" charset="0"/>
+                        <a:ea typeface="Cambria Math" panose="02040503050406030204" pitchFamily="18" charset="0"/>
+                      </a:rPr>
+                      <m:t>3.45</m:t>
+                    </m:r>
+                  </m:oMath>
+                </a14:m>
+                <a:endParaRPr lang="en-GB" dirty="0"/>
+              </a:p>
+            </p:txBody>
+          </p:sp>
+        </mc:Choice>
+        <mc:Fallback>
+          <p:sp>
+            <p:nvSpPr>
+              <p:cNvPr id="3" name="Content Placeholder 2">
+                <a:extLst>
+                  <a:ext uri="{FF2B5EF4-FFF2-40B4-BE49-F238E27FC236}">
+                    <a16:creationId xmlns:a16="http://schemas.microsoft.com/office/drawing/2014/main" id="{99864571-99F6-4AD7-B6BF-D9054DF30E18}"/>
+                  </a:ext>
+                </a:extLst>
+              </p:cNvPr>
+              <p:cNvSpPr>
+                <a:spLocks noGrp="1" noRot="1" noChangeAspect="1" noMove="1" noResize="1" noEditPoints="1" noAdjustHandles="1" noChangeArrowheads="1" noChangeShapeType="1" noTextEdit="1"/>
+              </p:cNvSpPr>
+              <p:nvPr>
+                <p:ph idx="1"/>
+              </p:nvPr>
+            </p:nvSpPr>
+            <p:spPr>
+              <a:blipFill>
+                <a:blip r:embed="rId2"/>
+                <a:stretch>
+                  <a:fillRect l="-1043" t="-2241"/>
+                </a:stretch>
+              </a:blipFill>
+            </p:spPr>
+            <p:txBody>
+              <a:bodyPr/>
+              <a:lstStyle/>
+              <a:p>
+                <a:r>
+                  <a:rPr lang="en-GB">
+                    <a:noFill/>
+                  </a:rPr>
+                  <a:t> </a:t>
+                </a:r>
+              </a:p>
+            </p:txBody>
+          </p:sp>
+        </mc:Fallback>
+      </mc:AlternateContent>
+    </p:spTree>
+    <p:extLst>
+      <p:ext uri="{BB962C8B-B14F-4D97-AF65-F5344CB8AC3E}">
+        <p14:creationId xmlns:p14="http://schemas.microsoft.com/office/powerpoint/2010/main" val="790817596"/>
+      </p:ext>
+    </p:extLst>
+  </p:cSld>
+  <p:clrMapOvr>
+    <a:masterClrMapping/>
+  </p:clrMapOvr>
+</p:sld>
+</file>
+
+<file path=ppt/slides/slide24.xml><?xml version="1.0" encoding="utf-8"?>
+<p:sld xmlns:a="http://schemas.openxmlformats.org/drawingml/2006/main" xmlns:r="http://schemas.openxmlformats.org/officeDocument/2006/relationships" xmlns:p="http://schemas.openxmlformats.org/presentationml/2006/main">
+  <p:cSld>
+    <p:spTree>
+      <p:nvGrpSpPr>
+        <p:cNvPr id="1" name=""/>
+        <p:cNvGrpSpPr/>
+        <p:nvPr/>
+      </p:nvGrpSpPr>
+      <p:grpSpPr>
+        <a:xfrm>
+          <a:off x="0" y="0"/>
+          <a:ext cx="0" cy="0"/>
+          <a:chOff x="0" y="0"/>
+          <a:chExt cx="0" cy="0"/>
+        </a:xfrm>
+      </p:grpSpPr>
+      <p:sp>
+        <p:nvSpPr>
+          <p:cNvPr id="2" name="Title 1">
+            <a:extLst>
+              <a:ext uri="{FF2B5EF4-FFF2-40B4-BE49-F238E27FC236}">
+                <a16:creationId xmlns:a16="http://schemas.microsoft.com/office/drawing/2014/main" id="{8338E3BD-3F6F-458C-86F5-5FE0B544EEE4}"/>
+              </a:ext>
+            </a:extLst>
+          </p:cNvPr>
+          <p:cNvSpPr>
+            <a:spLocks noGrp="1"/>
+          </p:cNvSpPr>
+          <p:nvPr>
+            <p:ph type="title"/>
+          </p:nvPr>
+        </p:nvSpPr>
+        <p:spPr/>
+        <p:txBody>
+          <a:bodyPr/>
+          <a:lstStyle/>
+          <a:p>
+            <a:r>
+              <a:rPr lang="en-GB" dirty="0"/>
+              <a:t>Detectable vs Present</a:t>
+            </a:r>
+          </a:p>
+        </p:txBody>
+      </p:sp>
+      <p:pic>
+        <p:nvPicPr>
+          <p:cNvPr id="7" name="Picture 6">
+            <a:extLst>
+              <a:ext uri="{FF2B5EF4-FFF2-40B4-BE49-F238E27FC236}">
+                <a16:creationId xmlns:a16="http://schemas.microsoft.com/office/drawing/2014/main" id="{1254BEA3-BC36-4B1A-A93A-7722C3E2B436}"/>
+              </a:ext>
+            </a:extLst>
+          </p:cNvPr>
+          <p:cNvPicPr>
+            <a:picLocks noChangeAspect="1"/>
+          </p:cNvPicPr>
+          <p:nvPr/>
+        </p:nvPicPr>
+        <p:blipFill>
+          <a:blip r:embed="rId2"/>
+          <a:stretch>
+            <a:fillRect/>
+          </a:stretch>
+        </p:blipFill>
+        <p:spPr>
+          <a:xfrm>
+            <a:off x="1360299" y="1278000"/>
+            <a:ext cx="9471402" cy="4302000"/>
+          </a:xfrm>
+          <a:prstGeom prst="rect">
+            <a:avLst/>
+          </a:prstGeom>
+        </p:spPr>
+      </p:pic>
+    </p:spTree>
+    <p:extLst>
+      <p:ext uri="{BB962C8B-B14F-4D97-AF65-F5344CB8AC3E}">
+        <p14:creationId xmlns:p14="http://schemas.microsoft.com/office/powerpoint/2010/main" val="390131701"/>
       </p:ext>
     </p:extLst>
   </p:cSld>
@@ -11411,7 +12227,7 @@
           <a:p>
             <a:r>
               <a:rPr lang="en-GB" dirty="0"/>
-              <a:t>This could preserve droppings, allowing them to remain detectable long after the snow leopard that left it has left the area</a:t>
+              <a:t>This could preserve droppings, allowing them to remain detectable long after the snow leopard that produced it has left the area</a:t>
             </a:r>
           </a:p>
           <a:p>
@@ -12091,6 +12907,34 @@
           </p:sp>
         </mc:Fallback>
       </mc:AlternateContent>
+      <p:sp>
+        <p:nvSpPr>
+          <p:cNvPr id="2" name="Title 1">
+            <a:extLst>
+              <a:ext uri="{FF2B5EF4-FFF2-40B4-BE49-F238E27FC236}">
+                <a16:creationId xmlns:a16="http://schemas.microsoft.com/office/drawing/2014/main" id="{C1206F7A-D099-4858-92EB-2ED3617A3E5B}"/>
+              </a:ext>
+            </a:extLst>
+          </p:cNvPr>
+          <p:cNvSpPr>
+            <a:spLocks noGrp="1"/>
+          </p:cNvSpPr>
+          <p:nvPr>
+            <p:ph type="title"/>
+          </p:nvPr>
+        </p:nvSpPr>
+        <p:spPr/>
+        <p:txBody>
+          <a:bodyPr/>
+          <a:lstStyle/>
+          <a:p>
+            <a:r>
+              <a:rPr lang="en-GB" dirty="0"/>
+              <a:t>Simulating Arrivals</a:t>
+            </a:r>
+          </a:p>
+        </p:txBody>
+      </p:sp>
     </p:spTree>
     <p:extLst>
       <p:ext uri="{BB962C8B-B14F-4D97-AF65-F5344CB8AC3E}">

--- a/presentation.pptx
+++ b/presentation.pptx
@@ -5,7 +5,7 @@
     <p:sldMasterId id="2147483648" r:id="rId1"/>
   </p:sldMasterIdLst>
   <p:notesMasterIdLst>
-    <p:notesMasterId r:id="rId26"/>
+    <p:notesMasterId r:id="rId30"/>
   </p:notesMasterIdLst>
   <p:sldIdLst>
     <p:sldId id="256" r:id="rId2"/>
@@ -20,18 +20,22 @@
     <p:sldId id="281" r:id="rId11"/>
     <p:sldId id="282" r:id="rId12"/>
     <p:sldId id="283" r:id="rId13"/>
-    <p:sldId id="269" r:id="rId14"/>
-    <p:sldId id="284" r:id="rId15"/>
-    <p:sldId id="271" r:id="rId16"/>
-    <p:sldId id="287" r:id="rId17"/>
-    <p:sldId id="274" r:id="rId18"/>
-    <p:sldId id="285" r:id="rId19"/>
-    <p:sldId id="276" r:id="rId20"/>
-    <p:sldId id="277" r:id="rId21"/>
-    <p:sldId id="278" r:id="rId22"/>
-    <p:sldId id="279" r:id="rId23"/>
-    <p:sldId id="286" r:id="rId24"/>
-    <p:sldId id="288" r:id="rId25"/>
+    <p:sldId id="289" r:id="rId14"/>
+    <p:sldId id="269" r:id="rId15"/>
+    <p:sldId id="284" r:id="rId16"/>
+    <p:sldId id="271" r:id="rId17"/>
+    <p:sldId id="287" r:id="rId18"/>
+    <p:sldId id="274" r:id="rId19"/>
+    <p:sldId id="290" r:id="rId20"/>
+    <p:sldId id="292" r:id="rId21"/>
+    <p:sldId id="291" r:id="rId22"/>
+    <p:sldId id="285" r:id="rId23"/>
+    <p:sldId id="276" r:id="rId24"/>
+    <p:sldId id="277" r:id="rId25"/>
+    <p:sldId id="278" r:id="rId26"/>
+    <p:sldId id="279" r:id="rId27"/>
+    <p:sldId id="286" r:id="rId28"/>
+    <p:sldId id="288" r:id="rId29"/>
   </p:sldIdLst>
   <p:sldSz cx="12192000" cy="6858000"/>
   <p:notesSz cx="6858000" cy="9144000"/>
@@ -5583,6 +5587,698 @@
           </a:p>
         </p:txBody>
       </p:sp>
+      <p:cxnSp>
+        <p:nvCxnSpPr>
+          <p:cNvPr id="9" name="Straight Arrow Connector 8">
+            <a:extLst>
+              <a:ext uri="{FF2B5EF4-FFF2-40B4-BE49-F238E27FC236}">
+                <a16:creationId xmlns:a16="http://schemas.microsoft.com/office/drawing/2014/main" id="{B1E04B0E-900A-4B10-BB9B-44E21F21BCEF}"/>
+              </a:ext>
+            </a:extLst>
+          </p:cNvPr>
+          <p:cNvCxnSpPr>
+            <a:cxnSpLocks/>
+            <a:endCxn id="3" idx="2"/>
+          </p:cNvCxnSpPr>
+          <p:nvPr/>
+        </p:nvCxnSpPr>
+        <p:spPr>
+          <a:xfrm>
+            <a:off x="1859653" y="2988663"/>
+            <a:ext cx="872243" cy="0"/>
+          </a:xfrm>
+          <a:prstGeom prst="straightConnector1">
+            <a:avLst/>
+          </a:prstGeom>
+          <a:ln w="28575">
+            <a:tailEnd type="triangle"/>
+          </a:ln>
+        </p:spPr>
+        <p:style>
+          <a:lnRef idx="1">
+            <a:schemeClr val="dk1"/>
+          </a:lnRef>
+          <a:fillRef idx="0">
+            <a:schemeClr val="dk1"/>
+          </a:fillRef>
+          <a:effectRef idx="0">
+            <a:schemeClr val="dk1"/>
+          </a:effectRef>
+          <a:fontRef idx="minor">
+            <a:schemeClr val="tx1"/>
+          </a:fontRef>
+        </p:style>
+      </p:cxnSp>
+      <p:cxnSp>
+        <p:nvCxnSpPr>
+          <p:cNvPr id="11" name="Straight Arrow Connector 10">
+            <a:extLst>
+              <a:ext uri="{FF2B5EF4-FFF2-40B4-BE49-F238E27FC236}">
+                <a16:creationId xmlns:a16="http://schemas.microsoft.com/office/drawing/2014/main" id="{30EA90CE-DF5D-4AA9-BAB0-39B14373A1E7}"/>
+              </a:ext>
+            </a:extLst>
+          </p:cNvPr>
+          <p:cNvCxnSpPr>
+            <a:cxnSpLocks/>
+            <a:stCxn id="3" idx="6"/>
+            <a:endCxn id="6" idx="2"/>
+          </p:cNvCxnSpPr>
+          <p:nvPr/>
+        </p:nvCxnSpPr>
+        <p:spPr>
+          <a:xfrm>
+            <a:off x="3631896" y="2988663"/>
+            <a:ext cx="2399936" cy="0"/>
+          </a:xfrm>
+          <a:prstGeom prst="straightConnector1">
+            <a:avLst/>
+          </a:prstGeom>
+          <a:ln w="28575">
+            <a:tailEnd type="triangle"/>
+          </a:ln>
+        </p:spPr>
+        <p:style>
+          <a:lnRef idx="1">
+            <a:schemeClr val="dk1"/>
+          </a:lnRef>
+          <a:fillRef idx="0">
+            <a:schemeClr val="dk1"/>
+          </a:fillRef>
+          <a:effectRef idx="0">
+            <a:schemeClr val="dk1"/>
+          </a:effectRef>
+          <a:fontRef idx="minor">
+            <a:schemeClr val="tx1"/>
+          </a:fontRef>
+        </p:style>
+      </p:cxnSp>
+      <p:cxnSp>
+        <p:nvCxnSpPr>
+          <p:cNvPr id="15" name="Straight Arrow Connector 14">
+            <a:extLst>
+              <a:ext uri="{FF2B5EF4-FFF2-40B4-BE49-F238E27FC236}">
+                <a16:creationId xmlns:a16="http://schemas.microsoft.com/office/drawing/2014/main" id="{5C861FA8-D868-4670-AE90-4052F9C992A0}"/>
+              </a:ext>
+            </a:extLst>
+          </p:cNvPr>
+          <p:cNvCxnSpPr>
+            <a:stCxn id="6" idx="6"/>
+            <a:endCxn id="5" idx="2"/>
+          </p:cNvCxnSpPr>
+          <p:nvPr/>
+        </p:nvCxnSpPr>
+        <p:spPr>
+          <a:xfrm>
+            <a:off x="6931832" y="2988663"/>
+            <a:ext cx="948443" cy="0"/>
+          </a:xfrm>
+          <a:prstGeom prst="straightConnector1">
+            <a:avLst/>
+          </a:prstGeom>
+          <a:ln w="28575">
+            <a:tailEnd type="triangle"/>
+          </a:ln>
+        </p:spPr>
+        <p:style>
+          <a:lnRef idx="1">
+            <a:schemeClr val="dk1"/>
+          </a:lnRef>
+          <a:fillRef idx="0">
+            <a:schemeClr val="dk1"/>
+          </a:fillRef>
+          <a:effectRef idx="0">
+            <a:schemeClr val="dk1"/>
+          </a:effectRef>
+          <a:fontRef idx="minor">
+            <a:schemeClr val="tx1"/>
+          </a:fontRef>
+        </p:style>
+      </p:cxnSp>
+      <p:cxnSp>
+        <p:nvCxnSpPr>
+          <p:cNvPr id="19" name="Straight Connector 18">
+            <a:extLst>
+              <a:ext uri="{FF2B5EF4-FFF2-40B4-BE49-F238E27FC236}">
+                <a16:creationId xmlns:a16="http://schemas.microsoft.com/office/drawing/2014/main" id="{CFCEC27D-2C2E-439D-B361-FF3DD2420595}"/>
+              </a:ext>
+            </a:extLst>
+          </p:cNvPr>
+          <p:cNvCxnSpPr/>
+          <p:nvPr/>
+        </p:nvCxnSpPr>
+        <p:spPr>
+          <a:xfrm>
+            <a:off x="1859653" y="2314894"/>
+            <a:ext cx="0" cy="1347537"/>
+          </a:xfrm>
+          <a:prstGeom prst="line">
+            <a:avLst/>
+          </a:prstGeom>
+          <a:ln w="28575"/>
+        </p:spPr>
+        <p:style>
+          <a:lnRef idx="1">
+            <a:schemeClr val="dk1"/>
+          </a:lnRef>
+          <a:fillRef idx="0">
+            <a:schemeClr val="dk1"/>
+          </a:fillRef>
+          <a:effectRef idx="0">
+            <a:schemeClr val="dk1"/>
+          </a:effectRef>
+          <a:fontRef idx="minor">
+            <a:schemeClr val="tx1"/>
+          </a:fontRef>
+        </p:style>
+      </p:cxnSp>
+      <p:cxnSp>
+        <p:nvCxnSpPr>
+          <p:cNvPr id="16" name="Straight Connector 15">
+            <a:extLst>
+              <a:ext uri="{FF2B5EF4-FFF2-40B4-BE49-F238E27FC236}">
+                <a16:creationId xmlns:a16="http://schemas.microsoft.com/office/drawing/2014/main" id="{C26C9742-D54B-4D0E-AAE4-8901ECDE619E}"/>
+              </a:ext>
+            </a:extLst>
+          </p:cNvPr>
+          <p:cNvCxnSpPr/>
+          <p:nvPr/>
+        </p:nvCxnSpPr>
+        <p:spPr>
+          <a:xfrm>
+            <a:off x="9570159" y="2314894"/>
+            <a:ext cx="0" cy="1347537"/>
+          </a:xfrm>
+          <a:prstGeom prst="line">
+            <a:avLst/>
+          </a:prstGeom>
+          <a:ln w="28575"/>
+        </p:spPr>
+        <p:style>
+          <a:lnRef idx="1">
+            <a:schemeClr val="dk1"/>
+          </a:lnRef>
+          <a:fillRef idx="0">
+            <a:schemeClr val="dk1"/>
+          </a:fillRef>
+          <a:effectRef idx="0">
+            <a:schemeClr val="dk1"/>
+          </a:effectRef>
+          <a:fontRef idx="minor">
+            <a:schemeClr val="tx1"/>
+          </a:fontRef>
+        </p:style>
+      </p:cxnSp>
+      <p:sp>
+        <p:nvSpPr>
+          <p:cNvPr id="18" name="Oval 17">
+            <a:extLst>
+              <a:ext uri="{FF2B5EF4-FFF2-40B4-BE49-F238E27FC236}">
+                <a16:creationId xmlns:a16="http://schemas.microsoft.com/office/drawing/2014/main" id="{975F9876-C76E-4987-989D-5EB00FF679C2}"/>
+              </a:ext>
+            </a:extLst>
+          </p:cNvPr>
+          <p:cNvSpPr/>
+          <p:nvPr/>
+        </p:nvSpPr>
+        <p:spPr>
+          <a:xfrm>
+            <a:off x="1492012" y="3419337"/>
+            <a:ext cx="900000" cy="900000"/>
+          </a:xfrm>
+          <a:prstGeom prst="ellipse">
+            <a:avLst/>
+          </a:prstGeom>
+          <a:noFill/>
+          <a:ln w="38100">
+            <a:noFill/>
+          </a:ln>
+        </p:spPr>
+        <p:style>
+          <a:lnRef idx="2">
+            <a:schemeClr val="accent1">
+              <a:shade val="50000"/>
+            </a:schemeClr>
+          </a:lnRef>
+          <a:fillRef idx="1">
+            <a:schemeClr val="accent1"/>
+          </a:fillRef>
+          <a:effectRef idx="0">
+            <a:schemeClr val="accent1"/>
+          </a:effectRef>
+          <a:fontRef idx="minor">
+            <a:schemeClr val="lt1"/>
+          </a:fontRef>
+        </p:style>
+        <p:txBody>
+          <a:bodyPr rtlCol="0" anchor="ctr"/>
+          <a:lstStyle/>
+          <a:p>
+            <a:pPr algn="ctr"/>
+            <a:r>
+              <a:rPr lang="en-GB" sz="2400" dirty="0">
+                <a:solidFill>
+                  <a:schemeClr val="tx1"/>
+                </a:solidFill>
+              </a:rPr>
+              <a:t>t</a:t>
+            </a:r>
+            <a:r>
+              <a:rPr lang="en-GB" sz="2400" baseline="-25000" dirty="0">
+                <a:solidFill>
+                  <a:schemeClr val="tx1"/>
+                </a:solidFill>
+              </a:rPr>
+              <a:t>0</a:t>
+            </a:r>
+            <a:endParaRPr lang="en-GB" sz="2400" dirty="0">
+              <a:solidFill>
+                <a:schemeClr val="tx1"/>
+              </a:solidFill>
+            </a:endParaRPr>
+          </a:p>
+        </p:txBody>
+      </p:sp>
+      <p:sp>
+        <p:nvSpPr>
+          <p:cNvPr id="20" name="Oval 19">
+            <a:extLst>
+              <a:ext uri="{FF2B5EF4-FFF2-40B4-BE49-F238E27FC236}">
+                <a16:creationId xmlns:a16="http://schemas.microsoft.com/office/drawing/2014/main" id="{A51F35FC-B104-4A66-B978-8AE272415EFC}"/>
+              </a:ext>
+            </a:extLst>
+          </p:cNvPr>
+          <p:cNvSpPr/>
+          <p:nvPr/>
+        </p:nvSpPr>
+        <p:spPr>
+          <a:xfrm>
+            <a:off x="9189728" y="3418357"/>
+            <a:ext cx="900000" cy="900000"/>
+          </a:xfrm>
+          <a:prstGeom prst="ellipse">
+            <a:avLst/>
+          </a:prstGeom>
+          <a:noFill/>
+          <a:ln w="38100">
+            <a:noFill/>
+          </a:ln>
+        </p:spPr>
+        <p:style>
+          <a:lnRef idx="2">
+            <a:schemeClr val="accent1">
+              <a:shade val="50000"/>
+            </a:schemeClr>
+          </a:lnRef>
+          <a:fillRef idx="1">
+            <a:schemeClr val="accent1"/>
+          </a:fillRef>
+          <a:effectRef idx="0">
+            <a:schemeClr val="accent1"/>
+          </a:effectRef>
+          <a:fontRef idx="minor">
+            <a:schemeClr val="lt1"/>
+          </a:fontRef>
+        </p:style>
+        <p:txBody>
+          <a:bodyPr rtlCol="0" anchor="ctr"/>
+          <a:lstStyle/>
+          <a:p>
+            <a:pPr algn="ctr"/>
+            <a:r>
+              <a:rPr lang="en-GB" sz="2400" dirty="0" err="1">
+                <a:solidFill>
+                  <a:schemeClr val="tx1"/>
+                </a:solidFill>
+              </a:rPr>
+              <a:t>t</a:t>
+            </a:r>
+            <a:r>
+              <a:rPr lang="en-GB" sz="2400" baseline="-25000" dirty="0" err="1">
+                <a:solidFill>
+                  <a:schemeClr val="tx1"/>
+                </a:solidFill>
+              </a:rPr>
+              <a:t>max</a:t>
+            </a:r>
+            <a:endParaRPr lang="en-GB" sz="2400" dirty="0">
+              <a:solidFill>
+                <a:schemeClr val="tx1"/>
+              </a:solidFill>
+            </a:endParaRPr>
+          </a:p>
+        </p:txBody>
+      </p:sp>
+      <p:sp>
+        <p:nvSpPr>
+          <p:cNvPr id="25" name="TextBox 24">
+            <a:extLst>
+              <a:ext uri="{FF2B5EF4-FFF2-40B4-BE49-F238E27FC236}">
+                <a16:creationId xmlns:a16="http://schemas.microsoft.com/office/drawing/2014/main" id="{D3495451-8774-4ED8-BA0E-A53FDBE08334}"/>
+              </a:ext>
+            </a:extLst>
+          </p:cNvPr>
+          <p:cNvSpPr txBox="1"/>
+          <p:nvPr/>
+        </p:nvSpPr>
+        <p:spPr>
+          <a:xfrm>
+            <a:off x="1745455" y="4234613"/>
+            <a:ext cx="8701089" cy="923330"/>
+          </a:xfrm>
+          <a:prstGeom prst="rect">
+            <a:avLst/>
+          </a:prstGeom>
+          <a:noFill/>
+        </p:spPr>
+        <p:txBody>
+          <a:bodyPr wrap="square" rtlCol="0">
+            <a:spAutoFit/>
+          </a:bodyPr>
+          <a:lstStyle/>
+          <a:p>
+            <a:pPr marL="285750" indent="-285750">
+              <a:buFont typeface="Arial" panose="020B0604020202020204" pitchFamily="34" charset="0"/>
+              <a:buChar char="•"/>
+            </a:pPr>
+            <a:endParaRPr lang="en-GB" dirty="0"/>
+          </a:p>
+          <a:p>
+            <a:pPr marL="285750" indent="-285750">
+              <a:buFont typeface="Arial" panose="020B0604020202020204" pitchFamily="34" charset="0"/>
+              <a:buChar char="•"/>
+            </a:pPr>
+            <a:r>
+              <a:rPr lang="en-GB" dirty="0"/>
+              <a:t>We simulate arrivals until a pre-defined stopping rule is met</a:t>
+            </a:r>
+          </a:p>
+          <a:p>
+            <a:pPr marL="285750" indent="-285750">
+              <a:buFont typeface="Arial" panose="020B0604020202020204" pitchFamily="34" charset="0"/>
+              <a:buChar char="•"/>
+            </a:pPr>
+            <a:r>
+              <a:rPr lang="en-GB" dirty="0"/>
+              <a:t>This takes the form of </a:t>
+            </a:r>
+            <a:r>
+              <a:rPr lang="en-GB" dirty="0" err="1"/>
+              <a:t>t</a:t>
+            </a:r>
+            <a:r>
+              <a:rPr lang="en-GB" baseline="-25000" dirty="0" err="1"/>
+              <a:t>j</a:t>
+            </a:r>
+            <a:r>
+              <a:rPr lang="en-GB" dirty="0"/>
+              <a:t> ≥ </a:t>
+            </a:r>
+            <a:r>
+              <a:rPr lang="en-GB" dirty="0" err="1"/>
+              <a:t>t</a:t>
+            </a:r>
+            <a:r>
+              <a:rPr lang="en-GB" baseline="-25000" dirty="0" err="1"/>
+              <a:t>max</a:t>
+            </a:r>
+            <a:endParaRPr lang="en-GB" dirty="0"/>
+          </a:p>
+        </p:txBody>
+      </p:sp>
+      <p:sp>
+        <p:nvSpPr>
+          <p:cNvPr id="2" name="Title 1">
+            <a:extLst>
+              <a:ext uri="{FF2B5EF4-FFF2-40B4-BE49-F238E27FC236}">
+                <a16:creationId xmlns:a16="http://schemas.microsoft.com/office/drawing/2014/main" id="{DB11733E-0CCB-46C3-BA3C-A5C70E48F881}"/>
+              </a:ext>
+            </a:extLst>
+          </p:cNvPr>
+          <p:cNvSpPr>
+            <a:spLocks noGrp="1"/>
+          </p:cNvSpPr>
+          <p:nvPr>
+            <p:ph type="title"/>
+          </p:nvPr>
+        </p:nvSpPr>
+        <p:spPr/>
+        <p:txBody>
+          <a:bodyPr/>
+          <a:lstStyle/>
+          <a:p>
+            <a:r>
+              <a:rPr lang="en-GB" dirty="0"/>
+              <a:t>Simulating Arrivals</a:t>
+            </a:r>
+          </a:p>
+        </p:txBody>
+      </p:sp>
+    </p:spTree>
+    <p:extLst>
+      <p:ext uri="{BB962C8B-B14F-4D97-AF65-F5344CB8AC3E}">
+        <p14:creationId xmlns:p14="http://schemas.microsoft.com/office/powerpoint/2010/main" val="3027059998"/>
+      </p:ext>
+    </p:extLst>
+  </p:cSld>
+  <p:clrMapOvr>
+    <a:masterClrMapping/>
+  </p:clrMapOvr>
+</p:sld>
+</file>
+
+<file path=ppt/slides/slide13.xml><?xml version="1.0" encoding="utf-8"?>
+<p:sld xmlns:a="http://schemas.openxmlformats.org/drawingml/2006/main" xmlns:r="http://schemas.openxmlformats.org/officeDocument/2006/relationships" xmlns:p="http://schemas.openxmlformats.org/presentationml/2006/main">
+  <p:cSld>
+    <p:spTree>
+      <p:nvGrpSpPr>
+        <p:cNvPr id="1" name=""/>
+        <p:cNvGrpSpPr/>
+        <p:nvPr/>
+      </p:nvGrpSpPr>
+      <p:grpSpPr>
+        <a:xfrm>
+          <a:off x="0" y="0"/>
+          <a:ext cx="0" cy="0"/>
+          <a:chOff x="0" y="0"/>
+          <a:chExt cx="0" cy="0"/>
+        </a:xfrm>
+      </p:grpSpPr>
+      <p:sp>
+        <p:nvSpPr>
+          <p:cNvPr id="3" name="Oval 2">
+            <a:extLst>
+              <a:ext uri="{FF2B5EF4-FFF2-40B4-BE49-F238E27FC236}">
+                <a16:creationId xmlns:a16="http://schemas.microsoft.com/office/drawing/2014/main" id="{91763058-C0EB-4261-82D8-68B0B8907A55}"/>
+              </a:ext>
+            </a:extLst>
+          </p:cNvPr>
+          <p:cNvSpPr/>
+          <p:nvPr/>
+        </p:nvSpPr>
+        <p:spPr>
+          <a:xfrm>
+            <a:off x="2731896" y="2538663"/>
+            <a:ext cx="900000" cy="900000"/>
+          </a:xfrm>
+          <a:prstGeom prst="ellipse">
+            <a:avLst/>
+          </a:prstGeom>
+          <a:noFill/>
+          <a:ln w="38100">
+            <a:solidFill>
+              <a:schemeClr val="tx1"/>
+            </a:solidFill>
+          </a:ln>
+        </p:spPr>
+        <p:style>
+          <a:lnRef idx="2">
+            <a:schemeClr val="accent1">
+              <a:shade val="50000"/>
+            </a:schemeClr>
+          </a:lnRef>
+          <a:fillRef idx="1">
+            <a:schemeClr val="accent1"/>
+          </a:fillRef>
+          <a:effectRef idx="0">
+            <a:schemeClr val="accent1"/>
+          </a:effectRef>
+          <a:fontRef idx="minor">
+            <a:schemeClr val="lt1"/>
+          </a:fontRef>
+        </p:style>
+        <p:txBody>
+          <a:bodyPr rtlCol="0" anchor="ctr"/>
+          <a:lstStyle/>
+          <a:p>
+            <a:pPr algn="ctr"/>
+            <a:r>
+              <a:rPr lang="en-GB" sz="2800" dirty="0">
+                <a:solidFill>
+                  <a:schemeClr val="tx1"/>
+                </a:solidFill>
+              </a:rPr>
+              <a:t>t</a:t>
+            </a:r>
+            <a:r>
+              <a:rPr lang="en-GB" sz="2800" baseline="-25000" dirty="0">
+                <a:solidFill>
+                  <a:schemeClr val="tx1"/>
+                </a:solidFill>
+              </a:rPr>
+              <a:t>1</a:t>
+            </a:r>
+            <a:endParaRPr lang="en-GB" sz="2800" dirty="0">
+              <a:solidFill>
+                <a:schemeClr val="tx1"/>
+              </a:solidFill>
+            </a:endParaRPr>
+          </a:p>
+        </p:txBody>
+      </p:sp>
+      <p:sp>
+        <p:nvSpPr>
+          <p:cNvPr id="5" name="Oval 4">
+            <a:extLst>
+              <a:ext uri="{FF2B5EF4-FFF2-40B4-BE49-F238E27FC236}">
+                <a16:creationId xmlns:a16="http://schemas.microsoft.com/office/drawing/2014/main" id="{0BA796EF-D158-4E0F-BA05-C9486BD108A0}"/>
+              </a:ext>
+            </a:extLst>
+          </p:cNvPr>
+          <p:cNvSpPr/>
+          <p:nvPr/>
+        </p:nvSpPr>
+        <p:spPr>
+          <a:xfrm>
+            <a:off x="7880275" y="2538663"/>
+            <a:ext cx="900000" cy="900000"/>
+          </a:xfrm>
+          <a:prstGeom prst="ellipse">
+            <a:avLst/>
+          </a:prstGeom>
+          <a:noFill/>
+          <a:ln w="38100">
+            <a:solidFill>
+              <a:schemeClr val="tx1"/>
+            </a:solidFill>
+          </a:ln>
+        </p:spPr>
+        <p:style>
+          <a:lnRef idx="2">
+            <a:schemeClr val="accent1">
+              <a:shade val="50000"/>
+            </a:schemeClr>
+          </a:lnRef>
+          <a:fillRef idx="1">
+            <a:schemeClr val="accent1"/>
+          </a:fillRef>
+          <a:effectRef idx="0">
+            <a:schemeClr val="accent1"/>
+          </a:effectRef>
+          <a:fontRef idx="minor">
+            <a:schemeClr val="lt1"/>
+          </a:fontRef>
+        </p:style>
+        <p:txBody>
+          <a:bodyPr rtlCol="0" anchor="ctr"/>
+          <a:lstStyle/>
+          <a:p>
+            <a:pPr algn="ctr"/>
+            <a:r>
+              <a:rPr lang="en-GB" sz="2800" dirty="0">
+                <a:solidFill>
+                  <a:schemeClr val="tx1"/>
+                </a:solidFill>
+              </a:rPr>
+              <a:t>t</a:t>
+            </a:r>
+            <a:r>
+              <a:rPr lang="en-GB" sz="2800" baseline="-25000" dirty="0">
+                <a:solidFill>
+                  <a:schemeClr val="tx1"/>
+                </a:solidFill>
+              </a:rPr>
+              <a:t>3</a:t>
+            </a:r>
+            <a:endParaRPr lang="en-GB" dirty="0">
+              <a:solidFill>
+                <a:schemeClr val="tx1"/>
+              </a:solidFill>
+            </a:endParaRPr>
+          </a:p>
+        </p:txBody>
+      </p:sp>
+      <p:sp>
+        <p:nvSpPr>
+          <p:cNvPr id="6" name="Oval 5">
+            <a:extLst>
+              <a:ext uri="{FF2B5EF4-FFF2-40B4-BE49-F238E27FC236}">
+                <a16:creationId xmlns:a16="http://schemas.microsoft.com/office/drawing/2014/main" id="{394B3E5B-DCE9-459D-B686-CC7AC6EFB678}"/>
+              </a:ext>
+            </a:extLst>
+          </p:cNvPr>
+          <p:cNvSpPr/>
+          <p:nvPr/>
+        </p:nvSpPr>
+        <p:spPr>
+          <a:xfrm>
+            <a:off x="6031832" y="2538663"/>
+            <a:ext cx="900000" cy="900000"/>
+          </a:xfrm>
+          <a:prstGeom prst="ellipse">
+            <a:avLst/>
+          </a:prstGeom>
+          <a:noFill/>
+          <a:ln w="38100">
+            <a:solidFill>
+              <a:schemeClr val="tx1"/>
+            </a:solidFill>
+          </a:ln>
+        </p:spPr>
+        <p:style>
+          <a:lnRef idx="2">
+            <a:schemeClr val="accent1">
+              <a:shade val="50000"/>
+            </a:schemeClr>
+          </a:lnRef>
+          <a:fillRef idx="1">
+            <a:schemeClr val="accent1"/>
+          </a:fillRef>
+          <a:effectRef idx="0">
+            <a:schemeClr val="accent1"/>
+          </a:effectRef>
+          <a:fontRef idx="minor">
+            <a:schemeClr val="lt1"/>
+          </a:fontRef>
+        </p:style>
+        <p:txBody>
+          <a:bodyPr rtlCol="0" anchor="ctr"/>
+          <a:lstStyle/>
+          <a:p>
+            <a:pPr algn="ctr"/>
+            <a:r>
+              <a:rPr lang="en-GB" sz="2800" dirty="0">
+                <a:solidFill>
+                  <a:schemeClr val="tx1"/>
+                </a:solidFill>
+              </a:rPr>
+              <a:t>t</a:t>
+            </a:r>
+            <a:r>
+              <a:rPr lang="en-GB" sz="2800" baseline="-25000" dirty="0">
+                <a:solidFill>
+                  <a:schemeClr val="tx1"/>
+                </a:solidFill>
+              </a:rPr>
+              <a:t>2</a:t>
+            </a:r>
+            <a:endParaRPr lang="en-GB" dirty="0">
+              <a:solidFill>
+                <a:schemeClr val="tx1"/>
+              </a:solidFill>
+            </a:endParaRPr>
+          </a:p>
+        </p:txBody>
+      </p:sp>
       <p:sp>
         <p:nvSpPr>
           <p:cNvPr id="7" name="Oval 6">
@@ -6097,7 +6793,7 @@
             </a:r>
             <a:r>
               <a:rPr lang="en-GB" baseline="-25000" dirty="0" err="1"/>
-              <a:t>i</a:t>
+              <a:t>j</a:t>
             </a:r>
             <a:r>
               <a:rPr lang="en-GB" dirty="0"/>
@@ -6146,7 +6842,7 @@
     </p:spTree>
     <p:extLst>
       <p:ext uri="{BB962C8B-B14F-4D97-AF65-F5344CB8AC3E}">
-        <p14:creationId xmlns:p14="http://schemas.microsoft.com/office/powerpoint/2010/main" val="3027059998"/>
+        <p14:creationId xmlns:p14="http://schemas.microsoft.com/office/powerpoint/2010/main" val="1896162796"/>
       </p:ext>
     </p:extLst>
   </p:cSld>
@@ -6156,7 +6852,7 @@
 </p:sld>
 </file>
 
-<file path=ppt/slides/slide13.xml><?xml version="1.0" encoding="utf-8"?>
+<file path=ppt/slides/slide14.xml><?xml version="1.0" encoding="utf-8"?>
 <p:sld xmlns:a="http://schemas.openxmlformats.org/drawingml/2006/main" xmlns:r="http://schemas.openxmlformats.org/officeDocument/2006/relationships" xmlns:p="http://schemas.openxmlformats.org/presentationml/2006/main">
   <p:cSld>
     <p:spTree>
@@ -6201,8 +6897,8 @@
           </a:p>
         </p:txBody>
       </p:sp>
-      <mc:AlternateContent xmlns:mc="http://schemas.openxmlformats.org/markup-compatibility/2006">
-        <mc:Choice xmlns:a14="http://schemas.microsoft.com/office/drawing/2010/main" Requires="a14">
+      <mc:AlternateContent xmlns:mc="http://schemas.openxmlformats.org/markup-compatibility/2006" xmlns:a14="http://schemas.microsoft.com/office/drawing/2010/main">
+        <mc:Choice Requires="a14">
           <p:sp>
             <p:nvSpPr>
               <p:cNvPr id="3" name="Content Placeholder 2">
@@ -6350,10 +7046,13 @@
                       </m:dPr>
                       <m:e>
                         <m:r>
-                          <a:rPr lang="en-GB" b="0" i="1" smtClean="0">
+                          <m:rPr>
+                            <m:sty m:val="p"/>
+                          </m:rPr>
+                          <a:rPr lang="en-GB" i="1">
                             <a:latin typeface="Cambria Math" panose="02040503050406030204" pitchFamily="18" charset="0"/>
                           </a:rPr>
-                          <m:t>𝛾</m:t>
+                          <m:t>ε</m:t>
                         </m:r>
                         <m:r>
                           <a:rPr lang="en-GB" b="0" i="1" smtClean="0">
@@ -6365,10 +7064,10 @@
                           <m:rPr>
                             <m:sty m:val="p"/>
                           </m:rPr>
-                          <a:rPr lang="en-GB" i="1">
+                          <a:rPr lang="el-GR" b="0" i="1" smtClean="0">
                             <a:latin typeface="Cambria Math" panose="02040503050406030204" pitchFamily="18" charset="0"/>
                           </a:rPr>
-                          <m:t>ε</m:t>
+                          <m:t>ζ</m:t>
                         </m:r>
                       </m:e>
                     </m:d>
@@ -6449,7 +7148,7 @@
             </p:txBody>
           </p:sp>
         </mc:Choice>
-        <mc:Fallback>
+        <mc:Fallback xmlns="">
           <p:sp>
             <p:nvSpPr>
               <p:cNvPr id="3" name="Content Placeholder 2">
@@ -6499,10 +7198,190 @@
   <p:clrMapOvr>
     <a:masterClrMapping/>
   </p:clrMapOvr>
+  <p:timing>
+    <p:tnLst>
+      <p:par>
+        <p:cTn id="1" dur="indefinite" restart="never" nodeType="tmRoot">
+          <p:childTnLst>
+            <p:seq concurrent="1" nextAc="seek">
+              <p:cTn id="2" dur="indefinite" nodeType="mainSeq">
+                <p:childTnLst>
+                  <p:par>
+                    <p:cTn id="3" fill="hold">
+                      <p:stCondLst>
+                        <p:cond delay="indefinite"/>
+                      </p:stCondLst>
+                      <p:childTnLst>
+                        <p:par>
+                          <p:cTn id="4" fill="hold">
+                            <p:stCondLst>
+                              <p:cond delay="0"/>
+                            </p:stCondLst>
+                            <p:childTnLst>
+                              <p:par>
+                                <p:cTn id="5" presetID="1" presetClass="entr" presetSubtype="0" fill="hold" grpId="0" nodeType="clickEffect">
+                                  <p:stCondLst>
+                                    <p:cond delay="0"/>
+                                  </p:stCondLst>
+                                  <p:childTnLst>
+                                    <p:set>
+                                      <p:cBhvr>
+                                        <p:cTn id="6" dur="1" fill="hold">
+                                          <p:stCondLst>
+                                            <p:cond delay="0"/>
+                                          </p:stCondLst>
+                                        </p:cTn>
+                                        <p:tgtEl>
+                                          <p:spTgt spid="3">
+                                            <p:txEl>
+                                              <p:pRg st="0" end="0"/>
+                                            </p:txEl>
+                                          </p:spTgt>
+                                        </p:tgtEl>
+                                        <p:attrNameLst>
+                                          <p:attrName>style.visibility</p:attrName>
+                                        </p:attrNameLst>
+                                      </p:cBhvr>
+                                      <p:to>
+                                        <p:strVal val="visible"/>
+                                      </p:to>
+                                    </p:set>
+                                  </p:childTnLst>
+                                </p:cTn>
+                              </p:par>
+                            </p:childTnLst>
+                          </p:cTn>
+                        </p:par>
+                      </p:childTnLst>
+                    </p:cTn>
+                  </p:par>
+                  <p:par>
+                    <p:cTn id="7" fill="hold">
+                      <p:stCondLst>
+                        <p:cond delay="indefinite"/>
+                      </p:stCondLst>
+                      <p:childTnLst>
+                        <p:par>
+                          <p:cTn id="8" fill="hold">
+                            <p:stCondLst>
+                              <p:cond delay="0"/>
+                            </p:stCondLst>
+                            <p:childTnLst>
+                              <p:par>
+                                <p:cTn id="9" presetID="1" presetClass="entr" presetSubtype="0" fill="hold" grpId="0" nodeType="clickEffect">
+                                  <p:stCondLst>
+                                    <p:cond delay="0"/>
+                                  </p:stCondLst>
+                                  <p:childTnLst>
+                                    <p:set>
+                                      <p:cBhvr>
+                                        <p:cTn id="10" dur="1" fill="hold">
+                                          <p:stCondLst>
+                                            <p:cond delay="0"/>
+                                          </p:stCondLst>
+                                        </p:cTn>
+                                        <p:tgtEl>
+                                          <p:spTgt spid="3">
+                                            <p:txEl>
+                                              <p:pRg st="1" end="1"/>
+                                            </p:txEl>
+                                          </p:spTgt>
+                                        </p:tgtEl>
+                                        <p:attrNameLst>
+                                          <p:attrName>style.visibility</p:attrName>
+                                        </p:attrNameLst>
+                                      </p:cBhvr>
+                                      <p:to>
+                                        <p:strVal val="visible"/>
+                                      </p:to>
+                                    </p:set>
+                                  </p:childTnLst>
+                                </p:cTn>
+                              </p:par>
+                            </p:childTnLst>
+                          </p:cTn>
+                        </p:par>
+                      </p:childTnLst>
+                    </p:cTn>
+                  </p:par>
+                  <p:par>
+                    <p:cTn id="11" fill="hold">
+                      <p:stCondLst>
+                        <p:cond delay="indefinite"/>
+                      </p:stCondLst>
+                      <p:childTnLst>
+                        <p:par>
+                          <p:cTn id="12" fill="hold">
+                            <p:stCondLst>
+                              <p:cond delay="0"/>
+                            </p:stCondLst>
+                            <p:childTnLst>
+                              <p:par>
+                                <p:cTn id="13" presetID="1" presetClass="entr" presetSubtype="0" fill="hold" grpId="0" nodeType="clickEffect">
+                                  <p:stCondLst>
+                                    <p:cond delay="0"/>
+                                  </p:stCondLst>
+                                  <p:childTnLst>
+                                    <p:set>
+                                      <p:cBhvr>
+                                        <p:cTn id="14" dur="1" fill="hold">
+                                          <p:stCondLst>
+                                            <p:cond delay="0"/>
+                                          </p:stCondLst>
+                                        </p:cTn>
+                                        <p:tgtEl>
+                                          <p:spTgt spid="3">
+                                            <p:txEl>
+                                              <p:pRg st="2" end="2"/>
+                                            </p:txEl>
+                                          </p:spTgt>
+                                        </p:tgtEl>
+                                        <p:attrNameLst>
+                                          <p:attrName>style.visibility</p:attrName>
+                                        </p:attrNameLst>
+                                      </p:cBhvr>
+                                      <p:to>
+                                        <p:strVal val="visible"/>
+                                      </p:to>
+                                    </p:set>
+                                  </p:childTnLst>
+                                </p:cTn>
+                              </p:par>
+                            </p:childTnLst>
+                          </p:cTn>
+                        </p:par>
+                      </p:childTnLst>
+                    </p:cTn>
+                  </p:par>
+                </p:childTnLst>
+              </p:cTn>
+              <p:prevCondLst>
+                <p:cond evt="onPrev" delay="0">
+                  <p:tgtEl>
+                    <p:sldTgt/>
+                  </p:tgtEl>
+                </p:cond>
+              </p:prevCondLst>
+              <p:nextCondLst>
+                <p:cond evt="onNext" delay="0">
+                  <p:tgtEl>
+                    <p:sldTgt/>
+                  </p:tgtEl>
+                </p:cond>
+              </p:nextCondLst>
+            </p:seq>
+          </p:childTnLst>
+        </p:cTn>
+      </p:par>
+    </p:tnLst>
+    <p:bldLst>
+      <p:bldP spid="3" grpId="0" build="p"/>
+    </p:bldLst>
+  </p:timing>
 </p:sld>
 </file>
 
-<file path=ppt/slides/slide14.xml><?xml version="1.0" encoding="utf-8"?>
+<file path=ppt/slides/slide15.xml><?xml version="1.0" encoding="utf-8"?>
 <p:sld xmlns:a="http://schemas.openxmlformats.org/drawingml/2006/main" xmlns:r="http://schemas.openxmlformats.org/officeDocument/2006/relationships" xmlns:p="http://schemas.openxmlformats.org/presentationml/2006/main">
   <p:cSld>
     <p:spTree>
@@ -7806,6 +8685,51 @@
           </a:p>
         </p:txBody>
       </p:sp>
+      <p:cxnSp>
+        <p:nvCxnSpPr>
+          <p:cNvPr id="35" name="Straight Arrow Connector 34">
+            <a:extLst>
+              <a:ext uri="{FF2B5EF4-FFF2-40B4-BE49-F238E27FC236}">
+                <a16:creationId xmlns:a16="http://schemas.microsoft.com/office/drawing/2014/main" id="{B3118D16-743F-4828-A107-E1D9A4C2E046}"/>
+              </a:ext>
+            </a:extLst>
+          </p:cNvPr>
+          <p:cNvCxnSpPr>
+            <a:cxnSpLocks/>
+          </p:cNvCxnSpPr>
+          <p:nvPr/>
+        </p:nvCxnSpPr>
+        <p:spPr>
+          <a:xfrm>
+            <a:off x="1613378" y="5033111"/>
+            <a:ext cx="0" cy="289510"/>
+          </a:xfrm>
+          <a:prstGeom prst="straightConnector1">
+            <a:avLst/>
+          </a:prstGeom>
+          <a:ln w="19050">
+            <a:solidFill>
+              <a:schemeClr val="tx1"/>
+            </a:solidFill>
+            <a:headEnd type="none" w="med" len="med"/>
+            <a:tailEnd type="none" w="med" len="med"/>
+          </a:ln>
+        </p:spPr>
+        <p:style>
+          <a:lnRef idx="1">
+            <a:schemeClr val="accent1"/>
+          </a:lnRef>
+          <a:fillRef idx="0">
+            <a:schemeClr val="accent1"/>
+          </a:fillRef>
+          <a:effectRef idx="0">
+            <a:schemeClr val="accent1"/>
+          </a:effectRef>
+          <a:fontRef idx="minor">
+            <a:schemeClr val="tx1"/>
+          </a:fontRef>
+        </p:style>
+      </p:cxnSp>
     </p:spTree>
     <p:extLst>
       <p:ext uri="{BB962C8B-B14F-4D97-AF65-F5344CB8AC3E}">
@@ -7819,7 +8743,7 @@
 </p:sld>
 </file>
 
-<file path=ppt/slides/slide15.xml><?xml version="1.0" encoding="utf-8"?>
+<file path=ppt/slides/slide16.xml><?xml version="1.0" encoding="utf-8"?>
 <p:sld xmlns:a="http://schemas.openxmlformats.org/drawingml/2006/main" xmlns:r="http://schemas.openxmlformats.org/officeDocument/2006/relationships" xmlns:p="http://schemas.openxmlformats.org/presentationml/2006/main">
   <p:cSld>
     <p:spTree>
@@ -7914,7 +8838,7 @@
                           <a:rPr lang="en-GB" b="0" i="1" smtClean="0">
                             <a:latin typeface="Cambria Math" panose="02040503050406030204" pitchFamily="18" charset="0"/>
                           </a:rPr>
-                          <m:t>𝑖</m:t>
+                          <m:t>𝑗</m:t>
                         </m:r>
                       </m:sub>
                     </m:sSub>
@@ -7957,7 +8881,7 @@
                           <a:rPr lang="en-GB" b="0" i="1" smtClean="0">
                             <a:latin typeface="Cambria Math" panose="02040503050406030204" pitchFamily="18" charset="0"/>
                           </a:rPr>
-                          <m:t>𝑖</m:t>
+                          <m:t>𝑗</m:t>
                         </m:r>
                       </m:sub>
                     </m:sSub>
@@ -7988,7 +8912,7 @@
                           <a:rPr lang="en-GB" b="0" i="1" smtClean="0">
                             <a:latin typeface="Cambria Math" panose="02040503050406030204" pitchFamily="18" charset="0"/>
                           </a:rPr>
-                          <m:t>𝑖</m:t>
+                          <m:t>𝑗</m:t>
                         </m:r>
                       </m:sub>
                     </m:sSub>
@@ -8023,7 +8947,7 @@
               <a:blipFill>
                 <a:blip r:embed="rId2"/>
                 <a:stretch>
-                  <a:fillRect l="-1043" t="-2241"/>
+                  <a:fillRect l="-1043" t="-1961"/>
                 </a:stretch>
               </a:blipFill>
             </p:spPr>
@@ -8087,10 +9011,137 @@
   <p:clrMapOvr>
     <a:masterClrMapping/>
   </p:clrMapOvr>
+  <p:timing>
+    <p:tnLst>
+      <p:par>
+        <p:cTn id="1" dur="indefinite" restart="never" nodeType="tmRoot">
+          <p:childTnLst>
+            <p:seq concurrent="1" nextAc="seek">
+              <p:cTn id="2" dur="indefinite" nodeType="mainSeq">
+                <p:childTnLst>
+                  <p:par>
+                    <p:cTn id="3" fill="hold">
+                      <p:stCondLst>
+                        <p:cond delay="indefinite"/>
+                      </p:stCondLst>
+                      <p:childTnLst>
+                        <p:par>
+                          <p:cTn id="4" fill="hold">
+                            <p:stCondLst>
+                              <p:cond delay="0"/>
+                            </p:stCondLst>
+                            <p:childTnLst>
+                              <p:par>
+                                <p:cTn id="5" presetID="1" presetClass="entr" presetSubtype="0" fill="hold" grpId="0" nodeType="clickEffect">
+                                  <p:stCondLst>
+                                    <p:cond delay="0"/>
+                                  </p:stCondLst>
+                                  <p:childTnLst>
+                                    <p:set>
+                                      <p:cBhvr>
+                                        <p:cTn id="6" dur="1" fill="hold">
+                                          <p:stCondLst>
+                                            <p:cond delay="0"/>
+                                          </p:stCondLst>
+                                        </p:cTn>
+                                        <p:tgtEl>
+                                          <p:spTgt spid="3">
+                                            <p:txEl>
+                                              <p:pRg st="0" end="0"/>
+                                            </p:txEl>
+                                          </p:spTgt>
+                                        </p:tgtEl>
+                                        <p:attrNameLst>
+                                          <p:attrName>style.visibility</p:attrName>
+                                        </p:attrNameLst>
+                                      </p:cBhvr>
+                                      <p:to>
+                                        <p:strVal val="visible"/>
+                                      </p:to>
+                                    </p:set>
+                                  </p:childTnLst>
+                                </p:cTn>
+                              </p:par>
+                            </p:childTnLst>
+                          </p:cTn>
+                        </p:par>
+                      </p:childTnLst>
+                    </p:cTn>
+                  </p:par>
+                  <p:par>
+                    <p:cTn id="7" fill="hold">
+                      <p:stCondLst>
+                        <p:cond delay="indefinite"/>
+                      </p:stCondLst>
+                      <p:childTnLst>
+                        <p:par>
+                          <p:cTn id="8" fill="hold">
+                            <p:stCondLst>
+                              <p:cond delay="0"/>
+                            </p:stCondLst>
+                            <p:childTnLst>
+                              <p:par>
+                                <p:cTn id="9" presetID="1" presetClass="entr" presetSubtype="0" fill="hold" nodeType="clickEffect">
+                                  <p:stCondLst>
+                                    <p:cond delay="0"/>
+                                  </p:stCondLst>
+                                  <p:childTnLst>
+                                    <p:set>
+                                      <p:cBhvr>
+                                        <p:cTn id="10" dur="1" fill="hold">
+                                          <p:stCondLst>
+                                            <p:cond delay="0"/>
+                                          </p:stCondLst>
+                                        </p:cTn>
+                                        <p:tgtEl>
+                                          <p:spTgt spid="4"/>
+                                        </p:tgtEl>
+                                        <p:attrNameLst>
+                                          <p:attrName>style.visibility</p:attrName>
+                                        </p:attrNameLst>
+                                      </p:cBhvr>
+                                      <p:to>
+                                        <p:strVal val="visible"/>
+                                      </p:to>
+                                    </p:set>
+                                  </p:childTnLst>
+                                </p:cTn>
+                              </p:par>
+                            </p:childTnLst>
+                          </p:cTn>
+                        </p:par>
+                      </p:childTnLst>
+                    </p:cTn>
+                  </p:par>
+                </p:childTnLst>
+              </p:cTn>
+              <p:prevCondLst>
+                <p:cond evt="onPrev" delay="0">
+                  <p:tgtEl>
+                    <p:sldTgt/>
+                  </p:tgtEl>
+                </p:cond>
+              </p:prevCondLst>
+              <p:nextCondLst>
+                <p:cond evt="onNext" delay="0">
+                  <p:tgtEl>
+                    <p:sldTgt/>
+                  </p:tgtEl>
+                </p:cond>
+              </p:nextCondLst>
+            </p:seq>
+          </p:childTnLst>
+        </p:cTn>
+      </p:par>
+    </p:tnLst>
+    <p:bldLst>
+      <p:bldP spid="3" grpId="0" build="p"/>
+    </p:bldLst>
+  </p:timing>
 </p:sld>
 </file>
 
-<file path=ppt/slides/slide16.xml><?xml version="1.0" encoding="utf-8"?>
+<file path=ppt/slides/slide17.xml><?xml version="1.0" encoding="utf-8"?>
 <p:sld xmlns:a="http://schemas.openxmlformats.org/drawingml/2006/main" xmlns:r="http://schemas.openxmlformats.org/officeDocument/2006/relationships" xmlns:p="http://schemas.openxmlformats.org/presentationml/2006/main">
   <p:cSld>
     <p:spTree>
@@ -8135,8 +9186,8 @@
           </a:p>
         </p:txBody>
       </p:sp>
-      <mc:AlternateContent xmlns:mc="http://schemas.openxmlformats.org/markup-compatibility/2006">
-        <mc:Choice xmlns:a14="http://schemas.microsoft.com/office/drawing/2010/main" Requires="a14">
+      <mc:AlternateContent xmlns:mc="http://schemas.openxmlformats.org/markup-compatibility/2006" xmlns:a14="http://schemas.microsoft.com/office/drawing/2010/main">
+        <mc:Choice Requires="a14">
           <p:sp>
             <p:nvSpPr>
               <p:cNvPr id="3" name="Content Placeholder 2">
@@ -8183,29 +9234,39 @@
                         <m:accPr>
                           <m:chr m:val="̅"/>
                           <m:ctrlPr>
-                            <a:rPr lang="en-GB" sz="2800" i="1"/>
+                            <a:rPr lang="en-GB" sz="2800" i="1">
+                              <a:latin typeface="Cambria Math" panose="02040503050406030204" pitchFamily="18" charset="0"/>
+                            </a:rPr>
                           </m:ctrlPr>
                         </m:accPr>
                         <m:e>
                           <m:r>
-                            <a:rPr lang="en-GB" sz="2800" i="1"/>
+                            <a:rPr lang="en-GB" sz="2800" i="1">
+                              <a:latin typeface="Cambria Math" panose="02040503050406030204" pitchFamily="18" charset="0"/>
+                            </a:rPr>
                             <m:t>𝑁</m:t>
                           </m:r>
                         </m:e>
                       </m:acc>
                       <m:r>
-                        <a:rPr lang="en-GB" sz="2800" i="1"/>
+                        <a:rPr lang="en-GB" sz="2800" i="1">
+                          <a:latin typeface="Cambria Math" panose="02040503050406030204" pitchFamily="18" charset="0"/>
+                        </a:rPr>
                         <m:t>=</m:t>
                       </m:r>
                       <m:r>
                         <m:rPr>
                           <m:sty m:val="p"/>
                         </m:rPr>
-                        <a:rPr lang="en-GB" sz="2800"/>
+                        <a:rPr lang="en-GB" sz="2800">
+                          <a:latin typeface="Cambria Math" panose="02040503050406030204" pitchFamily="18" charset="0"/>
+                        </a:rPr>
                         <m:t>λ</m:t>
                       </m:r>
                       <m:r>
-                        <a:rPr lang="en-GB" sz="2800" i="1" smtClean="0"/>
+                        <a:rPr lang="en-GB" sz="2800" i="1" smtClean="0">
+                          <a:latin typeface="Cambria Math" panose="02040503050406030204" pitchFamily="18" charset="0"/>
+                        </a:rPr>
                         <m:t>𝑇</m:t>
                       </m:r>
                     </m:oMath>
@@ -8364,29 +9425,39 @@
                       <m:rPr>
                         <m:sty m:val="p"/>
                       </m:rPr>
-                      <a:rPr lang="en-GB"/>
+                      <a:rPr lang="en-GB">
+                        <a:latin typeface="Cambria Math" panose="02040503050406030204" pitchFamily="18" charset="0"/>
+                      </a:rPr>
                       <m:t>λ</m:t>
                     </m:r>
                     <m:r>
-                      <a:rPr lang="en-GB" i="1"/>
+                      <a:rPr lang="en-GB" i="1">
+                        <a:latin typeface="Cambria Math" panose="02040503050406030204" pitchFamily="18" charset="0"/>
+                      </a:rPr>
                       <m:t>=</m:t>
                     </m:r>
                     <m:f>
                       <m:fPr>
                         <m:type m:val="lin"/>
                         <m:ctrlPr>
-                          <a:rPr lang="en-GB" i="1"/>
+                          <a:rPr lang="en-GB" i="1">
+                            <a:latin typeface="Cambria Math" panose="02040503050406030204" pitchFamily="18" charset="0"/>
+                          </a:rPr>
                         </m:ctrlPr>
                       </m:fPr>
                       <m:num>
                         <m:r>
-                          <a:rPr lang="en-GB" i="1"/>
+                          <a:rPr lang="en-GB" i="1">
+                            <a:latin typeface="Cambria Math" panose="02040503050406030204" pitchFamily="18" charset="0"/>
+                          </a:rPr>
                           <m:t>𝑁</m:t>
                         </m:r>
                       </m:num>
                       <m:den>
                         <m:r>
-                          <a:rPr lang="en-GB" i="1"/>
+                          <a:rPr lang="en-GB" i="1">
+                            <a:latin typeface="Cambria Math" panose="02040503050406030204" pitchFamily="18" charset="0"/>
+                          </a:rPr>
                           <m:t>𝑇</m:t>
                         </m:r>
                       </m:den>
@@ -8404,7 +9475,7 @@
             </p:txBody>
           </p:sp>
         </mc:Choice>
-        <mc:Fallback>
+        <mc:Fallback xmlns="">
           <p:sp>
             <p:nvSpPr>
               <p:cNvPr id="3" name="Content Placeholder 2">
@@ -8454,10 +9525,1219 @@
   <p:clrMapOvr>
     <a:masterClrMapping/>
   </p:clrMapOvr>
+  <p:timing>
+    <p:tnLst>
+      <p:par>
+        <p:cTn id="1" dur="indefinite" restart="never" nodeType="tmRoot">
+          <p:childTnLst>
+            <p:seq concurrent="1" nextAc="seek">
+              <p:cTn id="2" dur="indefinite" nodeType="mainSeq">
+                <p:childTnLst>
+                  <p:par>
+                    <p:cTn id="3" fill="hold">
+                      <p:stCondLst>
+                        <p:cond delay="indefinite"/>
+                      </p:stCondLst>
+                      <p:childTnLst>
+                        <p:par>
+                          <p:cTn id="4" fill="hold">
+                            <p:stCondLst>
+                              <p:cond delay="0"/>
+                            </p:stCondLst>
+                            <p:childTnLst>
+                              <p:par>
+                                <p:cTn id="5" presetID="1" presetClass="entr" presetSubtype="0" fill="hold" grpId="0" nodeType="clickEffect">
+                                  <p:stCondLst>
+                                    <p:cond delay="0"/>
+                                  </p:stCondLst>
+                                  <p:childTnLst>
+                                    <p:set>
+                                      <p:cBhvr>
+                                        <p:cTn id="6" dur="1" fill="hold">
+                                          <p:stCondLst>
+                                            <p:cond delay="0"/>
+                                          </p:stCondLst>
+                                        </p:cTn>
+                                        <p:tgtEl>
+                                          <p:spTgt spid="3">
+                                            <p:txEl>
+                                              <p:pRg st="0" end="0"/>
+                                            </p:txEl>
+                                          </p:spTgt>
+                                        </p:tgtEl>
+                                        <p:attrNameLst>
+                                          <p:attrName>style.visibility</p:attrName>
+                                        </p:attrNameLst>
+                                      </p:cBhvr>
+                                      <p:to>
+                                        <p:strVal val="visible"/>
+                                      </p:to>
+                                    </p:set>
+                                  </p:childTnLst>
+                                </p:cTn>
+                              </p:par>
+                              <p:par>
+                                <p:cTn id="7" presetID="1" presetClass="entr" presetSubtype="0" fill="hold" grpId="0" nodeType="withEffect">
+                                  <p:stCondLst>
+                                    <p:cond delay="0"/>
+                                  </p:stCondLst>
+                                  <p:childTnLst>
+                                    <p:set>
+                                      <p:cBhvr>
+                                        <p:cTn id="8" dur="1" fill="hold">
+                                          <p:stCondLst>
+                                            <p:cond delay="0"/>
+                                          </p:stCondLst>
+                                        </p:cTn>
+                                        <p:tgtEl>
+                                          <p:spTgt spid="3">
+                                            <p:txEl>
+                                              <p:pRg st="2" end="2"/>
+                                            </p:txEl>
+                                          </p:spTgt>
+                                        </p:tgtEl>
+                                        <p:attrNameLst>
+                                          <p:attrName>style.visibility</p:attrName>
+                                        </p:attrNameLst>
+                                      </p:cBhvr>
+                                      <p:to>
+                                        <p:strVal val="visible"/>
+                                      </p:to>
+                                    </p:set>
+                                  </p:childTnLst>
+                                </p:cTn>
+                              </p:par>
+                            </p:childTnLst>
+                          </p:cTn>
+                        </p:par>
+                      </p:childTnLst>
+                    </p:cTn>
+                  </p:par>
+                  <p:par>
+                    <p:cTn id="9" fill="hold">
+                      <p:stCondLst>
+                        <p:cond delay="indefinite"/>
+                      </p:stCondLst>
+                      <p:childTnLst>
+                        <p:par>
+                          <p:cTn id="10" fill="hold">
+                            <p:stCondLst>
+                              <p:cond delay="0"/>
+                            </p:stCondLst>
+                            <p:childTnLst>
+                              <p:par>
+                                <p:cTn id="11" presetID="1" presetClass="entr" presetSubtype="0" fill="hold" grpId="0" nodeType="clickEffect">
+                                  <p:stCondLst>
+                                    <p:cond delay="0"/>
+                                  </p:stCondLst>
+                                  <p:childTnLst>
+                                    <p:set>
+                                      <p:cBhvr>
+                                        <p:cTn id="12" dur="1" fill="hold">
+                                          <p:stCondLst>
+                                            <p:cond delay="0"/>
+                                          </p:stCondLst>
+                                        </p:cTn>
+                                        <p:tgtEl>
+                                          <p:spTgt spid="3">
+                                            <p:txEl>
+                                              <p:pRg st="4" end="4"/>
+                                            </p:txEl>
+                                          </p:spTgt>
+                                        </p:tgtEl>
+                                        <p:attrNameLst>
+                                          <p:attrName>style.visibility</p:attrName>
+                                        </p:attrNameLst>
+                                      </p:cBhvr>
+                                      <p:to>
+                                        <p:strVal val="visible"/>
+                                      </p:to>
+                                    </p:set>
+                                  </p:childTnLst>
+                                </p:cTn>
+                              </p:par>
+                            </p:childTnLst>
+                          </p:cTn>
+                        </p:par>
+                      </p:childTnLst>
+                    </p:cTn>
+                  </p:par>
+                  <p:par>
+                    <p:cTn id="13" fill="hold">
+                      <p:stCondLst>
+                        <p:cond delay="indefinite"/>
+                      </p:stCondLst>
+                      <p:childTnLst>
+                        <p:par>
+                          <p:cTn id="14" fill="hold">
+                            <p:stCondLst>
+                              <p:cond delay="0"/>
+                            </p:stCondLst>
+                            <p:childTnLst>
+                              <p:par>
+                                <p:cTn id="15" presetID="1" presetClass="entr" presetSubtype="0" fill="hold" grpId="0" nodeType="clickEffect">
+                                  <p:stCondLst>
+                                    <p:cond delay="0"/>
+                                  </p:stCondLst>
+                                  <p:childTnLst>
+                                    <p:set>
+                                      <p:cBhvr>
+                                        <p:cTn id="16" dur="1" fill="hold">
+                                          <p:stCondLst>
+                                            <p:cond delay="0"/>
+                                          </p:stCondLst>
+                                        </p:cTn>
+                                        <p:tgtEl>
+                                          <p:spTgt spid="3">
+                                            <p:txEl>
+                                              <p:pRg st="5" end="5"/>
+                                            </p:txEl>
+                                          </p:spTgt>
+                                        </p:tgtEl>
+                                        <p:attrNameLst>
+                                          <p:attrName>style.visibility</p:attrName>
+                                        </p:attrNameLst>
+                                      </p:cBhvr>
+                                      <p:to>
+                                        <p:strVal val="visible"/>
+                                      </p:to>
+                                    </p:set>
+                                  </p:childTnLst>
+                                </p:cTn>
+                              </p:par>
+                            </p:childTnLst>
+                          </p:cTn>
+                        </p:par>
+                      </p:childTnLst>
+                    </p:cTn>
+                  </p:par>
+                  <p:par>
+                    <p:cTn id="17" fill="hold">
+                      <p:stCondLst>
+                        <p:cond delay="indefinite"/>
+                      </p:stCondLst>
+                      <p:childTnLst>
+                        <p:par>
+                          <p:cTn id="18" fill="hold">
+                            <p:stCondLst>
+                              <p:cond delay="0"/>
+                            </p:stCondLst>
+                            <p:childTnLst>
+                              <p:par>
+                                <p:cTn id="19" presetID="1" presetClass="entr" presetSubtype="0" fill="hold" grpId="0" nodeType="clickEffect">
+                                  <p:stCondLst>
+                                    <p:cond delay="0"/>
+                                  </p:stCondLst>
+                                  <p:childTnLst>
+                                    <p:set>
+                                      <p:cBhvr>
+                                        <p:cTn id="20" dur="1" fill="hold">
+                                          <p:stCondLst>
+                                            <p:cond delay="0"/>
+                                          </p:stCondLst>
+                                        </p:cTn>
+                                        <p:tgtEl>
+                                          <p:spTgt spid="3">
+                                            <p:txEl>
+                                              <p:pRg st="6" end="6"/>
+                                            </p:txEl>
+                                          </p:spTgt>
+                                        </p:tgtEl>
+                                        <p:attrNameLst>
+                                          <p:attrName>style.visibility</p:attrName>
+                                        </p:attrNameLst>
+                                      </p:cBhvr>
+                                      <p:to>
+                                        <p:strVal val="visible"/>
+                                      </p:to>
+                                    </p:set>
+                                  </p:childTnLst>
+                                </p:cTn>
+                              </p:par>
+                            </p:childTnLst>
+                          </p:cTn>
+                        </p:par>
+                      </p:childTnLst>
+                    </p:cTn>
+                  </p:par>
+                </p:childTnLst>
+              </p:cTn>
+              <p:prevCondLst>
+                <p:cond evt="onPrev" delay="0">
+                  <p:tgtEl>
+                    <p:sldTgt/>
+                  </p:tgtEl>
+                </p:cond>
+              </p:prevCondLst>
+              <p:nextCondLst>
+                <p:cond evt="onNext" delay="0">
+                  <p:tgtEl>
+                    <p:sldTgt/>
+                  </p:tgtEl>
+                </p:cond>
+              </p:nextCondLst>
+            </p:seq>
+          </p:childTnLst>
+        </p:cTn>
+      </p:par>
+    </p:tnLst>
+    <p:bldLst>
+      <p:bldP spid="3" grpId="0" uiExpand="1" build="p"/>
+    </p:bldLst>
+  </p:timing>
 </p:sld>
 </file>
 
-<file path=ppt/slides/slide17.xml><?xml version="1.0" encoding="utf-8"?>
+<file path=ppt/slides/slide18.xml><?xml version="1.0" encoding="utf-8"?>
+<p:sld xmlns:a="http://schemas.openxmlformats.org/drawingml/2006/main" xmlns:r="http://schemas.openxmlformats.org/officeDocument/2006/relationships" xmlns:p="http://schemas.openxmlformats.org/presentationml/2006/main">
+  <p:cSld>
+    <p:spTree>
+      <p:nvGrpSpPr>
+        <p:cNvPr id="1" name=""/>
+        <p:cNvGrpSpPr/>
+        <p:nvPr/>
+      </p:nvGrpSpPr>
+      <p:grpSpPr>
+        <a:xfrm>
+          <a:off x="0" y="0"/>
+          <a:ext cx="0" cy="0"/>
+          <a:chOff x="0" y="0"/>
+          <a:chExt cx="0" cy="0"/>
+        </a:xfrm>
+      </p:grpSpPr>
+      <p:sp>
+        <p:nvSpPr>
+          <p:cNvPr id="2" name="Title 1">
+            <a:extLst>
+              <a:ext uri="{FF2B5EF4-FFF2-40B4-BE49-F238E27FC236}">
+                <a16:creationId xmlns:a16="http://schemas.microsoft.com/office/drawing/2014/main" id="{1753E475-8D8C-4B33-9B2E-2CFA6C87404B}"/>
+              </a:ext>
+            </a:extLst>
+          </p:cNvPr>
+          <p:cNvSpPr>
+            <a:spLocks noGrp="1"/>
+          </p:cNvSpPr>
+          <p:nvPr>
+            <p:ph type="title"/>
+          </p:nvPr>
+        </p:nvSpPr>
+        <p:spPr/>
+        <p:txBody>
+          <a:bodyPr/>
+          <a:lstStyle/>
+          <a:p>
+            <a:r>
+              <a:rPr lang="en-GB" dirty="0"/>
+              <a:t>Simulating Individual Behaviour</a:t>
+            </a:r>
+          </a:p>
+        </p:txBody>
+      </p:sp>
+      <p:sp>
+        <p:nvSpPr>
+          <p:cNvPr id="3" name="Content Placeholder 2">
+            <a:extLst>
+              <a:ext uri="{FF2B5EF4-FFF2-40B4-BE49-F238E27FC236}">
+                <a16:creationId xmlns:a16="http://schemas.microsoft.com/office/drawing/2014/main" id="{94B984A6-C6E4-4380-896C-E56346B9DBB8}"/>
+              </a:ext>
+            </a:extLst>
+          </p:cNvPr>
+          <p:cNvSpPr>
+            <a:spLocks noGrp="1"/>
+          </p:cNvSpPr>
+          <p:nvPr>
+            <p:ph idx="1"/>
+          </p:nvPr>
+        </p:nvSpPr>
+        <p:spPr/>
+        <p:txBody>
+          <a:bodyPr/>
+          <a:lstStyle/>
+          <a:p>
+            <a:r>
+              <a:rPr lang="en-GB" dirty="0"/>
+              <a:t>We now need to simulate data for each individual</a:t>
+            </a:r>
+          </a:p>
+          <a:p>
+            <a:r>
+              <a:rPr lang="en-GB" dirty="0"/>
+              <a:t>The following assumptions are made:</a:t>
+            </a:r>
+          </a:p>
+          <a:p>
+            <a:pPr lvl="1"/>
+            <a:endParaRPr lang="en-GB" dirty="0"/>
+          </a:p>
+        </p:txBody>
+      </p:sp>
+    </p:spTree>
+    <p:extLst>
+      <p:ext uri="{BB962C8B-B14F-4D97-AF65-F5344CB8AC3E}">
+        <p14:creationId xmlns:p14="http://schemas.microsoft.com/office/powerpoint/2010/main" val="3753955408"/>
+      </p:ext>
+    </p:extLst>
+  </p:cSld>
+  <p:clrMapOvr>
+    <a:masterClrMapping/>
+  </p:clrMapOvr>
+  <p:timing>
+    <p:tnLst>
+      <p:par>
+        <p:cTn id="1" dur="indefinite" restart="never" nodeType="tmRoot">
+          <p:childTnLst>
+            <p:seq concurrent="1" nextAc="seek">
+              <p:cTn id="2" dur="indefinite" nodeType="mainSeq">
+                <p:childTnLst>
+                  <p:par>
+                    <p:cTn id="3" fill="hold">
+                      <p:stCondLst>
+                        <p:cond delay="indefinite"/>
+                      </p:stCondLst>
+                      <p:childTnLst>
+                        <p:par>
+                          <p:cTn id="4" fill="hold">
+                            <p:stCondLst>
+                              <p:cond delay="0"/>
+                            </p:stCondLst>
+                            <p:childTnLst>
+                              <p:par>
+                                <p:cTn id="5" presetID="1" presetClass="entr" presetSubtype="0" fill="hold" grpId="0" nodeType="clickEffect">
+                                  <p:stCondLst>
+                                    <p:cond delay="0"/>
+                                  </p:stCondLst>
+                                  <p:childTnLst>
+                                    <p:set>
+                                      <p:cBhvr>
+                                        <p:cTn id="6" dur="1" fill="hold">
+                                          <p:stCondLst>
+                                            <p:cond delay="0"/>
+                                          </p:stCondLst>
+                                        </p:cTn>
+                                        <p:tgtEl>
+                                          <p:spTgt spid="3">
+                                            <p:txEl>
+                                              <p:pRg st="0" end="0"/>
+                                            </p:txEl>
+                                          </p:spTgt>
+                                        </p:tgtEl>
+                                        <p:attrNameLst>
+                                          <p:attrName>style.visibility</p:attrName>
+                                        </p:attrNameLst>
+                                      </p:cBhvr>
+                                      <p:to>
+                                        <p:strVal val="visible"/>
+                                      </p:to>
+                                    </p:set>
+                                  </p:childTnLst>
+                                </p:cTn>
+                              </p:par>
+                            </p:childTnLst>
+                          </p:cTn>
+                        </p:par>
+                      </p:childTnLst>
+                    </p:cTn>
+                  </p:par>
+                  <p:par>
+                    <p:cTn id="7" fill="hold">
+                      <p:stCondLst>
+                        <p:cond delay="indefinite"/>
+                      </p:stCondLst>
+                      <p:childTnLst>
+                        <p:par>
+                          <p:cTn id="8" fill="hold">
+                            <p:stCondLst>
+                              <p:cond delay="0"/>
+                            </p:stCondLst>
+                            <p:childTnLst>
+                              <p:par>
+                                <p:cTn id="9" presetID="1" presetClass="entr" presetSubtype="0" fill="hold" grpId="0" nodeType="clickEffect">
+                                  <p:stCondLst>
+                                    <p:cond delay="0"/>
+                                  </p:stCondLst>
+                                  <p:childTnLst>
+                                    <p:set>
+                                      <p:cBhvr>
+                                        <p:cTn id="10" dur="1" fill="hold">
+                                          <p:stCondLst>
+                                            <p:cond delay="0"/>
+                                          </p:stCondLst>
+                                        </p:cTn>
+                                        <p:tgtEl>
+                                          <p:spTgt spid="3">
+                                            <p:txEl>
+                                              <p:pRg st="1" end="1"/>
+                                            </p:txEl>
+                                          </p:spTgt>
+                                        </p:tgtEl>
+                                        <p:attrNameLst>
+                                          <p:attrName>style.visibility</p:attrName>
+                                        </p:attrNameLst>
+                                      </p:cBhvr>
+                                      <p:to>
+                                        <p:strVal val="visible"/>
+                                      </p:to>
+                                    </p:set>
+                                  </p:childTnLst>
+                                </p:cTn>
+                              </p:par>
+                            </p:childTnLst>
+                          </p:cTn>
+                        </p:par>
+                      </p:childTnLst>
+                    </p:cTn>
+                  </p:par>
+                </p:childTnLst>
+              </p:cTn>
+              <p:prevCondLst>
+                <p:cond evt="onPrev" delay="0">
+                  <p:tgtEl>
+                    <p:sldTgt/>
+                  </p:tgtEl>
+                </p:cond>
+              </p:prevCondLst>
+              <p:nextCondLst>
+                <p:cond evt="onNext" delay="0">
+                  <p:tgtEl>
+                    <p:sldTgt/>
+                  </p:tgtEl>
+                </p:cond>
+              </p:nextCondLst>
+            </p:seq>
+          </p:childTnLst>
+        </p:cTn>
+      </p:par>
+    </p:tnLst>
+    <p:bldLst>
+      <p:bldP spid="3" grpId="0" uiExpand="1" build="p"/>
+    </p:bldLst>
+  </p:timing>
+</p:sld>
+</file>
+
+<file path=ppt/slides/slide19.xml><?xml version="1.0" encoding="utf-8"?>
+<p:sld xmlns:a="http://schemas.openxmlformats.org/drawingml/2006/main" xmlns:r="http://schemas.openxmlformats.org/officeDocument/2006/relationships" xmlns:p="http://schemas.openxmlformats.org/presentationml/2006/main">
+  <p:cSld>
+    <p:spTree>
+      <p:nvGrpSpPr>
+        <p:cNvPr id="1" name=""/>
+        <p:cNvGrpSpPr/>
+        <p:nvPr/>
+      </p:nvGrpSpPr>
+      <p:grpSpPr>
+        <a:xfrm>
+          <a:off x="0" y="0"/>
+          <a:ext cx="0" cy="0"/>
+          <a:chOff x="0" y="0"/>
+          <a:chExt cx="0" cy="0"/>
+        </a:xfrm>
+      </p:grpSpPr>
+      <p:sp>
+        <p:nvSpPr>
+          <p:cNvPr id="2" name="Title 1">
+            <a:extLst>
+              <a:ext uri="{FF2B5EF4-FFF2-40B4-BE49-F238E27FC236}">
+                <a16:creationId xmlns:a16="http://schemas.microsoft.com/office/drawing/2014/main" id="{1753E475-8D8C-4B33-9B2E-2CFA6C87404B}"/>
+              </a:ext>
+            </a:extLst>
+          </p:cNvPr>
+          <p:cNvSpPr>
+            <a:spLocks noGrp="1"/>
+          </p:cNvSpPr>
+          <p:nvPr>
+            <p:ph type="title"/>
+          </p:nvPr>
+        </p:nvSpPr>
+        <p:spPr/>
+        <p:txBody>
+          <a:bodyPr/>
+          <a:lstStyle/>
+          <a:p>
+            <a:r>
+              <a:rPr lang="en-GB" dirty="0"/>
+              <a:t>Simulating Individual Behaviour</a:t>
+            </a:r>
+          </a:p>
+        </p:txBody>
+      </p:sp>
+      <mc:AlternateContent xmlns:mc="http://schemas.openxmlformats.org/markup-compatibility/2006" xmlns:a14="http://schemas.microsoft.com/office/drawing/2010/main">
+        <mc:Choice Requires="a14">
+          <p:sp>
+            <p:nvSpPr>
+              <p:cNvPr id="3" name="Content Placeholder 2">
+                <a:extLst>
+                  <a:ext uri="{FF2B5EF4-FFF2-40B4-BE49-F238E27FC236}">
+                    <a16:creationId xmlns:a16="http://schemas.microsoft.com/office/drawing/2014/main" id="{94B984A6-C6E4-4380-896C-E56346B9DBB8}"/>
+                  </a:ext>
+                </a:extLst>
+              </p:cNvPr>
+              <p:cNvSpPr>
+                <a:spLocks noGrp="1"/>
+              </p:cNvSpPr>
+              <p:nvPr>
+                <p:ph idx="1"/>
+              </p:nvPr>
+            </p:nvSpPr>
+            <p:spPr/>
+            <p:txBody>
+              <a:bodyPr/>
+              <a:lstStyle/>
+              <a:p>
+                <a:r>
+                  <a:rPr lang="en-GB" dirty="0"/>
+                  <a:t>We now need to simulate data for each individual</a:t>
+                </a:r>
+              </a:p>
+              <a:p>
+                <a:r>
+                  <a:rPr lang="en-GB" dirty="0"/>
+                  <a:t>The following assumptions are made:</a:t>
+                </a:r>
+              </a:p>
+              <a:p>
+                <a:pPr lvl="1"/>
+                <a:r>
+                  <a:rPr lang="en-GB" dirty="0"/>
+                  <a:t>The number of droppings produced in one day is a Poisson(</a:t>
+                </a:r>
+                <a14:m>
+                  <m:oMath xmlns:m="http://schemas.openxmlformats.org/officeDocument/2006/math">
+                    <m:r>
+                      <m:rPr>
+                        <m:sty m:val="p"/>
+                      </m:rPr>
+                      <a:rPr lang="en-GB" b="0" i="1" smtClean="0">
+                        <a:latin typeface="Cambria Math" panose="02040503050406030204" pitchFamily="18" charset="0"/>
+                      </a:rPr>
+                      <m:t>λ</m:t>
+                    </m:r>
+                  </m:oMath>
+                </a14:m>
+                <a:r>
+                  <a:rPr lang="en-GB" b="0" dirty="0"/>
+                  <a:t>) random variable</a:t>
+                </a:r>
+              </a:p>
+              <a:p>
+                <a:pPr lvl="1"/>
+                <a:endParaRPr lang="en-GB" dirty="0"/>
+              </a:p>
+            </p:txBody>
+          </p:sp>
+        </mc:Choice>
+        <mc:Fallback xmlns="">
+          <p:sp>
+            <p:nvSpPr>
+              <p:cNvPr id="3" name="Content Placeholder 2">
+                <a:extLst>
+                  <a:ext uri="{FF2B5EF4-FFF2-40B4-BE49-F238E27FC236}">
+                    <a16:creationId xmlns:a16="http://schemas.microsoft.com/office/drawing/2014/main" id="{94B984A6-C6E4-4380-896C-E56346B9DBB8}"/>
+                  </a:ext>
+                </a:extLst>
+              </p:cNvPr>
+              <p:cNvSpPr>
+                <a:spLocks noGrp="1" noRot="1" noChangeAspect="1" noMove="1" noResize="1" noEditPoints="1" noAdjustHandles="1" noChangeArrowheads="1" noChangeShapeType="1" noTextEdit="1"/>
+              </p:cNvSpPr>
+              <p:nvPr>
+                <p:ph idx="1"/>
+              </p:nvPr>
+            </p:nvSpPr>
+            <p:spPr>
+              <a:blipFill>
+                <a:blip r:embed="rId2"/>
+                <a:stretch>
+                  <a:fillRect l="-1043" t="-2241" r="-754"/>
+                </a:stretch>
+              </a:blipFill>
+            </p:spPr>
+            <p:txBody>
+              <a:bodyPr/>
+              <a:lstStyle/>
+              <a:p>
+                <a:r>
+                  <a:rPr lang="en-GB">
+                    <a:noFill/>
+                  </a:rPr>
+                  <a:t> </a:t>
+                </a:r>
+              </a:p>
+            </p:txBody>
+          </p:sp>
+        </mc:Fallback>
+      </mc:AlternateContent>
+    </p:spTree>
+    <p:extLst>
+      <p:ext uri="{BB962C8B-B14F-4D97-AF65-F5344CB8AC3E}">
+        <p14:creationId xmlns:p14="http://schemas.microsoft.com/office/powerpoint/2010/main" val="2610736757"/>
+      </p:ext>
+    </p:extLst>
+  </p:cSld>
+  <p:clrMapOvr>
+    <a:masterClrMapping/>
+  </p:clrMapOvr>
+</p:sld>
+</file>
+
+<file path=ppt/slides/slide2.xml><?xml version="1.0" encoding="utf-8"?>
+<p:sld xmlns:a="http://schemas.openxmlformats.org/drawingml/2006/main" xmlns:r="http://schemas.openxmlformats.org/officeDocument/2006/relationships" xmlns:p="http://schemas.openxmlformats.org/presentationml/2006/main">
+  <p:cSld>
+    <p:spTree>
+      <p:nvGrpSpPr>
+        <p:cNvPr id="1" name=""/>
+        <p:cNvGrpSpPr/>
+        <p:nvPr/>
+      </p:nvGrpSpPr>
+      <p:grpSpPr>
+        <a:xfrm>
+          <a:off x="0" y="0"/>
+          <a:ext cx="0" cy="0"/>
+          <a:chOff x="0" y="0"/>
+          <a:chExt cx="0" cy="0"/>
+        </a:xfrm>
+      </p:grpSpPr>
+      <p:sp>
+        <p:nvSpPr>
+          <p:cNvPr id="2" name="Title 1">
+            <a:extLst>
+              <a:ext uri="{FF2B5EF4-FFF2-40B4-BE49-F238E27FC236}">
+                <a16:creationId xmlns:a16="http://schemas.microsoft.com/office/drawing/2014/main" id="{F37C549C-2E70-426B-80B4-318D7C6C914F}"/>
+              </a:ext>
+            </a:extLst>
+          </p:cNvPr>
+          <p:cNvSpPr>
+            <a:spLocks noGrp="1"/>
+          </p:cNvSpPr>
+          <p:nvPr>
+            <p:ph type="title"/>
+          </p:nvPr>
+        </p:nvSpPr>
+        <p:spPr/>
+        <p:txBody>
+          <a:bodyPr/>
+          <a:lstStyle/>
+          <a:p>
+            <a:r>
+              <a:rPr lang="en-GB" dirty="0"/>
+              <a:t>Animal Abundance</a:t>
+            </a:r>
+          </a:p>
+        </p:txBody>
+      </p:sp>
+      <p:sp>
+        <p:nvSpPr>
+          <p:cNvPr id="3" name="Content Placeholder 2">
+            <a:extLst>
+              <a:ext uri="{FF2B5EF4-FFF2-40B4-BE49-F238E27FC236}">
+                <a16:creationId xmlns:a16="http://schemas.microsoft.com/office/drawing/2014/main" id="{E7145945-5787-4227-A0E6-64C3A69D8552}"/>
+              </a:ext>
+            </a:extLst>
+          </p:cNvPr>
+          <p:cNvSpPr>
+            <a:spLocks noGrp="1"/>
+          </p:cNvSpPr>
+          <p:nvPr>
+            <p:ph idx="1"/>
+          </p:nvPr>
+        </p:nvSpPr>
+        <p:spPr/>
+        <p:txBody>
+          <a:bodyPr/>
+          <a:lstStyle/>
+          <a:p>
+            <a:r>
+              <a:rPr lang="en-GB" dirty="0"/>
+              <a:t>Abundance is the number of individuals from a given species inhabiting a certain area</a:t>
+            </a:r>
+          </a:p>
+          <a:p>
+            <a:r>
+              <a:rPr lang="en-GB" dirty="0"/>
+              <a:t>Monitoring abundance is important for several reasons:</a:t>
+            </a:r>
+          </a:p>
+          <a:p>
+            <a:pPr lvl="1"/>
+            <a:r>
+              <a:rPr lang="en-GB" dirty="0"/>
+              <a:t>Exploring factors that affect abundance</a:t>
+            </a:r>
+          </a:p>
+          <a:p>
+            <a:pPr lvl="1"/>
+            <a:r>
+              <a:rPr lang="en-GB" dirty="0"/>
+              <a:t>Estimating biodiversity</a:t>
+            </a:r>
+          </a:p>
+          <a:p>
+            <a:pPr lvl="1"/>
+            <a:r>
+              <a:rPr lang="en-GB" dirty="0"/>
+              <a:t>Monitoring endangered species </a:t>
+            </a:r>
+          </a:p>
+        </p:txBody>
+      </p:sp>
+    </p:spTree>
+    <p:extLst>
+      <p:ext uri="{BB962C8B-B14F-4D97-AF65-F5344CB8AC3E}">
+        <p14:creationId xmlns:p14="http://schemas.microsoft.com/office/powerpoint/2010/main" val="3226782664"/>
+      </p:ext>
+    </p:extLst>
+  </p:cSld>
+  <p:clrMapOvr>
+    <a:masterClrMapping/>
+  </p:clrMapOvr>
+  <p:timing>
+    <p:tnLst>
+      <p:par>
+        <p:cTn id="1" dur="indefinite" restart="never" nodeType="tmRoot">
+          <p:childTnLst>
+            <p:seq concurrent="1" nextAc="seek">
+              <p:cTn id="2" dur="indefinite" nodeType="mainSeq">
+                <p:childTnLst>
+                  <p:par>
+                    <p:cTn id="3" fill="hold">
+                      <p:stCondLst>
+                        <p:cond delay="indefinite"/>
+                      </p:stCondLst>
+                      <p:childTnLst>
+                        <p:par>
+                          <p:cTn id="4" fill="hold">
+                            <p:stCondLst>
+                              <p:cond delay="0"/>
+                            </p:stCondLst>
+                            <p:childTnLst>
+                              <p:par>
+                                <p:cTn id="5" presetID="1" presetClass="entr" presetSubtype="0" fill="hold" grpId="0" nodeType="clickEffect">
+                                  <p:stCondLst>
+                                    <p:cond delay="0"/>
+                                  </p:stCondLst>
+                                  <p:childTnLst>
+                                    <p:set>
+                                      <p:cBhvr>
+                                        <p:cTn id="6" dur="1" fill="hold">
+                                          <p:stCondLst>
+                                            <p:cond delay="0"/>
+                                          </p:stCondLst>
+                                        </p:cTn>
+                                        <p:tgtEl>
+                                          <p:spTgt spid="3">
+                                            <p:txEl>
+                                              <p:pRg st="0" end="0"/>
+                                            </p:txEl>
+                                          </p:spTgt>
+                                        </p:tgtEl>
+                                        <p:attrNameLst>
+                                          <p:attrName>style.visibility</p:attrName>
+                                        </p:attrNameLst>
+                                      </p:cBhvr>
+                                      <p:to>
+                                        <p:strVal val="visible"/>
+                                      </p:to>
+                                    </p:set>
+                                  </p:childTnLst>
+                                </p:cTn>
+                              </p:par>
+                            </p:childTnLst>
+                          </p:cTn>
+                        </p:par>
+                      </p:childTnLst>
+                    </p:cTn>
+                  </p:par>
+                  <p:par>
+                    <p:cTn id="7" fill="hold">
+                      <p:stCondLst>
+                        <p:cond delay="indefinite"/>
+                      </p:stCondLst>
+                      <p:childTnLst>
+                        <p:par>
+                          <p:cTn id="8" fill="hold">
+                            <p:stCondLst>
+                              <p:cond delay="0"/>
+                            </p:stCondLst>
+                            <p:childTnLst>
+                              <p:par>
+                                <p:cTn id="9" presetID="1" presetClass="entr" presetSubtype="0" fill="hold" grpId="0" nodeType="clickEffect">
+                                  <p:stCondLst>
+                                    <p:cond delay="0"/>
+                                  </p:stCondLst>
+                                  <p:childTnLst>
+                                    <p:set>
+                                      <p:cBhvr>
+                                        <p:cTn id="10" dur="1" fill="hold">
+                                          <p:stCondLst>
+                                            <p:cond delay="0"/>
+                                          </p:stCondLst>
+                                        </p:cTn>
+                                        <p:tgtEl>
+                                          <p:spTgt spid="3">
+                                            <p:txEl>
+                                              <p:pRg st="1" end="1"/>
+                                            </p:txEl>
+                                          </p:spTgt>
+                                        </p:tgtEl>
+                                        <p:attrNameLst>
+                                          <p:attrName>style.visibility</p:attrName>
+                                        </p:attrNameLst>
+                                      </p:cBhvr>
+                                      <p:to>
+                                        <p:strVal val="visible"/>
+                                      </p:to>
+                                    </p:set>
+                                  </p:childTnLst>
+                                </p:cTn>
+                              </p:par>
+                              <p:par>
+                                <p:cTn id="11" presetID="1" presetClass="entr" presetSubtype="0" fill="hold" grpId="0" nodeType="withEffect">
+                                  <p:stCondLst>
+                                    <p:cond delay="0"/>
+                                  </p:stCondLst>
+                                  <p:childTnLst>
+                                    <p:set>
+                                      <p:cBhvr>
+                                        <p:cTn id="12" dur="1" fill="hold">
+                                          <p:stCondLst>
+                                            <p:cond delay="0"/>
+                                          </p:stCondLst>
+                                        </p:cTn>
+                                        <p:tgtEl>
+                                          <p:spTgt spid="3">
+                                            <p:txEl>
+                                              <p:pRg st="2" end="2"/>
+                                            </p:txEl>
+                                          </p:spTgt>
+                                        </p:tgtEl>
+                                        <p:attrNameLst>
+                                          <p:attrName>style.visibility</p:attrName>
+                                        </p:attrNameLst>
+                                      </p:cBhvr>
+                                      <p:to>
+                                        <p:strVal val="visible"/>
+                                      </p:to>
+                                    </p:set>
+                                  </p:childTnLst>
+                                </p:cTn>
+                              </p:par>
+                              <p:par>
+                                <p:cTn id="13" presetID="1" presetClass="entr" presetSubtype="0" fill="hold" grpId="0" nodeType="withEffect">
+                                  <p:stCondLst>
+                                    <p:cond delay="0"/>
+                                  </p:stCondLst>
+                                  <p:childTnLst>
+                                    <p:set>
+                                      <p:cBhvr>
+                                        <p:cTn id="14" dur="1" fill="hold">
+                                          <p:stCondLst>
+                                            <p:cond delay="0"/>
+                                          </p:stCondLst>
+                                        </p:cTn>
+                                        <p:tgtEl>
+                                          <p:spTgt spid="3">
+                                            <p:txEl>
+                                              <p:pRg st="3" end="3"/>
+                                            </p:txEl>
+                                          </p:spTgt>
+                                        </p:tgtEl>
+                                        <p:attrNameLst>
+                                          <p:attrName>style.visibility</p:attrName>
+                                        </p:attrNameLst>
+                                      </p:cBhvr>
+                                      <p:to>
+                                        <p:strVal val="visible"/>
+                                      </p:to>
+                                    </p:set>
+                                  </p:childTnLst>
+                                </p:cTn>
+                              </p:par>
+                              <p:par>
+                                <p:cTn id="15" presetID="1" presetClass="entr" presetSubtype="0" fill="hold" grpId="0" nodeType="withEffect">
+                                  <p:stCondLst>
+                                    <p:cond delay="0"/>
+                                  </p:stCondLst>
+                                  <p:childTnLst>
+                                    <p:set>
+                                      <p:cBhvr>
+                                        <p:cTn id="16" dur="1" fill="hold">
+                                          <p:stCondLst>
+                                            <p:cond delay="0"/>
+                                          </p:stCondLst>
+                                        </p:cTn>
+                                        <p:tgtEl>
+                                          <p:spTgt spid="3">
+                                            <p:txEl>
+                                              <p:pRg st="4" end="4"/>
+                                            </p:txEl>
+                                          </p:spTgt>
+                                        </p:tgtEl>
+                                        <p:attrNameLst>
+                                          <p:attrName>style.visibility</p:attrName>
+                                        </p:attrNameLst>
+                                      </p:cBhvr>
+                                      <p:to>
+                                        <p:strVal val="visible"/>
+                                      </p:to>
+                                    </p:set>
+                                  </p:childTnLst>
+                                </p:cTn>
+                              </p:par>
+                            </p:childTnLst>
+                          </p:cTn>
+                        </p:par>
+                      </p:childTnLst>
+                    </p:cTn>
+                  </p:par>
+                </p:childTnLst>
+              </p:cTn>
+              <p:prevCondLst>
+                <p:cond evt="onPrev" delay="0">
+                  <p:tgtEl>
+                    <p:sldTgt/>
+                  </p:tgtEl>
+                </p:cond>
+              </p:prevCondLst>
+              <p:nextCondLst>
+                <p:cond evt="onNext" delay="0">
+                  <p:tgtEl>
+                    <p:sldTgt/>
+                  </p:tgtEl>
+                </p:cond>
+              </p:nextCondLst>
+            </p:seq>
+          </p:childTnLst>
+        </p:cTn>
+      </p:par>
+    </p:tnLst>
+    <p:bldLst>
+      <p:bldP spid="3" grpId="0" build="p"/>
+    </p:bldLst>
+  </p:timing>
+</p:sld>
+</file>
+
+<file path=ppt/slides/slide20.xml><?xml version="1.0" encoding="utf-8"?>
+<p:sld xmlns:a="http://schemas.openxmlformats.org/drawingml/2006/main" xmlns:r="http://schemas.openxmlformats.org/officeDocument/2006/relationships" xmlns:p="http://schemas.openxmlformats.org/presentationml/2006/main">
+  <p:cSld>
+    <p:spTree>
+      <p:nvGrpSpPr>
+        <p:cNvPr id="1" name=""/>
+        <p:cNvGrpSpPr/>
+        <p:nvPr/>
+      </p:nvGrpSpPr>
+      <p:grpSpPr>
+        <a:xfrm>
+          <a:off x="0" y="0"/>
+          <a:ext cx="0" cy="0"/>
+          <a:chOff x="0" y="0"/>
+          <a:chExt cx="0" cy="0"/>
+        </a:xfrm>
+      </p:grpSpPr>
+      <p:sp>
+        <p:nvSpPr>
+          <p:cNvPr id="2" name="Title 1">
+            <a:extLst>
+              <a:ext uri="{FF2B5EF4-FFF2-40B4-BE49-F238E27FC236}">
+                <a16:creationId xmlns:a16="http://schemas.microsoft.com/office/drawing/2014/main" id="{1753E475-8D8C-4B33-9B2E-2CFA6C87404B}"/>
+              </a:ext>
+            </a:extLst>
+          </p:cNvPr>
+          <p:cNvSpPr>
+            <a:spLocks noGrp="1"/>
+          </p:cNvSpPr>
+          <p:nvPr>
+            <p:ph type="title"/>
+          </p:nvPr>
+        </p:nvSpPr>
+        <p:spPr/>
+        <p:txBody>
+          <a:bodyPr/>
+          <a:lstStyle/>
+          <a:p>
+            <a:r>
+              <a:rPr lang="en-GB" dirty="0"/>
+              <a:t>Simulating Individual Behaviour</a:t>
+            </a:r>
+          </a:p>
+        </p:txBody>
+      </p:sp>
+      <mc:AlternateContent xmlns:mc="http://schemas.openxmlformats.org/markup-compatibility/2006" xmlns:a14="http://schemas.microsoft.com/office/drawing/2010/main">
+        <mc:Choice Requires="a14">
+          <p:sp>
+            <p:nvSpPr>
+              <p:cNvPr id="3" name="Content Placeholder 2">
+                <a:extLst>
+                  <a:ext uri="{FF2B5EF4-FFF2-40B4-BE49-F238E27FC236}">
+                    <a16:creationId xmlns:a16="http://schemas.microsoft.com/office/drawing/2014/main" id="{94B984A6-C6E4-4380-896C-E56346B9DBB8}"/>
+                  </a:ext>
+                </a:extLst>
+              </p:cNvPr>
+              <p:cNvSpPr>
+                <a:spLocks noGrp="1"/>
+              </p:cNvSpPr>
+              <p:nvPr>
+                <p:ph idx="1"/>
+              </p:nvPr>
+            </p:nvSpPr>
+            <p:spPr/>
+            <p:txBody>
+              <a:bodyPr/>
+              <a:lstStyle/>
+              <a:p>
+                <a:r>
+                  <a:rPr lang="en-GB" dirty="0"/>
+                  <a:t>We now need to simulate data for each individual</a:t>
+                </a:r>
+              </a:p>
+              <a:p>
+                <a:r>
+                  <a:rPr lang="en-GB" dirty="0"/>
+                  <a:t>The following assumptions are made:</a:t>
+                </a:r>
+              </a:p>
+              <a:p>
+                <a:pPr lvl="1"/>
+                <a:r>
+                  <a:rPr lang="en-GB" dirty="0"/>
+                  <a:t>The number of droppings produced in one day is a Poisson(</a:t>
+                </a:r>
+                <a14:m>
+                  <m:oMath xmlns:m="http://schemas.openxmlformats.org/officeDocument/2006/math">
+                    <m:r>
+                      <m:rPr>
+                        <m:sty m:val="p"/>
+                      </m:rPr>
+                      <a:rPr lang="en-GB" b="0" i="1" smtClean="0">
+                        <a:latin typeface="Cambria Math" panose="02040503050406030204" pitchFamily="18" charset="0"/>
+                      </a:rPr>
+                      <m:t>λ</m:t>
+                    </m:r>
+                  </m:oMath>
+                </a14:m>
+                <a:r>
+                  <a:rPr lang="en-GB" b="0" dirty="0"/>
+                  <a:t>) random variable</a:t>
+                </a:r>
+              </a:p>
+              <a:p>
+                <a:pPr lvl="1"/>
+                <a:r>
+                  <a:rPr lang="en-GB" dirty="0"/>
+                  <a:t>T</a:t>
+                </a:r>
+                <a:r>
+                  <a:rPr lang="en-GB" b="0" dirty="0"/>
+                  <a:t>he total number of droppings left during the stay is therefore Poisson(</a:t>
+                </a:r>
+                <a14:m>
+                  <m:oMath xmlns:m="http://schemas.openxmlformats.org/officeDocument/2006/math">
+                    <m:sSub>
+                      <m:sSubPr>
+                        <m:ctrlPr>
+                          <a:rPr lang="en-GB" b="0" i="1" smtClean="0">
+                            <a:latin typeface="Cambria Math" panose="02040503050406030204" pitchFamily="18" charset="0"/>
+                          </a:rPr>
+                        </m:ctrlPr>
+                      </m:sSubPr>
+                      <m:e>
+                        <m:r>
+                          <m:rPr>
+                            <m:sty m:val="p"/>
+                          </m:rPr>
+                          <a:rPr lang="en-GB" b="0" i="0" smtClean="0">
+                            <a:latin typeface="Cambria Math" panose="02040503050406030204" pitchFamily="18" charset="0"/>
+                          </a:rPr>
+                          <m:t>s</m:t>
+                        </m:r>
+                      </m:e>
+                      <m:sub>
+                        <m:r>
+                          <m:rPr>
+                            <m:sty m:val="p"/>
+                          </m:rPr>
+                          <a:rPr lang="en-GB" b="0" i="0" smtClean="0">
+                            <a:latin typeface="Cambria Math" panose="02040503050406030204" pitchFamily="18" charset="0"/>
+                          </a:rPr>
+                          <m:t>j</m:t>
+                        </m:r>
+                      </m:sub>
+                    </m:sSub>
+                    <m:r>
+                      <m:rPr>
+                        <m:sty m:val="p"/>
+                      </m:rPr>
+                      <a:rPr lang="en-GB" b="0" i="1" smtClean="0">
+                        <a:latin typeface="Cambria Math" panose="02040503050406030204" pitchFamily="18" charset="0"/>
+                      </a:rPr>
+                      <m:t>λ</m:t>
+                    </m:r>
+                  </m:oMath>
+                </a14:m>
+                <a:r>
+                  <a:rPr lang="en-GB" b="0" dirty="0"/>
+                  <a:t>)</a:t>
+                </a:r>
+              </a:p>
+              <a:p>
+                <a:pPr lvl="1"/>
+                <a:endParaRPr lang="en-GB" dirty="0"/>
+              </a:p>
+            </p:txBody>
+          </p:sp>
+        </mc:Choice>
+        <mc:Fallback xmlns="">
+          <p:sp>
+            <p:nvSpPr>
+              <p:cNvPr id="3" name="Content Placeholder 2">
+                <a:extLst>
+                  <a:ext uri="{FF2B5EF4-FFF2-40B4-BE49-F238E27FC236}">
+                    <a16:creationId xmlns:a16="http://schemas.microsoft.com/office/drawing/2014/main" id="{94B984A6-C6E4-4380-896C-E56346B9DBB8}"/>
+                  </a:ext>
+                </a:extLst>
+              </p:cNvPr>
+              <p:cNvSpPr>
+                <a:spLocks noGrp="1" noRot="1" noChangeAspect="1" noMove="1" noResize="1" noEditPoints="1" noAdjustHandles="1" noChangeArrowheads="1" noChangeShapeType="1" noTextEdit="1"/>
+              </p:cNvSpPr>
+              <p:nvPr>
+                <p:ph idx="1"/>
+              </p:nvPr>
+            </p:nvSpPr>
+            <p:spPr>
+              <a:blipFill>
+                <a:blip r:embed="rId2"/>
+                <a:stretch>
+                  <a:fillRect l="-1043" t="-2241" r="-754"/>
+                </a:stretch>
+              </a:blipFill>
+            </p:spPr>
+            <p:txBody>
+              <a:bodyPr/>
+              <a:lstStyle/>
+              <a:p>
+                <a:r>
+                  <a:rPr lang="en-GB">
+                    <a:noFill/>
+                  </a:rPr>
+                  <a:t> </a:t>
+                </a:r>
+              </a:p>
+            </p:txBody>
+          </p:sp>
+        </mc:Fallback>
+      </mc:AlternateContent>
+    </p:spTree>
+    <p:extLst>
+      <p:ext uri="{BB962C8B-B14F-4D97-AF65-F5344CB8AC3E}">
+        <p14:creationId xmlns:p14="http://schemas.microsoft.com/office/powerpoint/2010/main" val="1791614660"/>
+      </p:ext>
+    </p:extLst>
+  </p:cSld>
+  <p:clrMapOvr>
+    <a:masterClrMapping/>
+  </p:clrMapOvr>
+</p:sld>
+</file>
+
+<file path=ppt/slides/slide21.xml><?xml version="1.0" encoding="utf-8"?>
 <p:sld xmlns:a="http://schemas.openxmlformats.org/drawingml/2006/main" xmlns:r="http://schemas.openxmlformats.org/officeDocument/2006/relationships" xmlns:p="http://schemas.openxmlformats.org/presentationml/2006/main">
   <p:cSld>
     <p:spTree>
@@ -8676,7 +10956,7 @@
     </p:spTree>
     <p:extLst>
       <p:ext uri="{BB962C8B-B14F-4D97-AF65-F5344CB8AC3E}">
-        <p14:creationId xmlns:p14="http://schemas.microsoft.com/office/powerpoint/2010/main" val="3753955408"/>
+        <p14:creationId xmlns:p14="http://schemas.microsoft.com/office/powerpoint/2010/main" val="3407958114"/>
       </p:ext>
     </p:extLst>
   </p:cSld>
@@ -8686,7 +10966,7 @@
 </p:sld>
 </file>
 
-<file path=ppt/slides/slide18.xml><?xml version="1.0" encoding="utf-8"?>
+<file path=ppt/slides/slide22.xml><?xml version="1.0" encoding="utf-8"?>
 <p:sld xmlns:a="http://schemas.openxmlformats.org/drawingml/2006/main" xmlns:r="http://schemas.openxmlformats.org/officeDocument/2006/relationships" xmlns:p="http://schemas.openxmlformats.org/presentationml/2006/main">
   <p:cSld>
     <p:spTree>
@@ -10658,7 +12938,7 @@
 </p:sld>
 </file>
 
-<file path=ppt/slides/slide19.xml><?xml version="1.0" encoding="utf-8"?>
+<file path=ppt/slides/slide23.xml><?xml version="1.0" encoding="utf-8"?>
 <p:sld xmlns:a="http://schemas.openxmlformats.org/drawingml/2006/main" xmlns:r="http://schemas.openxmlformats.org/officeDocument/2006/relationships" xmlns:p="http://schemas.openxmlformats.org/presentationml/2006/main">
   <p:cSld>
     <p:spTree>
@@ -10751,120 +13031,7 @@
 </p:sld>
 </file>
 
-<file path=ppt/slides/slide2.xml><?xml version="1.0" encoding="utf-8"?>
-<p:sld xmlns:a="http://schemas.openxmlformats.org/drawingml/2006/main" xmlns:r="http://schemas.openxmlformats.org/officeDocument/2006/relationships" xmlns:p="http://schemas.openxmlformats.org/presentationml/2006/main">
-  <p:cSld>
-    <p:spTree>
-      <p:nvGrpSpPr>
-        <p:cNvPr id="1" name=""/>
-        <p:cNvGrpSpPr/>
-        <p:nvPr/>
-      </p:nvGrpSpPr>
-      <p:grpSpPr>
-        <a:xfrm>
-          <a:off x="0" y="0"/>
-          <a:ext cx="0" cy="0"/>
-          <a:chOff x="0" y="0"/>
-          <a:chExt cx="0" cy="0"/>
-        </a:xfrm>
-      </p:grpSpPr>
-      <p:sp>
-        <p:nvSpPr>
-          <p:cNvPr id="2" name="Title 1">
-            <a:extLst>
-              <a:ext uri="{FF2B5EF4-FFF2-40B4-BE49-F238E27FC236}">
-                <a16:creationId xmlns:a16="http://schemas.microsoft.com/office/drawing/2014/main" id="{F37C549C-2E70-426B-80B4-318D7C6C914F}"/>
-              </a:ext>
-            </a:extLst>
-          </p:cNvPr>
-          <p:cNvSpPr>
-            <a:spLocks noGrp="1"/>
-          </p:cNvSpPr>
-          <p:nvPr>
-            <p:ph type="title"/>
-          </p:nvPr>
-        </p:nvSpPr>
-        <p:spPr/>
-        <p:txBody>
-          <a:bodyPr/>
-          <a:lstStyle/>
-          <a:p>
-            <a:r>
-              <a:rPr lang="en-GB" dirty="0"/>
-              <a:t>Animal Abundance</a:t>
-            </a:r>
-          </a:p>
-        </p:txBody>
-      </p:sp>
-      <p:sp>
-        <p:nvSpPr>
-          <p:cNvPr id="3" name="Content Placeholder 2">
-            <a:extLst>
-              <a:ext uri="{FF2B5EF4-FFF2-40B4-BE49-F238E27FC236}">
-                <a16:creationId xmlns:a16="http://schemas.microsoft.com/office/drawing/2014/main" id="{E7145945-5787-4227-A0E6-64C3A69D8552}"/>
-              </a:ext>
-            </a:extLst>
-          </p:cNvPr>
-          <p:cNvSpPr>
-            <a:spLocks noGrp="1"/>
-          </p:cNvSpPr>
-          <p:nvPr>
-            <p:ph idx="1"/>
-          </p:nvPr>
-        </p:nvSpPr>
-        <p:spPr/>
-        <p:txBody>
-          <a:bodyPr/>
-          <a:lstStyle/>
-          <a:p>
-            <a:r>
-              <a:rPr lang="en-GB" dirty="0"/>
-              <a:t>Abundance is the number of individuals from a given species inhabiting a certain area</a:t>
-            </a:r>
-          </a:p>
-          <a:p>
-            <a:r>
-              <a:rPr lang="en-GB" dirty="0"/>
-              <a:t>Monitoring abundance is important for several reasons:</a:t>
-            </a:r>
-          </a:p>
-          <a:p>
-            <a:pPr lvl="1"/>
-            <a:r>
-              <a:rPr lang="en-GB" dirty="0"/>
-              <a:t>Exploring factors that affect abundance</a:t>
-            </a:r>
-          </a:p>
-          <a:p>
-            <a:pPr lvl="1"/>
-            <a:r>
-              <a:rPr lang="en-GB" dirty="0"/>
-              <a:t>Estimating biodiversity</a:t>
-            </a:r>
-          </a:p>
-          <a:p>
-            <a:pPr lvl="1"/>
-            <a:r>
-              <a:rPr lang="en-GB" dirty="0"/>
-              <a:t>Monitoring endangered species </a:t>
-            </a:r>
-          </a:p>
-        </p:txBody>
-      </p:sp>
-    </p:spTree>
-    <p:extLst>
-      <p:ext uri="{BB962C8B-B14F-4D97-AF65-F5344CB8AC3E}">
-        <p14:creationId xmlns:p14="http://schemas.microsoft.com/office/powerpoint/2010/main" val="3226782664"/>
-      </p:ext>
-    </p:extLst>
-  </p:cSld>
-  <p:clrMapOvr>
-    <a:masterClrMapping/>
-  </p:clrMapOvr>
-</p:sld>
-</file>
-
-<file path=ppt/slides/slide20.xml><?xml version="1.0" encoding="utf-8"?>
+<file path=ppt/slides/slide24.xml><?xml version="1.0" encoding="utf-8"?>
 <p:sld xmlns:a="http://schemas.openxmlformats.org/drawingml/2006/main" xmlns:r="http://schemas.openxmlformats.org/officeDocument/2006/relationships" xmlns:p="http://schemas.openxmlformats.org/presentationml/2006/main">
   <p:cSld>
     <p:spTree>
@@ -10957,7 +13124,7 @@
 </p:sld>
 </file>
 
-<file path=ppt/slides/slide21.xml><?xml version="1.0" encoding="utf-8"?>
+<file path=ppt/slides/slide25.xml><?xml version="1.0" encoding="utf-8"?>
 <p:sld xmlns:a="http://schemas.openxmlformats.org/drawingml/2006/main" xmlns:r="http://schemas.openxmlformats.org/officeDocument/2006/relationships" xmlns:p="http://schemas.openxmlformats.org/presentationml/2006/main">
   <p:cSld>
     <p:spTree>
@@ -11002,8 +13169,8 @@
           </a:p>
         </p:txBody>
       </p:sp>
-      <mc:AlternateContent xmlns:mc="http://schemas.openxmlformats.org/markup-compatibility/2006">
-        <mc:Choice xmlns:a14="http://schemas.microsoft.com/office/drawing/2010/main" Requires="a14">
+      <mc:AlternateContent xmlns:mc="http://schemas.openxmlformats.org/markup-compatibility/2006" xmlns:a14="http://schemas.microsoft.com/office/drawing/2010/main">
+        <mc:Choice Requires="a14">
           <p:sp>
             <p:nvSpPr>
               <p:cNvPr id="3" name="Content Placeholder 2">
@@ -11135,7 +13302,7 @@
             </p:txBody>
           </p:sp>
         </mc:Choice>
-        <mc:Fallback>
+        <mc:Fallback xmlns="">
           <p:sp>
             <p:nvSpPr>
               <p:cNvPr id="3" name="Content Placeholder 2">
@@ -11185,10 +13352,190 @@
   <p:clrMapOvr>
     <a:masterClrMapping/>
   </p:clrMapOvr>
+  <p:timing>
+    <p:tnLst>
+      <p:par>
+        <p:cTn id="1" dur="indefinite" restart="never" nodeType="tmRoot">
+          <p:childTnLst>
+            <p:seq concurrent="1" nextAc="seek">
+              <p:cTn id="2" dur="indefinite" nodeType="mainSeq">
+                <p:childTnLst>
+                  <p:par>
+                    <p:cTn id="3" fill="hold">
+                      <p:stCondLst>
+                        <p:cond delay="indefinite"/>
+                      </p:stCondLst>
+                      <p:childTnLst>
+                        <p:par>
+                          <p:cTn id="4" fill="hold">
+                            <p:stCondLst>
+                              <p:cond delay="0"/>
+                            </p:stCondLst>
+                            <p:childTnLst>
+                              <p:par>
+                                <p:cTn id="5" presetID="1" presetClass="entr" presetSubtype="0" fill="hold" grpId="0" nodeType="clickEffect">
+                                  <p:stCondLst>
+                                    <p:cond delay="0"/>
+                                  </p:stCondLst>
+                                  <p:childTnLst>
+                                    <p:set>
+                                      <p:cBhvr>
+                                        <p:cTn id="6" dur="1" fill="hold">
+                                          <p:stCondLst>
+                                            <p:cond delay="0"/>
+                                          </p:stCondLst>
+                                        </p:cTn>
+                                        <p:tgtEl>
+                                          <p:spTgt spid="3">
+                                            <p:txEl>
+                                              <p:pRg st="0" end="0"/>
+                                            </p:txEl>
+                                          </p:spTgt>
+                                        </p:tgtEl>
+                                        <p:attrNameLst>
+                                          <p:attrName>style.visibility</p:attrName>
+                                        </p:attrNameLst>
+                                      </p:cBhvr>
+                                      <p:to>
+                                        <p:strVal val="visible"/>
+                                      </p:to>
+                                    </p:set>
+                                  </p:childTnLst>
+                                </p:cTn>
+                              </p:par>
+                            </p:childTnLst>
+                          </p:cTn>
+                        </p:par>
+                      </p:childTnLst>
+                    </p:cTn>
+                  </p:par>
+                  <p:par>
+                    <p:cTn id="7" fill="hold">
+                      <p:stCondLst>
+                        <p:cond delay="indefinite"/>
+                      </p:stCondLst>
+                      <p:childTnLst>
+                        <p:par>
+                          <p:cTn id="8" fill="hold">
+                            <p:stCondLst>
+                              <p:cond delay="0"/>
+                            </p:stCondLst>
+                            <p:childTnLst>
+                              <p:par>
+                                <p:cTn id="9" presetID="1" presetClass="entr" presetSubtype="0" fill="hold" grpId="0" nodeType="clickEffect">
+                                  <p:stCondLst>
+                                    <p:cond delay="0"/>
+                                  </p:stCondLst>
+                                  <p:childTnLst>
+                                    <p:set>
+                                      <p:cBhvr>
+                                        <p:cTn id="10" dur="1" fill="hold">
+                                          <p:stCondLst>
+                                            <p:cond delay="0"/>
+                                          </p:stCondLst>
+                                        </p:cTn>
+                                        <p:tgtEl>
+                                          <p:spTgt spid="3">
+                                            <p:txEl>
+                                              <p:pRg st="1" end="1"/>
+                                            </p:txEl>
+                                          </p:spTgt>
+                                        </p:tgtEl>
+                                        <p:attrNameLst>
+                                          <p:attrName>style.visibility</p:attrName>
+                                        </p:attrNameLst>
+                                      </p:cBhvr>
+                                      <p:to>
+                                        <p:strVal val="visible"/>
+                                      </p:to>
+                                    </p:set>
+                                  </p:childTnLst>
+                                </p:cTn>
+                              </p:par>
+                            </p:childTnLst>
+                          </p:cTn>
+                        </p:par>
+                      </p:childTnLst>
+                    </p:cTn>
+                  </p:par>
+                  <p:par>
+                    <p:cTn id="11" fill="hold">
+                      <p:stCondLst>
+                        <p:cond delay="indefinite"/>
+                      </p:stCondLst>
+                      <p:childTnLst>
+                        <p:par>
+                          <p:cTn id="12" fill="hold">
+                            <p:stCondLst>
+                              <p:cond delay="0"/>
+                            </p:stCondLst>
+                            <p:childTnLst>
+                              <p:par>
+                                <p:cTn id="13" presetID="1" presetClass="entr" presetSubtype="0" fill="hold" grpId="0" nodeType="clickEffect">
+                                  <p:stCondLst>
+                                    <p:cond delay="0"/>
+                                  </p:stCondLst>
+                                  <p:childTnLst>
+                                    <p:set>
+                                      <p:cBhvr>
+                                        <p:cTn id="14" dur="1" fill="hold">
+                                          <p:stCondLst>
+                                            <p:cond delay="0"/>
+                                          </p:stCondLst>
+                                        </p:cTn>
+                                        <p:tgtEl>
+                                          <p:spTgt spid="3">
+                                            <p:txEl>
+                                              <p:pRg st="2" end="2"/>
+                                            </p:txEl>
+                                          </p:spTgt>
+                                        </p:tgtEl>
+                                        <p:attrNameLst>
+                                          <p:attrName>style.visibility</p:attrName>
+                                        </p:attrNameLst>
+                                      </p:cBhvr>
+                                      <p:to>
+                                        <p:strVal val="visible"/>
+                                      </p:to>
+                                    </p:set>
+                                  </p:childTnLst>
+                                </p:cTn>
+                              </p:par>
+                            </p:childTnLst>
+                          </p:cTn>
+                        </p:par>
+                      </p:childTnLst>
+                    </p:cTn>
+                  </p:par>
+                </p:childTnLst>
+              </p:cTn>
+              <p:prevCondLst>
+                <p:cond evt="onPrev" delay="0">
+                  <p:tgtEl>
+                    <p:sldTgt/>
+                  </p:tgtEl>
+                </p:cond>
+              </p:prevCondLst>
+              <p:nextCondLst>
+                <p:cond evt="onNext" delay="0">
+                  <p:tgtEl>
+                    <p:sldTgt/>
+                  </p:tgtEl>
+                </p:cond>
+              </p:nextCondLst>
+            </p:seq>
+          </p:childTnLst>
+        </p:cTn>
+      </p:par>
+    </p:tnLst>
+    <p:bldLst>
+      <p:bldP spid="3" grpId="0" build="p"/>
+    </p:bldLst>
+  </p:timing>
 </p:sld>
 </file>
 
-<file path=ppt/slides/slide22.xml><?xml version="1.0" encoding="utf-8"?>
+<file path=ppt/slides/slide26.xml><?xml version="1.0" encoding="utf-8"?>
 <p:sld xmlns:a="http://schemas.openxmlformats.org/drawingml/2006/main" xmlns:r="http://schemas.openxmlformats.org/officeDocument/2006/relationships" xmlns:p="http://schemas.openxmlformats.org/presentationml/2006/main">
   <p:cSld>
     <p:spTree>
@@ -11276,7 +13623,7 @@
 </p:sld>
 </file>
 
-<file path=ppt/slides/slide23.xml><?xml version="1.0" encoding="utf-8"?>
+<file path=ppt/slides/slide27.xml><?xml version="1.0" encoding="utf-8"?>
 <p:sld xmlns:a="http://schemas.openxmlformats.org/drawingml/2006/main" xmlns:r="http://schemas.openxmlformats.org/officeDocument/2006/relationships" xmlns:p="http://schemas.openxmlformats.org/presentationml/2006/main">
   <p:cSld>
     <p:spTree>
@@ -11353,7 +13700,6 @@
                 <a:endParaRPr lang="en-GB" dirty="0"/>
               </a:p>
               <a:p>
-                <a:pPr/>
                 <a14:m>
                   <m:oMath xmlns:m="http://schemas.openxmlformats.org/officeDocument/2006/math">
                     <m:f>
@@ -11372,16 +13718,7 @@
                           <a:rPr lang="en-GB" b="0" i="0" smtClean="0">
                             <a:latin typeface="Cambria Math" panose="02040503050406030204" pitchFamily="18" charset="0"/>
                           </a:rPr>
-                          <m:t>Me</m:t>
-                        </m:r>
-                        <m:r>
-                          <m:rPr>
-                            <m:nor/>
-                          </m:rPr>
-                          <a:rPr lang="en-GB" b="0" i="0" smtClean="0">
-                            <a:latin typeface="Cambria Math" panose="02040503050406030204" pitchFamily="18" charset="0"/>
-                          </a:rPr>
-                          <m:t>an</m:t>
+                          <m:t>Mean</m:t>
                         </m:r>
                         <m:r>
                           <m:rPr>
@@ -11518,7 +13855,25 @@
                           <a:rPr lang="en-GB" b="0" i="0" smtClean="0">
                             <a:latin typeface="Cambria Math" panose="02040503050406030204" pitchFamily="18" charset="0"/>
                           </a:rPr>
-                          <m:t>interdropping</m:t>
+                          <m:t>inter</m:t>
+                        </m:r>
+                        <m:r>
+                          <m:rPr>
+                            <m:nor/>
+                          </m:rPr>
+                          <a:rPr lang="en-GB" b="0" i="0" smtClean="0">
+                            <a:latin typeface="Cambria Math" panose="02040503050406030204" pitchFamily="18" charset="0"/>
+                          </a:rPr>
+                          <m:t>-</m:t>
+                        </m:r>
+                        <m:r>
+                          <m:rPr>
+                            <m:nor/>
+                          </m:rPr>
+                          <a:rPr lang="en-GB" b="0" i="0" smtClean="0">
+                            <a:latin typeface="Cambria Math" panose="02040503050406030204" pitchFamily="18" charset="0"/>
+                          </a:rPr>
+                          <m:t>dropping</m:t>
                         </m:r>
                         <m:r>
                           <m:rPr>
@@ -11545,7 +13900,6 @@
                 <a:endParaRPr lang="en-GB" dirty="0"/>
               </a:p>
               <a:p>
-                <a:pPr/>
                 <a14:m>
                   <m:oMath xmlns:m="http://schemas.openxmlformats.org/officeDocument/2006/math">
                     <m:r>
@@ -11619,10 +13973,190 @@
   <p:clrMapOvr>
     <a:masterClrMapping/>
   </p:clrMapOvr>
+  <p:timing>
+    <p:tnLst>
+      <p:par>
+        <p:cTn id="1" dur="indefinite" restart="never" nodeType="tmRoot">
+          <p:childTnLst>
+            <p:seq concurrent="1" nextAc="seek">
+              <p:cTn id="2" dur="indefinite" nodeType="mainSeq">
+                <p:childTnLst>
+                  <p:par>
+                    <p:cTn id="3" fill="hold">
+                      <p:stCondLst>
+                        <p:cond delay="indefinite"/>
+                      </p:stCondLst>
+                      <p:childTnLst>
+                        <p:par>
+                          <p:cTn id="4" fill="hold">
+                            <p:stCondLst>
+                              <p:cond delay="0"/>
+                            </p:stCondLst>
+                            <p:childTnLst>
+                              <p:par>
+                                <p:cTn id="5" presetID="1" presetClass="entr" presetSubtype="0" fill="hold" grpId="0" nodeType="clickEffect">
+                                  <p:stCondLst>
+                                    <p:cond delay="0"/>
+                                  </p:stCondLst>
+                                  <p:childTnLst>
+                                    <p:set>
+                                      <p:cBhvr>
+                                        <p:cTn id="6" dur="1" fill="hold">
+                                          <p:stCondLst>
+                                            <p:cond delay="0"/>
+                                          </p:stCondLst>
+                                        </p:cTn>
+                                        <p:tgtEl>
+                                          <p:spTgt spid="3">
+                                            <p:txEl>
+                                              <p:pRg st="0" end="0"/>
+                                            </p:txEl>
+                                          </p:spTgt>
+                                        </p:tgtEl>
+                                        <p:attrNameLst>
+                                          <p:attrName>style.visibility</p:attrName>
+                                        </p:attrNameLst>
+                                      </p:cBhvr>
+                                      <p:to>
+                                        <p:strVal val="visible"/>
+                                      </p:to>
+                                    </p:set>
+                                  </p:childTnLst>
+                                </p:cTn>
+                              </p:par>
+                            </p:childTnLst>
+                          </p:cTn>
+                        </p:par>
+                      </p:childTnLst>
+                    </p:cTn>
+                  </p:par>
+                  <p:par>
+                    <p:cTn id="7" fill="hold">
+                      <p:stCondLst>
+                        <p:cond delay="indefinite"/>
+                      </p:stCondLst>
+                      <p:childTnLst>
+                        <p:par>
+                          <p:cTn id="8" fill="hold">
+                            <p:stCondLst>
+                              <p:cond delay="0"/>
+                            </p:stCondLst>
+                            <p:childTnLst>
+                              <p:par>
+                                <p:cTn id="9" presetID="1" presetClass="entr" presetSubtype="0" fill="hold" grpId="0" nodeType="clickEffect">
+                                  <p:stCondLst>
+                                    <p:cond delay="0"/>
+                                  </p:stCondLst>
+                                  <p:childTnLst>
+                                    <p:set>
+                                      <p:cBhvr>
+                                        <p:cTn id="10" dur="1" fill="hold">
+                                          <p:stCondLst>
+                                            <p:cond delay="0"/>
+                                          </p:stCondLst>
+                                        </p:cTn>
+                                        <p:tgtEl>
+                                          <p:spTgt spid="3">
+                                            <p:txEl>
+                                              <p:pRg st="2" end="2"/>
+                                            </p:txEl>
+                                          </p:spTgt>
+                                        </p:tgtEl>
+                                        <p:attrNameLst>
+                                          <p:attrName>style.visibility</p:attrName>
+                                        </p:attrNameLst>
+                                      </p:cBhvr>
+                                      <p:to>
+                                        <p:strVal val="visible"/>
+                                      </p:to>
+                                    </p:set>
+                                  </p:childTnLst>
+                                </p:cTn>
+                              </p:par>
+                            </p:childTnLst>
+                          </p:cTn>
+                        </p:par>
+                      </p:childTnLst>
+                    </p:cTn>
+                  </p:par>
+                  <p:par>
+                    <p:cTn id="11" fill="hold">
+                      <p:stCondLst>
+                        <p:cond delay="indefinite"/>
+                      </p:stCondLst>
+                      <p:childTnLst>
+                        <p:par>
+                          <p:cTn id="12" fill="hold">
+                            <p:stCondLst>
+                              <p:cond delay="0"/>
+                            </p:stCondLst>
+                            <p:childTnLst>
+                              <p:par>
+                                <p:cTn id="13" presetID="1" presetClass="entr" presetSubtype="0" fill="hold" grpId="0" nodeType="clickEffect">
+                                  <p:stCondLst>
+                                    <p:cond delay="0"/>
+                                  </p:stCondLst>
+                                  <p:childTnLst>
+                                    <p:set>
+                                      <p:cBhvr>
+                                        <p:cTn id="14" dur="1" fill="hold">
+                                          <p:stCondLst>
+                                            <p:cond delay="0"/>
+                                          </p:stCondLst>
+                                        </p:cTn>
+                                        <p:tgtEl>
+                                          <p:spTgt spid="3">
+                                            <p:txEl>
+                                              <p:pRg st="3" end="3"/>
+                                            </p:txEl>
+                                          </p:spTgt>
+                                        </p:tgtEl>
+                                        <p:attrNameLst>
+                                          <p:attrName>style.visibility</p:attrName>
+                                        </p:attrNameLst>
+                                      </p:cBhvr>
+                                      <p:to>
+                                        <p:strVal val="visible"/>
+                                      </p:to>
+                                    </p:set>
+                                  </p:childTnLst>
+                                </p:cTn>
+                              </p:par>
+                            </p:childTnLst>
+                          </p:cTn>
+                        </p:par>
+                      </p:childTnLst>
+                    </p:cTn>
+                  </p:par>
+                </p:childTnLst>
+              </p:cTn>
+              <p:prevCondLst>
+                <p:cond evt="onPrev" delay="0">
+                  <p:tgtEl>
+                    <p:sldTgt/>
+                  </p:tgtEl>
+                </p:cond>
+              </p:prevCondLst>
+              <p:nextCondLst>
+                <p:cond evt="onNext" delay="0">
+                  <p:tgtEl>
+                    <p:sldTgt/>
+                  </p:tgtEl>
+                </p:cond>
+              </p:nextCondLst>
+            </p:seq>
+          </p:childTnLst>
+        </p:cTn>
+      </p:par>
+    </p:tnLst>
+    <p:bldLst>
+      <p:bldP spid="3" grpId="0" build="p"/>
+    </p:bldLst>
+  </p:timing>
 </p:sld>
 </file>
 
-<file path=ppt/slides/slide24.xml><?xml version="1.0" encoding="utf-8"?>
+<file path=ppt/slides/slide28.xml><?xml version="1.0" encoding="utf-8"?>
 <p:sld xmlns:a="http://schemas.openxmlformats.org/drawingml/2006/main" xmlns:r="http://schemas.openxmlformats.org/officeDocument/2006/relationships" xmlns:p="http://schemas.openxmlformats.org/presentationml/2006/main">
   <p:cSld>
     <p:spTree>
@@ -11811,6 +14345,186 @@
   <p:clrMapOvr>
     <a:masterClrMapping/>
   </p:clrMapOvr>
+  <p:timing>
+    <p:tnLst>
+      <p:par>
+        <p:cTn id="1" dur="indefinite" restart="never" nodeType="tmRoot">
+          <p:childTnLst>
+            <p:seq concurrent="1" nextAc="seek">
+              <p:cTn id="2" dur="indefinite" nodeType="mainSeq">
+                <p:childTnLst>
+                  <p:par>
+                    <p:cTn id="3" fill="hold">
+                      <p:stCondLst>
+                        <p:cond delay="indefinite"/>
+                      </p:stCondLst>
+                      <p:childTnLst>
+                        <p:par>
+                          <p:cTn id="4" fill="hold">
+                            <p:stCondLst>
+                              <p:cond delay="0"/>
+                            </p:stCondLst>
+                            <p:childTnLst>
+                              <p:par>
+                                <p:cTn id="5" presetID="1" presetClass="entr" presetSubtype="0" fill="hold" grpId="0" nodeType="clickEffect">
+                                  <p:stCondLst>
+                                    <p:cond delay="0"/>
+                                  </p:stCondLst>
+                                  <p:childTnLst>
+                                    <p:set>
+                                      <p:cBhvr>
+                                        <p:cTn id="6" dur="1" fill="hold">
+                                          <p:stCondLst>
+                                            <p:cond delay="0"/>
+                                          </p:stCondLst>
+                                        </p:cTn>
+                                        <p:tgtEl>
+                                          <p:spTgt spid="3">
+                                            <p:txEl>
+                                              <p:pRg st="0" end="0"/>
+                                            </p:txEl>
+                                          </p:spTgt>
+                                        </p:tgtEl>
+                                        <p:attrNameLst>
+                                          <p:attrName>style.visibility</p:attrName>
+                                        </p:attrNameLst>
+                                      </p:cBhvr>
+                                      <p:to>
+                                        <p:strVal val="visible"/>
+                                      </p:to>
+                                    </p:set>
+                                  </p:childTnLst>
+                                </p:cTn>
+                              </p:par>
+                            </p:childTnLst>
+                          </p:cTn>
+                        </p:par>
+                      </p:childTnLst>
+                    </p:cTn>
+                  </p:par>
+                  <p:par>
+                    <p:cTn id="7" fill="hold">
+                      <p:stCondLst>
+                        <p:cond delay="indefinite"/>
+                      </p:stCondLst>
+                      <p:childTnLst>
+                        <p:par>
+                          <p:cTn id="8" fill="hold">
+                            <p:stCondLst>
+                              <p:cond delay="0"/>
+                            </p:stCondLst>
+                            <p:childTnLst>
+                              <p:par>
+                                <p:cTn id="9" presetID="1" presetClass="entr" presetSubtype="0" fill="hold" grpId="0" nodeType="clickEffect">
+                                  <p:stCondLst>
+                                    <p:cond delay="0"/>
+                                  </p:stCondLst>
+                                  <p:childTnLst>
+                                    <p:set>
+                                      <p:cBhvr>
+                                        <p:cTn id="10" dur="1" fill="hold">
+                                          <p:stCondLst>
+                                            <p:cond delay="0"/>
+                                          </p:stCondLst>
+                                        </p:cTn>
+                                        <p:tgtEl>
+                                          <p:spTgt spid="3">
+                                            <p:txEl>
+                                              <p:pRg st="1" end="1"/>
+                                            </p:txEl>
+                                          </p:spTgt>
+                                        </p:tgtEl>
+                                        <p:attrNameLst>
+                                          <p:attrName>style.visibility</p:attrName>
+                                        </p:attrNameLst>
+                                      </p:cBhvr>
+                                      <p:to>
+                                        <p:strVal val="visible"/>
+                                      </p:to>
+                                    </p:set>
+                                  </p:childTnLst>
+                                </p:cTn>
+                              </p:par>
+                            </p:childTnLst>
+                          </p:cTn>
+                        </p:par>
+                      </p:childTnLst>
+                    </p:cTn>
+                  </p:par>
+                  <p:par>
+                    <p:cTn id="11" fill="hold">
+                      <p:stCondLst>
+                        <p:cond delay="indefinite"/>
+                      </p:stCondLst>
+                      <p:childTnLst>
+                        <p:par>
+                          <p:cTn id="12" fill="hold">
+                            <p:stCondLst>
+                              <p:cond delay="0"/>
+                            </p:stCondLst>
+                            <p:childTnLst>
+                              <p:par>
+                                <p:cTn id="13" presetID="1" presetClass="entr" presetSubtype="0" fill="hold" grpId="0" nodeType="clickEffect">
+                                  <p:stCondLst>
+                                    <p:cond delay="0"/>
+                                  </p:stCondLst>
+                                  <p:childTnLst>
+                                    <p:set>
+                                      <p:cBhvr>
+                                        <p:cTn id="14" dur="1" fill="hold">
+                                          <p:stCondLst>
+                                            <p:cond delay="0"/>
+                                          </p:stCondLst>
+                                        </p:cTn>
+                                        <p:tgtEl>
+                                          <p:spTgt spid="3">
+                                            <p:txEl>
+                                              <p:pRg st="2" end="2"/>
+                                            </p:txEl>
+                                          </p:spTgt>
+                                        </p:tgtEl>
+                                        <p:attrNameLst>
+                                          <p:attrName>style.visibility</p:attrName>
+                                        </p:attrNameLst>
+                                      </p:cBhvr>
+                                      <p:to>
+                                        <p:strVal val="visible"/>
+                                      </p:to>
+                                    </p:set>
+                                  </p:childTnLst>
+                                </p:cTn>
+                              </p:par>
+                            </p:childTnLst>
+                          </p:cTn>
+                        </p:par>
+                      </p:childTnLst>
+                    </p:cTn>
+                  </p:par>
+                </p:childTnLst>
+              </p:cTn>
+              <p:prevCondLst>
+                <p:cond evt="onPrev" delay="0">
+                  <p:tgtEl>
+                    <p:sldTgt/>
+                  </p:tgtEl>
+                </p:cond>
+              </p:prevCondLst>
+              <p:nextCondLst>
+                <p:cond evt="onNext" delay="0">
+                  <p:tgtEl>
+                    <p:sldTgt/>
+                  </p:tgtEl>
+                </p:cond>
+              </p:nextCondLst>
+            </p:seq>
+          </p:childTnLst>
+        </p:cTn>
+      </p:par>
+    </p:tnLst>
+    <p:bldLst>
+      <p:bldP spid="3" grpId="0" build="p"/>
+    </p:bldLst>
+  </p:timing>
 </p:sld>
 </file>
 
@@ -11909,6 +14623,186 @@
   <p:clrMapOvr>
     <a:masterClrMapping/>
   </p:clrMapOvr>
+  <p:timing>
+    <p:tnLst>
+      <p:par>
+        <p:cTn id="1" dur="indefinite" restart="never" nodeType="tmRoot">
+          <p:childTnLst>
+            <p:seq concurrent="1" nextAc="seek">
+              <p:cTn id="2" dur="indefinite" nodeType="mainSeq">
+                <p:childTnLst>
+                  <p:par>
+                    <p:cTn id="3" fill="hold">
+                      <p:stCondLst>
+                        <p:cond delay="indefinite"/>
+                      </p:stCondLst>
+                      <p:childTnLst>
+                        <p:par>
+                          <p:cTn id="4" fill="hold">
+                            <p:stCondLst>
+                              <p:cond delay="0"/>
+                            </p:stCondLst>
+                            <p:childTnLst>
+                              <p:par>
+                                <p:cTn id="5" presetID="1" presetClass="entr" presetSubtype="0" fill="hold" grpId="0" nodeType="clickEffect">
+                                  <p:stCondLst>
+                                    <p:cond delay="0"/>
+                                  </p:stCondLst>
+                                  <p:childTnLst>
+                                    <p:set>
+                                      <p:cBhvr>
+                                        <p:cTn id="6" dur="1" fill="hold">
+                                          <p:stCondLst>
+                                            <p:cond delay="0"/>
+                                          </p:stCondLst>
+                                        </p:cTn>
+                                        <p:tgtEl>
+                                          <p:spTgt spid="3">
+                                            <p:txEl>
+                                              <p:pRg st="0" end="0"/>
+                                            </p:txEl>
+                                          </p:spTgt>
+                                        </p:tgtEl>
+                                        <p:attrNameLst>
+                                          <p:attrName>style.visibility</p:attrName>
+                                        </p:attrNameLst>
+                                      </p:cBhvr>
+                                      <p:to>
+                                        <p:strVal val="visible"/>
+                                      </p:to>
+                                    </p:set>
+                                  </p:childTnLst>
+                                </p:cTn>
+                              </p:par>
+                            </p:childTnLst>
+                          </p:cTn>
+                        </p:par>
+                      </p:childTnLst>
+                    </p:cTn>
+                  </p:par>
+                  <p:par>
+                    <p:cTn id="7" fill="hold">
+                      <p:stCondLst>
+                        <p:cond delay="indefinite"/>
+                      </p:stCondLst>
+                      <p:childTnLst>
+                        <p:par>
+                          <p:cTn id="8" fill="hold">
+                            <p:stCondLst>
+                              <p:cond delay="0"/>
+                            </p:stCondLst>
+                            <p:childTnLst>
+                              <p:par>
+                                <p:cTn id="9" presetID="1" presetClass="entr" presetSubtype="0" fill="hold" grpId="0" nodeType="clickEffect">
+                                  <p:stCondLst>
+                                    <p:cond delay="0"/>
+                                  </p:stCondLst>
+                                  <p:childTnLst>
+                                    <p:set>
+                                      <p:cBhvr>
+                                        <p:cTn id="10" dur="1" fill="hold">
+                                          <p:stCondLst>
+                                            <p:cond delay="0"/>
+                                          </p:stCondLst>
+                                        </p:cTn>
+                                        <p:tgtEl>
+                                          <p:spTgt spid="3">
+                                            <p:txEl>
+                                              <p:pRg st="1" end="1"/>
+                                            </p:txEl>
+                                          </p:spTgt>
+                                        </p:tgtEl>
+                                        <p:attrNameLst>
+                                          <p:attrName>style.visibility</p:attrName>
+                                        </p:attrNameLst>
+                                      </p:cBhvr>
+                                      <p:to>
+                                        <p:strVal val="visible"/>
+                                      </p:to>
+                                    </p:set>
+                                  </p:childTnLst>
+                                </p:cTn>
+                              </p:par>
+                            </p:childTnLst>
+                          </p:cTn>
+                        </p:par>
+                      </p:childTnLst>
+                    </p:cTn>
+                  </p:par>
+                  <p:par>
+                    <p:cTn id="11" fill="hold">
+                      <p:stCondLst>
+                        <p:cond delay="indefinite"/>
+                      </p:stCondLst>
+                      <p:childTnLst>
+                        <p:par>
+                          <p:cTn id="12" fill="hold">
+                            <p:stCondLst>
+                              <p:cond delay="0"/>
+                            </p:stCondLst>
+                            <p:childTnLst>
+                              <p:par>
+                                <p:cTn id="13" presetID="1" presetClass="entr" presetSubtype="0" fill="hold" grpId="0" nodeType="clickEffect">
+                                  <p:stCondLst>
+                                    <p:cond delay="0"/>
+                                  </p:stCondLst>
+                                  <p:childTnLst>
+                                    <p:set>
+                                      <p:cBhvr>
+                                        <p:cTn id="14" dur="1" fill="hold">
+                                          <p:stCondLst>
+                                            <p:cond delay="0"/>
+                                          </p:stCondLst>
+                                        </p:cTn>
+                                        <p:tgtEl>
+                                          <p:spTgt spid="3">
+                                            <p:txEl>
+                                              <p:pRg st="2" end="2"/>
+                                            </p:txEl>
+                                          </p:spTgt>
+                                        </p:tgtEl>
+                                        <p:attrNameLst>
+                                          <p:attrName>style.visibility</p:attrName>
+                                        </p:attrNameLst>
+                                      </p:cBhvr>
+                                      <p:to>
+                                        <p:strVal val="visible"/>
+                                      </p:to>
+                                    </p:set>
+                                  </p:childTnLst>
+                                </p:cTn>
+                              </p:par>
+                            </p:childTnLst>
+                          </p:cTn>
+                        </p:par>
+                      </p:childTnLst>
+                    </p:cTn>
+                  </p:par>
+                </p:childTnLst>
+              </p:cTn>
+              <p:prevCondLst>
+                <p:cond evt="onPrev" delay="0">
+                  <p:tgtEl>
+                    <p:sldTgt/>
+                  </p:tgtEl>
+                </p:cond>
+              </p:prevCondLst>
+              <p:nextCondLst>
+                <p:cond evt="onNext" delay="0">
+                  <p:tgtEl>
+                    <p:sldTgt/>
+                  </p:tgtEl>
+                </p:cond>
+              </p:nextCondLst>
+            </p:seq>
+          </p:childTnLst>
+        </p:cTn>
+      </p:par>
+    </p:tnLst>
+    <p:bldLst>
+      <p:bldP spid="3" grpId="0" build="p"/>
+    </p:bldLst>
+  </p:timing>
 </p:sld>
 </file>
 
@@ -12019,6 +14913,199 @@
   <p:clrMapOvr>
     <a:masterClrMapping/>
   </p:clrMapOvr>
+  <p:timing>
+    <p:tnLst>
+      <p:par>
+        <p:cTn id="1" dur="indefinite" restart="never" nodeType="tmRoot">
+          <p:childTnLst>
+            <p:seq concurrent="1" nextAc="seek">
+              <p:cTn id="2" dur="indefinite" nodeType="mainSeq">
+                <p:childTnLst>
+                  <p:par>
+                    <p:cTn id="3" fill="hold">
+                      <p:stCondLst>
+                        <p:cond delay="indefinite"/>
+                      </p:stCondLst>
+                      <p:childTnLst>
+                        <p:par>
+                          <p:cTn id="4" fill="hold">
+                            <p:stCondLst>
+                              <p:cond delay="0"/>
+                            </p:stCondLst>
+                            <p:childTnLst>
+                              <p:par>
+                                <p:cTn id="5" presetID="1" presetClass="entr" presetSubtype="0" fill="hold" grpId="0" nodeType="clickEffect">
+                                  <p:stCondLst>
+                                    <p:cond delay="0"/>
+                                  </p:stCondLst>
+                                  <p:childTnLst>
+                                    <p:set>
+                                      <p:cBhvr>
+                                        <p:cTn id="6" dur="1" fill="hold">
+                                          <p:stCondLst>
+                                            <p:cond delay="0"/>
+                                          </p:stCondLst>
+                                        </p:cTn>
+                                        <p:tgtEl>
+                                          <p:spTgt spid="3">
+                                            <p:txEl>
+                                              <p:pRg st="0" end="0"/>
+                                            </p:txEl>
+                                          </p:spTgt>
+                                        </p:tgtEl>
+                                        <p:attrNameLst>
+                                          <p:attrName>style.visibility</p:attrName>
+                                        </p:attrNameLst>
+                                      </p:cBhvr>
+                                      <p:to>
+                                        <p:strVal val="visible"/>
+                                      </p:to>
+                                    </p:set>
+                                  </p:childTnLst>
+                                </p:cTn>
+                              </p:par>
+                            </p:childTnLst>
+                          </p:cTn>
+                        </p:par>
+                      </p:childTnLst>
+                    </p:cTn>
+                  </p:par>
+                  <p:par>
+                    <p:cTn id="7" fill="hold">
+                      <p:stCondLst>
+                        <p:cond delay="indefinite"/>
+                      </p:stCondLst>
+                      <p:childTnLst>
+                        <p:par>
+                          <p:cTn id="8" fill="hold">
+                            <p:stCondLst>
+                              <p:cond delay="0"/>
+                            </p:stCondLst>
+                            <p:childTnLst>
+                              <p:par>
+                                <p:cTn id="9" presetID="1" presetClass="entr" presetSubtype="0" fill="hold" grpId="0" nodeType="clickEffect">
+                                  <p:stCondLst>
+                                    <p:cond delay="0"/>
+                                  </p:stCondLst>
+                                  <p:childTnLst>
+                                    <p:set>
+                                      <p:cBhvr>
+                                        <p:cTn id="10" dur="1" fill="hold">
+                                          <p:stCondLst>
+                                            <p:cond delay="0"/>
+                                          </p:stCondLst>
+                                        </p:cTn>
+                                        <p:tgtEl>
+                                          <p:spTgt spid="3">
+                                            <p:txEl>
+                                              <p:pRg st="1" end="1"/>
+                                            </p:txEl>
+                                          </p:spTgt>
+                                        </p:tgtEl>
+                                        <p:attrNameLst>
+                                          <p:attrName>style.visibility</p:attrName>
+                                        </p:attrNameLst>
+                                      </p:cBhvr>
+                                      <p:to>
+                                        <p:strVal val="visible"/>
+                                      </p:to>
+                                    </p:set>
+                                  </p:childTnLst>
+                                </p:cTn>
+                              </p:par>
+                              <p:par>
+                                <p:cTn id="11" presetID="1" presetClass="entr" presetSubtype="0" fill="hold" grpId="0" nodeType="withEffect">
+                                  <p:stCondLst>
+                                    <p:cond delay="0"/>
+                                  </p:stCondLst>
+                                  <p:childTnLst>
+                                    <p:set>
+                                      <p:cBhvr>
+                                        <p:cTn id="12" dur="1" fill="hold">
+                                          <p:stCondLst>
+                                            <p:cond delay="0"/>
+                                          </p:stCondLst>
+                                        </p:cTn>
+                                        <p:tgtEl>
+                                          <p:spTgt spid="3">
+                                            <p:txEl>
+                                              <p:pRg st="2" end="2"/>
+                                            </p:txEl>
+                                          </p:spTgt>
+                                        </p:tgtEl>
+                                        <p:attrNameLst>
+                                          <p:attrName>style.visibility</p:attrName>
+                                        </p:attrNameLst>
+                                      </p:cBhvr>
+                                      <p:to>
+                                        <p:strVal val="visible"/>
+                                      </p:to>
+                                    </p:set>
+                                  </p:childTnLst>
+                                </p:cTn>
+                              </p:par>
+                              <p:par>
+                                <p:cTn id="13" presetID="1" presetClass="entr" presetSubtype="0" fill="hold" grpId="0" nodeType="withEffect">
+                                  <p:stCondLst>
+                                    <p:cond delay="0"/>
+                                  </p:stCondLst>
+                                  <p:childTnLst>
+                                    <p:set>
+                                      <p:cBhvr>
+                                        <p:cTn id="14" dur="1" fill="hold">
+                                          <p:stCondLst>
+                                            <p:cond delay="0"/>
+                                          </p:stCondLst>
+                                        </p:cTn>
+                                        <p:tgtEl>
+                                          <p:spTgt spid="3">
+                                            <p:txEl>
+                                              <p:pRg st="3" end="3"/>
+                                            </p:txEl>
+                                          </p:spTgt>
+                                        </p:tgtEl>
+                                        <p:attrNameLst>
+                                          <p:attrName>style.visibility</p:attrName>
+                                        </p:attrNameLst>
+                                      </p:cBhvr>
+                                      <p:to>
+                                        <p:strVal val="visible"/>
+                                      </p:to>
+                                    </p:set>
+                                  </p:childTnLst>
+                                </p:cTn>
+                              </p:par>
+                            </p:childTnLst>
+                          </p:cTn>
+                        </p:par>
+                      </p:childTnLst>
+                    </p:cTn>
+                  </p:par>
+                </p:childTnLst>
+              </p:cTn>
+              <p:prevCondLst>
+                <p:cond evt="onPrev" delay="0">
+                  <p:tgtEl>
+                    <p:sldTgt/>
+                  </p:tgtEl>
+                </p:cond>
+              </p:prevCondLst>
+              <p:nextCondLst>
+                <p:cond evt="onNext" delay="0">
+                  <p:tgtEl>
+                    <p:sldTgt/>
+                  </p:tgtEl>
+                </p:cond>
+              </p:nextCondLst>
+            </p:seq>
+          </p:childTnLst>
+        </p:cTn>
+      </p:par>
+    </p:tnLst>
+    <p:bldLst>
+      <p:bldP spid="3" grpId="0" build="p"/>
+    </p:bldLst>
+  </p:timing>
 </p:sld>
 </file>
 
@@ -12150,6 +15237,182 @@
   <p:clrMapOvr>
     <a:masterClrMapping/>
   </p:clrMapOvr>
+  <p:timing>
+    <p:tnLst>
+      <p:par>
+        <p:cTn id="1" dur="indefinite" restart="never" nodeType="tmRoot">
+          <p:childTnLst>
+            <p:seq concurrent="1" nextAc="seek">
+              <p:cTn id="2" dur="indefinite" nodeType="mainSeq">
+                <p:childTnLst>
+                  <p:par>
+                    <p:cTn id="3" fill="hold">
+                      <p:stCondLst>
+                        <p:cond delay="indefinite"/>
+                      </p:stCondLst>
+                      <p:childTnLst>
+                        <p:par>
+                          <p:cTn id="4" fill="hold">
+                            <p:stCondLst>
+                              <p:cond delay="0"/>
+                            </p:stCondLst>
+                            <p:childTnLst>
+                              <p:par>
+                                <p:cTn id="5" presetID="1" presetClass="entr" presetSubtype="0" fill="hold" grpId="0" nodeType="clickEffect">
+                                  <p:stCondLst>
+                                    <p:cond delay="0"/>
+                                  </p:stCondLst>
+                                  <p:childTnLst>
+                                    <p:set>
+                                      <p:cBhvr>
+                                        <p:cTn id="6" dur="1" fill="hold">
+                                          <p:stCondLst>
+                                            <p:cond delay="0"/>
+                                          </p:stCondLst>
+                                        </p:cTn>
+                                        <p:tgtEl>
+                                          <p:spTgt spid="3">
+                                            <p:txEl>
+                                              <p:pRg st="0" end="0"/>
+                                            </p:txEl>
+                                          </p:spTgt>
+                                        </p:tgtEl>
+                                        <p:attrNameLst>
+                                          <p:attrName>style.visibility</p:attrName>
+                                        </p:attrNameLst>
+                                      </p:cBhvr>
+                                      <p:to>
+                                        <p:strVal val="visible"/>
+                                      </p:to>
+                                    </p:set>
+                                  </p:childTnLst>
+                                </p:cTn>
+                              </p:par>
+                            </p:childTnLst>
+                          </p:cTn>
+                        </p:par>
+                      </p:childTnLst>
+                    </p:cTn>
+                  </p:par>
+                  <p:par>
+                    <p:cTn id="7" fill="hold">
+                      <p:stCondLst>
+                        <p:cond delay="indefinite"/>
+                      </p:stCondLst>
+                      <p:childTnLst>
+                        <p:par>
+                          <p:cTn id="8" fill="hold">
+                            <p:stCondLst>
+                              <p:cond delay="0"/>
+                            </p:stCondLst>
+                            <p:childTnLst>
+                              <p:par>
+                                <p:cTn id="9" presetID="1" presetClass="entr" presetSubtype="0" fill="hold" grpId="0" nodeType="clickEffect">
+                                  <p:stCondLst>
+                                    <p:cond delay="0"/>
+                                  </p:stCondLst>
+                                  <p:childTnLst>
+                                    <p:set>
+                                      <p:cBhvr>
+                                        <p:cTn id="10" dur="1" fill="hold">
+                                          <p:stCondLst>
+                                            <p:cond delay="0"/>
+                                          </p:stCondLst>
+                                        </p:cTn>
+                                        <p:tgtEl>
+                                          <p:spTgt spid="3">
+                                            <p:txEl>
+                                              <p:pRg st="1" end="1"/>
+                                            </p:txEl>
+                                          </p:spTgt>
+                                        </p:tgtEl>
+                                        <p:attrNameLst>
+                                          <p:attrName>style.visibility</p:attrName>
+                                        </p:attrNameLst>
+                                      </p:cBhvr>
+                                      <p:to>
+                                        <p:strVal val="visible"/>
+                                      </p:to>
+                                    </p:set>
+                                  </p:childTnLst>
+                                </p:cTn>
+                              </p:par>
+                            </p:childTnLst>
+                          </p:cTn>
+                        </p:par>
+                      </p:childTnLst>
+                    </p:cTn>
+                  </p:par>
+                  <p:par>
+                    <p:cTn id="11" fill="hold">
+                      <p:stCondLst>
+                        <p:cond delay="indefinite"/>
+                      </p:stCondLst>
+                      <p:childTnLst>
+                        <p:par>
+                          <p:cTn id="12" fill="hold">
+                            <p:stCondLst>
+                              <p:cond delay="0"/>
+                            </p:stCondLst>
+                            <p:childTnLst>
+                              <p:par>
+                                <p:cTn id="13" presetID="1" presetClass="entr" presetSubtype="0" fill="hold" nodeType="clickEffect">
+                                  <p:stCondLst>
+                                    <p:cond delay="0"/>
+                                  </p:stCondLst>
+                                  <p:childTnLst>
+                                    <p:set>
+                                      <p:cBhvr>
+                                        <p:cTn id="14" dur="1" fill="hold">
+                                          <p:stCondLst>
+                                            <p:cond delay="0"/>
+                                          </p:stCondLst>
+                                        </p:cTn>
+                                        <p:tgtEl>
+                                          <p:spTgt spid="5"/>
+                                        </p:tgtEl>
+                                        <p:attrNameLst>
+                                          <p:attrName>style.visibility</p:attrName>
+                                        </p:attrNameLst>
+                                      </p:cBhvr>
+                                      <p:to>
+                                        <p:strVal val="visible"/>
+                                      </p:to>
+                                    </p:set>
+                                  </p:childTnLst>
+                                </p:cTn>
+                              </p:par>
+                            </p:childTnLst>
+                          </p:cTn>
+                        </p:par>
+                      </p:childTnLst>
+                    </p:cTn>
+                  </p:par>
+                </p:childTnLst>
+              </p:cTn>
+              <p:prevCondLst>
+                <p:cond evt="onPrev" delay="0">
+                  <p:tgtEl>
+                    <p:sldTgt/>
+                  </p:tgtEl>
+                </p:cond>
+              </p:prevCondLst>
+              <p:nextCondLst>
+                <p:cond evt="onNext" delay="0">
+                  <p:tgtEl>
+                    <p:sldTgt/>
+                  </p:tgtEl>
+                </p:cond>
+              </p:nextCondLst>
+            </p:seq>
+          </p:childTnLst>
+        </p:cTn>
+      </p:par>
+    </p:tnLst>
+    <p:bldLst>
+      <p:bldP spid="3" grpId="0" build="p"/>
+    </p:bldLst>
+  </p:timing>
 </p:sld>
 </file>
 
@@ -12227,7 +15490,7 @@
           <a:p>
             <a:r>
               <a:rPr lang="en-GB" dirty="0"/>
-              <a:t>This could preserve droppings, allowing them to remain detectable long after the snow leopard that produced it has left the area</a:t>
+              <a:t>This could preserve droppings, allowing them to remain detectable after the snow leopard that produced it has left the area</a:t>
             </a:r>
           </a:p>
           <a:p>
@@ -12254,6 +15517,235 @@
   <p:clrMapOvr>
     <a:masterClrMapping/>
   </p:clrMapOvr>
+  <p:timing>
+    <p:tnLst>
+      <p:par>
+        <p:cTn id="1" dur="indefinite" restart="never" nodeType="tmRoot">
+          <p:childTnLst>
+            <p:seq concurrent="1" nextAc="seek">
+              <p:cTn id="2" dur="indefinite" nodeType="mainSeq">
+                <p:childTnLst>
+                  <p:par>
+                    <p:cTn id="3" fill="hold">
+                      <p:stCondLst>
+                        <p:cond delay="indefinite"/>
+                      </p:stCondLst>
+                      <p:childTnLst>
+                        <p:par>
+                          <p:cTn id="4" fill="hold">
+                            <p:stCondLst>
+                              <p:cond delay="0"/>
+                            </p:stCondLst>
+                            <p:childTnLst>
+                              <p:par>
+                                <p:cTn id="5" presetID="1" presetClass="entr" presetSubtype="0" fill="hold" grpId="0" nodeType="clickEffect">
+                                  <p:stCondLst>
+                                    <p:cond delay="0"/>
+                                  </p:stCondLst>
+                                  <p:childTnLst>
+                                    <p:set>
+                                      <p:cBhvr>
+                                        <p:cTn id="6" dur="1" fill="hold">
+                                          <p:stCondLst>
+                                            <p:cond delay="0"/>
+                                          </p:stCondLst>
+                                        </p:cTn>
+                                        <p:tgtEl>
+                                          <p:spTgt spid="3">
+                                            <p:txEl>
+                                              <p:pRg st="0" end="0"/>
+                                            </p:txEl>
+                                          </p:spTgt>
+                                        </p:tgtEl>
+                                        <p:attrNameLst>
+                                          <p:attrName>style.visibility</p:attrName>
+                                        </p:attrNameLst>
+                                      </p:cBhvr>
+                                      <p:to>
+                                        <p:strVal val="visible"/>
+                                      </p:to>
+                                    </p:set>
+                                  </p:childTnLst>
+                                </p:cTn>
+                              </p:par>
+                            </p:childTnLst>
+                          </p:cTn>
+                        </p:par>
+                      </p:childTnLst>
+                    </p:cTn>
+                  </p:par>
+                  <p:par>
+                    <p:cTn id="7" fill="hold">
+                      <p:stCondLst>
+                        <p:cond delay="indefinite"/>
+                      </p:stCondLst>
+                      <p:childTnLst>
+                        <p:par>
+                          <p:cTn id="8" fill="hold">
+                            <p:stCondLst>
+                              <p:cond delay="0"/>
+                            </p:stCondLst>
+                            <p:childTnLst>
+                              <p:par>
+                                <p:cTn id="9" presetID="1" presetClass="entr" presetSubtype="0" fill="hold" grpId="0" nodeType="clickEffect">
+                                  <p:stCondLst>
+                                    <p:cond delay="0"/>
+                                  </p:stCondLst>
+                                  <p:childTnLst>
+                                    <p:set>
+                                      <p:cBhvr>
+                                        <p:cTn id="10" dur="1" fill="hold">
+                                          <p:stCondLst>
+                                            <p:cond delay="0"/>
+                                          </p:stCondLst>
+                                        </p:cTn>
+                                        <p:tgtEl>
+                                          <p:spTgt spid="3">
+                                            <p:txEl>
+                                              <p:pRg st="1" end="1"/>
+                                            </p:txEl>
+                                          </p:spTgt>
+                                        </p:tgtEl>
+                                        <p:attrNameLst>
+                                          <p:attrName>style.visibility</p:attrName>
+                                        </p:attrNameLst>
+                                      </p:cBhvr>
+                                      <p:to>
+                                        <p:strVal val="visible"/>
+                                      </p:to>
+                                    </p:set>
+                                  </p:childTnLst>
+                                </p:cTn>
+                              </p:par>
+                            </p:childTnLst>
+                          </p:cTn>
+                        </p:par>
+                      </p:childTnLst>
+                    </p:cTn>
+                  </p:par>
+                  <p:par>
+                    <p:cTn id="11" fill="hold">
+                      <p:stCondLst>
+                        <p:cond delay="indefinite"/>
+                      </p:stCondLst>
+                      <p:childTnLst>
+                        <p:par>
+                          <p:cTn id="12" fill="hold">
+                            <p:stCondLst>
+                              <p:cond delay="0"/>
+                            </p:stCondLst>
+                            <p:childTnLst>
+                              <p:par>
+                                <p:cTn id="13" presetID="1" presetClass="entr" presetSubtype="0" fill="hold" grpId="0" nodeType="clickEffect">
+                                  <p:stCondLst>
+                                    <p:cond delay="0"/>
+                                  </p:stCondLst>
+                                  <p:childTnLst>
+                                    <p:set>
+                                      <p:cBhvr>
+                                        <p:cTn id="14" dur="1" fill="hold">
+                                          <p:stCondLst>
+                                            <p:cond delay="0"/>
+                                          </p:stCondLst>
+                                        </p:cTn>
+                                        <p:tgtEl>
+                                          <p:spTgt spid="3">
+                                            <p:txEl>
+                                              <p:pRg st="2" end="2"/>
+                                            </p:txEl>
+                                          </p:spTgt>
+                                        </p:tgtEl>
+                                        <p:attrNameLst>
+                                          <p:attrName>style.visibility</p:attrName>
+                                        </p:attrNameLst>
+                                      </p:cBhvr>
+                                      <p:to>
+                                        <p:strVal val="visible"/>
+                                      </p:to>
+                                    </p:set>
+                                  </p:childTnLst>
+                                </p:cTn>
+                              </p:par>
+                            </p:childTnLst>
+                          </p:cTn>
+                        </p:par>
+                      </p:childTnLst>
+                    </p:cTn>
+                  </p:par>
+                  <p:par>
+                    <p:cTn id="15" fill="hold">
+                      <p:stCondLst>
+                        <p:cond delay="indefinite"/>
+                      </p:stCondLst>
+                      <p:childTnLst>
+                        <p:par>
+                          <p:cTn id="16" fill="hold">
+                            <p:stCondLst>
+                              <p:cond delay="0"/>
+                            </p:stCondLst>
+                            <p:childTnLst>
+                              <p:par>
+                                <p:cTn id="17" presetID="1" presetClass="entr" presetSubtype="0" fill="hold" grpId="0" nodeType="clickEffect">
+                                  <p:stCondLst>
+                                    <p:cond delay="0"/>
+                                  </p:stCondLst>
+                                  <p:childTnLst>
+                                    <p:set>
+                                      <p:cBhvr>
+                                        <p:cTn id="18" dur="1" fill="hold">
+                                          <p:stCondLst>
+                                            <p:cond delay="0"/>
+                                          </p:stCondLst>
+                                        </p:cTn>
+                                        <p:tgtEl>
+                                          <p:spTgt spid="3">
+                                            <p:txEl>
+                                              <p:pRg st="3" end="3"/>
+                                            </p:txEl>
+                                          </p:spTgt>
+                                        </p:tgtEl>
+                                        <p:attrNameLst>
+                                          <p:attrName>style.visibility</p:attrName>
+                                        </p:attrNameLst>
+                                      </p:cBhvr>
+                                      <p:to>
+                                        <p:strVal val="visible"/>
+                                      </p:to>
+                                    </p:set>
+                                  </p:childTnLst>
+                                </p:cTn>
+                              </p:par>
+                            </p:childTnLst>
+                          </p:cTn>
+                        </p:par>
+                      </p:childTnLst>
+                    </p:cTn>
+                  </p:par>
+                </p:childTnLst>
+              </p:cTn>
+              <p:prevCondLst>
+                <p:cond evt="onPrev" delay="0">
+                  <p:tgtEl>
+                    <p:sldTgt/>
+                  </p:tgtEl>
+                </p:cond>
+              </p:prevCondLst>
+              <p:nextCondLst>
+                <p:cond evt="onNext" delay="0">
+                  <p:tgtEl>
+                    <p:sldTgt/>
+                  </p:tgtEl>
+                </p:cond>
+              </p:nextCondLst>
+            </p:seq>
+          </p:childTnLst>
+        </p:cTn>
+      </p:par>
+    </p:tnLst>
+    <p:bldLst>
+      <p:bldP spid="3" grpId="0" build="p"/>
+    </p:bldLst>
+  </p:timing>
 </p:sld>
 </file>
 
@@ -12354,6 +15846,186 @@
   <p:clrMapOvr>
     <a:masterClrMapping/>
   </p:clrMapOvr>
+  <p:timing>
+    <p:tnLst>
+      <p:par>
+        <p:cTn id="1" dur="indefinite" restart="never" nodeType="tmRoot">
+          <p:childTnLst>
+            <p:seq concurrent="1" nextAc="seek">
+              <p:cTn id="2" dur="indefinite" nodeType="mainSeq">
+                <p:childTnLst>
+                  <p:par>
+                    <p:cTn id="3" fill="hold">
+                      <p:stCondLst>
+                        <p:cond delay="indefinite"/>
+                      </p:stCondLst>
+                      <p:childTnLst>
+                        <p:par>
+                          <p:cTn id="4" fill="hold">
+                            <p:stCondLst>
+                              <p:cond delay="0"/>
+                            </p:stCondLst>
+                            <p:childTnLst>
+                              <p:par>
+                                <p:cTn id="5" presetID="1" presetClass="entr" presetSubtype="0" fill="hold" grpId="0" nodeType="clickEffect">
+                                  <p:stCondLst>
+                                    <p:cond delay="0"/>
+                                  </p:stCondLst>
+                                  <p:childTnLst>
+                                    <p:set>
+                                      <p:cBhvr>
+                                        <p:cTn id="6" dur="1" fill="hold">
+                                          <p:stCondLst>
+                                            <p:cond delay="0"/>
+                                          </p:stCondLst>
+                                        </p:cTn>
+                                        <p:tgtEl>
+                                          <p:spTgt spid="3">
+                                            <p:txEl>
+                                              <p:pRg st="0" end="0"/>
+                                            </p:txEl>
+                                          </p:spTgt>
+                                        </p:tgtEl>
+                                        <p:attrNameLst>
+                                          <p:attrName>style.visibility</p:attrName>
+                                        </p:attrNameLst>
+                                      </p:cBhvr>
+                                      <p:to>
+                                        <p:strVal val="visible"/>
+                                      </p:to>
+                                    </p:set>
+                                  </p:childTnLst>
+                                </p:cTn>
+                              </p:par>
+                            </p:childTnLst>
+                          </p:cTn>
+                        </p:par>
+                      </p:childTnLst>
+                    </p:cTn>
+                  </p:par>
+                  <p:par>
+                    <p:cTn id="7" fill="hold">
+                      <p:stCondLst>
+                        <p:cond delay="indefinite"/>
+                      </p:stCondLst>
+                      <p:childTnLst>
+                        <p:par>
+                          <p:cTn id="8" fill="hold">
+                            <p:stCondLst>
+                              <p:cond delay="0"/>
+                            </p:stCondLst>
+                            <p:childTnLst>
+                              <p:par>
+                                <p:cTn id="9" presetID="1" presetClass="entr" presetSubtype="0" fill="hold" grpId="0" nodeType="clickEffect">
+                                  <p:stCondLst>
+                                    <p:cond delay="0"/>
+                                  </p:stCondLst>
+                                  <p:childTnLst>
+                                    <p:set>
+                                      <p:cBhvr>
+                                        <p:cTn id="10" dur="1" fill="hold">
+                                          <p:stCondLst>
+                                            <p:cond delay="0"/>
+                                          </p:stCondLst>
+                                        </p:cTn>
+                                        <p:tgtEl>
+                                          <p:spTgt spid="3">
+                                            <p:txEl>
+                                              <p:pRg st="1" end="1"/>
+                                            </p:txEl>
+                                          </p:spTgt>
+                                        </p:tgtEl>
+                                        <p:attrNameLst>
+                                          <p:attrName>style.visibility</p:attrName>
+                                        </p:attrNameLst>
+                                      </p:cBhvr>
+                                      <p:to>
+                                        <p:strVal val="visible"/>
+                                      </p:to>
+                                    </p:set>
+                                  </p:childTnLst>
+                                </p:cTn>
+                              </p:par>
+                            </p:childTnLst>
+                          </p:cTn>
+                        </p:par>
+                      </p:childTnLst>
+                    </p:cTn>
+                  </p:par>
+                  <p:par>
+                    <p:cTn id="11" fill="hold">
+                      <p:stCondLst>
+                        <p:cond delay="indefinite"/>
+                      </p:stCondLst>
+                      <p:childTnLst>
+                        <p:par>
+                          <p:cTn id="12" fill="hold">
+                            <p:stCondLst>
+                              <p:cond delay="0"/>
+                            </p:stCondLst>
+                            <p:childTnLst>
+                              <p:par>
+                                <p:cTn id="13" presetID="1" presetClass="entr" presetSubtype="0" fill="hold" grpId="0" nodeType="clickEffect">
+                                  <p:stCondLst>
+                                    <p:cond delay="0"/>
+                                  </p:stCondLst>
+                                  <p:childTnLst>
+                                    <p:set>
+                                      <p:cBhvr>
+                                        <p:cTn id="14" dur="1" fill="hold">
+                                          <p:stCondLst>
+                                            <p:cond delay="0"/>
+                                          </p:stCondLst>
+                                        </p:cTn>
+                                        <p:tgtEl>
+                                          <p:spTgt spid="3">
+                                            <p:txEl>
+                                              <p:pRg st="2" end="2"/>
+                                            </p:txEl>
+                                          </p:spTgt>
+                                        </p:tgtEl>
+                                        <p:attrNameLst>
+                                          <p:attrName>style.visibility</p:attrName>
+                                        </p:attrNameLst>
+                                      </p:cBhvr>
+                                      <p:to>
+                                        <p:strVal val="visible"/>
+                                      </p:to>
+                                    </p:set>
+                                  </p:childTnLst>
+                                </p:cTn>
+                              </p:par>
+                            </p:childTnLst>
+                          </p:cTn>
+                        </p:par>
+                      </p:childTnLst>
+                    </p:cTn>
+                  </p:par>
+                </p:childTnLst>
+              </p:cTn>
+              <p:prevCondLst>
+                <p:cond evt="onPrev" delay="0">
+                  <p:tgtEl>
+                    <p:sldTgt/>
+                  </p:tgtEl>
+                </p:cond>
+              </p:prevCondLst>
+              <p:nextCondLst>
+                <p:cond evt="onNext" delay="0">
+                  <p:tgtEl>
+                    <p:sldTgt/>
+                  </p:tgtEl>
+                </p:cond>
+              </p:nextCondLst>
+            </p:seq>
+          </p:childTnLst>
+        </p:cTn>
+      </p:par>
+    </p:tnLst>
+    <p:bldLst>
+      <p:bldP spid="3" grpId="0" build="p"/>
+    </p:bldLst>
+  </p:timing>
 </p:sld>
 </file>
 

--- a/presentation.pptx
+++ b/presentation.pptx
@@ -5,37 +5,40 @@
     <p:sldMasterId id="2147483648" r:id="rId1"/>
   </p:sldMasterIdLst>
   <p:notesMasterIdLst>
-    <p:notesMasterId r:id="rId30"/>
+    <p:notesMasterId r:id="rId33"/>
   </p:notesMasterIdLst>
   <p:sldIdLst>
     <p:sldId id="256" r:id="rId2"/>
     <p:sldId id="257" r:id="rId3"/>
-    <p:sldId id="258" r:id="rId4"/>
-    <p:sldId id="259" r:id="rId5"/>
-    <p:sldId id="260" r:id="rId6"/>
-    <p:sldId id="262" r:id="rId7"/>
-    <p:sldId id="263" r:id="rId8"/>
-    <p:sldId id="266" r:id="rId9"/>
-    <p:sldId id="280" r:id="rId10"/>
-    <p:sldId id="281" r:id="rId11"/>
-    <p:sldId id="282" r:id="rId12"/>
-    <p:sldId id="283" r:id="rId13"/>
-    <p:sldId id="289" r:id="rId14"/>
-    <p:sldId id="269" r:id="rId15"/>
-    <p:sldId id="284" r:id="rId16"/>
-    <p:sldId id="271" r:id="rId17"/>
-    <p:sldId id="287" r:id="rId18"/>
-    <p:sldId id="274" r:id="rId19"/>
-    <p:sldId id="290" r:id="rId20"/>
-    <p:sldId id="292" r:id="rId21"/>
-    <p:sldId id="291" r:id="rId22"/>
-    <p:sldId id="285" r:id="rId23"/>
-    <p:sldId id="276" r:id="rId24"/>
-    <p:sldId id="277" r:id="rId25"/>
-    <p:sldId id="278" r:id="rId26"/>
-    <p:sldId id="279" r:id="rId27"/>
-    <p:sldId id="286" r:id="rId28"/>
-    <p:sldId id="288" r:id="rId29"/>
+    <p:sldId id="295" r:id="rId4"/>
+    <p:sldId id="294" r:id="rId5"/>
+    <p:sldId id="293" r:id="rId6"/>
+    <p:sldId id="258" r:id="rId7"/>
+    <p:sldId id="259" r:id="rId8"/>
+    <p:sldId id="260" r:id="rId9"/>
+    <p:sldId id="262" r:id="rId10"/>
+    <p:sldId id="263" r:id="rId11"/>
+    <p:sldId id="266" r:id="rId12"/>
+    <p:sldId id="280" r:id="rId13"/>
+    <p:sldId id="281" r:id="rId14"/>
+    <p:sldId id="282" r:id="rId15"/>
+    <p:sldId id="283" r:id="rId16"/>
+    <p:sldId id="289" r:id="rId17"/>
+    <p:sldId id="269" r:id="rId18"/>
+    <p:sldId id="284" r:id="rId19"/>
+    <p:sldId id="271" r:id="rId20"/>
+    <p:sldId id="287" r:id="rId21"/>
+    <p:sldId id="274" r:id="rId22"/>
+    <p:sldId id="290" r:id="rId23"/>
+    <p:sldId id="292" r:id="rId24"/>
+    <p:sldId id="291" r:id="rId25"/>
+    <p:sldId id="285" r:id="rId26"/>
+    <p:sldId id="276" r:id="rId27"/>
+    <p:sldId id="277" r:id="rId28"/>
+    <p:sldId id="278" r:id="rId29"/>
+    <p:sldId id="279" r:id="rId30"/>
+    <p:sldId id="286" r:id="rId31"/>
+    <p:sldId id="288" r:id="rId32"/>
   </p:sldIdLst>
   <p:sldSz cx="12192000" cy="6858000"/>
   <p:notesSz cx="6858000" cy="9144000"/>
@@ -224,7 +227,7 @@
           <a:p>
             <a:fld id="{0242C2D0-5B37-4148-B679-B1E62C82A485}" type="datetimeFigureOut">
               <a:rPr lang="en-GB" smtClean="0"/>
-              <a:t>04/04/2022</a:t>
+              <a:t>05/04/2022</a:t>
             </a:fld>
             <a:endParaRPr lang="en-GB"/>
           </a:p>
@@ -641,7 +644,7 @@
           <a:p>
             <a:fld id="{77B73E64-E8C8-441E-A2EF-26309BCA6DAE}" type="datetimeFigureOut">
               <a:rPr lang="en-GB" smtClean="0"/>
-              <a:t>04/04/2022</a:t>
+              <a:t>05/04/2022</a:t>
             </a:fld>
             <a:endParaRPr lang="en-GB"/>
           </a:p>
@@ -841,7 +844,7 @@
           <a:p>
             <a:fld id="{77B73E64-E8C8-441E-A2EF-26309BCA6DAE}" type="datetimeFigureOut">
               <a:rPr lang="en-GB" smtClean="0"/>
-              <a:t>04/04/2022</a:t>
+              <a:t>05/04/2022</a:t>
             </a:fld>
             <a:endParaRPr lang="en-GB"/>
           </a:p>
@@ -1051,7 +1054,7 @@
           <a:p>
             <a:fld id="{77B73E64-E8C8-441E-A2EF-26309BCA6DAE}" type="datetimeFigureOut">
               <a:rPr lang="en-GB" smtClean="0"/>
-              <a:t>04/04/2022</a:t>
+              <a:t>05/04/2022</a:t>
             </a:fld>
             <a:endParaRPr lang="en-GB"/>
           </a:p>
@@ -1251,7 +1254,7 @@
           <a:p>
             <a:fld id="{77B73E64-E8C8-441E-A2EF-26309BCA6DAE}" type="datetimeFigureOut">
               <a:rPr lang="en-GB" smtClean="0"/>
-              <a:t>04/04/2022</a:t>
+              <a:t>05/04/2022</a:t>
             </a:fld>
             <a:endParaRPr lang="en-GB"/>
           </a:p>
@@ -1527,7 +1530,7 @@
           <a:p>
             <a:fld id="{77B73E64-E8C8-441E-A2EF-26309BCA6DAE}" type="datetimeFigureOut">
               <a:rPr lang="en-GB" smtClean="0"/>
-              <a:t>04/04/2022</a:t>
+              <a:t>05/04/2022</a:t>
             </a:fld>
             <a:endParaRPr lang="en-GB"/>
           </a:p>
@@ -1795,7 +1798,7 @@
           <a:p>
             <a:fld id="{77B73E64-E8C8-441E-A2EF-26309BCA6DAE}" type="datetimeFigureOut">
               <a:rPr lang="en-GB" smtClean="0"/>
-              <a:t>04/04/2022</a:t>
+              <a:t>05/04/2022</a:t>
             </a:fld>
             <a:endParaRPr lang="en-GB"/>
           </a:p>
@@ -2210,7 +2213,7 @@
           <a:p>
             <a:fld id="{77B73E64-E8C8-441E-A2EF-26309BCA6DAE}" type="datetimeFigureOut">
               <a:rPr lang="en-GB" smtClean="0"/>
-              <a:t>04/04/2022</a:t>
+              <a:t>05/04/2022</a:t>
             </a:fld>
             <a:endParaRPr lang="en-GB"/>
           </a:p>
@@ -2352,7 +2355,7 @@
           <a:p>
             <a:fld id="{77B73E64-E8C8-441E-A2EF-26309BCA6DAE}" type="datetimeFigureOut">
               <a:rPr lang="en-GB" smtClean="0"/>
-              <a:t>04/04/2022</a:t>
+              <a:t>05/04/2022</a:t>
             </a:fld>
             <a:endParaRPr lang="en-GB"/>
           </a:p>
@@ -2465,7 +2468,7 @@
           <a:p>
             <a:fld id="{77B73E64-E8C8-441E-A2EF-26309BCA6DAE}" type="datetimeFigureOut">
               <a:rPr lang="en-GB" smtClean="0"/>
-              <a:t>04/04/2022</a:t>
+              <a:t>05/04/2022</a:t>
             </a:fld>
             <a:endParaRPr lang="en-GB"/>
           </a:p>
@@ -2778,7 +2781,7 @@
           <a:p>
             <a:fld id="{77B73E64-E8C8-441E-A2EF-26309BCA6DAE}" type="datetimeFigureOut">
               <a:rPr lang="en-GB" smtClean="0"/>
-              <a:t>04/04/2022</a:t>
+              <a:t>05/04/2022</a:t>
             </a:fld>
             <a:endParaRPr lang="en-GB"/>
           </a:p>
@@ -3067,7 +3070,7 @@
           <a:p>
             <a:fld id="{77B73E64-E8C8-441E-A2EF-26309BCA6DAE}" type="datetimeFigureOut">
               <a:rPr lang="en-GB" smtClean="0"/>
-              <a:t>04/04/2022</a:t>
+              <a:t>05/04/2022</a:t>
             </a:fld>
             <a:endParaRPr lang="en-GB"/>
           </a:p>
@@ -3310,7 +3313,7 @@
           <a:p>
             <a:fld id="{77B73E64-E8C8-441E-A2EF-26309BCA6DAE}" type="datetimeFigureOut">
               <a:rPr lang="en-GB" smtClean="0"/>
-              <a:t>04/04/2022</a:t>
+              <a:t>05/04/2022</a:t>
             </a:fld>
             <a:endParaRPr lang="en-GB"/>
           </a:p>
@@ -3797,6 +3800,1210 @@
 </file>
 
 <file path=ppt/slides/slide10.xml><?xml version="1.0" encoding="utf-8"?>
+<p:sld xmlns:a="http://schemas.openxmlformats.org/drawingml/2006/main" xmlns:r="http://schemas.openxmlformats.org/officeDocument/2006/relationships" xmlns:p="http://schemas.openxmlformats.org/presentationml/2006/main">
+  <p:cSld>
+    <p:spTree>
+      <p:nvGrpSpPr>
+        <p:cNvPr id="1" name=""/>
+        <p:cNvGrpSpPr/>
+        <p:nvPr/>
+      </p:nvGrpSpPr>
+      <p:grpSpPr>
+        <a:xfrm>
+          <a:off x="0" y="0"/>
+          <a:ext cx="0" cy="0"/>
+          <a:chOff x="0" y="0"/>
+          <a:chExt cx="0" cy="0"/>
+        </a:xfrm>
+      </p:grpSpPr>
+      <p:sp>
+        <p:nvSpPr>
+          <p:cNvPr id="2" name="Title 1">
+            <a:extLst>
+              <a:ext uri="{FF2B5EF4-FFF2-40B4-BE49-F238E27FC236}">
+                <a16:creationId xmlns:a16="http://schemas.microsoft.com/office/drawing/2014/main" id="{C40F7BD0-BF36-4E4C-A2C2-3E8588ACC67F}"/>
+              </a:ext>
+            </a:extLst>
+          </p:cNvPr>
+          <p:cNvSpPr>
+            <a:spLocks noGrp="1"/>
+          </p:cNvSpPr>
+          <p:nvPr>
+            <p:ph type="title"/>
+          </p:nvPr>
+        </p:nvSpPr>
+        <p:spPr/>
+        <p:txBody>
+          <a:bodyPr/>
+          <a:lstStyle/>
+          <a:p>
+            <a:r>
+              <a:rPr lang="en-GB" dirty="0"/>
+              <a:t>The problem</a:t>
+            </a:r>
+          </a:p>
+        </p:txBody>
+      </p:sp>
+      <p:sp>
+        <p:nvSpPr>
+          <p:cNvPr id="3" name="Content Placeholder 2">
+            <a:extLst>
+              <a:ext uri="{FF2B5EF4-FFF2-40B4-BE49-F238E27FC236}">
+                <a16:creationId xmlns:a16="http://schemas.microsoft.com/office/drawing/2014/main" id="{9B1A691A-D0BC-42B4-B8AF-0EA0B57C0BFB}"/>
+              </a:ext>
+            </a:extLst>
+          </p:cNvPr>
+          <p:cNvSpPr>
+            <a:spLocks noGrp="1"/>
+          </p:cNvSpPr>
+          <p:nvPr>
+            <p:ph idx="1"/>
+          </p:nvPr>
+        </p:nvSpPr>
+        <p:spPr/>
+        <p:txBody>
+          <a:bodyPr/>
+          <a:lstStyle/>
+          <a:p>
+            <a:r>
+              <a:rPr lang="en-GB" dirty="0"/>
+              <a:t>Snow leopards inhabit areas with low average temperatures, often below freezing</a:t>
+            </a:r>
+          </a:p>
+          <a:p>
+            <a:r>
+              <a:rPr lang="en-GB" dirty="0"/>
+              <a:t>This could preserve droppings, allowing them to remain detectable after the snow leopard that produced it has left the area</a:t>
+            </a:r>
+          </a:p>
+          <a:p>
+            <a:r>
+              <a:rPr lang="en-GB" dirty="0"/>
+              <a:t>An estimate based on droppings may therefore be significantly biased</a:t>
+            </a:r>
+          </a:p>
+          <a:p>
+            <a:r>
+              <a:rPr lang="en-GB" dirty="0"/>
+              <a:t>My work has focused on exploring this problem through simulation studies</a:t>
+            </a:r>
+          </a:p>
+        </p:txBody>
+      </p:sp>
+    </p:spTree>
+    <p:extLst>
+      <p:ext uri="{BB962C8B-B14F-4D97-AF65-F5344CB8AC3E}">
+        <p14:creationId xmlns:p14="http://schemas.microsoft.com/office/powerpoint/2010/main" val="1476130020"/>
+      </p:ext>
+    </p:extLst>
+  </p:cSld>
+  <p:clrMapOvr>
+    <a:masterClrMapping/>
+  </p:clrMapOvr>
+  <p:timing>
+    <p:tnLst>
+      <p:par>
+        <p:cTn id="1" dur="indefinite" restart="never" nodeType="tmRoot">
+          <p:childTnLst>
+            <p:seq concurrent="1" nextAc="seek">
+              <p:cTn id="2" dur="indefinite" nodeType="mainSeq">
+                <p:childTnLst>
+                  <p:par>
+                    <p:cTn id="3" fill="hold">
+                      <p:stCondLst>
+                        <p:cond delay="indefinite"/>
+                      </p:stCondLst>
+                      <p:childTnLst>
+                        <p:par>
+                          <p:cTn id="4" fill="hold">
+                            <p:stCondLst>
+                              <p:cond delay="0"/>
+                            </p:stCondLst>
+                            <p:childTnLst>
+                              <p:par>
+                                <p:cTn id="5" presetID="1" presetClass="entr" presetSubtype="0" fill="hold" grpId="0" nodeType="clickEffect">
+                                  <p:stCondLst>
+                                    <p:cond delay="0"/>
+                                  </p:stCondLst>
+                                  <p:childTnLst>
+                                    <p:set>
+                                      <p:cBhvr>
+                                        <p:cTn id="6" dur="1" fill="hold">
+                                          <p:stCondLst>
+                                            <p:cond delay="0"/>
+                                          </p:stCondLst>
+                                        </p:cTn>
+                                        <p:tgtEl>
+                                          <p:spTgt spid="3">
+                                            <p:txEl>
+                                              <p:pRg st="0" end="0"/>
+                                            </p:txEl>
+                                          </p:spTgt>
+                                        </p:tgtEl>
+                                        <p:attrNameLst>
+                                          <p:attrName>style.visibility</p:attrName>
+                                        </p:attrNameLst>
+                                      </p:cBhvr>
+                                      <p:to>
+                                        <p:strVal val="visible"/>
+                                      </p:to>
+                                    </p:set>
+                                  </p:childTnLst>
+                                </p:cTn>
+                              </p:par>
+                            </p:childTnLst>
+                          </p:cTn>
+                        </p:par>
+                      </p:childTnLst>
+                    </p:cTn>
+                  </p:par>
+                  <p:par>
+                    <p:cTn id="7" fill="hold">
+                      <p:stCondLst>
+                        <p:cond delay="indefinite"/>
+                      </p:stCondLst>
+                      <p:childTnLst>
+                        <p:par>
+                          <p:cTn id="8" fill="hold">
+                            <p:stCondLst>
+                              <p:cond delay="0"/>
+                            </p:stCondLst>
+                            <p:childTnLst>
+                              <p:par>
+                                <p:cTn id="9" presetID="1" presetClass="entr" presetSubtype="0" fill="hold" grpId="0" nodeType="clickEffect">
+                                  <p:stCondLst>
+                                    <p:cond delay="0"/>
+                                  </p:stCondLst>
+                                  <p:childTnLst>
+                                    <p:set>
+                                      <p:cBhvr>
+                                        <p:cTn id="10" dur="1" fill="hold">
+                                          <p:stCondLst>
+                                            <p:cond delay="0"/>
+                                          </p:stCondLst>
+                                        </p:cTn>
+                                        <p:tgtEl>
+                                          <p:spTgt spid="3">
+                                            <p:txEl>
+                                              <p:pRg st="1" end="1"/>
+                                            </p:txEl>
+                                          </p:spTgt>
+                                        </p:tgtEl>
+                                        <p:attrNameLst>
+                                          <p:attrName>style.visibility</p:attrName>
+                                        </p:attrNameLst>
+                                      </p:cBhvr>
+                                      <p:to>
+                                        <p:strVal val="visible"/>
+                                      </p:to>
+                                    </p:set>
+                                  </p:childTnLst>
+                                </p:cTn>
+                              </p:par>
+                            </p:childTnLst>
+                          </p:cTn>
+                        </p:par>
+                      </p:childTnLst>
+                    </p:cTn>
+                  </p:par>
+                  <p:par>
+                    <p:cTn id="11" fill="hold">
+                      <p:stCondLst>
+                        <p:cond delay="indefinite"/>
+                      </p:stCondLst>
+                      <p:childTnLst>
+                        <p:par>
+                          <p:cTn id="12" fill="hold">
+                            <p:stCondLst>
+                              <p:cond delay="0"/>
+                            </p:stCondLst>
+                            <p:childTnLst>
+                              <p:par>
+                                <p:cTn id="13" presetID="1" presetClass="entr" presetSubtype="0" fill="hold" grpId="0" nodeType="clickEffect">
+                                  <p:stCondLst>
+                                    <p:cond delay="0"/>
+                                  </p:stCondLst>
+                                  <p:childTnLst>
+                                    <p:set>
+                                      <p:cBhvr>
+                                        <p:cTn id="14" dur="1" fill="hold">
+                                          <p:stCondLst>
+                                            <p:cond delay="0"/>
+                                          </p:stCondLst>
+                                        </p:cTn>
+                                        <p:tgtEl>
+                                          <p:spTgt spid="3">
+                                            <p:txEl>
+                                              <p:pRg st="2" end="2"/>
+                                            </p:txEl>
+                                          </p:spTgt>
+                                        </p:tgtEl>
+                                        <p:attrNameLst>
+                                          <p:attrName>style.visibility</p:attrName>
+                                        </p:attrNameLst>
+                                      </p:cBhvr>
+                                      <p:to>
+                                        <p:strVal val="visible"/>
+                                      </p:to>
+                                    </p:set>
+                                  </p:childTnLst>
+                                </p:cTn>
+                              </p:par>
+                            </p:childTnLst>
+                          </p:cTn>
+                        </p:par>
+                      </p:childTnLst>
+                    </p:cTn>
+                  </p:par>
+                  <p:par>
+                    <p:cTn id="15" fill="hold">
+                      <p:stCondLst>
+                        <p:cond delay="indefinite"/>
+                      </p:stCondLst>
+                      <p:childTnLst>
+                        <p:par>
+                          <p:cTn id="16" fill="hold">
+                            <p:stCondLst>
+                              <p:cond delay="0"/>
+                            </p:stCondLst>
+                            <p:childTnLst>
+                              <p:par>
+                                <p:cTn id="17" presetID="1" presetClass="entr" presetSubtype="0" fill="hold" grpId="0" nodeType="clickEffect">
+                                  <p:stCondLst>
+                                    <p:cond delay="0"/>
+                                  </p:stCondLst>
+                                  <p:childTnLst>
+                                    <p:set>
+                                      <p:cBhvr>
+                                        <p:cTn id="18" dur="1" fill="hold">
+                                          <p:stCondLst>
+                                            <p:cond delay="0"/>
+                                          </p:stCondLst>
+                                        </p:cTn>
+                                        <p:tgtEl>
+                                          <p:spTgt spid="3">
+                                            <p:txEl>
+                                              <p:pRg st="3" end="3"/>
+                                            </p:txEl>
+                                          </p:spTgt>
+                                        </p:tgtEl>
+                                        <p:attrNameLst>
+                                          <p:attrName>style.visibility</p:attrName>
+                                        </p:attrNameLst>
+                                      </p:cBhvr>
+                                      <p:to>
+                                        <p:strVal val="visible"/>
+                                      </p:to>
+                                    </p:set>
+                                  </p:childTnLst>
+                                </p:cTn>
+                              </p:par>
+                            </p:childTnLst>
+                          </p:cTn>
+                        </p:par>
+                      </p:childTnLst>
+                    </p:cTn>
+                  </p:par>
+                </p:childTnLst>
+              </p:cTn>
+              <p:prevCondLst>
+                <p:cond evt="onPrev" delay="0">
+                  <p:tgtEl>
+                    <p:sldTgt/>
+                  </p:tgtEl>
+                </p:cond>
+              </p:prevCondLst>
+              <p:nextCondLst>
+                <p:cond evt="onNext" delay="0">
+                  <p:tgtEl>
+                    <p:sldTgt/>
+                  </p:tgtEl>
+                </p:cond>
+              </p:nextCondLst>
+            </p:seq>
+          </p:childTnLst>
+        </p:cTn>
+      </p:par>
+    </p:tnLst>
+    <p:bldLst>
+      <p:bldP spid="3" grpId="0" build="p"/>
+    </p:bldLst>
+  </p:timing>
+</p:sld>
+</file>
+
+<file path=ppt/slides/slide11.xml><?xml version="1.0" encoding="utf-8"?>
+<p:sld xmlns:a="http://schemas.openxmlformats.org/drawingml/2006/main" xmlns:r="http://schemas.openxmlformats.org/officeDocument/2006/relationships" xmlns:p="http://schemas.openxmlformats.org/presentationml/2006/main">
+  <p:cSld>
+    <p:spTree>
+      <p:nvGrpSpPr>
+        <p:cNvPr id="1" name=""/>
+        <p:cNvGrpSpPr/>
+        <p:nvPr/>
+      </p:nvGrpSpPr>
+      <p:grpSpPr>
+        <a:xfrm>
+          <a:off x="0" y="0"/>
+          <a:ext cx="0" cy="0"/>
+          <a:chOff x="0" y="0"/>
+          <a:chExt cx="0" cy="0"/>
+        </a:xfrm>
+      </p:grpSpPr>
+      <p:sp>
+        <p:nvSpPr>
+          <p:cNvPr id="2" name="Title 1">
+            <a:extLst>
+              <a:ext uri="{FF2B5EF4-FFF2-40B4-BE49-F238E27FC236}">
+                <a16:creationId xmlns:a16="http://schemas.microsoft.com/office/drawing/2014/main" id="{E53155E4-4FB5-4EEE-A7BB-F5E41038F3BE}"/>
+              </a:ext>
+            </a:extLst>
+          </p:cNvPr>
+          <p:cNvSpPr>
+            <a:spLocks noGrp="1"/>
+          </p:cNvSpPr>
+          <p:nvPr>
+            <p:ph type="title"/>
+          </p:nvPr>
+        </p:nvSpPr>
+        <p:spPr/>
+        <p:txBody>
+          <a:bodyPr/>
+          <a:lstStyle/>
+          <a:p>
+            <a:r>
+              <a:rPr lang="en-GB" dirty="0"/>
+              <a:t>Population Simulation</a:t>
+            </a:r>
+          </a:p>
+        </p:txBody>
+      </p:sp>
+      <p:sp>
+        <p:nvSpPr>
+          <p:cNvPr id="3" name="Content Placeholder 2">
+            <a:extLst>
+              <a:ext uri="{FF2B5EF4-FFF2-40B4-BE49-F238E27FC236}">
+                <a16:creationId xmlns:a16="http://schemas.microsoft.com/office/drawing/2014/main" id="{DD652D26-D5FB-4E26-B1C4-99A65AF39024}"/>
+              </a:ext>
+            </a:extLst>
+          </p:cNvPr>
+          <p:cNvSpPr>
+            <a:spLocks noGrp="1"/>
+          </p:cNvSpPr>
+          <p:nvPr>
+            <p:ph idx="1"/>
+          </p:nvPr>
+        </p:nvSpPr>
+        <p:spPr/>
+        <p:txBody>
+          <a:bodyPr>
+            <a:normAutofit/>
+          </a:bodyPr>
+          <a:lstStyle/>
+          <a:p>
+            <a:r>
+              <a:rPr lang="en-GB" dirty="0"/>
+              <a:t>The population model is based on queuing theory</a:t>
+            </a:r>
+          </a:p>
+          <a:p>
+            <a:r>
+              <a:rPr lang="en-GB" dirty="0"/>
+              <a:t>We start with a population of zero, then simulate animals arriving and leaving randomly</a:t>
+            </a:r>
+          </a:p>
+          <a:p>
+            <a:r>
+              <a:rPr lang="en-GB" dirty="0"/>
+              <a:t>We start by drawing interarrival times from some distribution</a:t>
+            </a:r>
+          </a:p>
+        </p:txBody>
+      </p:sp>
+    </p:spTree>
+    <p:extLst>
+      <p:ext uri="{BB962C8B-B14F-4D97-AF65-F5344CB8AC3E}">
+        <p14:creationId xmlns:p14="http://schemas.microsoft.com/office/powerpoint/2010/main" val="3906196949"/>
+      </p:ext>
+    </p:extLst>
+  </p:cSld>
+  <p:clrMapOvr>
+    <a:masterClrMapping/>
+  </p:clrMapOvr>
+  <p:timing>
+    <p:tnLst>
+      <p:par>
+        <p:cTn id="1" dur="indefinite" restart="never" nodeType="tmRoot">
+          <p:childTnLst>
+            <p:seq concurrent="1" nextAc="seek">
+              <p:cTn id="2" dur="indefinite" nodeType="mainSeq">
+                <p:childTnLst>
+                  <p:par>
+                    <p:cTn id="3" fill="hold">
+                      <p:stCondLst>
+                        <p:cond delay="indefinite"/>
+                      </p:stCondLst>
+                      <p:childTnLst>
+                        <p:par>
+                          <p:cTn id="4" fill="hold">
+                            <p:stCondLst>
+                              <p:cond delay="0"/>
+                            </p:stCondLst>
+                            <p:childTnLst>
+                              <p:par>
+                                <p:cTn id="5" presetID="1" presetClass="entr" presetSubtype="0" fill="hold" grpId="0" nodeType="clickEffect">
+                                  <p:stCondLst>
+                                    <p:cond delay="0"/>
+                                  </p:stCondLst>
+                                  <p:childTnLst>
+                                    <p:set>
+                                      <p:cBhvr>
+                                        <p:cTn id="6" dur="1" fill="hold">
+                                          <p:stCondLst>
+                                            <p:cond delay="0"/>
+                                          </p:stCondLst>
+                                        </p:cTn>
+                                        <p:tgtEl>
+                                          <p:spTgt spid="3">
+                                            <p:txEl>
+                                              <p:pRg st="0" end="0"/>
+                                            </p:txEl>
+                                          </p:spTgt>
+                                        </p:tgtEl>
+                                        <p:attrNameLst>
+                                          <p:attrName>style.visibility</p:attrName>
+                                        </p:attrNameLst>
+                                      </p:cBhvr>
+                                      <p:to>
+                                        <p:strVal val="visible"/>
+                                      </p:to>
+                                    </p:set>
+                                  </p:childTnLst>
+                                </p:cTn>
+                              </p:par>
+                            </p:childTnLst>
+                          </p:cTn>
+                        </p:par>
+                      </p:childTnLst>
+                    </p:cTn>
+                  </p:par>
+                  <p:par>
+                    <p:cTn id="7" fill="hold">
+                      <p:stCondLst>
+                        <p:cond delay="indefinite"/>
+                      </p:stCondLst>
+                      <p:childTnLst>
+                        <p:par>
+                          <p:cTn id="8" fill="hold">
+                            <p:stCondLst>
+                              <p:cond delay="0"/>
+                            </p:stCondLst>
+                            <p:childTnLst>
+                              <p:par>
+                                <p:cTn id="9" presetID="1" presetClass="entr" presetSubtype="0" fill="hold" grpId="0" nodeType="clickEffect">
+                                  <p:stCondLst>
+                                    <p:cond delay="0"/>
+                                  </p:stCondLst>
+                                  <p:childTnLst>
+                                    <p:set>
+                                      <p:cBhvr>
+                                        <p:cTn id="10" dur="1" fill="hold">
+                                          <p:stCondLst>
+                                            <p:cond delay="0"/>
+                                          </p:stCondLst>
+                                        </p:cTn>
+                                        <p:tgtEl>
+                                          <p:spTgt spid="3">
+                                            <p:txEl>
+                                              <p:pRg st="1" end="1"/>
+                                            </p:txEl>
+                                          </p:spTgt>
+                                        </p:tgtEl>
+                                        <p:attrNameLst>
+                                          <p:attrName>style.visibility</p:attrName>
+                                        </p:attrNameLst>
+                                      </p:cBhvr>
+                                      <p:to>
+                                        <p:strVal val="visible"/>
+                                      </p:to>
+                                    </p:set>
+                                  </p:childTnLst>
+                                </p:cTn>
+                              </p:par>
+                            </p:childTnLst>
+                          </p:cTn>
+                        </p:par>
+                      </p:childTnLst>
+                    </p:cTn>
+                  </p:par>
+                  <p:par>
+                    <p:cTn id="11" fill="hold">
+                      <p:stCondLst>
+                        <p:cond delay="indefinite"/>
+                      </p:stCondLst>
+                      <p:childTnLst>
+                        <p:par>
+                          <p:cTn id="12" fill="hold">
+                            <p:stCondLst>
+                              <p:cond delay="0"/>
+                            </p:stCondLst>
+                            <p:childTnLst>
+                              <p:par>
+                                <p:cTn id="13" presetID="1" presetClass="entr" presetSubtype="0" fill="hold" grpId="0" nodeType="clickEffect">
+                                  <p:stCondLst>
+                                    <p:cond delay="0"/>
+                                  </p:stCondLst>
+                                  <p:childTnLst>
+                                    <p:set>
+                                      <p:cBhvr>
+                                        <p:cTn id="14" dur="1" fill="hold">
+                                          <p:stCondLst>
+                                            <p:cond delay="0"/>
+                                          </p:stCondLst>
+                                        </p:cTn>
+                                        <p:tgtEl>
+                                          <p:spTgt spid="3">
+                                            <p:txEl>
+                                              <p:pRg st="2" end="2"/>
+                                            </p:txEl>
+                                          </p:spTgt>
+                                        </p:tgtEl>
+                                        <p:attrNameLst>
+                                          <p:attrName>style.visibility</p:attrName>
+                                        </p:attrNameLst>
+                                      </p:cBhvr>
+                                      <p:to>
+                                        <p:strVal val="visible"/>
+                                      </p:to>
+                                    </p:set>
+                                  </p:childTnLst>
+                                </p:cTn>
+                              </p:par>
+                            </p:childTnLst>
+                          </p:cTn>
+                        </p:par>
+                      </p:childTnLst>
+                    </p:cTn>
+                  </p:par>
+                </p:childTnLst>
+              </p:cTn>
+              <p:prevCondLst>
+                <p:cond evt="onPrev" delay="0">
+                  <p:tgtEl>
+                    <p:sldTgt/>
+                  </p:tgtEl>
+                </p:cond>
+              </p:prevCondLst>
+              <p:nextCondLst>
+                <p:cond evt="onNext" delay="0">
+                  <p:tgtEl>
+                    <p:sldTgt/>
+                  </p:tgtEl>
+                </p:cond>
+              </p:nextCondLst>
+            </p:seq>
+          </p:childTnLst>
+        </p:cTn>
+      </p:par>
+    </p:tnLst>
+    <p:bldLst>
+      <p:bldP spid="3" grpId="0" build="p"/>
+    </p:bldLst>
+  </p:timing>
+</p:sld>
+</file>
+
+<file path=ppt/slides/slide12.xml><?xml version="1.0" encoding="utf-8"?>
+<p:sld xmlns:a="http://schemas.openxmlformats.org/drawingml/2006/main" xmlns:r="http://schemas.openxmlformats.org/officeDocument/2006/relationships" xmlns:p="http://schemas.openxmlformats.org/presentationml/2006/main">
+  <p:cSld>
+    <p:spTree>
+      <p:nvGrpSpPr>
+        <p:cNvPr id="1" name=""/>
+        <p:cNvGrpSpPr/>
+        <p:nvPr/>
+      </p:nvGrpSpPr>
+      <p:grpSpPr>
+        <a:xfrm>
+          <a:off x="0" y="0"/>
+          <a:ext cx="0" cy="0"/>
+          <a:chOff x="0" y="0"/>
+          <a:chExt cx="0" cy="0"/>
+        </a:xfrm>
+      </p:grpSpPr>
+      <p:sp>
+        <p:nvSpPr>
+          <p:cNvPr id="3" name="Oval 2">
+            <a:extLst>
+              <a:ext uri="{FF2B5EF4-FFF2-40B4-BE49-F238E27FC236}">
+                <a16:creationId xmlns:a16="http://schemas.microsoft.com/office/drawing/2014/main" id="{91763058-C0EB-4261-82D8-68B0B8907A55}"/>
+              </a:ext>
+            </a:extLst>
+          </p:cNvPr>
+          <p:cNvSpPr/>
+          <p:nvPr/>
+        </p:nvSpPr>
+        <p:spPr>
+          <a:xfrm>
+            <a:off x="2731896" y="2538663"/>
+            <a:ext cx="900000" cy="900000"/>
+          </a:xfrm>
+          <a:prstGeom prst="ellipse">
+            <a:avLst/>
+          </a:prstGeom>
+          <a:noFill/>
+          <a:ln w="38100">
+            <a:solidFill>
+              <a:schemeClr val="tx1"/>
+            </a:solidFill>
+          </a:ln>
+        </p:spPr>
+        <p:style>
+          <a:lnRef idx="2">
+            <a:schemeClr val="accent1">
+              <a:shade val="50000"/>
+            </a:schemeClr>
+          </a:lnRef>
+          <a:fillRef idx="1">
+            <a:schemeClr val="accent1"/>
+          </a:fillRef>
+          <a:effectRef idx="0">
+            <a:schemeClr val="accent1"/>
+          </a:effectRef>
+          <a:fontRef idx="minor">
+            <a:schemeClr val="lt1"/>
+          </a:fontRef>
+        </p:style>
+        <p:txBody>
+          <a:bodyPr rtlCol="0" anchor="ctr"/>
+          <a:lstStyle/>
+          <a:p>
+            <a:pPr algn="ctr"/>
+            <a:r>
+              <a:rPr lang="en-GB" sz="2800" dirty="0">
+                <a:solidFill>
+                  <a:schemeClr val="tx1"/>
+                </a:solidFill>
+              </a:rPr>
+              <a:t>t</a:t>
+            </a:r>
+            <a:r>
+              <a:rPr lang="en-GB" sz="2800" baseline="-25000" dirty="0">
+                <a:solidFill>
+                  <a:schemeClr val="tx1"/>
+                </a:solidFill>
+              </a:rPr>
+              <a:t>1</a:t>
+            </a:r>
+            <a:endParaRPr lang="en-GB" sz="2800" dirty="0">
+              <a:solidFill>
+                <a:schemeClr val="tx1"/>
+              </a:solidFill>
+            </a:endParaRPr>
+          </a:p>
+        </p:txBody>
+      </p:sp>
+      <p:cxnSp>
+        <p:nvCxnSpPr>
+          <p:cNvPr id="9" name="Straight Arrow Connector 8">
+            <a:extLst>
+              <a:ext uri="{FF2B5EF4-FFF2-40B4-BE49-F238E27FC236}">
+                <a16:creationId xmlns:a16="http://schemas.microsoft.com/office/drawing/2014/main" id="{B1E04B0E-900A-4B10-BB9B-44E21F21BCEF}"/>
+              </a:ext>
+            </a:extLst>
+          </p:cNvPr>
+          <p:cNvCxnSpPr>
+            <a:cxnSpLocks/>
+            <a:endCxn id="3" idx="2"/>
+          </p:cNvCxnSpPr>
+          <p:nvPr/>
+        </p:nvCxnSpPr>
+        <p:spPr>
+          <a:xfrm>
+            <a:off x="1859653" y="2988663"/>
+            <a:ext cx="872243" cy="0"/>
+          </a:xfrm>
+          <a:prstGeom prst="straightConnector1">
+            <a:avLst/>
+          </a:prstGeom>
+          <a:ln w="28575">
+            <a:tailEnd type="triangle"/>
+          </a:ln>
+        </p:spPr>
+        <p:style>
+          <a:lnRef idx="1">
+            <a:schemeClr val="dk1"/>
+          </a:lnRef>
+          <a:fillRef idx="0">
+            <a:schemeClr val="dk1"/>
+          </a:fillRef>
+          <a:effectRef idx="0">
+            <a:schemeClr val="dk1"/>
+          </a:effectRef>
+          <a:fontRef idx="minor">
+            <a:schemeClr val="tx1"/>
+          </a:fontRef>
+        </p:style>
+      </p:cxnSp>
+      <p:cxnSp>
+        <p:nvCxnSpPr>
+          <p:cNvPr id="19" name="Straight Connector 18">
+            <a:extLst>
+              <a:ext uri="{FF2B5EF4-FFF2-40B4-BE49-F238E27FC236}">
+                <a16:creationId xmlns:a16="http://schemas.microsoft.com/office/drawing/2014/main" id="{CFCEC27D-2C2E-439D-B361-FF3DD2420595}"/>
+              </a:ext>
+            </a:extLst>
+          </p:cNvPr>
+          <p:cNvCxnSpPr/>
+          <p:nvPr/>
+        </p:nvCxnSpPr>
+        <p:spPr>
+          <a:xfrm>
+            <a:off x="1859653" y="2314894"/>
+            <a:ext cx="0" cy="1347537"/>
+          </a:xfrm>
+          <a:prstGeom prst="line">
+            <a:avLst/>
+          </a:prstGeom>
+          <a:ln w="28575"/>
+        </p:spPr>
+        <p:style>
+          <a:lnRef idx="1">
+            <a:schemeClr val="dk1"/>
+          </a:lnRef>
+          <a:fillRef idx="0">
+            <a:schemeClr val="dk1"/>
+          </a:fillRef>
+          <a:effectRef idx="0">
+            <a:schemeClr val="dk1"/>
+          </a:effectRef>
+          <a:fontRef idx="minor">
+            <a:schemeClr val="tx1"/>
+          </a:fontRef>
+        </p:style>
+      </p:cxnSp>
+      <mc:AlternateContent xmlns:mc="http://schemas.openxmlformats.org/markup-compatibility/2006" xmlns:a14="http://schemas.microsoft.com/office/drawing/2010/main">
+        <mc:Choice Requires="a14">
+          <p:sp>
+            <p:nvSpPr>
+              <p:cNvPr id="32" name="TextBox 31">
+                <a:extLst>
+                  <a:ext uri="{FF2B5EF4-FFF2-40B4-BE49-F238E27FC236}">
+                    <a16:creationId xmlns:a16="http://schemas.microsoft.com/office/drawing/2014/main" id="{F4D60DAA-2DB7-428B-9291-F9FCBD87C2DA}"/>
+                  </a:ext>
+                </a:extLst>
+              </p:cNvPr>
+              <p:cNvSpPr txBox="1"/>
+              <p:nvPr/>
+            </p:nvSpPr>
+            <p:spPr>
+              <a:xfrm>
+                <a:off x="2084531" y="2421935"/>
+                <a:ext cx="422488" cy="430887"/>
+              </a:xfrm>
+              <a:prstGeom prst="rect">
+                <a:avLst/>
+              </a:prstGeom>
+              <a:noFill/>
+            </p:spPr>
+            <p:txBody>
+              <a:bodyPr wrap="none" lIns="0" tIns="0" rIns="0" bIns="0" rtlCol="0">
+                <a:spAutoFit/>
+              </a:bodyPr>
+              <a:lstStyle/>
+              <a:p>
+                <a:pPr/>
+                <a14:m>
+                  <m:oMathPara xmlns:m="http://schemas.openxmlformats.org/officeDocument/2006/math">
+                    <m:oMathParaPr>
+                      <m:jc m:val="centerGroup"/>
+                    </m:oMathParaPr>
+                    <m:oMath xmlns:m="http://schemas.openxmlformats.org/officeDocument/2006/math">
+                      <m:sSub>
+                        <m:sSubPr>
+                          <m:ctrlPr>
+                            <a:rPr lang="en-GB" sz="2800" b="0" i="1" smtClean="0">
+                              <a:latin typeface="Cambria Math" panose="02040503050406030204" pitchFamily="18" charset="0"/>
+                            </a:rPr>
+                          </m:ctrlPr>
+                        </m:sSubPr>
+                        <m:e>
+                          <m:r>
+                            <a:rPr lang="en-GB" sz="2800" b="0" i="1" smtClean="0">
+                              <a:latin typeface="Cambria Math" panose="02040503050406030204" pitchFamily="18" charset="0"/>
+                            </a:rPr>
+                            <m:t>𝛿</m:t>
+                          </m:r>
+                        </m:e>
+                        <m:sub>
+                          <m:r>
+                            <a:rPr lang="en-GB" sz="2800" b="0" i="1" smtClean="0">
+                              <a:latin typeface="Cambria Math" panose="02040503050406030204" pitchFamily="18" charset="0"/>
+                            </a:rPr>
+                            <m:t>1</m:t>
+                          </m:r>
+                        </m:sub>
+                      </m:sSub>
+                    </m:oMath>
+                  </m:oMathPara>
+                </a14:m>
+                <a:endParaRPr lang="en-GB" sz="2800" b="0" dirty="0"/>
+              </a:p>
+            </p:txBody>
+          </p:sp>
+        </mc:Choice>
+        <mc:Fallback xmlns="">
+          <p:sp>
+            <p:nvSpPr>
+              <p:cNvPr id="32" name="TextBox 31">
+                <a:extLst>
+                  <a:ext uri="{FF2B5EF4-FFF2-40B4-BE49-F238E27FC236}">
+                    <a16:creationId xmlns:a16="http://schemas.microsoft.com/office/drawing/2014/main" id="{F4D60DAA-2DB7-428B-9291-F9FCBD87C2DA}"/>
+                  </a:ext>
+                </a:extLst>
+              </p:cNvPr>
+              <p:cNvSpPr txBox="1">
+                <a:spLocks noRot="1" noChangeAspect="1" noMove="1" noResize="1" noEditPoints="1" noAdjustHandles="1" noChangeArrowheads="1" noChangeShapeType="1" noTextEdit="1"/>
+              </p:cNvSpPr>
+              <p:nvPr/>
+            </p:nvSpPr>
+            <p:spPr>
+              <a:xfrm>
+                <a:off x="2084531" y="2421935"/>
+                <a:ext cx="422488" cy="430887"/>
+              </a:xfrm>
+              <a:prstGeom prst="rect">
+                <a:avLst/>
+              </a:prstGeom>
+              <a:blipFill>
+                <a:blip r:embed="rId2"/>
+                <a:stretch>
+                  <a:fillRect/>
+                </a:stretch>
+              </a:blipFill>
+            </p:spPr>
+            <p:txBody>
+              <a:bodyPr/>
+              <a:lstStyle/>
+              <a:p>
+                <a:r>
+                  <a:rPr lang="en-GB">
+                    <a:noFill/>
+                  </a:rPr>
+                  <a:t> </a:t>
+                </a:r>
+              </a:p>
+            </p:txBody>
+          </p:sp>
+        </mc:Fallback>
+      </mc:AlternateContent>
+      <mc:AlternateContent xmlns:mc="http://schemas.openxmlformats.org/markup-compatibility/2006" xmlns:a14="http://schemas.microsoft.com/office/drawing/2010/main">
+        <mc:Choice Requires="a14">
+          <p:sp>
+            <p:nvSpPr>
+              <p:cNvPr id="33" name="TextBox 32">
+                <a:extLst>
+                  <a:ext uri="{FF2B5EF4-FFF2-40B4-BE49-F238E27FC236}">
+                    <a16:creationId xmlns:a16="http://schemas.microsoft.com/office/drawing/2014/main" id="{92800D4B-4DC3-476C-BD28-4385A8CC9C4C}"/>
+                  </a:ext>
+                </a:extLst>
+              </p:cNvPr>
+              <p:cNvSpPr txBox="1"/>
+              <p:nvPr/>
+            </p:nvSpPr>
+            <p:spPr>
+              <a:xfrm>
+                <a:off x="1745455" y="4234613"/>
+                <a:ext cx="8701089" cy="923330"/>
+              </a:xfrm>
+              <a:prstGeom prst="rect">
+                <a:avLst/>
+              </a:prstGeom>
+              <a:noFill/>
+            </p:spPr>
+            <p:txBody>
+              <a:bodyPr wrap="square" rtlCol="0">
+                <a:spAutoFit/>
+              </a:bodyPr>
+              <a:lstStyle/>
+              <a:p>
+                <a:pPr marL="285750" indent="-285750">
+                  <a:buFont typeface="Arial" panose="020B0604020202020204" pitchFamily="34" charset="0"/>
+                  <a:buChar char="•"/>
+                </a:pPr>
+                <a:r>
+                  <a:rPr lang="en-GB" dirty="0"/>
+                  <a:t>Draw </a:t>
+                </a:r>
+                <a14:m>
+                  <m:oMath xmlns:m="http://schemas.openxmlformats.org/officeDocument/2006/math">
+                    <m:sSub>
+                      <m:sSubPr>
+                        <m:ctrlPr>
+                          <a:rPr lang="en-GB" b="0" i="1" smtClean="0">
+                            <a:latin typeface="Cambria Math" panose="02040503050406030204" pitchFamily="18" charset="0"/>
+                          </a:rPr>
+                        </m:ctrlPr>
+                      </m:sSubPr>
+                      <m:e>
+                        <m:r>
+                          <a:rPr lang="en-GB" b="0" i="1" smtClean="0">
+                            <a:latin typeface="Cambria Math" panose="02040503050406030204" pitchFamily="18" charset="0"/>
+                          </a:rPr>
+                          <m:t>𝛿</m:t>
+                        </m:r>
+                      </m:e>
+                      <m:sub>
+                        <m:r>
+                          <a:rPr lang="en-GB" b="0" i="1" smtClean="0">
+                            <a:latin typeface="Cambria Math" panose="02040503050406030204" pitchFamily="18" charset="0"/>
+                          </a:rPr>
+                          <m:t>1</m:t>
+                        </m:r>
+                      </m:sub>
+                    </m:sSub>
+                    <m:r>
+                      <a:rPr lang="en-GB" b="0" i="1" smtClean="0">
+                        <a:latin typeface="Cambria Math" panose="02040503050406030204" pitchFamily="18" charset="0"/>
+                      </a:rPr>
+                      <m:t> </m:t>
+                    </m:r>
+                    <m:r>
+                      <a:rPr lang="en-GB" b="0" i="1" smtClean="0">
+                        <a:latin typeface="Cambria Math" panose="02040503050406030204" pitchFamily="18" charset="0"/>
+                        <a:ea typeface="Cambria Math" panose="02040503050406030204" pitchFamily="18" charset="0"/>
+                      </a:rPr>
+                      <m:t>~ </m:t>
+                    </m:r>
+                    <m:r>
+                      <m:rPr>
+                        <m:sty m:val="p"/>
+                      </m:rPr>
+                      <a:rPr lang="en-GB" b="0" i="0" smtClean="0">
+                        <a:latin typeface="Cambria Math" panose="02040503050406030204" pitchFamily="18" charset="0"/>
+                        <a:ea typeface="Cambria Math" panose="02040503050406030204" pitchFamily="18" charset="0"/>
+                      </a:rPr>
+                      <m:t>Γ</m:t>
+                    </m:r>
+                    <m:r>
+                      <a:rPr lang="en-GB" b="0" i="1" smtClean="0">
+                        <a:latin typeface="Cambria Math" panose="02040503050406030204" pitchFamily="18" charset="0"/>
+                        <a:ea typeface="Cambria Math" panose="02040503050406030204" pitchFamily="18" charset="0"/>
+                      </a:rPr>
+                      <m:t>(</m:t>
+                    </m:r>
+                    <m:r>
+                      <a:rPr lang="en-GB" b="0" i="1" smtClean="0">
+                        <a:latin typeface="Cambria Math" panose="02040503050406030204" pitchFamily="18" charset="0"/>
+                        <a:ea typeface="Cambria Math" panose="02040503050406030204" pitchFamily="18" charset="0"/>
+                      </a:rPr>
+                      <m:t>𝛼</m:t>
+                    </m:r>
+                    <m:r>
+                      <a:rPr lang="en-GB" b="0" i="1" smtClean="0">
+                        <a:latin typeface="Cambria Math" panose="02040503050406030204" pitchFamily="18" charset="0"/>
+                        <a:ea typeface="Cambria Math" panose="02040503050406030204" pitchFamily="18" charset="0"/>
+                      </a:rPr>
+                      <m:t>, </m:t>
+                    </m:r>
+                    <m:r>
+                      <a:rPr lang="en-GB" b="0" i="1" smtClean="0">
+                        <a:latin typeface="Cambria Math" panose="02040503050406030204" pitchFamily="18" charset="0"/>
+                        <a:ea typeface="Cambria Math" panose="02040503050406030204" pitchFamily="18" charset="0"/>
+                      </a:rPr>
+                      <m:t>𝛽</m:t>
+                    </m:r>
+                    <m:r>
+                      <a:rPr lang="en-GB" b="0" i="1" smtClean="0">
+                        <a:latin typeface="Cambria Math" panose="02040503050406030204" pitchFamily="18" charset="0"/>
+                        <a:ea typeface="Cambria Math" panose="02040503050406030204" pitchFamily="18" charset="0"/>
+                      </a:rPr>
+                      <m:t>)</m:t>
+                    </m:r>
+                  </m:oMath>
+                </a14:m>
+                <a:endParaRPr lang="en-GB" dirty="0"/>
+              </a:p>
+              <a:p>
+                <a:pPr marL="285750" indent="-285750">
+                  <a:buFont typeface="Arial" panose="020B0604020202020204" pitchFamily="34" charset="0"/>
+                  <a:buChar char="•"/>
+                </a:pPr>
+                <a:r>
+                  <a:rPr lang="en-GB" dirty="0"/>
+                  <a:t>Time between t=0 and first arrival is </a:t>
+                </a:r>
+                <a14:m>
+                  <m:oMath xmlns:m="http://schemas.openxmlformats.org/officeDocument/2006/math">
+                    <m:sSub>
+                      <m:sSubPr>
+                        <m:ctrlPr>
+                          <a:rPr lang="en-GB" sz="1800" b="0" i="1" smtClean="0">
+                            <a:latin typeface="Cambria Math" panose="02040503050406030204" pitchFamily="18" charset="0"/>
+                          </a:rPr>
+                        </m:ctrlPr>
+                      </m:sSubPr>
+                      <m:e>
+                        <m:r>
+                          <a:rPr lang="en-GB" sz="1800" b="0" i="1" smtClean="0">
+                            <a:latin typeface="Cambria Math" panose="02040503050406030204" pitchFamily="18" charset="0"/>
+                          </a:rPr>
+                          <m:t>𝛿</m:t>
+                        </m:r>
+                      </m:e>
+                      <m:sub>
+                        <m:r>
+                          <a:rPr lang="en-GB" sz="1800" b="0" i="1" smtClean="0">
+                            <a:latin typeface="Cambria Math" panose="02040503050406030204" pitchFamily="18" charset="0"/>
+                          </a:rPr>
+                          <m:t>1</m:t>
+                        </m:r>
+                      </m:sub>
+                    </m:sSub>
+                  </m:oMath>
+                </a14:m>
+                <a:endParaRPr lang="en-GB" dirty="0"/>
+              </a:p>
+              <a:p>
+                <a:pPr marL="285750" indent="-285750">
+                  <a:buFont typeface="Arial" panose="020B0604020202020204" pitchFamily="34" charset="0"/>
+                  <a:buChar char="•"/>
+                </a:pPr>
+                <a:r>
+                  <a:rPr lang="en-GB" dirty="0"/>
+                  <a:t>Animal arrives at t</a:t>
+                </a:r>
+                <a:r>
+                  <a:rPr lang="en-GB" baseline="-25000" dirty="0"/>
+                  <a:t>1</a:t>
+                </a:r>
+                <a:r>
+                  <a:rPr lang="en-GB" dirty="0"/>
+                  <a:t>=</a:t>
+                </a:r>
+                <a:r>
+                  <a:rPr lang="en-GB" sz="1800" b="0" dirty="0"/>
+                  <a:t> </a:t>
+                </a:r>
+                <a14:m>
+                  <m:oMath xmlns:m="http://schemas.openxmlformats.org/officeDocument/2006/math">
+                    <m:sSub>
+                      <m:sSubPr>
+                        <m:ctrlPr>
+                          <a:rPr lang="en-GB" sz="1800" b="0" i="1" smtClean="0">
+                            <a:latin typeface="Cambria Math" panose="02040503050406030204" pitchFamily="18" charset="0"/>
+                          </a:rPr>
+                        </m:ctrlPr>
+                      </m:sSubPr>
+                      <m:e>
+                        <m:r>
+                          <a:rPr lang="en-GB" sz="1800" b="0" i="1" smtClean="0">
+                            <a:latin typeface="Cambria Math" panose="02040503050406030204" pitchFamily="18" charset="0"/>
+                          </a:rPr>
+                          <m:t>𝛿</m:t>
+                        </m:r>
+                      </m:e>
+                      <m:sub>
+                        <m:r>
+                          <a:rPr lang="en-GB" sz="1800" b="0" i="1" smtClean="0">
+                            <a:latin typeface="Cambria Math" panose="02040503050406030204" pitchFamily="18" charset="0"/>
+                          </a:rPr>
+                          <m:t>1</m:t>
+                        </m:r>
+                      </m:sub>
+                    </m:sSub>
+                  </m:oMath>
+                </a14:m>
+                <a:endParaRPr lang="en-GB" dirty="0"/>
+              </a:p>
+            </p:txBody>
+          </p:sp>
+        </mc:Choice>
+        <mc:Fallback xmlns="">
+          <p:sp>
+            <p:nvSpPr>
+              <p:cNvPr id="33" name="TextBox 32">
+                <a:extLst>
+                  <a:ext uri="{FF2B5EF4-FFF2-40B4-BE49-F238E27FC236}">
+                    <a16:creationId xmlns:a16="http://schemas.microsoft.com/office/drawing/2014/main" id="{92800D4B-4DC3-476C-BD28-4385A8CC9C4C}"/>
+                  </a:ext>
+                </a:extLst>
+              </p:cNvPr>
+              <p:cNvSpPr txBox="1">
+                <a:spLocks noRot="1" noChangeAspect="1" noMove="1" noResize="1" noEditPoints="1" noAdjustHandles="1" noChangeArrowheads="1" noChangeShapeType="1" noTextEdit="1"/>
+              </p:cNvSpPr>
+              <p:nvPr/>
+            </p:nvSpPr>
+            <p:spPr>
+              <a:xfrm>
+                <a:off x="1745455" y="4234613"/>
+                <a:ext cx="8701089" cy="923330"/>
+              </a:xfrm>
+              <a:prstGeom prst="rect">
+                <a:avLst/>
+              </a:prstGeom>
+              <a:blipFill>
+                <a:blip r:embed="rId3"/>
+                <a:stretch>
+                  <a:fillRect l="-420" t="-3974" b="-9934"/>
+                </a:stretch>
+              </a:blipFill>
+            </p:spPr>
+            <p:txBody>
+              <a:bodyPr/>
+              <a:lstStyle/>
+              <a:p>
+                <a:r>
+                  <a:rPr lang="en-GB">
+                    <a:noFill/>
+                  </a:rPr>
+                  <a:t> </a:t>
+                </a:r>
+              </a:p>
+            </p:txBody>
+          </p:sp>
+        </mc:Fallback>
+      </mc:AlternateContent>
+      <p:sp>
+        <p:nvSpPr>
+          <p:cNvPr id="2" name="Title 1">
+            <a:extLst>
+              <a:ext uri="{FF2B5EF4-FFF2-40B4-BE49-F238E27FC236}">
+                <a16:creationId xmlns:a16="http://schemas.microsoft.com/office/drawing/2014/main" id="{C1206F7A-D099-4858-92EB-2ED3617A3E5B}"/>
+              </a:ext>
+            </a:extLst>
+          </p:cNvPr>
+          <p:cNvSpPr>
+            <a:spLocks noGrp="1"/>
+          </p:cNvSpPr>
+          <p:nvPr>
+            <p:ph type="title"/>
+          </p:nvPr>
+        </p:nvSpPr>
+        <p:spPr/>
+        <p:txBody>
+          <a:bodyPr/>
+          <a:lstStyle/>
+          <a:p>
+            <a:r>
+              <a:rPr lang="en-GB" dirty="0"/>
+              <a:t>Simulating Arrivals</a:t>
+            </a:r>
+          </a:p>
+        </p:txBody>
+      </p:sp>
+    </p:spTree>
+    <p:extLst>
+      <p:ext uri="{BB962C8B-B14F-4D97-AF65-F5344CB8AC3E}">
+        <p14:creationId xmlns:p14="http://schemas.microsoft.com/office/powerpoint/2010/main" val="652541662"/>
+      </p:ext>
+    </p:extLst>
+  </p:cSld>
+  <p:clrMapOvr>
+    <a:masterClrMapping/>
+  </p:clrMapOvr>
+</p:sld>
+</file>
+
+<file path=ppt/slides/slide13.xml><?xml version="1.0" encoding="utf-8"?>
 <p:sld xmlns:a="http://schemas.openxmlformats.org/drawingml/2006/main" xmlns:r="http://schemas.openxmlformats.org/officeDocument/2006/relationships" xmlns:p="http://schemas.openxmlformats.org/presentationml/2006/main">
   <p:cSld>
     <p:spTree>
@@ -4518,7 +5725,7 @@
 </p:sld>
 </file>
 
-<file path=ppt/slides/slide11.xml><?xml version="1.0" encoding="utf-8"?>
+<file path=ppt/slides/slide14.xml><?xml version="1.0" encoding="utf-8"?>
 <p:sld xmlns:a="http://schemas.openxmlformats.org/drawingml/2006/main" xmlns:r="http://schemas.openxmlformats.org/officeDocument/2006/relationships" xmlns:p="http://schemas.openxmlformats.org/presentationml/2006/main">
   <p:cSld>
     <p:spTree>
@@ -5354,7 +6561,7 @@
 </p:sld>
 </file>
 
-<file path=ppt/slides/slide12.xml><?xml version="1.0" encoding="utf-8"?>
+<file path=ppt/slides/slide15.xml><?xml version="1.0" encoding="utf-8"?>
 <p:sld xmlns:a="http://schemas.openxmlformats.org/drawingml/2006/main" xmlns:r="http://schemas.openxmlformats.org/officeDocument/2006/relationships" xmlns:p="http://schemas.openxmlformats.org/presentationml/2006/main">
   <p:cSld>
     <p:spTree>
@@ -6046,7 +7253,7 @@
 </p:sld>
 </file>
 
-<file path=ppt/slides/slide13.xml><?xml version="1.0" encoding="utf-8"?>
+<file path=ppt/slides/slide16.xml><?xml version="1.0" encoding="utf-8"?>
 <p:sld xmlns:a="http://schemas.openxmlformats.org/drawingml/2006/main" xmlns:r="http://schemas.openxmlformats.org/officeDocument/2006/relationships" xmlns:p="http://schemas.openxmlformats.org/presentationml/2006/main">
   <p:cSld>
     <p:spTree>
@@ -6852,7 +8059,7 @@
 </p:sld>
 </file>
 
-<file path=ppt/slides/slide14.xml><?xml version="1.0" encoding="utf-8"?>
+<file path=ppt/slides/slide17.xml><?xml version="1.0" encoding="utf-8"?>
 <p:sld xmlns:a="http://schemas.openxmlformats.org/drawingml/2006/main" xmlns:r="http://schemas.openxmlformats.org/officeDocument/2006/relationships" xmlns:p="http://schemas.openxmlformats.org/presentationml/2006/main">
   <p:cSld>
     <p:spTree>
@@ -7381,7 +8588,7 @@
 </p:sld>
 </file>
 
-<file path=ppt/slides/slide15.xml><?xml version="1.0" encoding="utf-8"?>
+<file path=ppt/slides/slide18.xml><?xml version="1.0" encoding="utf-8"?>
 <p:sld xmlns:a="http://schemas.openxmlformats.org/drawingml/2006/main" xmlns:r="http://schemas.openxmlformats.org/officeDocument/2006/relationships" xmlns:p="http://schemas.openxmlformats.org/presentationml/2006/main">
   <p:cSld>
     <p:spTree>
@@ -8743,7 +9950,7 @@
 </p:sld>
 </file>
 
-<file path=ppt/slides/slide16.xml><?xml version="1.0" encoding="utf-8"?>
+<file path=ppt/slides/slide19.xml><?xml version="1.0" encoding="utf-8"?>
 <p:sld xmlns:a="http://schemas.openxmlformats.org/drawingml/2006/main" xmlns:r="http://schemas.openxmlformats.org/officeDocument/2006/relationships" xmlns:p="http://schemas.openxmlformats.org/presentationml/2006/main">
   <p:cSld>
     <p:spTree>
@@ -9141,7 +10348,230 @@
 </p:sld>
 </file>
 
-<file path=ppt/slides/slide17.xml><?xml version="1.0" encoding="utf-8"?>
+<file path=ppt/slides/slide2.xml><?xml version="1.0" encoding="utf-8"?>
+<p:sld xmlns:a="http://schemas.openxmlformats.org/drawingml/2006/main" xmlns:r="http://schemas.openxmlformats.org/officeDocument/2006/relationships" xmlns:p="http://schemas.openxmlformats.org/presentationml/2006/main">
+  <p:cSld>
+    <p:spTree>
+      <p:nvGrpSpPr>
+        <p:cNvPr id="1" name=""/>
+        <p:cNvGrpSpPr/>
+        <p:nvPr/>
+      </p:nvGrpSpPr>
+      <p:grpSpPr>
+        <a:xfrm>
+          <a:off x="0" y="0"/>
+          <a:ext cx="0" cy="0"/>
+          <a:chOff x="0" y="0"/>
+          <a:chExt cx="0" cy="0"/>
+        </a:xfrm>
+      </p:grpSpPr>
+      <p:sp>
+        <p:nvSpPr>
+          <p:cNvPr id="2" name="Title 1">
+            <a:extLst>
+              <a:ext uri="{FF2B5EF4-FFF2-40B4-BE49-F238E27FC236}">
+                <a16:creationId xmlns:a16="http://schemas.microsoft.com/office/drawing/2014/main" id="{F37C549C-2E70-426B-80B4-318D7C6C914F}"/>
+              </a:ext>
+            </a:extLst>
+          </p:cNvPr>
+          <p:cNvSpPr>
+            <a:spLocks noGrp="1"/>
+          </p:cNvSpPr>
+          <p:nvPr>
+            <p:ph type="title"/>
+          </p:nvPr>
+        </p:nvSpPr>
+        <p:spPr/>
+        <p:txBody>
+          <a:bodyPr/>
+          <a:lstStyle/>
+          <a:p>
+            <a:r>
+              <a:rPr lang="en-GB" dirty="0"/>
+              <a:t>Animal Abundance</a:t>
+            </a:r>
+          </a:p>
+        </p:txBody>
+      </p:sp>
+      <p:sp>
+        <p:nvSpPr>
+          <p:cNvPr id="3" name="Content Placeholder 2">
+            <a:extLst>
+              <a:ext uri="{FF2B5EF4-FFF2-40B4-BE49-F238E27FC236}">
+                <a16:creationId xmlns:a16="http://schemas.microsoft.com/office/drawing/2014/main" id="{E7145945-5787-4227-A0E6-64C3A69D8552}"/>
+              </a:ext>
+            </a:extLst>
+          </p:cNvPr>
+          <p:cNvSpPr>
+            <a:spLocks noGrp="1"/>
+          </p:cNvSpPr>
+          <p:nvPr>
+            <p:ph idx="1"/>
+          </p:nvPr>
+        </p:nvSpPr>
+        <p:spPr/>
+        <p:txBody>
+          <a:bodyPr/>
+          <a:lstStyle/>
+          <a:p>
+            <a:r>
+              <a:rPr lang="en-GB" dirty="0"/>
+              <a:t>Abundance is the number of individuals from a given species inhabiting a certain area</a:t>
+            </a:r>
+          </a:p>
+          <a:p>
+            <a:r>
+              <a:rPr lang="en-GB" dirty="0"/>
+              <a:t>Monitoring abundance is important for several reasons:</a:t>
+            </a:r>
+          </a:p>
+        </p:txBody>
+      </p:sp>
+    </p:spTree>
+    <p:extLst>
+      <p:ext uri="{BB962C8B-B14F-4D97-AF65-F5344CB8AC3E}">
+        <p14:creationId xmlns:p14="http://schemas.microsoft.com/office/powerpoint/2010/main" val="3226782664"/>
+      </p:ext>
+    </p:extLst>
+  </p:cSld>
+  <p:clrMapOvr>
+    <a:masterClrMapping/>
+  </p:clrMapOvr>
+  <p:timing>
+    <p:tnLst>
+      <p:par>
+        <p:cTn id="1" dur="indefinite" restart="never" nodeType="tmRoot">
+          <p:childTnLst>
+            <p:seq concurrent="1" nextAc="seek">
+              <p:cTn id="2" dur="indefinite" nodeType="mainSeq">
+                <p:childTnLst>
+                  <p:par>
+                    <p:cTn id="3" fill="hold">
+                      <p:stCondLst>
+                        <p:cond delay="indefinite"/>
+                      </p:stCondLst>
+                      <p:childTnLst>
+                        <p:par>
+                          <p:cTn id="4" fill="hold">
+                            <p:stCondLst>
+                              <p:cond delay="0"/>
+                            </p:stCondLst>
+                            <p:childTnLst>
+                              <p:par>
+                                <p:cTn id="5" presetID="1" presetClass="entr" presetSubtype="0" fill="hold" grpId="0" nodeType="clickEffect">
+                                  <p:stCondLst>
+                                    <p:cond delay="0"/>
+                                  </p:stCondLst>
+                                  <p:childTnLst>
+                                    <p:set>
+                                      <p:cBhvr>
+                                        <p:cTn id="6" dur="1" fill="hold">
+                                          <p:stCondLst>
+                                            <p:cond delay="0"/>
+                                          </p:stCondLst>
+                                        </p:cTn>
+                                        <p:tgtEl>
+                                          <p:spTgt spid="3">
+                                            <p:txEl>
+                                              <p:pRg st="0" end="0"/>
+                                            </p:txEl>
+                                          </p:spTgt>
+                                        </p:tgtEl>
+                                        <p:attrNameLst>
+                                          <p:attrName>style.visibility</p:attrName>
+                                        </p:attrNameLst>
+                                      </p:cBhvr>
+                                      <p:to>
+                                        <p:strVal val="visible"/>
+                                      </p:to>
+                                    </p:set>
+                                  </p:childTnLst>
+                                </p:cTn>
+                              </p:par>
+                            </p:childTnLst>
+                          </p:cTn>
+                        </p:par>
+                      </p:childTnLst>
+                    </p:cTn>
+                  </p:par>
+                  <p:par>
+                    <p:cTn id="7" fill="hold">
+                      <p:stCondLst>
+                        <p:cond delay="indefinite"/>
+                      </p:stCondLst>
+                      <p:childTnLst>
+                        <p:par>
+                          <p:cTn id="8" fill="hold">
+                            <p:stCondLst>
+                              <p:cond delay="0"/>
+                            </p:stCondLst>
+                            <p:childTnLst>
+                              <p:par>
+                                <p:cTn id="9" presetID="1" presetClass="entr" presetSubtype="0" fill="hold" grpId="0" nodeType="clickEffect">
+                                  <p:stCondLst>
+                                    <p:cond delay="0"/>
+                                  </p:stCondLst>
+                                  <p:childTnLst>
+                                    <p:set>
+                                      <p:cBhvr>
+                                        <p:cTn id="10" dur="1" fill="hold">
+                                          <p:stCondLst>
+                                            <p:cond delay="0"/>
+                                          </p:stCondLst>
+                                        </p:cTn>
+                                        <p:tgtEl>
+                                          <p:spTgt spid="3">
+                                            <p:txEl>
+                                              <p:pRg st="1" end="1"/>
+                                            </p:txEl>
+                                          </p:spTgt>
+                                        </p:tgtEl>
+                                        <p:attrNameLst>
+                                          <p:attrName>style.visibility</p:attrName>
+                                        </p:attrNameLst>
+                                      </p:cBhvr>
+                                      <p:to>
+                                        <p:strVal val="visible"/>
+                                      </p:to>
+                                    </p:set>
+                                  </p:childTnLst>
+                                </p:cTn>
+                              </p:par>
+                            </p:childTnLst>
+                          </p:cTn>
+                        </p:par>
+                      </p:childTnLst>
+                    </p:cTn>
+                  </p:par>
+                </p:childTnLst>
+              </p:cTn>
+              <p:prevCondLst>
+                <p:cond evt="onPrev" delay="0">
+                  <p:tgtEl>
+                    <p:sldTgt/>
+                  </p:tgtEl>
+                </p:cond>
+              </p:prevCondLst>
+              <p:nextCondLst>
+                <p:cond evt="onNext" delay="0">
+                  <p:tgtEl>
+                    <p:sldTgt/>
+                  </p:tgtEl>
+                </p:cond>
+              </p:nextCondLst>
+            </p:seq>
+          </p:childTnLst>
+        </p:cTn>
+      </p:par>
+    </p:tnLst>
+    <p:bldLst>
+      <p:bldP spid="3" grpId="0" build="p"/>
+    </p:bldLst>
+  </p:timing>
+</p:sld>
+</file>
+
+<file path=ppt/slides/slide20.xml><?xml version="1.0" encoding="utf-8"?>
 <p:sld xmlns:a="http://schemas.openxmlformats.org/drawingml/2006/main" xmlns:r="http://schemas.openxmlformats.org/officeDocument/2006/relationships" xmlns:p="http://schemas.openxmlformats.org/presentationml/2006/main">
   <p:cSld>
     <p:spTree>
@@ -9788,7 +11218,7 @@
 </p:sld>
 </file>
 
-<file path=ppt/slides/slide18.xml><?xml version="1.0" encoding="utf-8"?>
+<file path=ppt/slides/slide21.xml><?xml version="1.0" encoding="utf-8"?>
 <p:sld xmlns:a="http://schemas.openxmlformats.org/drawingml/2006/main" xmlns:r="http://schemas.openxmlformats.org/officeDocument/2006/relationships" xmlns:p="http://schemas.openxmlformats.org/presentationml/2006/main">
   <p:cSld>
     <p:spTree>
@@ -10015,7 +11445,7 @@
 </p:sld>
 </file>
 
-<file path=ppt/slides/slide19.xml><?xml version="1.0" encoding="utf-8"?>
+<file path=ppt/slides/slide22.xml><?xml version="1.0" encoding="utf-8"?>
 <p:sld xmlns:a="http://schemas.openxmlformats.org/drawingml/2006/main" xmlns:r="http://schemas.openxmlformats.org/officeDocument/2006/relationships" xmlns:p="http://schemas.openxmlformats.org/presentationml/2006/main">
   <p:cSld>
     <p:spTree>
@@ -10178,344 +11608,7 @@
 </p:sld>
 </file>
 
-<file path=ppt/slides/slide2.xml><?xml version="1.0" encoding="utf-8"?>
-<p:sld xmlns:a="http://schemas.openxmlformats.org/drawingml/2006/main" xmlns:r="http://schemas.openxmlformats.org/officeDocument/2006/relationships" xmlns:p="http://schemas.openxmlformats.org/presentationml/2006/main">
-  <p:cSld>
-    <p:spTree>
-      <p:nvGrpSpPr>
-        <p:cNvPr id="1" name=""/>
-        <p:cNvGrpSpPr/>
-        <p:nvPr/>
-      </p:nvGrpSpPr>
-      <p:grpSpPr>
-        <a:xfrm>
-          <a:off x="0" y="0"/>
-          <a:ext cx="0" cy="0"/>
-          <a:chOff x="0" y="0"/>
-          <a:chExt cx="0" cy="0"/>
-        </a:xfrm>
-      </p:grpSpPr>
-      <p:sp>
-        <p:nvSpPr>
-          <p:cNvPr id="2" name="Title 1">
-            <a:extLst>
-              <a:ext uri="{FF2B5EF4-FFF2-40B4-BE49-F238E27FC236}">
-                <a16:creationId xmlns:a16="http://schemas.microsoft.com/office/drawing/2014/main" id="{F37C549C-2E70-426B-80B4-318D7C6C914F}"/>
-              </a:ext>
-            </a:extLst>
-          </p:cNvPr>
-          <p:cNvSpPr>
-            <a:spLocks noGrp="1"/>
-          </p:cNvSpPr>
-          <p:nvPr>
-            <p:ph type="title"/>
-          </p:nvPr>
-        </p:nvSpPr>
-        <p:spPr/>
-        <p:txBody>
-          <a:bodyPr/>
-          <a:lstStyle/>
-          <a:p>
-            <a:r>
-              <a:rPr lang="en-GB" dirty="0"/>
-              <a:t>Animal Abundance</a:t>
-            </a:r>
-          </a:p>
-        </p:txBody>
-      </p:sp>
-      <p:sp>
-        <p:nvSpPr>
-          <p:cNvPr id="3" name="Content Placeholder 2">
-            <a:extLst>
-              <a:ext uri="{FF2B5EF4-FFF2-40B4-BE49-F238E27FC236}">
-                <a16:creationId xmlns:a16="http://schemas.microsoft.com/office/drawing/2014/main" id="{E7145945-5787-4227-A0E6-64C3A69D8552}"/>
-              </a:ext>
-            </a:extLst>
-          </p:cNvPr>
-          <p:cNvSpPr>
-            <a:spLocks noGrp="1"/>
-          </p:cNvSpPr>
-          <p:nvPr>
-            <p:ph idx="1"/>
-          </p:nvPr>
-        </p:nvSpPr>
-        <p:spPr/>
-        <p:txBody>
-          <a:bodyPr/>
-          <a:lstStyle/>
-          <a:p>
-            <a:r>
-              <a:rPr lang="en-GB" dirty="0"/>
-              <a:t>Abundance is the number of individuals from a given species inhabiting a certain area</a:t>
-            </a:r>
-          </a:p>
-          <a:p>
-            <a:r>
-              <a:rPr lang="en-GB" dirty="0"/>
-              <a:t>Monitoring abundance is important for several reasons:</a:t>
-            </a:r>
-          </a:p>
-          <a:p>
-            <a:pPr lvl="1"/>
-            <a:r>
-              <a:rPr lang="en-GB" dirty="0"/>
-              <a:t>Exploring factors that affect abundance</a:t>
-            </a:r>
-          </a:p>
-          <a:p>
-            <a:pPr lvl="1"/>
-            <a:r>
-              <a:rPr lang="en-GB" dirty="0"/>
-              <a:t>Estimating biodiversity</a:t>
-            </a:r>
-          </a:p>
-          <a:p>
-            <a:pPr lvl="1"/>
-            <a:r>
-              <a:rPr lang="en-GB" dirty="0"/>
-              <a:t>Monitoring endangered species </a:t>
-            </a:r>
-          </a:p>
-        </p:txBody>
-      </p:sp>
-    </p:spTree>
-    <p:extLst>
-      <p:ext uri="{BB962C8B-B14F-4D97-AF65-F5344CB8AC3E}">
-        <p14:creationId xmlns:p14="http://schemas.microsoft.com/office/powerpoint/2010/main" val="3226782664"/>
-      </p:ext>
-    </p:extLst>
-  </p:cSld>
-  <p:clrMapOvr>
-    <a:masterClrMapping/>
-  </p:clrMapOvr>
-  <p:timing>
-    <p:tnLst>
-      <p:par>
-        <p:cTn id="1" dur="indefinite" restart="never" nodeType="tmRoot">
-          <p:childTnLst>
-            <p:seq concurrent="1" nextAc="seek">
-              <p:cTn id="2" dur="indefinite" nodeType="mainSeq">
-                <p:childTnLst>
-                  <p:par>
-                    <p:cTn id="3" fill="hold">
-                      <p:stCondLst>
-                        <p:cond delay="indefinite"/>
-                      </p:stCondLst>
-                      <p:childTnLst>
-                        <p:par>
-                          <p:cTn id="4" fill="hold">
-                            <p:stCondLst>
-                              <p:cond delay="0"/>
-                            </p:stCondLst>
-                            <p:childTnLst>
-                              <p:par>
-                                <p:cTn id="5" presetID="1" presetClass="entr" presetSubtype="0" fill="hold" grpId="0" nodeType="clickEffect">
-                                  <p:stCondLst>
-                                    <p:cond delay="0"/>
-                                  </p:stCondLst>
-                                  <p:childTnLst>
-                                    <p:set>
-                                      <p:cBhvr>
-                                        <p:cTn id="6" dur="1" fill="hold">
-                                          <p:stCondLst>
-                                            <p:cond delay="0"/>
-                                          </p:stCondLst>
-                                        </p:cTn>
-                                        <p:tgtEl>
-                                          <p:spTgt spid="3">
-                                            <p:txEl>
-                                              <p:pRg st="0" end="0"/>
-                                            </p:txEl>
-                                          </p:spTgt>
-                                        </p:tgtEl>
-                                        <p:attrNameLst>
-                                          <p:attrName>style.visibility</p:attrName>
-                                        </p:attrNameLst>
-                                      </p:cBhvr>
-                                      <p:to>
-                                        <p:strVal val="visible"/>
-                                      </p:to>
-                                    </p:set>
-                                  </p:childTnLst>
-                                </p:cTn>
-                              </p:par>
-                            </p:childTnLst>
-                          </p:cTn>
-                        </p:par>
-                      </p:childTnLst>
-                    </p:cTn>
-                  </p:par>
-                  <p:par>
-                    <p:cTn id="7" fill="hold">
-                      <p:stCondLst>
-                        <p:cond delay="indefinite"/>
-                      </p:stCondLst>
-                      <p:childTnLst>
-                        <p:par>
-                          <p:cTn id="8" fill="hold">
-                            <p:stCondLst>
-                              <p:cond delay="0"/>
-                            </p:stCondLst>
-                            <p:childTnLst>
-                              <p:par>
-                                <p:cTn id="9" presetID="1" presetClass="entr" presetSubtype="0" fill="hold" grpId="0" nodeType="clickEffect">
-                                  <p:stCondLst>
-                                    <p:cond delay="0"/>
-                                  </p:stCondLst>
-                                  <p:childTnLst>
-                                    <p:set>
-                                      <p:cBhvr>
-                                        <p:cTn id="10" dur="1" fill="hold">
-                                          <p:stCondLst>
-                                            <p:cond delay="0"/>
-                                          </p:stCondLst>
-                                        </p:cTn>
-                                        <p:tgtEl>
-                                          <p:spTgt spid="3">
-                                            <p:txEl>
-                                              <p:pRg st="1" end="1"/>
-                                            </p:txEl>
-                                          </p:spTgt>
-                                        </p:tgtEl>
-                                        <p:attrNameLst>
-                                          <p:attrName>style.visibility</p:attrName>
-                                        </p:attrNameLst>
-                                      </p:cBhvr>
-                                      <p:to>
-                                        <p:strVal val="visible"/>
-                                      </p:to>
-                                    </p:set>
-                                  </p:childTnLst>
-                                </p:cTn>
-                              </p:par>
-                              <p:par>
-                                <p:cTn id="11" presetID="1" presetClass="entr" presetSubtype="0" fill="hold" grpId="0" nodeType="withEffect">
-                                  <p:stCondLst>
-                                    <p:cond delay="0"/>
-                                  </p:stCondLst>
-                                  <p:childTnLst>
-                                    <p:set>
-                                      <p:cBhvr>
-                                        <p:cTn id="12" dur="1" fill="hold">
-                                          <p:stCondLst>
-                                            <p:cond delay="0"/>
-                                          </p:stCondLst>
-                                        </p:cTn>
-                                        <p:tgtEl>
-                                          <p:spTgt spid="3">
-                                            <p:txEl>
-                                              <p:pRg st="2" end="2"/>
-                                            </p:txEl>
-                                          </p:spTgt>
-                                        </p:tgtEl>
-                                        <p:attrNameLst>
-                                          <p:attrName>style.visibility</p:attrName>
-                                        </p:attrNameLst>
-                                      </p:cBhvr>
-                                      <p:to>
-                                        <p:strVal val="visible"/>
-                                      </p:to>
-                                    </p:set>
-                                  </p:childTnLst>
-                                </p:cTn>
-                              </p:par>
-                              <p:par>
-                                <p:cTn id="13" presetID="1" presetClass="entr" presetSubtype="0" fill="hold" grpId="0" nodeType="withEffect">
-                                  <p:stCondLst>
-                                    <p:cond delay="0"/>
-                                  </p:stCondLst>
-                                  <p:childTnLst>
-                                    <p:set>
-                                      <p:cBhvr>
-                                        <p:cTn id="14" dur="1" fill="hold">
-                                          <p:stCondLst>
-                                            <p:cond delay="0"/>
-                                          </p:stCondLst>
-                                        </p:cTn>
-                                        <p:tgtEl>
-                                          <p:spTgt spid="3">
-                                            <p:txEl>
-                                              <p:pRg st="3" end="3"/>
-                                            </p:txEl>
-                                          </p:spTgt>
-                                        </p:tgtEl>
-                                        <p:attrNameLst>
-                                          <p:attrName>style.visibility</p:attrName>
-                                        </p:attrNameLst>
-                                      </p:cBhvr>
-                                      <p:to>
-                                        <p:strVal val="visible"/>
-                                      </p:to>
-                                    </p:set>
-                                  </p:childTnLst>
-                                </p:cTn>
-                              </p:par>
-                              <p:par>
-                                <p:cTn id="15" presetID="1" presetClass="entr" presetSubtype="0" fill="hold" grpId="0" nodeType="withEffect">
-                                  <p:stCondLst>
-                                    <p:cond delay="0"/>
-                                  </p:stCondLst>
-                                  <p:childTnLst>
-                                    <p:set>
-                                      <p:cBhvr>
-                                        <p:cTn id="16" dur="1" fill="hold">
-                                          <p:stCondLst>
-                                            <p:cond delay="0"/>
-                                          </p:stCondLst>
-                                        </p:cTn>
-                                        <p:tgtEl>
-                                          <p:spTgt spid="3">
-                                            <p:txEl>
-                                              <p:pRg st="4" end="4"/>
-                                            </p:txEl>
-                                          </p:spTgt>
-                                        </p:tgtEl>
-                                        <p:attrNameLst>
-                                          <p:attrName>style.visibility</p:attrName>
-                                        </p:attrNameLst>
-                                      </p:cBhvr>
-                                      <p:to>
-                                        <p:strVal val="visible"/>
-                                      </p:to>
-                                    </p:set>
-                                  </p:childTnLst>
-                                </p:cTn>
-                              </p:par>
-                            </p:childTnLst>
-                          </p:cTn>
-                        </p:par>
-                      </p:childTnLst>
-                    </p:cTn>
-                  </p:par>
-                </p:childTnLst>
-              </p:cTn>
-              <p:prevCondLst>
-                <p:cond evt="onPrev" delay="0">
-                  <p:tgtEl>
-                    <p:sldTgt/>
-                  </p:tgtEl>
-                </p:cond>
-              </p:prevCondLst>
-              <p:nextCondLst>
-                <p:cond evt="onNext" delay="0">
-                  <p:tgtEl>
-                    <p:sldTgt/>
-                  </p:tgtEl>
-                </p:cond>
-              </p:nextCondLst>
-            </p:seq>
-          </p:childTnLst>
-        </p:cTn>
-      </p:par>
-    </p:tnLst>
-    <p:bldLst>
-      <p:bldP spid="3" grpId="0" build="p"/>
-    </p:bldLst>
-  </p:timing>
-</p:sld>
-</file>
-
-<file path=ppt/slides/slide20.xml><?xml version="1.0" encoding="utf-8"?>
+<file path=ppt/slides/slide23.xml><?xml version="1.0" encoding="utf-8"?>
 <p:sld xmlns:a="http://schemas.openxmlformats.org/drawingml/2006/main" xmlns:r="http://schemas.openxmlformats.org/officeDocument/2006/relationships" xmlns:p="http://schemas.openxmlformats.org/presentationml/2006/main">
   <p:cSld>
     <p:spTree>
@@ -10737,7 +11830,7 @@
 </p:sld>
 </file>
 
-<file path=ppt/slides/slide21.xml><?xml version="1.0" encoding="utf-8"?>
+<file path=ppt/slides/slide24.xml><?xml version="1.0" encoding="utf-8"?>
 <p:sld xmlns:a="http://schemas.openxmlformats.org/drawingml/2006/main" xmlns:r="http://schemas.openxmlformats.org/officeDocument/2006/relationships" xmlns:p="http://schemas.openxmlformats.org/presentationml/2006/main">
   <p:cSld>
     <p:spTree>
@@ -10966,7 +12059,7 @@
 </p:sld>
 </file>
 
-<file path=ppt/slides/slide22.xml><?xml version="1.0" encoding="utf-8"?>
+<file path=ppt/slides/slide25.xml><?xml version="1.0" encoding="utf-8"?>
 <p:sld xmlns:a="http://schemas.openxmlformats.org/drawingml/2006/main" xmlns:r="http://schemas.openxmlformats.org/officeDocument/2006/relationships" xmlns:p="http://schemas.openxmlformats.org/presentationml/2006/main">
   <p:cSld>
     <p:spTree>
@@ -12938,7 +14031,7 @@
 </p:sld>
 </file>
 
-<file path=ppt/slides/slide23.xml><?xml version="1.0" encoding="utf-8"?>
+<file path=ppt/slides/slide26.xml><?xml version="1.0" encoding="utf-8"?>
 <p:sld xmlns:a="http://schemas.openxmlformats.org/drawingml/2006/main" xmlns:r="http://schemas.openxmlformats.org/officeDocument/2006/relationships" xmlns:p="http://schemas.openxmlformats.org/presentationml/2006/main">
   <p:cSld>
     <p:spTree>
@@ -13031,7 +14124,7 @@
 </p:sld>
 </file>
 
-<file path=ppt/slides/slide24.xml><?xml version="1.0" encoding="utf-8"?>
+<file path=ppt/slides/slide27.xml><?xml version="1.0" encoding="utf-8"?>
 <p:sld xmlns:a="http://schemas.openxmlformats.org/drawingml/2006/main" xmlns:r="http://schemas.openxmlformats.org/officeDocument/2006/relationships" xmlns:p="http://schemas.openxmlformats.org/presentationml/2006/main">
   <p:cSld>
     <p:spTree>
@@ -13124,7 +14217,7 @@
 </p:sld>
 </file>
 
-<file path=ppt/slides/slide25.xml><?xml version="1.0" encoding="utf-8"?>
+<file path=ppt/slides/slide28.xml><?xml version="1.0" encoding="utf-8"?>
 <p:sld xmlns:a="http://schemas.openxmlformats.org/drawingml/2006/main" xmlns:r="http://schemas.openxmlformats.org/officeDocument/2006/relationships" xmlns:p="http://schemas.openxmlformats.org/presentationml/2006/main">
   <p:cSld>
     <p:spTree>
@@ -13535,7 +14628,7 @@
 </p:sld>
 </file>
 
-<file path=ppt/slides/slide26.xml><?xml version="1.0" encoding="utf-8"?>
+<file path=ppt/slides/slide29.xml><?xml version="1.0" encoding="utf-8"?>
 <p:sld xmlns:a="http://schemas.openxmlformats.org/drawingml/2006/main" xmlns:r="http://schemas.openxmlformats.org/officeDocument/2006/relationships" xmlns:p="http://schemas.openxmlformats.org/presentationml/2006/main">
   <p:cSld>
     <p:spTree>
@@ -13623,7 +14716,7 @@
 </p:sld>
 </file>
 
-<file path=ppt/slides/slide27.xml><?xml version="1.0" encoding="utf-8"?>
+<file path=ppt/slides/slide3.xml><?xml version="1.0" encoding="utf-8"?>
 <p:sld xmlns:a="http://schemas.openxmlformats.org/drawingml/2006/main" xmlns:r="http://schemas.openxmlformats.org/officeDocument/2006/relationships" xmlns:p="http://schemas.openxmlformats.org/presentationml/2006/main">
   <p:cSld>
     <p:spTree>
@@ -13645,7 +14738,7 @@
           <p:cNvPr id="2" name="Title 1">
             <a:extLst>
               <a:ext uri="{FF2B5EF4-FFF2-40B4-BE49-F238E27FC236}">
-                <a16:creationId xmlns:a16="http://schemas.microsoft.com/office/drawing/2014/main" id="{8338E3BD-3F6F-458C-86F5-5FE0B544EEE4}"/>
+                <a16:creationId xmlns:a16="http://schemas.microsoft.com/office/drawing/2014/main" id="{F37C549C-2E70-426B-80B4-318D7C6C914F}"/>
               </a:ext>
             </a:extLst>
           </p:cNvPr>
@@ -13663,13 +14756,112 @@
           <a:p>
             <a:r>
               <a:rPr lang="en-GB" dirty="0"/>
-              <a:t>Detectable vs Present</a:t>
+              <a:t>Animal Abundance</a:t>
             </a:r>
           </a:p>
         </p:txBody>
       </p:sp>
-      <mc:AlternateContent xmlns:mc="http://schemas.openxmlformats.org/markup-compatibility/2006">
-        <mc:Choice xmlns:a14="http://schemas.microsoft.com/office/drawing/2010/main" Requires="a14">
+      <p:sp>
+        <p:nvSpPr>
+          <p:cNvPr id="3" name="Content Placeholder 2">
+            <a:extLst>
+              <a:ext uri="{FF2B5EF4-FFF2-40B4-BE49-F238E27FC236}">
+                <a16:creationId xmlns:a16="http://schemas.microsoft.com/office/drawing/2014/main" id="{E7145945-5787-4227-A0E6-64C3A69D8552}"/>
+              </a:ext>
+            </a:extLst>
+          </p:cNvPr>
+          <p:cNvSpPr>
+            <a:spLocks noGrp="1"/>
+          </p:cNvSpPr>
+          <p:nvPr>
+            <p:ph idx="1"/>
+          </p:nvPr>
+        </p:nvSpPr>
+        <p:spPr/>
+        <p:txBody>
+          <a:bodyPr/>
+          <a:lstStyle/>
+          <a:p>
+            <a:r>
+              <a:rPr lang="en-GB" dirty="0"/>
+              <a:t>Abundance is the number of individuals from a given species inhabiting a certain area</a:t>
+            </a:r>
+          </a:p>
+          <a:p>
+            <a:r>
+              <a:rPr lang="en-GB" dirty="0"/>
+              <a:t>Monitoring abundance is important for several reasons:</a:t>
+            </a:r>
+          </a:p>
+          <a:p>
+            <a:pPr lvl="1"/>
+            <a:r>
+              <a:rPr lang="en-GB" dirty="0"/>
+              <a:t>Exploring factors that affect abundance</a:t>
+            </a:r>
+          </a:p>
+        </p:txBody>
+      </p:sp>
+    </p:spTree>
+    <p:extLst>
+      <p:ext uri="{BB962C8B-B14F-4D97-AF65-F5344CB8AC3E}">
+        <p14:creationId xmlns:p14="http://schemas.microsoft.com/office/powerpoint/2010/main" val="3551019289"/>
+      </p:ext>
+    </p:extLst>
+  </p:cSld>
+  <p:clrMapOvr>
+    <a:masterClrMapping/>
+  </p:clrMapOvr>
+</p:sld>
+</file>
+
+<file path=ppt/slides/slide30.xml><?xml version="1.0" encoding="utf-8"?>
+<p:sld xmlns:a="http://schemas.openxmlformats.org/drawingml/2006/main" xmlns:r="http://schemas.openxmlformats.org/officeDocument/2006/relationships" xmlns:p="http://schemas.openxmlformats.org/presentationml/2006/main">
+  <p:cSld>
+    <p:spTree>
+      <p:nvGrpSpPr>
+        <p:cNvPr id="1" name=""/>
+        <p:cNvGrpSpPr/>
+        <p:nvPr/>
+      </p:nvGrpSpPr>
+      <p:grpSpPr>
+        <a:xfrm>
+          <a:off x="0" y="0"/>
+          <a:ext cx="0" cy="0"/>
+          <a:chOff x="0" y="0"/>
+          <a:chExt cx="0" cy="0"/>
+        </a:xfrm>
+      </p:grpSpPr>
+      <p:sp>
+        <p:nvSpPr>
+          <p:cNvPr id="2" name="Title 1">
+            <a:extLst>
+              <a:ext uri="{FF2B5EF4-FFF2-40B4-BE49-F238E27FC236}">
+                <a16:creationId xmlns:a16="http://schemas.microsoft.com/office/drawing/2014/main" id="{8338E3BD-3F6F-458C-86F5-5FE0B544EEE4}"/>
+              </a:ext>
+            </a:extLst>
+          </p:cNvPr>
+          <p:cNvSpPr>
+            <a:spLocks noGrp="1"/>
+          </p:cNvSpPr>
+          <p:nvPr>
+            <p:ph type="title"/>
+          </p:nvPr>
+        </p:nvSpPr>
+        <p:spPr/>
+        <p:txBody>
+          <a:bodyPr/>
+          <a:lstStyle/>
+          <a:p>
+            <a:r>
+              <a:rPr lang="en-GB" dirty="0"/>
+              <a:t>Detectable vs Present</a:t>
+            </a:r>
+          </a:p>
+        </p:txBody>
+      </p:sp>
+      <mc:AlternateContent xmlns:mc="http://schemas.openxmlformats.org/markup-compatibility/2006" xmlns:a14="http://schemas.microsoft.com/office/drawing/2010/main">
+        <mc:Choice Requires="a14">
           <p:sp>
             <p:nvSpPr>
               <p:cNvPr id="3" name="Content Placeholder 2">
@@ -13864,7 +15056,7 @@
                           <a:rPr lang="en-GB" b="0" i="0" smtClean="0">
                             <a:latin typeface="Cambria Math" panose="02040503050406030204" pitchFamily="18" charset="0"/>
                           </a:rPr>
-                          <m:t>-</m:t>
+                          <m:t>−</m:t>
                         </m:r>
                         <m:r>
                           <m:rPr>
@@ -13923,7 +15115,7 @@
             </p:txBody>
           </p:sp>
         </mc:Choice>
-        <mc:Fallback>
+        <mc:Fallback xmlns="">
           <p:sp>
             <p:nvSpPr>
               <p:cNvPr id="3" name="Content Placeholder 2">
@@ -14156,7 +15348,7 @@
 </p:sld>
 </file>
 
-<file path=ppt/slides/slide28.xml><?xml version="1.0" encoding="utf-8"?>
+<file path=ppt/slides/slide31.xml><?xml version="1.0" encoding="utf-8"?>
 <p:sld xmlns:a="http://schemas.openxmlformats.org/drawingml/2006/main" xmlns:r="http://schemas.openxmlformats.org/officeDocument/2006/relationships" xmlns:p="http://schemas.openxmlformats.org/presentationml/2006/main">
   <p:cSld>
     <p:spTree>
@@ -14244,7 +15436,7 @@
 </p:sld>
 </file>
 
-<file path=ppt/slides/slide3.xml><?xml version="1.0" encoding="utf-8"?>
+<file path=ppt/slides/slide4.xml><?xml version="1.0" encoding="utf-8"?>
 <p:sld xmlns:a="http://schemas.openxmlformats.org/drawingml/2006/main" xmlns:r="http://schemas.openxmlformats.org/officeDocument/2006/relationships" xmlns:p="http://schemas.openxmlformats.org/presentationml/2006/main">
   <p:cSld>
     <p:spTree>
@@ -14266,7 +15458,7 @@
           <p:cNvPr id="2" name="Title 1">
             <a:extLst>
               <a:ext uri="{FF2B5EF4-FFF2-40B4-BE49-F238E27FC236}">
-                <a16:creationId xmlns:a16="http://schemas.microsoft.com/office/drawing/2014/main" id="{660E1523-D8B8-4C34-AE8D-EF6139057935}"/>
+                <a16:creationId xmlns:a16="http://schemas.microsoft.com/office/drawing/2014/main" id="{F37C549C-2E70-426B-80B4-318D7C6C914F}"/>
               </a:ext>
             </a:extLst>
           </p:cNvPr>
@@ -14284,7 +15476,7 @@
           <a:p>
             <a:r>
               <a:rPr lang="en-GB" dirty="0"/>
-              <a:t>Estimating Abundance</a:t>
+              <a:t>Animal Abundance</a:t>
             </a:r>
           </a:p>
         </p:txBody>
@@ -14294,7 +15486,7 @@
           <p:cNvPr id="3" name="Content Placeholder 2">
             <a:extLst>
               <a:ext uri="{FF2B5EF4-FFF2-40B4-BE49-F238E27FC236}">
-                <a16:creationId xmlns:a16="http://schemas.microsoft.com/office/drawing/2014/main" id="{B2091533-780A-49E5-9CF8-8AFEF67029EF}"/>
+                <a16:creationId xmlns:a16="http://schemas.microsoft.com/office/drawing/2014/main" id="{E7145945-5787-4227-A0E6-64C3A69D8552}"/>
               </a:ext>
             </a:extLst>
           </p:cNvPr>
@@ -14312,13 +15504,226 @@
           <a:p>
             <a:r>
               <a:rPr lang="en-GB" dirty="0"/>
+              <a:t>Abundance is the number of individuals from a given species inhabiting a certain area</a:t>
+            </a:r>
+          </a:p>
+          <a:p>
+            <a:r>
+              <a:rPr lang="en-GB" dirty="0"/>
+              <a:t>Monitoring abundance is important for several reasons:</a:t>
+            </a:r>
+          </a:p>
+          <a:p>
+            <a:pPr lvl="1"/>
+            <a:r>
+              <a:rPr lang="en-GB" dirty="0"/>
+              <a:t>Exploring factors that affect abundance</a:t>
+            </a:r>
+          </a:p>
+          <a:p>
+            <a:pPr lvl="1"/>
+            <a:r>
+              <a:rPr lang="en-GB" dirty="0"/>
+              <a:t>Estimating biodiversity</a:t>
+            </a:r>
+          </a:p>
+        </p:txBody>
+      </p:sp>
+    </p:spTree>
+    <p:extLst>
+      <p:ext uri="{BB962C8B-B14F-4D97-AF65-F5344CB8AC3E}">
+        <p14:creationId xmlns:p14="http://schemas.microsoft.com/office/powerpoint/2010/main" val="1726224653"/>
+      </p:ext>
+    </p:extLst>
+  </p:cSld>
+  <p:clrMapOvr>
+    <a:masterClrMapping/>
+  </p:clrMapOvr>
+</p:sld>
+</file>
+
+<file path=ppt/slides/slide5.xml><?xml version="1.0" encoding="utf-8"?>
+<p:sld xmlns:a="http://schemas.openxmlformats.org/drawingml/2006/main" xmlns:r="http://schemas.openxmlformats.org/officeDocument/2006/relationships" xmlns:p="http://schemas.openxmlformats.org/presentationml/2006/main">
+  <p:cSld>
+    <p:spTree>
+      <p:nvGrpSpPr>
+        <p:cNvPr id="1" name=""/>
+        <p:cNvGrpSpPr/>
+        <p:nvPr/>
+      </p:nvGrpSpPr>
+      <p:grpSpPr>
+        <a:xfrm>
+          <a:off x="0" y="0"/>
+          <a:ext cx="0" cy="0"/>
+          <a:chOff x="0" y="0"/>
+          <a:chExt cx="0" cy="0"/>
+        </a:xfrm>
+      </p:grpSpPr>
+      <p:sp>
+        <p:nvSpPr>
+          <p:cNvPr id="2" name="Title 1">
+            <a:extLst>
+              <a:ext uri="{FF2B5EF4-FFF2-40B4-BE49-F238E27FC236}">
+                <a16:creationId xmlns:a16="http://schemas.microsoft.com/office/drawing/2014/main" id="{F37C549C-2E70-426B-80B4-318D7C6C914F}"/>
+              </a:ext>
+            </a:extLst>
+          </p:cNvPr>
+          <p:cNvSpPr>
+            <a:spLocks noGrp="1"/>
+          </p:cNvSpPr>
+          <p:nvPr>
+            <p:ph type="title"/>
+          </p:nvPr>
+        </p:nvSpPr>
+        <p:spPr/>
+        <p:txBody>
+          <a:bodyPr/>
+          <a:lstStyle/>
+          <a:p>
+            <a:r>
+              <a:rPr lang="en-GB" dirty="0"/>
+              <a:t>Animal Abundance</a:t>
+            </a:r>
+          </a:p>
+        </p:txBody>
+      </p:sp>
+      <p:sp>
+        <p:nvSpPr>
+          <p:cNvPr id="3" name="Content Placeholder 2">
+            <a:extLst>
+              <a:ext uri="{FF2B5EF4-FFF2-40B4-BE49-F238E27FC236}">
+                <a16:creationId xmlns:a16="http://schemas.microsoft.com/office/drawing/2014/main" id="{E7145945-5787-4227-A0E6-64C3A69D8552}"/>
+              </a:ext>
+            </a:extLst>
+          </p:cNvPr>
+          <p:cNvSpPr>
+            <a:spLocks noGrp="1"/>
+          </p:cNvSpPr>
+          <p:nvPr>
+            <p:ph idx="1"/>
+          </p:nvPr>
+        </p:nvSpPr>
+        <p:spPr/>
+        <p:txBody>
+          <a:bodyPr/>
+          <a:lstStyle/>
+          <a:p>
+            <a:r>
+              <a:rPr lang="en-GB" dirty="0"/>
+              <a:t>Abundance is the number of individuals from a given species inhabiting a certain area</a:t>
+            </a:r>
+          </a:p>
+          <a:p>
+            <a:r>
+              <a:rPr lang="en-GB" dirty="0"/>
+              <a:t>Monitoring abundance is important for several reasons:</a:t>
+            </a:r>
+          </a:p>
+          <a:p>
+            <a:pPr lvl="1"/>
+            <a:r>
+              <a:rPr lang="en-GB" dirty="0"/>
+              <a:t>Exploring factors that affect abundance</a:t>
+            </a:r>
+          </a:p>
+          <a:p>
+            <a:pPr lvl="1"/>
+            <a:r>
+              <a:rPr lang="en-GB" dirty="0"/>
+              <a:t>Estimating biodiversity</a:t>
+            </a:r>
+          </a:p>
+          <a:p>
+            <a:pPr lvl="1"/>
+            <a:r>
+              <a:rPr lang="en-GB" dirty="0"/>
+              <a:t>Monitoring endangered species </a:t>
+            </a:r>
+          </a:p>
+        </p:txBody>
+      </p:sp>
+    </p:spTree>
+    <p:extLst>
+      <p:ext uri="{BB962C8B-B14F-4D97-AF65-F5344CB8AC3E}">
+        <p14:creationId xmlns:p14="http://schemas.microsoft.com/office/powerpoint/2010/main" val="2721393859"/>
+      </p:ext>
+    </p:extLst>
+  </p:cSld>
+  <p:clrMapOvr>
+    <a:masterClrMapping/>
+  </p:clrMapOvr>
+</p:sld>
+</file>
+
+<file path=ppt/slides/slide6.xml><?xml version="1.0" encoding="utf-8"?>
+<p:sld xmlns:a="http://schemas.openxmlformats.org/drawingml/2006/main" xmlns:r="http://schemas.openxmlformats.org/officeDocument/2006/relationships" xmlns:p="http://schemas.openxmlformats.org/presentationml/2006/main">
+  <p:cSld>
+    <p:spTree>
+      <p:nvGrpSpPr>
+        <p:cNvPr id="1" name=""/>
+        <p:cNvGrpSpPr/>
+        <p:nvPr/>
+      </p:nvGrpSpPr>
+      <p:grpSpPr>
+        <a:xfrm>
+          <a:off x="0" y="0"/>
+          <a:ext cx="0" cy="0"/>
+          <a:chOff x="0" y="0"/>
+          <a:chExt cx="0" cy="0"/>
+        </a:xfrm>
+      </p:grpSpPr>
+      <p:sp>
+        <p:nvSpPr>
+          <p:cNvPr id="2" name="Title 1">
+            <a:extLst>
+              <a:ext uri="{FF2B5EF4-FFF2-40B4-BE49-F238E27FC236}">
+                <a16:creationId xmlns:a16="http://schemas.microsoft.com/office/drawing/2014/main" id="{660E1523-D8B8-4C34-AE8D-EF6139057935}"/>
+              </a:ext>
+            </a:extLst>
+          </p:cNvPr>
+          <p:cNvSpPr>
+            <a:spLocks noGrp="1"/>
+          </p:cNvSpPr>
+          <p:nvPr>
+            <p:ph type="title"/>
+          </p:nvPr>
+        </p:nvSpPr>
+        <p:spPr/>
+        <p:txBody>
+          <a:bodyPr/>
+          <a:lstStyle/>
+          <a:p>
+            <a:r>
+              <a:rPr lang="en-GB" dirty="0"/>
+              <a:t>Estimating Abundance</a:t>
+            </a:r>
+          </a:p>
+        </p:txBody>
+      </p:sp>
+      <p:sp>
+        <p:nvSpPr>
+          <p:cNvPr id="3" name="Content Placeholder 2">
+            <a:extLst>
+              <a:ext uri="{FF2B5EF4-FFF2-40B4-BE49-F238E27FC236}">
+                <a16:creationId xmlns:a16="http://schemas.microsoft.com/office/drawing/2014/main" id="{B2091533-780A-49E5-9CF8-8AFEF67029EF}"/>
+              </a:ext>
+            </a:extLst>
+          </p:cNvPr>
+          <p:cNvSpPr>
+            <a:spLocks noGrp="1"/>
+          </p:cNvSpPr>
+          <p:nvPr>
+            <p:ph idx="1"/>
+          </p:nvPr>
+        </p:nvSpPr>
+        <p:spPr/>
+        <p:txBody>
+          <a:bodyPr/>
+          <a:lstStyle/>
+          <a:p>
+            <a:r>
+              <a:rPr lang="en-GB" dirty="0"/>
               <a:t>It is rarely possible to determine the exact abundance of a population</a:t>
-            </a:r>
-          </a:p>
-          <a:p>
-            <a:r>
-              <a:rPr lang="en-GB" dirty="0"/>
-              <a:t>Census surveys are resource intensive and often impractical</a:t>
             </a:r>
           </a:p>
           <a:p>
@@ -14451,55 +15856,6 @@
                       </p:childTnLst>
                     </p:cTn>
                   </p:par>
-                  <p:par>
-                    <p:cTn id="11" fill="hold">
-                      <p:stCondLst>
-                        <p:cond delay="indefinite"/>
-                      </p:stCondLst>
-                      <p:childTnLst>
-                        <p:par>
-                          <p:cTn id="12" fill="hold">
-                            <p:stCondLst>
-                              <p:cond delay="0"/>
-                            </p:stCondLst>
-                            <p:childTnLst>
-                              <p:par>
-                                <p:cTn id="13" presetID="1" presetClass="entr" presetSubtype="0" fill="hold" grpId="0" nodeType="clickEffect">
-                                  <p:stCondLst>
-                                    <p:cond delay="0"/>
-                                  </p:stCondLst>
-                                  <p:childTnLst>
-                                    <p:set>
-                                      <p:cBhvr>
-                                        <p:cTn id="14" dur="1" fill="hold">
-                                          <p:stCondLst>
-                                            <p:cond delay="0"/>
-                                          </p:stCondLst>
-                                        </p:cTn>
-                                        <p:tgtEl>
-                                          <p:spTgt spid="3">
-                                            <p:txEl>
-                                              <p:pRg st="2" end="2"/>
-                                            </p:txEl>
-                                          </p:spTgt>
-                                        </p:tgtEl>
-                                        <p:attrNameLst>
-                                          <p:attrName>style.visibility</p:attrName>
-                                        </p:attrNameLst>
-                                      </p:cBhvr>
-                                      <p:to>
-                                        <p:strVal val="visible"/>
-                                      </p:to>
-                                    </p:set>
-                                  </p:childTnLst>
-                                </p:cTn>
-                              </p:par>
-                            </p:childTnLst>
-                          </p:cTn>
-                        </p:par>
-                      </p:childTnLst>
-                    </p:cTn>
-                  </p:par>
                 </p:childTnLst>
               </p:cTn>
               <p:prevCondLst>
@@ -14528,7 +15884,7 @@
 </p:sld>
 </file>
 
-<file path=ppt/slides/slide4.xml><?xml version="1.0" encoding="utf-8"?>
+<file path=ppt/slides/slide7.xml><?xml version="1.0" encoding="utf-8"?>
 <p:sld xmlns:a="http://schemas.openxmlformats.org/drawingml/2006/main" xmlns:r="http://schemas.openxmlformats.org/officeDocument/2006/relationships" xmlns:p="http://schemas.openxmlformats.org/presentationml/2006/main">
   <p:cSld>
     <p:spTree>
@@ -14806,7 +16162,7 @@
 </p:sld>
 </file>
 
-<file path=ppt/slides/slide5.xml><?xml version="1.0" encoding="utf-8"?>
+<file path=ppt/slides/slide8.xml><?xml version="1.0" encoding="utf-8"?>
 <p:sld xmlns:a="http://schemas.openxmlformats.org/drawingml/2006/main" xmlns:r="http://schemas.openxmlformats.org/officeDocument/2006/relationships" xmlns:p="http://schemas.openxmlformats.org/presentationml/2006/main">
   <p:cSld>
     <p:spTree>
@@ -15109,7 +16465,7 @@
 </p:sld>
 </file>
 
-<file path=ppt/slides/slide6.xml><?xml version="1.0" encoding="utf-8"?>
+<file path=ppt/slides/slide9.xml><?xml version="1.0" encoding="utf-8"?>
 <p:sld xmlns:a="http://schemas.openxmlformats.org/drawingml/2006/main" xmlns:r="http://schemas.openxmlformats.org/officeDocument/2006/relationships" xmlns:p="http://schemas.openxmlformats.org/presentationml/2006/main">
   <p:cSld>
     <p:spTree>
@@ -15413,1210 +16769,6 @@
       <p:bldP spid="3" grpId="0" build="p"/>
     </p:bldLst>
   </p:timing>
-</p:sld>
-</file>
-
-<file path=ppt/slides/slide7.xml><?xml version="1.0" encoding="utf-8"?>
-<p:sld xmlns:a="http://schemas.openxmlformats.org/drawingml/2006/main" xmlns:r="http://schemas.openxmlformats.org/officeDocument/2006/relationships" xmlns:p="http://schemas.openxmlformats.org/presentationml/2006/main">
-  <p:cSld>
-    <p:spTree>
-      <p:nvGrpSpPr>
-        <p:cNvPr id="1" name=""/>
-        <p:cNvGrpSpPr/>
-        <p:nvPr/>
-      </p:nvGrpSpPr>
-      <p:grpSpPr>
-        <a:xfrm>
-          <a:off x="0" y="0"/>
-          <a:ext cx="0" cy="0"/>
-          <a:chOff x="0" y="0"/>
-          <a:chExt cx="0" cy="0"/>
-        </a:xfrm>
-      </p:grpSpPr>
-      <p:sp>
-        <p:nvSpPr>
-          <p:cNvPr id="2" name="Title 1">
-            <a:extLst>
-              <a:ext uri="{FF2B5EF4-FFF2-40B4-BE49-F238E27FC236}">
-                <a16:creationId xmlns:a16="http://schemas.microsoft.com/office/drawing/2014/main" id="{C40F7BD0-BF36-4E4C-A2C2-3E8588ACC67F}"/>
-              </a:ext>
-            </a:extLst>
-          </p:cNvPr>
-          <p:cNvSpPr>
-            <a:spLocks noGrp="1"/>
-          </p:cNvSpPr>
-          <p:nvPr>
-            <p:ph type="title"/>
-          </p:nvPr>
-        </p:nvSpPr>
-        <p:spPr/>
-        <p:txBody>
-          <a:bodyPr/>
-          <a:lstStyle/>
-          <a:p>
-            <a:r>
-              <a:rPr lang="en-GB" dirty="0"/>
-              <a:t>The problem</a:t>
-            </a:r>
-          </a:p>
-        </p:txBody>
-      </p:sp>
-      <p:sp>
-        <p:nvSpPr>
-          <p:cNvPr id="3" name="Content Placeholder 2">
-            <a:extLst>
-              <a:ext uri="{FF2B5EF4-FFF2-40B4-BE49-F238E27FC236}">
-                <a16:creationId xmlns:a16="http://schemas.microsoft.com/office/drawing/2014/main" id="{9B1A691A-D0BC-42B4-B8AF-0EA0B57C0BFB}"/>
-              </a:ext>
-            </a:extLst>
-          </p:cNvPr>
-          <p:cNvSpPr>
-            <a:spLocks noGrp="1"/>
-          </p:cNvSpPr>
-          <p:nvPr>
-            <p:ph idx="1"/>
-          </p:nvPr>
-        </p:nvSpPr>
-        <p:spPr/>
-        <p:txBody>
-          <a:bodyPr/>
-          <a:lstStyle/>
-          <a:p>
-            <a:r>
-              <a:rPr lang="en-GB" dirty="0"/>
-              <a:t>Snow leopards inhabit areas with low average temperatures, often below freezing</a:t>
-            </a:r>
-          </a:p>
-          <a:p>
-            <a:r>
-              <a:rPr lang="en-GB" dirty="0"/>
-              <a:t>This could preserve droppings, allowing them to remain detectable after the snow leopard that produced it has left the area</a:t>
-            </a:r>
-          </a:p>
-          <a:p>
-            <a:r>
-              <a:rPr lang="en-GB" dirty="0"/>
-              <a:t>An estimate based on droppings may therefore be significantly biased</a:t>
-            </a:r>
-          </a:p>
-          <a:p>
-            <a:r>
-              <a:rPr lang="en-GB" dirty="0"/>
-              <a:t>My work has focused on exploring this problem through simulation studies</a:t>
-            </a:r>
-          </a:p>
-        </p:txBody>
-      </p:sp>
-    </p:spTree>
-    <p:extLst>
-      <p:ext uri="{BB962C8B-B14F-4D97-AF65-F5344CB8AC3E}">
-        <p14:creationId xmlns:p14="http://schemas.microsoft.com/office/powerpoint/2010/main" val="1476130020"/>
-      </p:ext>
-    </p:extLst>
-  </p:cSld>
-  <p:clrMapOvr>
-    <a:masterClrMapping/>
-  </p:clrMapOvr>
-  <p:timing>
-    <p:tnLst>
-      <p:par>
-        <p:cTn id="1" dur="indefinite" restart="never" nodeType="tmRoot">
-          <p:childTnLst>
-            <p:seq concurrent="1" nextAc="seek">
-              <p:cTn id="2" dur="indefinite" nodeType="mainSeq">
-                <p:childTnLst>
-                  <p:par>
-                    <p:cTn id="3" fill="hold">
-                      <p:stCondLst>
-                        <p:cond delay="indefinite"/>
-                      </p:stCondLst>
-                      <p:childTnLst>
-                        <p:par>
-                          <p:cTn id="4" fill="hold">
-                            <p:stCondLst>
-                              <p:cond delay="0"/>
-                            </p:stCondLst>
-                            <p:childTnLst>
-                              <p:par>
-                                <p:cTn id="5" presetID="1" presetClass="entr" presetSubtype="0" fill="hold" grpId="0" nodeType="clickEffect">
-                                  <p:stCondLst>
-                                    <p:cond delay="0"/>
-                                  </p:stCondLst>
-                                  <p:childTnLst>
-                                    <p:set>
-                                      <p:cBhvr>
-                                        <p:cTn id="6" dur="1" fill="hold">
-                                          <p:stCondLst>
-                                            <p:cond delay="0"/>
-                                          </p:stCondLst>
-                                        </p:cTn>
-                                        <p:tgtEl>
-                                          <p:spTgt spid="3">
-                                            <p:txEl>
-                                              <p:pRg st="0" end="0"/>
-                                            </p:txEl>
-                                          </p:spTgt>
-                                        </p:tgtEl>
-                                        <p:attrNameLst>
-                                          <p:attrName>style.visibility</p:attrName>
-                                        </p:attrNameLst>
-                                      </p:cBhvr>
-                                      <p:to>
-                                        <p:strVal val="visible"/>
-                                      </p:to>
-                                    </p:set>
-                                  </p:childTnLst>
-                                </p:cTn>
-                              </p:par>
-                            </p:childTnLst>
-                          </p:cTn>
-                        </p:par>
-                      </p:childTnLst>
-                    </p:cTn>
-                  </p:par>
-                  <p:par>
-                    <p:cTn id="7" fill="hold">
-                      <p:stCondLst>
-                        <p:cond delay="indefinite"/>
-                      </p:stCondLst>
-                      <p:childTnLst>
-                        <p:par>
-                          <p:cTn id="8" fill="hold">
-                            <p:stCondLst>
-                              <p:cond delay="0"/>
-                            </p:stCondLst>
-                            <p:childTnLst>
-                              <p:par>
-                                <p:cTn id="9" presetID="1" presetClass="entr" presetSubtype="0" fill="hold" grpId="0" nodeType="clickEffect">
-                                  <p:stCondLst>
-                                    <p:cond delay="0"/>
-                                  </p:stCondLst>
-                                  <p:childTnLst>
-                                    <p:set>
-                                      <p:cBhvr>
-                                        <p:cTn id="10" dur="1" fill="hold">
-                                          <p:stCondLst>
-                                            <p:cond delay="0"/>
-                                          </p:stCondLst>
-                                        </p:cTn>
-                                        <p:tgtEl>
-                                          <p:spTgt spid="3">
-                                            <p:txEl>
-                                              <p:pRg st="1" end="1"/>
-                                            </p:txEl>
-                                          </p:spTgt>
-                                        </p:tgtEl>
-                                        <p:attrNameLst>
-                                          <p:attrName>style.visibility</p:attrName>
-                                        </p:attrNameLst>
-                                      </p:cBhvr>
-                                      <p:to>
-                                        <p:strVal val="visible"/>
-                                      </p:to>
-                                    </p:set>
-                                  </p:childTnLst>
-                                </p:cTn>
-                              </p:par>
-                            </p:childTnLst>
-                          </p:cTn>
-                        </p:par>
-                      </p:childTnLst>
-                    </p:cTn>
-                  </p:par>
-                  <p:par>
-                    <p:cTn id="11" fill="hold">
-                      <p:stCondLst>
-                        <p:cond delay="indefinite"/>
-                      </p:stCondLst>
-                      <p:childTnLst>
-                        <p:par>
-                          <p:cTn id="12" fill="hold">
-                            <p:stCondLst>
-                              <p:cond delay="0"/>
-                            </p:stCondLst>
-                            <p:childTnLst>
-                              <p:par>
-                                <p:cTn id="13" presetID="1" presetClass="entr" presetSubtype="0" fill="hold" grpId="0" nodeType="clickEffect">
-                                  <p:stCondLst>
-                                    <p:cond delay="0"/>
-                                  </p:stCondLst>
-                                  <p:childTnLst>
-                                    <p:set>
-                                      <p:cBhvr>
-                                        <p:cTn id="14" dur="1" fill="hold">
-                                          <p:stCondLst>
-                                            <p:cond delay="0"/>
-                                          </p:stCondLst>
-                                        </p:cTn>
-                                        <p:tgtEl>
-                                          <p:spTgt spid="3">
-                                            <p:txEl>
-                                              <p:pRg st="2" end="2"/>
-                                            </p:txEl>
-                                          </p:spTgt>
-                                        </p:tgtEl>
-                                        <p:attrNameLst>
-                                          <p:attrName>style.visibility</p:attrName>
-                                        </p:attrNameLst>
-                                      </p:cBhvr>
-                                      <p:to>
-                                        <p:strVal val="visible"/>
-                                      </p:to>
-                                    </p:set>
-                                  </p:childTnLst>
-                                </p:cTn>
-                              </p:par>
-                            </p:childTnLst>
-                          </p:cTn>
-                        </p:par>
-                      </p:childTnLst>
-                    </p:cTn>
-                  </p:par>
-                  <p:par>
-                    <p:cTn id="15" fill="hold">
-                      <p:stCondLst>
-                        <p:cond delay="indefinite"/>
-                      </p:stCondLst>
-                      <p:childTnLst>
-                        <p:par>
-                          <p:cTn id="16" fill="hold">
-                            <p:stCondLst>
-                              <p:cond delay="0"/>
-                            </p:stCondLst>
-                            <p:childTnLst>
-                              <p:par>
-                                <p:cTn id="17" presetID="1" presetClass="entr" presetSubtype="0" fill="hold" grpId="0" nodeType="clickEffect">
-                                  <p:stCondLst>
-                                    <p:cond delay="0"/>
-                                  </p:stCondLst>
-                                  <p:childTnLst>
-                                    <p:set>
-                                      <p:cBhvr>
-                                        <p:cTn id="18" dur="1" fill="hold">
-                                          <p:stCondLst>
-                                            <p:cond delay="0"/>
-                                          </p:stCondLst>
-                                        </p:cTn>
-                                        <p:tgtEl>
-                                          <p:spTgt spid="3">
-                                            <p:txEl>
-                                              <p:pRg st="3" end="3"/>
-                                            </p:txEl>
-                                          </p:spTgt>
-                                        </p:tgtEl>
-                                        <p:attrNameLst>
-                                          <p:attrName>style.visibility</p:attrName>
-                                        </p:attrNameLst>
-                                      </p:cBhvr>
-                                      <p:to>
-                                        <p:strVal val="visible"/>
-                                      </p:to>
-                                    </p:set>
-                                  </p:childTnLst>
-                                </p:cTn>
-                              </p:par>
-                            </p:childTnLst>
-                          </p:cTn>
-                        </p:par>
-                      </p:childTnLst>
-                    </p:cTn>
-                  </p:par>
-                </p:childTnLst>
-              </p:cTn>
-              <p:prevCondLst>
-                <p:cond evt="onPrev" delay="0">
-                  <p:tgtEl>
-                    <p:sldTgt/>
-                  </p:tgtEl>
-                </p:cond>
-              </p:prevCondLst>
-              <p:nextCondLst>
-                <p:cond evt="onNext" delay="0">
-                  <p:tgtEl>
-                    <p:sldTgt/>
-                  </p:tgtEl>
-                </p:cond>
-              </p:nextCondLst>
-            </p:seq>
-          </p:childTnLst>
-        </p:cTn>
-      </p:par>
-    </p:tnLst>
-    <p:bldLst>
-      <p:bldP spid="3" grpId="0" build="p"/>
-    </p:bldLst>
-  </p:timing>
-</p:sld>
-</file>
-
-<file path=ppt/slides/slide8.xml><?xml version="1.0" encoding="utf-8"?>
-<p:sld xmlns:a="http://schemas.openxmlformats.org/drawingml/2006/main" xmlns:r="http://schemas.openxmlformats.org/officeDocument/2006/relationships" xmlns:p="http://schemas.openxmlformats.org/presentationml/2006/main">
-  <p:cSld>
-    <p:spTree>
-      <p:nvGrpSpPr>
-        <p:cNvPr id="1" name=""/>
-        <p:cNvGrpSpPr/>
-        <p:nvPr/>
-      </p:nvGrpSpPr>
-      <p:grpSpPr>
-        <a:xfrm>
-          <a:off x="0" y="0"/>
-          <a:ext cx="0" cy="0"/>
-          <a:chOff x="0" y="0"/>
-          <a:chExt cx="0" cy="0"/>
-        </a:xfrm>
-      </p:grpSpPr>
-      <p:sp>
-        <p:nvSpPr>
-          <p:cNvPr id="2" name="Title 1">
-            <a:extLst>
-              <a:ext uri="{FF2B5EF4-FFF2-40B4-BE49-F238E27FC236}">
-                <a16:creationId xmlns:a16="http://schemas.microsoft.com/office/drawing/2014/main" id="{E53155E4-4FB5-4EEE-A7BB-F5E41038F3BE}"/>
-              </a:ext>
-            </a:extLst>
-          </p:cNvPr>
-          <p:cNvSpPr>
-            <a:spLocks noGrp="1"/>
-          </p:cNvSpPr>
-          <p:nvPr>
-            <p:ph type="title"/>
-          </p:nvPr>
-        </p:nvSpPr>
-        <p:spPr/>
-        <p:txBody>
-          <a:bodyPr/>
-          <a:lstStyle/>
-          <a:p>
-            <a:r>
-              <a:rPr lang="en-GB" dirty="0"/>
-              <a:t>Population Simulation</a:t>
-            </a:r>
-          </a:p>
-        </p:txBody>
-      </p:sp>
-      <p:sp>
-        <p:nvSpPr>
-          <p:cNvPr id="3" name="Content Placeholder 2">
-            <a:extLst>
-              <a:ext uri="{FF2B5EF4-FFF2-40B4-BE49-F238E27FC236}">
-                <a16:creationId xmlns:a16="http://schemas.microsoft.com/office/drawing/2014/main" id="{DD652D26-D5FB-4E26-B1C4-99A65AF39024}"/>
-              </a:ext>
-            </a:extLst>
-          </p:cNvPr>
-          <p:cNvSpPr>
-            <a:spLocks noGrp="1"/>
-          </p:cNvSpPr>
-          <p:nvPr>
-            <p:ph idx="1"/>
-          </p:nvPr>
-        </p:nvSpPr>
-        <p:spPr/>
-        <p:txBody>
-          <a:bodyPr>
-            <a:normAutofit/>
-          </a:bodyPr>
-          <a:lstStyle/>
-          <a:p>
-            <a:r>
-              <a:rPr lang="en-GB" dirty="0"/>
-              <a:t>The population model is based on queuing theory</a:t>
-            </a:r>
-          </a:p>
-          <a:p>
-            <a:r>
-              <a:rPr lang="en-GB" dirty="0"/>
-              <a:t>We start with a population of zero, then simulate animals arriving and leaving randomly</a:t>
-            </a:r>
-          </a:p>
-          <a:p>
-            <a:r>
-              <a:rPr lang="en-GB" dirty="0"/>
-              <a:t>We start by drawing interarrival times from some distribution</a:t>
-            </a:r>
-          </a:p>
-        </p:txBody>
-      </p:sp>
-    </p:spTree>
-    <p:extLst>
-      <p:ext uri="{BB962C8B-B14F-4D97-AF65-F5344CB8AC3E}">
-        <p14:creationId xmlns:p14="http://schemas.microsoft.com/office/powerpoint/2010/main" val="3906196949"/>
-      </p:ext>
-    </p:extLst>
-  </p:cSld>
-  <p:clrMapOvr>
-    <a:masterClrMapping/>
-  </p:clrMapOvr>
-  <p:timing>
-    <p:tnLst>
-      <p:par>
-        <p:cTn id="1" dur="indefinite" restart="never" nodeType="tmRoot">
-          <p:childTnLst>
-            <p:seq concurrent="1" nextAc="seek">
-              <p:cTn id="2" dur="indefinite" nodeType="mainSeq">
-                <p:childTnLst>
-                  <p:par>
-                    <p:cTn id="3" fill="hold">
-                      <p:stCondLst>
-                        <p:cond delay="indefinite"/>
-                      </p:stCondLst>
-                      <p:childTnLst>
-                        <p:par>
-                          <p:cTn id="4" fill="hold">
-                            <p:stCondLst>
-                              <p:cond delay="0"/>
-                            </p:stCondLst>
-                            <p:childTnLst>
-                              <p:par>
-                                <p:cTn id="5" presetID="1" presetClass="entr" presetSubtype="0" fill="hold" grpId="0" nodeType="clickEffect">
-                                  <p:stCondLst>
-                                    <p:cond delay="0"/>
-                                  </p:stCondLst>
-                                  <p:childTnLst>
-                                    <p:set>
-                                      <p:cBhvr>
-                                        <p:cTn id="6" dur="1" fill="hold">
-                                          <p:stCondLst>
-                                            <p:cond delay="0"/>
-                                          </p:stCondLst>
-                                        </p:cTn>
-                                        <p:tgtEl>
-                                          <p:spTgt spid="3">
-                                            <p:txEl>
-                                              <p:pRg st="0" end="0"/>
-                                            </p:txEl>
-                                          </p:spTgt>
-                                        </p:tgtEl>
-                                        <p:attrNameLst>
-                                          <p:attrName>style.visibility</p:attrName>
-                                        </p:attrNameLst>
-                                      </p:cBhvr>
-                                      <p:to>
-                                        <p:strVal val="visible"/>
-                                      </p:to>
-                                    </p:set>
-                                  </p:childTnLst>
-                                </p:cTn>
-                              </p:par>
-                            </p:childTnLst>
-                          </p:cTn>
-                        </p:par>
-                      </p:childTnLst>
-                    </p:cTn>
-                  </p:par>
-                  <p:par>
-                    <p:cTn id="7" fill="hold">
-                      <p:stCondLst>
-                        <p:cond delay="indefinite"/>
-                      </p:stCondLst>
-                      <p:childTnLst>
-                        <p:par>
-                          <p:cTn id="8" fill="hold">
-                            <p:stCondLst>
-                              <p:cond delay="0"/>
-                            </p:stCondLst>
-                            <p:childTnLst>
-                              <p:par>
-                                <p:cTn id="9" presetID="1" presetClass="entr" presetSubtype="0" fill="hold" grpId="0" nodeType="clickEffect">
-                                  <p:stCondLst>
-                                    <p:cond delay="0"/>
-                                  </p:stCondLst>
-                                  <p:childTnLst>
-                                    <p:set>
-                                      <p:cBhvr>
-                                        <p:cTn id="10" dur="1" fill="hold">
-                                          <p:stCondLst>
-                                            <p:cond delay="0"/>
-                                          </p:stCondLst>
-                                        </p:cTn>
-                                        <p:tgtEl>
-                                          <p:spTgt spid="3">
-                                            <p:txEl>
-                                              <p:pRg st="1" end="1"/>
-                                            </p:txEl>
-                                          </p:spTgt>
-                                        </p:tgtEl>
-                                        <p:attrNameLst>
-                                          <p:attrName>style.visibility</p:attrName>
-                                        </p:attrNameLst>
-                                      </p:cBhvr>
-                                      <p:to>
-                                        <p:strVal val="visible"/>
-                                      </p:to>
-                                    </p:set>
-                                  </p:childTnLst>
-                                </p:cTn>
-                              </p:par>
-                            </p:childTnLst>
-                          </p:cTn>
-                        </p:par>
-                      </p:childTnLst>
-                    </p:cTn>
-                  </p:par>
-                  <p:par>
-                    <p:cTn id="11" fill="hold">
-                      <p:stCondLst>
-                        <p:cond delay="indefinite"/>
-                      </p:stCondLst>
-                      <p:childTnLst>
-                        <p:par>
-                          <p:cTn id="12" fill="hold">
-                            <p:stCondLst>
-                              <p:cond delay="0"/>
-                            </p:stCondLst>
-                            <p:childTnLst>
-                              <p:par>
-                                <p:cTn id="13" presetID="1" presetClass="entr" presetSubtype="0" fill="hold" grpId="0" nodeType="clickEffect">
-                                  <p:stCondLst>
-                                    <p:cond delay="0"/>
-                                  </p:stCondLst>
-                                  <p:childTnLst>
-                                    <p:set>
-                                      <p:cBhvr>
-                                        <p:cTn id="14" dur="1" fill="hold">
-                                          <p:stCondLst>
-                                            <p:cond delay="0"/>
-                                          </p:stCondLst>
-                                        </p:cTn>
-                                        <p:tgtEl>
-                                          <p:spTgt spid="3">
-                                            <p:txEl>
-                                              <p:pRg st="2" end="2"/>
-                                            </p:txEl>
-                                          </p:spTgt>
-                                        </p:tgtEl>
-                                        <p:attrNameLst>
-                                          <p:attrName>style.visibility</p:attrName>
-                                        </p:attrNameLst>
-                                      </p:cBhvr>
-                                      <p:to>
-                                        <p:strVal val="visible"/>
-                                      </p:to>
-                                    </p:set>
-                                  </p:childTnLst>
-                                </p:cTn>
-                              </p:par>
-                            </p:childTnLst>
-                          </p:cTn>
-                        </p:par>
-                      </p:childTnLst>
-                    </p:cTn>
-                  </p:par>
-                </p:childTnLst>
-              </p:cTn>
-              <p:prevCondLst>
-                <p:cond evt="onPrev" delay="0">
-                  <p:tgtEl>
-                    <p:sldTgt/>
-                  </p:tgtEl>
-                </p:cond>
-              </p:prevCondLst>
-              <p:nextCondLst>
-                <p:cond evt="onNext" delay="0">
-                  <p:tgtEl>
-                    <p:sldTgt/>
-                  </p:tgtEl>
-                </p:cond>
-              </p:nextCondLst>
-            </p:seq>
-          </p:childTnLst>
-        </p:cTn>
-      </p:par>
-    </p:tnLst>
-    <p:bldLst>
-      <p:bldP spid="3" grpId="0" build="p"/>
-    </p:bldLst>
-  </p:timing>
-</p:sld>
-</file>
-
-<file path=ppt/slides/slide9.xml><?xml version="1.0" encoding="utf-8"?>
-<p:sld xmlns:a="http://schemas.openxmlformats.org/drawingml/2006/main" xmlns:r="http://schemas.openxmlformats.org/officeDocument/2006/relationships" xmlns:p="http://schemas.openxmlformats.org/presentationml/2006/main">
-  <p:cSld>
-    <p:spTree>
-      <p:nvGrpSpPr>
-        <p:cNvPr id="1" name=""/>
-        <p:cNvGrpSpPr/>
-        <p:nvPr/>
-      </p:nvGrpSpPr>
-      <p:grpSpPr>
-        <a:xfrm>
-          <a:off x="0" y="0"/>
-          <a:ext cx="0" cy="0"/>
-          <a:chOff x="0" y="0"/>
-          <a:chExt cx="0" cy="0"/>
-        </a:xfrm>
-      </p:grpSpPr>
-      <p:sp>
-        <p:nvSpPr>
-          <p:cNvPr id="3" name="Oval 2">
-            <a:extLst>
-              <a:ext uri="{FF2B5EF4-FFF2-40B4-BE49-F238E27FC236}">
-                <a16:creationId xmlns:a16="http://schemas.microsoft.com/office/drawing/2014/main" id="{91763058-C0EB-4261-82D8-68B0B8907A55}"/>
-              </a:ext>
-            </a:extLst>
-          </p:cNvPr>
-          <p:cNvSpPr/>
-          <p:nvPr/>
-        </p:nvSpPr>
-        <p:spPr>
-          <a:xfrm>
-            <a:off x="2731896" y="2538663"/>
-            <a:ext cx="900000" cy="900000"/>
-          </a:xfrm>
-          <a:prstGeom prst="ellipse">
-            <a:avLst/>
-          </a:prstGeom>
-          <a:noFill/>
-          <a:ln w="38100">
-            <a:solidFill>
-              <a:schemeClr val="tx1"/>
-            </a:solidFill>
-          </a:ln>
-        </p:spPr>
-        <p:style>
-          <a:lnRef idx="2">
-            <a:schemeClr val="accent1">
-              <a:shade val="50000"/>
-            </a:schemeClr>
-          </a:lnRef>
-          <a:fillRef idx="1">
-            <a:schemeClr val="accent1"/>
-          </a:fillRef>
-          <a:effectRef idx="0">
-            <a:schemeClr val="accent1"/>
-          </a:effectRef>
-          <a:fontRef idx="minor">
-            <a:schemeClr val="lt1"/>
-          </a:fontRef>
-        </p:style>
-        <p:txBody>
-          <a:bodyPr rtlCol="0" anchor="ctr"/>
-          <a:lstStyle/>
-          <a:p>
-            <a:pPr algn="ctr"/>
-            <a:r>
-              <a:rPr lang="en-GB" sz="2800" dirty="0">
-                <a:solidFill>
-                  <a:schemeClr val="tx1"/>
-                </a:solidFill>
-              </a:rPr>
-              <a:t>t</a:t>
-            </a:r>
-            <a:r>
-              <a:rPr lang="en-GB" sz="2800" baseline="-25000" dirty="0">
-                <a:solidFill>
-                  <a:schemeClr val="tx1"/>
-                </a:solidFill>
-              </a:rPr>
-              <a:t>1</a:t>
-            </a:r>
-            <a:endParaRPr lang="en-GB" sz="2800" dirty="0">
-              <a:solidFill>
-                <a:schemeClr val="tx1"/>
-              </a:solidFill>
-            </a:endParaRPr>
-          </a:p>
-        </p:txBody>
-      </p:sp>
-      <p:cxnSp>
-        <p:nvCxnSpPr>
-          <p:cNvPr id="9" name="Straight Arrow Connector 8">
-            <a:extLst>
-              <a:ext uri="{FF2B5EF4-FFF2-40B4-BE49-F238E27FC236}">
-                <a16:creationId xmlns:a16="http://schemas.microsoft.com/office/drawing/2014/main" id="{B1E04B0E-900A-4B10-BB9B-44E21F21BCEF}"/>
-              </a:ext>
-            </a:extLst>
-          </p:cNvPr>
-          <p:cNvCxnSpPr>
-            <a:cxnSpLocks/>
-            <a:endCxn id="3" idx="2"/>
-          </p:cNvCxnSpPr>
-          <p:nvPr/>
-        </p:nvCxnSpPr>
-        <p:spPr>
-          <a:xfrm>
-            <a:off x="1859653" y="2988663"/>
-            <a:ext cx="872243" cy="0"/>
-          </a:xfrm>
-          <a:prstGeom prst="straightConnector1">
-            <a:avLst/>
-          </a:prstGeom>
-          <a:ln w="28575">
-            <a:tailEnd type="triangle"/>
-          </a:ln>
-        </p:spPr>
-        <p:style>
-          <a:lnRef idx="1">
-            <a:schemeClr val="dk1"/>
-          </a:lnRef>
-          <a:fillRef idx="0">
-            <a:schemeClr val="dk1"/>
-          </a:fillRef>
-          <a:effectRef idx="0">
-            <a:schemeClr val="dk1"/>
-          </a:effectRef>
-          <a:fontRef idx="minor">
-            <a:schemeClr val="tx1"/>
-          </a:fontRef>
-        </p:style>
-      </p:cxnSp>
-      <p:cxnSp>
-        <p:nvCxnSpPr>
-          <p:cNvPr id="19" name="Straight Connector 18">
-            <a:extLst>
-              <a:ext uri="{FF2B5EF4-FFF2-40B4-BE49-F238E27FC236}">
-                <a16:creationId xmlns:a16="http://schemas.microsoft.com/office/drawing/2014/main" id="{CFCEC27D-2C2E-439D-B361-FF3DD2420595}"/>
-              </a:ext>
-            </a:extLst>
-          </p:cNvPr>
-          <p:cNvCxnSpPr/>
-          <p:nvPr/>
-        </p:nvCxnSpPr>
-        <p:spPr>
-          <a:xfrm>
-            <a:off x="1859653" y="2314894"/>
-            <a:ext cx="0" cy="1347537"/>
-          </a:xfrm>
-          <a:prstGeom prst="line">
-            <a:avLst/>
-          </a:prstGeom>
-          <a:ln w="28575"/>
-        </p:spPr>
-        <p:style>
-          <a:lnRef idx="1">
-            <a:schemeClr val="dk1"/>
-          </a:lnRef>
-          <a:fillRef idx="0">
-            <a:schemeClr val="dk1"/>
-          </a:fillRef>
-          <a:effectRef idx="0">
-            <a:schemeClr val="dk1"/>
-          </a:effectRef>
-          <a:fontRef idx="minor">
-            <a:schemeClr val="tx1"/>
-          </a:fontRef>
-        </p:style>
-      </p:cxnSp>
-      <mc:AlternateContent xmlns:mc="http://schemas.openxmlformats.org/markup-compatibility/2006" xmlns:a14="http://schemas.microsoft.com/office/drawing/2010/main">
-        <mc:Choice Requires="a14">
-          <p:sp>
-            <p:nvSpPr>
-              <p:cNvPr id="32" name="TextBox 31">
-                <a:extLst>
-                  <a:ext uri="{FF2B5EF4-FFF2-40B4-BE49-F238E27FC236}">
-                    <a16:creationId xmlns:a16="http://schemas.microsoft.com/office/drawing/2014/main" id="{F4D60DAA-2DB7-428B-9291-F9FCBD87C2DA}"/>
-                  </a:ext>
-                </a:extLst>
-              </p:cNvPr>
-              <p:cNvSpPr txBox="1"/>
-              <p:nvPr/>
-            </p:nvSpPr>
-            <p:spPr>
-              <a:xfrm>
-                <a:off x="2084531" y="2421935"/>
-                <a:ext cx="422488" cy="430887"/>
-              </a:xfrm>
-              <a:prstGeom prst="rect">
-                <a:avLst/>
-              </a:prstGeom>
-              <a:noFill/>
-            </p:spPr>
-            <p:txBody>
-              <a:bodyPr wrap="none" lIns="0" tIns="0" rIns="0" bIns="0" rtlCol="0">
-                <a:spAutoFit/>
-              </a:bodyPr>
-              <a:lstStyle/>
-              <a:p>
-                <a:pPr/>
-                <a14:m>
-                  <m:oMathPara xmlns:m="http://schemas.openxmlformats.org/officeDocument/2006/math">
-                    <m:oMathParaPr>
-                      <m:jc m:val="centerGroup"/>
-                    </m:oMathParaPr>
-                    <m:oMath xmlns:m="http://schemas.openxmlformats.org/officeDocument/2006/math">
-                      <m:sSub>
-                        <m:sSubPr>
-                          <m:ctrlPr>
-                            <a:rPr lang="en-GB" sz="2800" b="0" i="1" smtClean="0">
-                              <a:latin typeface="Cambria Math" panose="02040503050406030204" pitchFamily="18" charset="0"/>
-                            </a:rPr>
-                          </m:ctrlPr>
-                        </m:sSubPr>
-                        <m:e>
-                          <m:r>
-                            <a:rPr lang="en-GB" sz="2800" b="0" i="1" smtClean="0">
-                              <a:latin typeface="Cambria Math" panose="02040503050406030204" pitchFamily="18" charset="0"/>
-                            </a:rPr>
-                            <m:t>𝛿</m:t>
-                          </m:r>
-                        </m:e>
-                        <m:sub>
-                          <m:r>
-                            <a:rPr lang="en-GB" sz="2800" b="0" i="1" smtClean="0">
-                              <a:latin typeface="Cambria Math" panose="02040503050406030204" pitchFamily="18" charset="0"/>
-                            </a:rPr>
-                            <m:t>1</m:t>
-                          </m:r>
-                        </m:sub>
-                      </m:sSub>
-                    </m:oMath>
-                  </m:oMathPara>
-                </a14:m>
-                <a:endParaRPr lang="en-GB" sz="2800" b="0" dirty="0"/>
-              </a:p>
-            </p:txBody>
-          </p:sp>
-        </mc:Choice>
-        <mc:Fallback xmlns="">
-          <p:sp>
-            <p:nvSpPr>
-              <p:cNvPr id="32" name="TextBox 31">
-                <a:extLst>
-                  <a:ext uri="{FF2B5EF4-FFF2-40B4-BE49-F238E27FC236}">
-                    <a16:creationId xmlns:a16="http://schemas.microsoft.com/office/drawing/2014/main" id="{F4D60DAA-2DB7-428B-9291-F9FCBD87C2DA}"/>
-                  </a:ext>
-                </a:extLst>
-              </p:cNvPr>
-              <p:cNvSpPr txBox="1">
-                <a:spLocks noRot="1" noChangeAspect="1" noMove="1" noResize="1" noEditPoints="1" noAdjustHandles="1" noChangeArrowheads="1" noChangeShapeType="1" noTextEdit="1"/>
-              </p:cNvSpPr>
-              <p:nvPr/>
-            </p:nvSpPr>
-            <p:spPr>
-              <a:xfrm>
-                <a:off x="2084531" y="2421935"/>
-                <a:ext cx="422488" cy="430887"/>
-              </a:xfrm>
-              <a:prstGeom prst="rect">
-                <a:avLst/>
-              </a:prstGeom>
-              <a:blipFill>
-                <a:blip r:embed="rId2"/>
-                <a:stretch>
-                  <a:fillRect/>
-                </a:stretch>
-              </a:blipFill>
-            </p:spPr>
-            <p:txBody>
-              <a:bodyPr/>
-              <a:lstStyle/>
-              <a:p>
-                <a:r>
-                  <a:rPr lang="en-GB">
-                    <a:noFill/>
-                  </a:rPr>
-                  <a:t> </a:t>
-                </a:r>
-              </a:p>
-            </p:txBody>
-          </p:sp>
-        </mc:Fallback>
-      </mc:AlternateContent>
-      <mc:AlternateContent xmlns:mc="http://schemas.openxmlformats.org/markup-compatibility/2006" xmlns:a14="http://schemas.microsoft.com/office/drawing/2010/main">
-        <mc:Choice Requires="a14">
-          <p:sp>
-            <p:nvSpPr>
-              <p:cNvPr id="33" name="TextBox 32">
-                <a:extLst>
-                  <a:ext uri="{FF2B5EF4-FFF2-40B4-BE49-F238E27FC236}">
-                    <a16:creationId xmlns:a16="http://schemas.microsoft.com/office/drawing/2014/main" id="{92800D4B-4DC3-476C-BD28-4385A8CC9C4C}"/>
-                  </a:ext>
-                </a:extLst>
-              </p:cNvPr>
-              <p:cNvSpPr txBox="1"/>
-              <p:nvPr/>
-            </p:nvSpPr>
-            <p:spPr>
-              <a:xfrm>
-                <a:off x="1745455" y="4234613"/>
-                <a:ext cx="8701089" cy="923330"/>
-              </a:xfrm>
-              <a:prstGeom prst="rect">
-                <a:avLst/>
-              </a:prstGeom>
-              <a:noFill/>
-            </p:spPr>
-            <p:txBody>
-              <a:bodyPr wrap="square" rtlCol="0">
-                <a:spAutoFit/>
-              </a:bodyPr>
-              <a:lstStyle/>
-              <a:p>
-                <a:pPr marL="285750" indent="-285750">
-                  <a:buFont typeface="Arial" panose="020B0604020202020204" pitchFamily="34" charset="0"/>
-                  <a:buChar char="•"/>
-                </a:pPr>
-                <a:r>
-                  <a:rPr lang="en-GB" dirty="0"/>
-                  <a:t>Draw </a:t>
-                </a:r>
-                <a14:m>
-                  <m:oMath xmlns:m="http://schemas.openxmlformats.org/officeDocument/2006/math">
-                    <m:sSub>
-                      <m:sSubPr>
-                        <m:ctrlPr>
-                          <a:rPr lang="en-GB" b="0" i="1" smtClean="0">
-                            <a:latin typeface="Cambria Math" panose="02040503050406030204" pitchFamily="18" charset="0"/>
-                          </a:rPr>
-                        </m:ctrlPr>
-                      </m:sSubPr>
-                      <m:e>
-                        <m:r>
-                          <a:rPr lang="en-GB" b="0" i="1" smtClean="0">
-                            <a:latin typeface="Cambria Math" panose="02040503050406030204" pitchFamily="18" charset="0"/>
-                          </a:rPr>
-                          <m:t>𝛿</m:t>
-                        </m:r>
-                      </m:e>
-                      <m:sub>
-                        <m:r>
-                          <a:rPr lang="en-GB" b="0" i="1" smtClean="0">
-                            <a:latin typeface="Cambria Math" panose="02040503050406030204" pitchFamily="18" charset="0"/>
-                          </a:rPr>
-                          <m:t>1</m:t>
-                        </m:r>
-                      </m:sub>
-                    </m:sSub>
-                    <m:r>
-                      <a:rPr lang="en-GB" b="0" i="1" smtClean="0">
-                        <a:latin typeface="Cambria Math" panose="02040503050406030204" pitchFamily="18" charset="0"/>
-                      </a:rPr>
-                      <m:t> </m:t>
-                    </m:r>
-                    <m:r>
-                      <a:rPr lang="en-GB" b="0" i="1" smtClean="0">
-                        <a:latin typeface="Cambria Math" panose="02040503050406030204" pitchFamily="18" charset="0"/>
-                        <a:ea typeface="Cambria Math" panose="02040503050406030204" pitchFamily="18" charset="0"/>
-                      </a:rPr>
-                      <m:t>~ </m:t>
-                    </m:r>
-                    <m:r>
-                      <m:rPr>
-                        <m:sty m:val="p"/>
-                      </m:rPr>
-                      <a:rPr lang="en-GB" b="0" i="0" smtClean="0">
-                        <a:latin typeface="Cambria Math" panose="02040503050406030204" pitchFamily="18" charset="0"/>
-                        <a:ea typeface="Cambria Math" panose="02040503050406030204" pitchFamily="18" charset="0"/>
-                      </a:rPr>
-                      <m:t>Γ</m:t>
-                    </m:r>
-                    <m:r>
-                      <a:rPr lang="en-GB" b="0" i="1" smtClean="0">
-                        <a:latin typeface="Cambria Math" panose="02040503050406030204" pitchFamily="18" charset="0"/>
-                        <a:ea typeface="Cambria Math" panose="02040503050406030204" pitchFamily="18" charset="0"/>
-                      </a:rPr>
-                      <m:t>(</m:t>
-                    </m:r>
-                    <m:r>
-                      <a:rPr lang="en-GB" b="0" i="1" smtClean="0">
-                        <a:latin typeface="Cambria Math" panose="02040503050406030204" pitchFamily="18" charset="0"/>
-                        <a:ea typeface="Cambria Math" panose="02040503050406030204" pitchFamily="18" charset="0"/>
-                      </a:rPr>
-                      <m:t>𝛼</m:t>
-                    </m:r>
-                    <m:r>
-                      <a:rPr lang="en-GB" b="0" i="1" smtClean="0">
-                        <a:latin typeface="Cambria Math" panose="02040503050406030204" pitchFamily="18" charset="0"/>
-                        <a:ea typeface="Cambria Math" panose="02040503050406030204" pitchFamily="18" charset="0"/>
-                      </a:rPr>
-                      <m:t>, </m:t>
-                    </m:r>
-                    <m:r>
-                      <a:rPr lang="en-GB" b="0" i="1" smtClean="0">
-                        <a:latin typeface="Cambria Math" panose="02040503050406030204" pitchFamily="18" charset="0"/>
-                        <a:ea typeface="Cambria Math" panose="02040503050406030204" pitchFamily="18" charset="0"/>
-                      </a:rPr>
-                      <m:t>𝛽</m:t>
-                    </m:r>
-                    <m:r>
-                      <a:rPr lang="en-GB" b="0" i="1" smtClean="0">
-                        <a:latin typeface="Cambria Math" panose="02040503050406030204" pitchFamily="18" charset="0"/>
-                        <a:ea typeface="Cambria Math" panose="02040503050406030204" pitchFamily="18" charset="0"/>
-                      </a:rPr>
-                      <m:t>)</m:t>
-                    </m:r>
-                  </m:oMath>
-                </a14:m>
-                <a:endParaRPr lang="en-GB" dirty="0"/>
-              </a:p>
-              <a:p>
-                <a:pPr marL="285750" indent="-285750">
-                  <a:buFont typeface="Arial" panose="020B0604020202020204" pitchFamily="34" charset="0"/>
-                  <a:buChar char="•"/>
-                </a:pPr>
-                <a:r>
-                  <a:rPr lang="en-GB" dirty="0"/>
-                  <a:t>Time between t=0 and first arrival is </a:t>
-                </a:r>
-                <a14:m>
-                  <m:oMath xmlns:m="http://schemas.openxmlformats.org/officeDocument/2006/math">
-                    <m:sSub>
-                      <m:sSubPr>
-                        <m:ctrlPr>
-                          <a:rPr lang="en-GB" sz="1800" b="0" i="1" smtClean="0">
-                            <a:latin typeface="Cambria Math" panose="02040503050406030204" pitchFamily="18" charset="0"/>
-                          </a:rPr>
-                        </m:ctrlPr>
-                      </m:sSubPr>
-                      <m:e>
-                        <m:r>
-                          <a:rPr lang="en-GB" sz="1800" b="0" i="1" smtClean="0">
-                            <a:latin typeface="Cambria Math" panose="02040503050406030204" pitchFamily="18" charset="0"/>
-                          </a:rPr>
-                          <m:t>𝛿</m:t>
-                        </m:r>
-                      </m:e>
-                      <m:sub>
-                        <m:r>
-                          <a:rPr lang="en-GB" sz="1800" b="0" i="1" smtClean="0">
-                            <a:latin typeface="Cambria Math" panose="02040503050406030204" pitchFamily="18" charset="0"/>
-                          </a:rPr>
-                          <m:t>1</m:t>
-                        </m:r>
-                      </m:sub>
-                    </m:sSub>
-                  </m:oMath>
-                </a14:m>
-                <a:endParaRPr lang="en-GB" dirty="0"/>
-              </a:p>
-              <a:p>
-                <a:pPr marL="285750" indent="-285750">
-                  <a:buFont typeface="Arial" panose="020B0604020202020204" pitchFamily="34" charset="0"/>
-                  <a:buChar char="•"/>
-                </a:pPr>
-                <a:r>
-                  <a:rPr lang="en-GB" dirty="0"/>
-                  <a:t>Animal arrives at t</a:t>
-                </a:r>
-                <a:r>
-                  <a:rPr lang="en-GB" baseline="-25000" dirty="0"/>
-                  <a:t>1</a:t>
-                </a:r>
-                <a:r>
-                  <a:rPr lang="en-GB" dirty="0"/>
-                  <a:t>=</a:t>
-                </a:r>
-                <a:r>
-                  <a:rPr lang="en-GB" sz="1800" b="0" dirty="0"/>
-                  <a:t> </a:t>
-                </a:r>
-                <a14:m>
-                  <m:oMath xmlns:m="http://schemas.openxmlformats.org/officeDocument/2006/math">
-                    <m:sSub>
-                      <m:sSubPr>
-                        <m:ctrlPr>
-                          <a:rPr lang="en-GB" sz="1800" b="0" i="1" smtClean="0">
-                            <a:latin typeface="Cambria Math" panose="02040503050406030204" pitchFamily="18" charset="0"/>
-                          </a:rPr>
-                        </m:ctrlPr>
-                      </m:sSubPr>
-                      <m:e>
-                        <m:r>
-                          <a:rPr lang="en-GB" sz="1800" b="0" i="1" smtClean="0">
-                            <a:latin typeface="Cambria Math" panose="02040503050406030204" pitchFamily="18" charset="0"/>
-                          </a:rPr>
-                          <m:t>𝛿</m:t>
-                        </m:r>
-                      </m:e>
-                      <m:sub>
-                        <m:r>
-                          <a:rPr lang="en-GB" sz="1800" b="0" i="1" smtClean="0">
-                            <a:latin typeface="Cambria Math" panose="02040503050406030204" pitchFamily="18" charset="0"/>
-                          </a:rPr>
-                          <m:t>1</m:t>
-                        </m:r>
-                      </m:sub>
-                    </m:sSub>
-                  </m:oMath>
-                </a14:m>
-                <a:endParaRPr lang="en-GB" dirty="0"/>
-              </a:p>
-            </p:txBody>
-          </p:sp>
-        </mc:Choice>
-        <mc:Fallback xmlns="">
-          <p:sp>
-            <p:nvSpPr>
-              <p:cNvPr id="33" name="TextBox 32">
-                <a:extLst>
-                  <a:ext uri="{FF2B5EF4-FFF2-40B4-BE49-F238E27FC236}">
-                    <a16:creationId xmlns:a16="http://schemas.microsoft.com/office/drawing/2014/main" id="{92800D4B-4DC3-476C-BD28-4385A8CC9C4C}"/>
-                  </a:ext>
-                </a:extLst>
-              </p:cNvPr>
-              <p:cNvSpPr txBox="1">
-                <a:spLocks noRot="1" noChangeAspect="1" noMove="1" noResize="1" noEditPoints="1" noAdjustHandles="1" noChangeArrowheads="1" noChangeShapeType="1" noTextEdit="1"/>
-              </p:cNvSpPr>
-              <p:nvPr/>
-            </p:nvSpPr>
-            <p:spPr>
-              <a:xfrm>
-                <a:off x="1745455" y="4234613"/>
-                <a:ext cx="8701089" cy="923330"/>
-              </a:xfrm>
-              <a:prstGeom prst="rect">
-                <a:avLst/>
-              </a:prstGeom>
-              <a:blipFill>
-                <a:blip r:embed="rId3"/>
-                <a:stretch>
-                  <a:fillRect l="-420" t="-3974" b="-9934"/>
-                </a:stretch>
-              </a:blipFill>
-            </p:spPr>
-            <p:txBody>
-              <a:bodyPr/>
-              <a:lstStyle/>
-              <a:p>
-                <a:r>
-                  <a:rPr lang="en-GB">
-                    <a:noFill/>
-                  </a:rPr>
-                  <a:t> </a:t>
-                </a:r>
-              </a:p>
-            </p:txBody>
-          </p:sp>
-        </mc:Fallback>
-      </mc:AlternateContent>
-      <p:sp>
-        <p:nvSpPr>
-          <p:cNvPr id="2" name="Title 1">
-            <a:extLst>
-              <a:ext uri="{FF2B5EF4-FFF2-40B4-BE49-F238E27FC236}">
-                <a16:creationId xmlns:a16="http://schemas.microsoft.com/office/drawing/2014/main" id="{C1206F7A-D099-4858-92EB-2ED3617A3E5B}"/>
-              </a:ext>
-            </a:extLst>
-          </p:cNvPr>
-          <p:cNvSpPr>
-            <a:spLocks noGrp="1"/>
-          </p:cNvSpPr>
-          <p:nvPr>
-            <p:ph type="title"/>
-          </p:nvPr>
-        </p:nvSpPr>
-        <p:spPr/>
-        <p:txBody>
-          <a:bodyPr/>
-          <a:lstStyle/>
-          <a:p>
-            <a:r>
-              <a:rPr lang="en-GB" dirty="0"/>
-              <a:t>Simulating Arrivals</a:t>
-            </a:r>
-          </a:p>
-        </p:txBody>
-      </p:sp>
-    </p:spTree>
-    <p:extLst>
-      <p:ext uri="{BB962C8B-B14F-4D97-AF65-F5344CB8AC3E}">
-        <p14:creationId xmlns:p14="http://schemas.microsoft.com/office/powerpoint/2010/main" val="652541662"/>
-      </p:ext>
-    </p:extLst>
-  </p:cSld>
-  <p:clrMapOvr>
-    <a:masterClrMapping/>
-  </p:clrMapOvr>
 </p:sld>
 </file>
 
